--- a/docs/架构说明.pptx
+++ b/docs/架构说明.pptx
@@ -3,13 +3,16 @@
 <p:presentation xmlns:a="http://schemas.openxmlformats.org/drawingml/2006/main" xmlns:p="http://schemas.openxmlformats.org/presentationml/2006/main" xmlns:r="http://schemas.openxmlformats.org/officeDocument/2006/relationships" xmlns:p14="http://schemas.microsoft.com/office/powerpoint/2010/main" xmlns:p15="http://schemas.microsoft.com/office/powerpoint/2012/main" xmlns:mc="http://schemas.openxmlformats.org/markup-compatibility/2006">
   <p:sldMasterIdLst>
     <p:sldMasterId id="2147483648" r:id="rId2"/>
+    <p:sldMasterId id="2147483661" r:id="rId3"/>
   </p:sldMasterIdLst>
   <p:sldIdLst>
-    <p:sldId id="256" r:id="rId3"/>
-    <p:sldId id="257" r:id="rId4"/>
-    <p:sldId id="258" r:id="rId5"/>
-    <p:sldId id="259" r:id="rId6"/>
-    <p:sldId id="260" r:id="rId7"/>
+    <p:sldId id="256" r:id="rId4"/>
+    <p:sldId id="257" r:id="rId5"/>
+    <p:sldId id="258" r:id="rId6"/>
+    <p:sldId id="259" r:id="rId7"/>
+    <p:sldId id="260" r:id="rId8"/>
+    <p:sldId id="261" r:id="rId9"/>
+    <p:sldId id="262" r:id="rId10"/>
   </p:sldIdLst>
   <p:sldSz cx="10080625" cy="7559675"/>
   <p:notesSz cx="7559675" cy="10691812"/>
@@ -57,7 +60,7 @@
       </p:grpSpPr>
       <p:sp>
         <p:nvSpPr>
-          <p:cNvPr id="26" name="PlaceHolder 1"/>
+          <p:cNvPr id="23" name="PlaceHolder 1"/>
           <p:cNvSpPr>
             <a:spLocks noGrp="1"/>
           </p:cNvSpPr>
@@ -68,7 +71,7 @@
         <p:spPr>
           <a:xfrm>
             <a:off x="504000" y="301320"/>
-            <a:ext cx="9071640" cy="1262160"/>
+            <a:ext cx="9071280" cy="1261800"/>
           </a:xfrm>
           <a:prstGeom prst="rect">
             <a:avLst/>
@@ -94,7 +97,7 @@
       </p:sp>
       <p:sp>
         <p:nvSpPr>
-          <p:cNvPr id="27" name="PlaceHolder 2"/>
+          <p:cNvPr id="24" name="PlaceHolder 2"/>
           <p:cNvSpPr>
             <a:spLocks noGrp="1"/>
           </p:cNvSpPr>
@@ -105,7 +108,7 @@
         <p:spPr>
           <a:xfrm>
             <a:off x="504000" y="1769040"/>
-            <a:ext cx="9071640" cy="2091240"/>
+            <a:ext cx="9071280" cy="2090880"/>
           </a:xfrm>
           <a:prstGeom prst="rect">
             <a:avLst/>
@@ -130,7 +133,7 @@
       </p:sp>
       <p:sp>
         <p:nvSpPr>
-          <p:cNvPr id="28" name="PlaceHolder 3"/>
+          <p:cNvPr id="25" name="PlaceHolder 3"/>
           <p:cNvSpPr>
             <a:spLocks noGrp="1"/>
           </p:cNvSpPr>
@@ -140,8 +143,8 @@
         </p:nvSpPr>
         <p:spPr>
           <a:xfrm>
-            <a:off x="504000" y="4059360"/>
-            <a:ext cx="9071640" cy="2091240"/>
+            <a:off x="504000" y="4059000"/>
+            <a:ext cx="9071280" cy="2090880"/>
           </a:xfrm>
           <a:prstGeom prst="rect">
             <a:avLst/>
@@ -188,7 +191,7 @@
       </p:grpSpPr>
       <p:sp>
         <p:nvSpPr>
-          <p:cNvPr id="29" name="PlaceHolder 1"/>
+          <p:cNvPr id="26" name="PlaceHolder 1"/>
           <p:cNvSpPr>
             <a:spLocks noGrp="1"/>
           </p:cNvSpPr>
@@ -199,7 +202,7 @@
         <p:spPr>
           <a:xfrm>
             <a:off x="504000" y="301320"/>
-            <a:ext cx="9071640" cy="1262160"/>
+            <a:ext cx="9071280" cy="1261800"/>
           </a:xfrm>
           <a:prstGeom prst="rect">
             <a:avLst/>
@@ -225,7 +228,7 @@
       </p:sp>
       <p:sp>
         <p:nvSpPr>
-          <p:cNvPr id="30" name="PlaceHolder 2"/>
+          <p:cNvPr id="27" name="PlaceHolder 2"/>
           <p:cNvSpPr>
             <a:spLocks noGrp="1"/>
           </p:cNvSpPr>
@@ -236,7 +239,7 @@
         <p:spPr>
           <a:xfrm>
             <a:off x="504000" y="1769040"/>
-            <a:ext cx="4426920" cy="2091240"/>
+            <a:ext cx="4426560" cy="2090880"/>
           </a:xfrm>
           <a:prstGeom prst="rect">
             <a:avLst/>
@@ -261,7 +264,7 @@
       </p:sp>
       <p:sp>
         <p:nvSpPr>
-          <p:cNvPr id="31" name="PlaceHolder 3"/>
+          <p:cNvPr id="28" name="PlaceHolder 3"/>
           <p:cNvSpPr>
             <a:spLocks noGrp="1"/>
           </p:cNvSpPr>
@@ -271,8 +274,8 @@
         </p:nvSpPr>
         <p:spPr>
           <a:xfrm>
-            <a:off x="5152680" y="1769040"/>
-            <a:ext cx="4426920" cy="2091240"/>
+            <a:off x="5152320" y="1769040"/>
+            <a:ext cx="4426560" cy="2090880"/>
           </a:xfrm>
           <a:prstGeom prst="rect">
             <a:avLst/>
@@ -297,7 +300,7 @@
       </p:sp>
       <p:sp>
         <p:nvSpPr>
-          <p:cNvPr id="32" name="PlaceHolder 4"/>
+          <p:cNvPr id="29" name="PlaceHolder 4"/>
           <p:cNvSpPr>
             <a:spLocks noGrp="1"/>
           </p:cNvSpPr>
@@ -307,8 +310,8 @@
         </p:nvSpPr>
         <p:spPr>
           <a:xfrm>
-            <a:off x="5152680" y="4059360"/>
-            <a:ext cx="4426920" cy="2091240"/>
+            <a:off x="5152320" y="4059000"/>
+            <a:ext cx="4426560" cy="2090880"/>
           </a:xfrm>
           <a:prstGeom prst="rect">
             <a:avLst/>
@@ -333,7 +336,7 @@
       </p:sp>
       <p:sp>
         <p:nvSpPr>
-          <p:cNvPr id="33" name="PlaceHolder 5"/>
+          <p:cNvPr id="30" name="PlaceHolder 5"/>
           <p:cNvSpPr>
             <a:spLocks noGrp="1"/>
           </p:cNvSpPr>
@@ -343,8 +346,8 @@
         </p:nvSpPr>
         <p:spPr>
           <a:xfrm>
-            <a:off x="504000" y="4059360"/>
-            <a:ext cx="4426920" cy="2091240"/>
+            <a:off x="504000" y="4059000"/>
+            <a:ext cx="4426560" cy="2090880"/>
           </a:xfrm>
           <a:prstGeom prst="rect">
             <a:avLst/>
@@ -391,7 +394,7 @@
       </p:grpSpPr>
       <p:sp>
         <p:nvSpPr>
-          <p:cNvPr id="34" name="PlaceHolder 1"/>
+          <p:cNvPr id="31" name="PlaceHolder 1"/>
           <p:cNvSpPr>
             <a:spLocks noGrp="1"/>
           </p:cNvSpPr>
@@ -402,7 +405,7 @@
         <p:spPr>
           <a:xfrm>
             <a:off x="504000" y="301320"/>
-            <a:ext cx="9071640" cy="1262160"/>
+            <a:ext cx="9071280" cy="1261800"/>
           </a:xfrm>
           <a:prstGeom prst="rect">
             <a:avLst/>
@@ -428,7 +431,7 @@
       </p:sp>
       <p:sp>
         <p:nvSpPr>
-          <p:cNvPr id="35" name="PlaceHolder 2"/>
+          <p:cNvPr id="32" name="PlaceHolder 2"/>
           <p:cNvSpPr>
             <a:spLocks noGrp="1"/>
           </p:cNvSpPr>
@@ -439,7 +442,7 @@
         <p:spPr>
           <a:xfrm>
             <a:off x="504000" y="1769040"/>
-            <a:ext cx="9071640" cy="4384440"/>
+            <a:ext cx="9071280" cy="4384080"/>
           </a:xfrm>
           <a:prstGeom prst="rect">
             <a:avLst/>
@@ -464,7 +467,7 @@
       </p:sp>
       <p:sp>
         <p:nvSpPr>
-          <p:cNvPr id="36" name="PlaceHolder 3"/>
+          <p:cNvPr id="33" name="PlaceHolder 3"/>
           <p:cNvSpPr>
             <a:spLocks noGrp="1"/>
           </p:cNvSpPr>
@@ -475,7 +478,7 @@
         <p:spPr>
           <a:xfrm>
             <a:off x="504000" y="1769040"/>
-            <a:ext cx="9071640" cy="4384440"/>
+            <a:ext cx="9071280" cy="4384080"/>
           </a:xfrm>
           <a:prstGeom prst="rect">
             <a:avLst/>
@@ -500,7 +503,7 @@
       </p:sp>
       <p:pic>
         <p:nvPicPr>
-          <p:cNvPr id="37" name="" descr=""/>
+          <p:cNvPr id="34" name="" descr=""/>
           <p:cNvPicPr/>
           <p:nvPr/>
         </p:nvPicPr>
@@ -510,8 +513,8 @@
         </p:blipFill>
         <p:spPr>
           <a:xfrm>
-            <a:off x="2292120" y="1768680"/>
-            <a:ext cx="5495040" cy="4384440"/>
+            <a:off x="2292120" y="1769040"/>
+            <a:ext cx="5494680" cy="4384080"/>
           </a:xfrm>
           <a:prstGeom prst="rect">
             <a:avLst/>
@@ -523,7 +526,7 @@
       </p:pic>
       <p:pic>
         <p:nvPicPr>
-          <p:cNvPr id="38" name="" descr=""/>
+          <p:cNvPr id="35" name="" descr=""/>
           <p:cNvPicPr/>
           <p:nvPr/>
         </p:nvPicPr>
@@ -533,8 +536,8 @@
         </p:blipFill>
         <p:spPr>
           <a:xfrm>
-            <a:off x="2292120" y="1768680"/>
-            <a:ext cx="5495040" cy="4384440"/>
+            <a:off x="2292120" y="1769040"/>
+            <a:ext cx="5494680" cy="4384080"/>
           </a:xfrm>
           <a:prstGeom prst="rect">
             <a:avLst/>
@@ -544,6 +547,635 @@
           </a:ln>
         </p:spPr>
       </p:pic>
+    </p:spTree>
+  </p:cSld>
+</p:sldLayout>
+</file>
+
+<file path=ppt/slideLayouts/slideLayout13.xml><?xml version="1.0" encoding="utf-8"?>
+<p:sldLayout xmlns:a="http://schemas.openxmlformats.org/drawingml/2006/main" xmlns:p="http://schemas.openxmlformats.org/presentationml/2006/main" xmlns:r="http://schemas.openxmlformats.org/officeDocument/2006/relationships" xmlns:p14="http://schemas.microsoft.com/office/powerpoint/2010/main" xmlns:p15="http://schemas.microsoft.com/office/powerpoint/2012/main" xmlns:mc="http://schemas.openxmlformats.org/markup-compatibility/2006" type="blank" preserve="1">
+  <p:cSld name="Blank Slide">
+    <p:spTree>
+      <p:nvGrpSpPr>
+        <p:cNvPr id="1" name=""/>
+        <p:cNvGrpSpPr/>
+        <p:nvPr/>
+      </p:nvGrpSpPr>
+      <p:grpSpPr>
+        <a:xfrm>
+          <a:off x="0" y="0"/>
+          <a:ext cx="0" cy="0"/>
+          <a:chOff x="0" y="0"/>
+          <a:chExt cx="0" cy="0"/>
+        </a:xfrm>
+      </p:grpSpPr>
+    </p:spTree>
+  </p:cSld>
+</p:sldLayout>
+</file>
+
+<file path=ppt/slideLayouts/slideLayout14.xml><?xml version="1.0" encoding="utf-8"?>
+<p:sldLayout xmlns:a="http://schemas.openxmlformats.org/drawingml/2006/main" xmlns:p="http://schemas.openxmlformats.org/presentationml/2006/main" xmlns:r="http://schemas.openxmlformats.org/officeDocument/2006/relationships" xmlns:p14="http://schemas.microsoft.com/office/powerpoint/2010/main" xmlns:p15="http://schemas.microsoft.com/office/powerpoint/2012/main" xmlns:mc="http://schemas.openxmlformats.org/markup-compatibility/2006" type="tx" preserve="1">
+  <p:cSld name="Title Slide">
+    <p:spTree>
+      <p:nvGrpSpPr>
+        <p:cNvPr id="1" name=""/>
+        <p:cNvGrpSpPr/>
+        <p:nvPr/>
+      </p:nvGrpSpPr>
+      <p:grpSpPr>
+        <a:xfrm>
+          <a:off x="0" y="0"/>
+          <a:ext cx="0" cy="0"/>
+          <a:chOff x="0" y="0"/>
+          <a:chExt cx="0" cy="0"/>
+        </a:xfrm>
+      </p:grpSpPr>
+      <p:sp>
+        <p:nvSpPr>
+          <p:cNvPr id="38" name="PlaceHolder 1"/>
+          <p:cNvSpPr>
+            <a:spLocks noGrp="1"/>
+          </p:cNvSpPr>
+          <p:nvPr>
+            <p:ph type="title"/>
+          </p:nvPr>
+        </p:nvSpPr>
+        <p:spPr>
+          <a:xfrm>
+            <a:off x="504000" y="301320"/>
+            <a:ext cx="9071280" cy="1261800"/>
+          </a:xfrm>
+          <a:prstGeom prst="rect">
+            <a:avLst/>
+          </a:prstGeom>
+        </p:spPr>
+        <p:txBody>
+          <a:bodyPr lIns="0" rIns="0" tIns="0" bIns="0" anchor="ctr"/>
+          <a:p>
+            <a:pPr algn="ctr"/>
+            <a:endParaRPr b="0" lang="en-US" sz="4400" spc="-1" strike="noStrike">
+              <a:solidFill>
+                <a:srgbClr val="000000"/>
+              </a:solidFill>
+              <a:uFill>
+                <a:solidFill>
+                  <a:srgbClr val="ffffff"/>
+                </a:solidFill>
+              </a:uFill>
+              <a:latin typeface="Arial"/>
+            </a:endParaRPr>
+          </a:p>
+        </p:txBody>
+      </p:sp>
+      <p:sp>
+        <p:nvSpPr>
+          <p:cNvPr id="39" name="PlaceHolder 2"/>
+          <p:cNvSpPr>
+            <a:spLocks noGrp="1"/>
+          </p:cNvSpPr>
+          <p:nvPr>
+            <p:ph type="subTitle"/>
+          </p:nvPr>
+        </p:nvSpPr>
+        <p:spPr>
+          <a:xfrm>
+            <a:off x="504000" y="1769040"/>
+            <a:ext cx="9071280" cy="4384080"/>
+          </a:xfrm>
+          <a:prstGeom prst="rect">
+            <a:avLst/>
+          </a:prstGeom>
+        </p:spPr>
+        <p:txBody>
+          <a:bodyPr lIns="0" rIns="0" tIns="0" bIns="0" anchor="ctr"/>
+          <a:p>
+            <a:pPr algn="ctr"/>
+            <a:endParaRPr b="0" lang="en-US" sz="3200" spc="-1" strike="noStrike">
+              <a:solidFill>
+                <a:srgbClr val="000000"/>
+              </a:solidFill>
+              <a:uFill>
+                <a:solidFill>
+                  <a:srgbClr val="ffffff"/>
+                </a:solidFill>
+              </a:uFill>
+              <a:latin typeface="Arial"/>
+            </a:endParaRPr>
+          </a:p>
+        </p:txBody>
+      </p:sp>
+    </p:spTree>
+  </p:cSld>
+</p:sldLayout>
+</file>
+
+<file path=ppt/slideLayouts/slideLayout15.xml><?xml version="1.0" encoding="utf-8"?>
+<p:sldLayout xmlns:a="http://schemas.openxmlformats.org/drawingml/2006/main" xmlns:p="http://schemas.openxmlformats.org/presentationml/2006/main" xmlns:r="http://schemas.openxmlformats.org/officeDocument/2006/relationships" xmlns:p14="http://schemas.microsoft.com/office/powerpoint/2010/main" xmlns:p15="http://schemas.microsoft.com/office/powerpoint/2012/main" xmlns:mc="http://schemas.openxmlformats.org/markup-compatibility/2006" type="obj" preserve="1">
+  <p:cSld name="Title, Content">
+    <p:spTree>
+      <p:nvGrpSpPr>
+        <p:cNvPr id="1" name=""/>
+        <p:cNvGrpSpPr/>
+        <p:nvPr/>
+      </p:nvGrpSpPr>
+      <p:grpSpPr>
+        <a:xfrm>
+          <a:off x="0" y="0"/>
+          <a:ext cx="0" cy="0"/>
+          <a:chOff x="0" y="0"/>
+          <a:chExt cx="0" cy="0"/>
+        </a:xfrm>
+      </p:grpSpPr>
+      <p:sp>
+        <p:nvSpPr>
+          <p:cNvPr id="40" name="PlaceHolder 1"/>
+          <p:cNvSpPr>
+            <a:spLocks noGrp="1"/>
+          </p:cNvSpPr>
+          <p:nvPr>
+            <p:ph type="title"/>
+          </p:nvPr>
+        </p:nvSpPr>
+        <p:spPr>
+          <a:xfrm>
+            <a:off x="504000" y="301320"/>
+            <a:ext cx="9071280" cy="1261800"/>
+          </a:xfrm>
+          <a:prstGeom prst="rect">
+            <a:avLst/>
+          </a:prstGeom>
+        </p:spPr>
+        <p:txBody>
+          <a:bodyPr lIns="0" rIns="0" tIns="0" bIns="0" anchor="ctr"/>
+          <a:p>
+            <a:pPr algn="ctr"/>
+            <a:endParaRPr b="0" lang="en-US" sz="4400" spc="-1" strike="noStrike">
+              <a:solidFill>
+                <a:srgbClr val="000000"/>
+              </a:solidFill>
+              <a:uFill>
+                <a:solidFill>
+                  <a:srgbClr val="ffffff"/>
+                </a:solidFill>
+              </a:uFill>
+              <a:latin typeface="Arial"/>
+            </a:endParaRPr>
+          </a:p>
+        </p:txBody>
+      </p:sp>
+      <p:sp>
+        <p:nvSpPr>
+          <p:cNvPr id="41" name="PlaceHolder 2"/>
+          <p:cNvSpPr>
+            <a:spLocks noGrp="1"/>
+          </p:cNvSpPr>
+          <p:nvPr>
+            <p:ph type="body"/>
+          </p:nvPr>
+        </p:nvSpPr>
+        <p:spPr>
+          <a:xfrm>
+            <a:off x="504000" y="1769040"/>
+            <a:ext cx="9071280" cy="4384080"/>
+          </a:xfrm>
+          <a:prstGeom prst="rect">
+            <a:avLst/>
+          </a:prstGeom>
+        </p:spPr>
+        <p:txBody>
+          <a:bodyPr lIns="0" rIns="0" tIns="0" bIns="0"/>
+          <a:p>
+            <a:endParaRPr b="0" lang="en-US" sz="3200" spc="-1" strike="noStrike">
+              <a:solidFill>
+                <a:srgbClr val="000000"/>
+              </a:solidFill>
+              <a:uFill>
+                <a:solidFill>
+                  <a:srgbClr val="ffffff"/>
+                </a:solidFill>
+              </a:uFill>
+              <a:latin typeface="Arial"/>
+            </a:endParaRPr>
+          </a:p>
+        </p:txBody>
+      </p:sp>
+    </p:spTree>
+  </p:cSld>
+</p:sldLayout>
+</file>
+
+<file path=ppt/slideLayouts/slideLayout16.xml><?xml version="1.0" encoding="utf-8"?>
+<p:sldLayout xmlns:a="http://schemas.openxmlformats.org/drawingml/2006/main" xmlns:p="http://schemas.openxmlformats.org/presentationml/2006/main" xmlns:r="http://schemas.openxmlformats.org/officeDocument/2006/relationships" xmlns:p14="http://schemas.microsoft.com/office/powerpoint/2010/main" xmlns:p15="http://schemas.microsoft.com/office/powerpoint/2012/main" xmlns:mc="http://schemas.openxmlformats.org/markup-compatibility/2006" type="twoObj" preserve="1">
+  <p:cSld name="Title, 2 Content">
+    <p:spTree>
+      <p:nvGrpSpPr>
+        <p:cNvPr id="1" name=""/>
+        <p:cNvGrpSpPr/>
+        <p:nvPr/>
+      </p:nvGrpSpPr>
+      <p:grpSpPr>
+        <a:xfrm>
+          <a:off x="0" y="0"/>
+          <a:ext cx="0" cy="0"/>
+          <a:chOff x="0" y="0"/>
+          <a:chExt cx="0" cy="0"/>
+        </a:xfrm>
+      </p:grpSpPr>
+      <p:sp>
+        <p:nvSpPr>
+          <p:cNvPr id="42" name="PlaceHolder 1"/>
+          <p:cNvSpPr>
+            <a:spLocks noGrp="1"/>
+          </p:cNvSpPr>
+          <p:nvPr>
+            <p:ph type="title"/>
+          </p:nvPr>
+        </p:nvSpPr>
+        <p:spPr>
+          <a:xfrm>
+            <a:off x="504000" y="301320"/>
+            <a:ext cx="9071280" cy="1261800"/>
+          </a:xfrm>
+          <a:prstGeom prst="rect">
+            <a:avLst/>
+          </a:prstGeom>
+        </p:spPr>
+        <p:txBody>
+          <a:bodyPr lIns="0" rIns="0" tIns="0" bIns="0" anchor="ctr"/>
+          <a:p>
+            <a:pPr algn="ctr"/>
+            <a:endParaRPr b="0" lang="en-US" sz="4400" spc="-1" strike="noStrike">
+              <a:solidFill>
+                <a:srgbClr val="000000"/>
+              </a:solidFill>
+              <a:uFill>
+                <a:solidFill>
+                  <a:srgbClr val="ffffff"/>
+                </a:solidFill>
+              </a:uFill>
+              <a:latin typeface="Arial"/>
+            </a:endParaRPr>
+          </a:p>
+        </p:txBody>
+      </p:sp>
+      <p:sp>
+        <p:nvSpPr>
+          <p:cNvPr id="43" name="PlaceHolder 2"/>
+          <p:cNvSpPr>
+            <a:spLocks noGrp="1"/>
+          </p:cNvSpPr>
+          <p:nvPr>
+            <p:ph type="body"/>
+          </p:nvPr>
+        </p:nvSpPr>
+        <p:spPr>
+          <a:xfrm>
+            <a:off x="504000" y="1769040"/>
+            <a:ext cx="4426560" cy="4384080"/>
+          </a:xfrm>
+          <a:prstGeom prst="rect">
+            <a:avLst/>
+          </a:prstGeom>
+        </p:spPr>
+        <p:txBody>
+          <a:bodyPr lIns="0" rIns="0" tIns="0" bIns="0"/>
+          <a:p>
+            <a:endParaRPr b="0" lang="en-US" sz="3200" spc="-1" strike="noStrike">
+              <a:solidFill>
+                <a:srgbClr val="000000"/>
+              </a:solidFill>
+              <a:uFill>
+                <a:solidFill>
+                  <a:srgbClr val="ffffff"/>
+                </a:solidFill>
+              </a:uFill>
+              <a:latin typeface="Arial"/>
+            </a:endParaRPr>
+          </a:p>
+        </p:txBody>
+      </p:sp>
+      <p:sp>
+        <p:nvSpPr>
+          <p:cNvPr id="44" name="PlaceHolder 3"/>
+          <p:cNvSpPr>
+            <a:spLocks noGrp="1"/>
+          </p:cNvSpPr>
+          <p:nvPr>
+            <p:ph type="body"/>
+          </p:nvPr>
+        </p:nvSpPr>
+        <p:spPr>
+          <a:xfrm>
+            <a:off x="5152320" y="1769040"/>
+            <a:ext cx="4426560" cy="4384080"/>
+          </a:xfrm>
+          <a:prstGeom prst="rect">
+            <a:avLst/>
+          </a:prstGeom>
+        </p:spPr>
+        <p:txBody>
+          <a:bodyPr lIns="0" rIns="0" tIns="0" bIns="0"/>
+          <a:p>
+            <a:endParaRPr b="0" lang="en-US" sz="3200" spc="-1" strike="noStrike">
+              <a:solidFill>
+                <a:srgbClr val="000000"/>
+              </a:solidFill>
+              <a:uFill>
+                <a:solidFill>
+                  <a:srgbClr val="ffffff"/>
+                </a:solidFill>
+              </a:uFill>
+              <a:latin typeface="Arial"/>
+            </a:endParaRPr>
+          </a:p>
+        </p:txBody>
+      </p:sp>
+    </p:spTree>
+  </p:cSld>
+</p:sldLayout>
+</file>
+
+<file path=ppt/slideLayouts/slideLayout17.xml><?xml version="1.0" encoding="utf-8"?>
+<p:sldLayout xmlns:a="http://schemas.openxmlformats.org/drawingml/2006/main" xmlns:p="http://schemas.openxmlformats.org/presentationml/2006/main" xmlns:r="http://schemas.openxmlformats.org/officeDocument/2006/relationships" xmlns:p14="http://schemas.microsoft.com/office/powerpoint/2010/main" xmlns:p15="http://schemas.microsoft.com/office/powerpoint/2012/main" xmlns:mc="http://schemas.openxmlformats.org/markup-compatibility/2006" type="titleOnly" preserve="1">
+  <p:cSld name="Title Only">
+    <p:spTree>
+      <p:nvGrpSpPr>
+        <p:cNvPr id="1" name=""/>
+        <p:cNvGrpSpPr/>
+        <p:nvPr/>
+      </p:nvGrpSpPr>
+      <p:grpSpPr>
+        <a:xfrm>
+          <a:off x="0" y="0"/>
+          <a:ext cx="0" cy="0"/>
+          <a:chOff x="0" y="0"/>
+          <a:chExt cx="0" cy="0"/>
+        </a:xfrm>
+      </p:grpSpPr>
+      <p:sp>
+        <p:nvSpPr>
+          <p:cNvPr id="45" name="PlaceHolder 1"/>
+          <p:cNvSpPr>
+            <a:spLocks noGrp="1"/>
+          </p:cNvSpPr>
+          <p:nvPr>
+            <p:ph type="title"/>
+          </p:nvPr>
+        </p:nvSpPr>
+        <p:spPr>
+          <a:xfrm>
+            <a:off x="504000" y="301320"/>
+            <a:ext cx="9071280" cy="1261800"/>
+          </a:xfrm>
+          <a:prstGeom prst="rect">
+            <a:avLst/>
+          </a:prstGeom>
+        </p:spPr>
+        <p:txBody>
+          <a:bodyPr lIns="0" rIns="0" tIns="0" bIns="0" anchor="ctr"/>
+          <a:p>
+            <a:pPr algn="ctr"/>
+            <a:endParaRPr b="0" lang="en-US" sz="4400" spc="-1" strike="noStrike">
+              <a:solidFill>
+                <a:srgbClr val="000000"/>
+              </a:solidFill>
+              <a:uFill>
+                <a:solidFill>
+                  <a:srgbClr val="ffffff"/>
+                </a:solidFill>
+              </a:uFill>
+              <a:latin typeface="Arial"/>
+            </a:endParaRPr>
+          </a:p>
+        </p:txBody>
+      </p:sp>
+    </p:spTree>
+  </p:cSld>
+</p:sldLayout>
+</file>
+
+<file path=ppt/slideLayouts/slideLayout18.xml><?xml version="1.0" encoding="utf-8"?>
+<p:sldLayout xmlns:a="http://schemas.openxmlformats.org/drawingml/2006/main" xmlns:p="http://schemas.openxmlformats.org/presentationml/2006/main" xmlns:r="http://schemas.openxmlformats.org/officeDocument/2006/relationships" xmlns:p14="http://schemas.microsoft.com/office/powerpoint/2010/main" xmlns:p15="http://schemas.microsoft.com/office/powerpoint/2012/main" xmlns:mc="http://schemas.openxmlformats.org/markup-compatibility/2006" type="objOnly" preserve="1">
+  <p:cSld name="Centered Text">
+    <p:spTree>
+      <p:nvGrpSpPr>
+        <p:cNvPr id="1" name=""/>
+        <p:cNvGrpSpPr/>
+        <p:nvPr/>
+      </p:nvGrpSpPr>
+      <p:grpSpPr>
+        <a:xfrm>
+          <a:off x="0" y="0"/>
+          <a:ext cx="0" cy="0"/>
+          <a:chOff x="0" y="0"/>
+          <a:chExt cx="0" cy="0"/>
+        </a:xfrm>
+      </p:grpSpPr>
+      <p:sp>
+        <p:nvSpPr>
+          <p:cNvPr id="46" name="PlaceHolder 1"/>
+          <p:cNvSpPr>
+            <a:spLocks noGrp="1"/>
+          </p:cNvSpPr>
+          <p:nvPr>
+            <p:ph type="subTitle"/>
+          </p:nvPr>
+        </p:nvSpPr>
+        <p:spPr>
+          <a:xfrm>
+            <a:off x="504000" y="301320"/>
+            <a:ext cx="9071280" cy="5850360"/>
+          </a:xfrm>
+          <a:prstGeom prst="rect">
+            <a:avLst/>
+          </a:prstGeom>
+        </p:spPr>
+        <p:txBody>
+          <a:bodyPr lIns="0" rIns="0" tIns="0" bIns="0" anchor="ctr"/>
+          <a:p>
+            <a:pPr algn="ctr"/>
+            <a:endParaRPr b="0" lang="en-US" sz="3200" spc="-1" strike="noStrike">
+              <a:solidFill>
+                <a:srgbClr val="000000"/>
+              </a:solidFill>
+              <a:uFill>
+                <a:solidFill>
+                  <a:srgbClr val="ffffff"/>
+                </a:solidFill>
+              </a:uFill>
+              <a:latin typeface="Arial"/>
+            </a:endParaRPr>
+          </a:p>
+        </p:txBody>
+      </p:sp>
+    </p:spTree>
+  </p:cSld>
+</p:sldLayout>
+</file>
+
+<file path=ppt/slideLayouts/slideLayout19.xml><?xml version="1.0" encoding="utf-8"?>
+<p:sldLayout xmlns:a="http://schemas.openxmlformats.org/drawingml/2006/main" xmlns:p="http://schemas.openxmlformats.org/presentationml/2006/main" xmlns:r="http://schemas.openxmlformats.org/officeDocument/2006/relationships" xmlns:p14="http://schemas.microsoft.com/office/powerpoint/2010/main" xmlns:p15="http://schemas.microsoft.com/office/powerpoint/2012/main" xmlns:mc="http://schemas.openxmlformats.org/markup-compatibility/2006" type="twoObjAndObj" preserve="1">
+  <p:cSld name="Title, 2 Content and Content">
+    <p:spTree>
+      <p:nvGrpSpPr>
+        <p:cNvPr id="1" name=""/>
+        <p:cNvGrpSpPr/>
+        <p:nvPr/>
+      </p:nvGrpSpPr>
+      <p:grpSpPr>
+        <a:xfrm>
+          <a:off x="0" y="0"/>
+          <a:ext cx="0" cy="0"/>
+          <a:chOff x="0" y="0"/>
+          <a:chExt cx="0" cy="0"/>
+        </a:xfrm>
+      </p:grpSpPr>
+      <p:sp>
+        <p:nvSpPr>
+          <p:cNvPr id="47" name="PlaceHolder 1"/>
+          <p:cNvSpPr>
+            <a:spLocks noGrp="1"/>
+          </p:cNvSpPr>
+          <p:nvPr>
+            <p:ph type="title"/>
+          </p:nvPr>
+        </p:nvSpPr>
+        <p:spPr>
+          <a:xfrm>
+            <a:off x="504000" y="301320"/>
+            <a:ext cx="9071280" cy="1261800"/>
+          </a:xfrm>
+          <a:prstGeom prst="rect">
+            <a:avLst/>
+          </a:prstGeom>
+        </p:spPr>
+        <p:txBody>
+          <a:bodyPr lIns="0" rIns="0" tIns="0" bIns="0" anchor="ctr"/>
+          <a:p>
+            <a:pPr algn="ctr"/>
+            <a:endParaRPr b="0" lang="en-US" sz="4400" spc="-1" strike="noStrike">
+              <a:solidFill>
+                <a:srgbClr val="000000"/>
+              </a:solidFill>
+              <a:uFill>
+                <a:solidFill>
+                  <a:srgbClr val="ffffff"/>
+                </a:solidFill>
+              </a:uFill>
+              <a:latin typeface="Arial"/>
+            </a:endParaRPr>
+          </a:p>
+        </p:txBody>
+      </p:sp>
+      <p:sp>
+        <p:nvSpPr>
+          <p:cNvPr id="48" name="PlaceHolder 2"/>
+          <p:cNvSpPr>
+            <a:spLocks noGrp="1"/>
+          </p:cNvSpPr>
+          <p:nvPr>
+            <p:ph type="body"/>
+          </p:nvPr>
+        </p:nvSpPr>
+        <p:spPr>
+          <a:xfrm>
+            <a:off x="504000" y="1769040"/>
+            <a:ext cx="4426560" cy="2090880"/>
+          </a:xfrm>
+          <a:prstGeom prst="rect">
+            <a:avLst/>
+          </a:prstGeom>
+        </p:spPr>
+        <p:txBody>
+          <a:bodyPr lIns="0" rIns="0" tIns="0" bIns="0"/>
+          <a:p>
+            <a:endParaRPr b="0" lang="en-US" sz="3200" spc="-1" strike="noStrike">
+              <a:solidFill>
+                <a:srgbClr val="000000"/>
+              </a:solidFill>
+              <a:uFill>
+                <a:solidFill>
+                  <a:srgbClr val="ffffff"/>
+                </a:solidFill>
+              </a:uFill>
+              <a:latin typeface="Arial"/>
+            </a:endParaRPr>
+          </a:p>
+        </p:txBody>
+      </p:sp>
+      <p:sp>
+        <p:nvSpPr>
+          <p:cNvPr id="49" name="PlaceHolder 3"/>
+          <p:cNvSpPr>
+            <a:spLocks noGrp="1"/>
+          </p:cNvSpPr>
+          <p:nvPr>
+            <p:ph type="body"/>
+          </p:nvPr>
+        </p:nvSpPr>
+        <p:spPr>
+          <a:xfrm>
+            <a:off x="504000" y="4059000"/>
+            <a:ext cx="4426560" cy="2090880"/>
+          </a:xfrm>
+          <a:prstGeom prst="rect">
+            <a:avLst/>
+          </a:prstGeom>
+        </p:spPr>
+        <p:txBody>
+          <a:bodyPr lIns="0" rIns="0" tIns="0" bIns="0"/>
+          <a:p>
+            <a:endParaRPr b="0" lang="en-US" sz="3200" spc="-1" strike="noStrike">
+              <a:solidFill>
+                <a:srgbClr val="000000"/>
+              </a:solidFill>
+              <a:uFill>
+                <a:solidFill>
+                  <a:srgbClr val="ffffff"/>
+                </a:solidFill>
+              </a:uFill>
+              <a:latin typeface="Arial"/>
+            </a:endParaRPr>
+          </a:p>
+        </p:txBody>
+      </p:sp>
+      <p:sp>
+        <p:nvSpPr>
+          <p:cNvPr id="50" name="PlaceHolder 4"/>
+          <p:cNvSpPr>
+            <a:spLocks noGrp="1"/>
+          </p:cNvSpPr>
+          <p:nvPr>
+            <p:ph type="body"/>
+          </p:nvPr>
+        </p:nvSpPr>
+        <p:spPr>
+          <a:xfrm>
+            <a:off x="5152320" y="1769040"/>
+            <a:ext cx="4426560" cy="4384080"/>
+          </a:xfrm>
+          <a:prstGeom prst="rect">
+            <a:avLst/>
+          </a:prstGeom>
+        </p:spPr>
+        <p:txBody>
+          <a:bodyPr lIns="0" rIns="0" tIns="0" bIns="0"/>
+          <a:p>
+            <a:endParaRPr b="0" lang="en-US" sz="3200" spc="-1" strike="noStrike">
+              <a:solidFill>
+                <a:srgbClr val="000000"/>
+              </a:solidFill>
+              <a:uFill>
+                <a:solidFill>
+                  <a:srgbClr val="ffffff"/>
+                </a:solidFill>
+              </a:uFill>
+              <a:latin typeface="Arial"/>
+            </a:endParaRPr>
+          </a:p>
+        </p:txBody>
+      </p:sp>
     </p:spTree>
   </p:cSld>
 </p:sldLayout>
@@ -568,7 +1200,7 @@
       </p:grpSpPr>
       <p:sp>
         <p:nvSpPr>
-          <p:cNvPr id="5" name="PlaceHolder 1"/>
+          <p:cNvPr id="2" name="PlaceHolder 1"/>
           <p:cNvSpPr>
             <a:spLocks noGrp="1"/>
           </p:cNvSpPr>
@@ -579,7 +1211,7 @@
         <p:spPr>
           <a:xfrm>
             <a:off x="504000" y="301320"/>
-            <a:ext cx="9071640" cy="1262160"/>
+            <a:ext cx="9071280" cy="1261800"/>
           </a:xfrm>
           <a:prstGeom prst="rect">
             <a:avLst/>
@@ -605,7 +1237,7 @@
       </p:sp>
       <p:sp>
         <p:nvSpPr>
-          <p:cNvPr id="6" name="PlaceHolder 2"/>
+          <p:cNvPr id="3" name="PlaceHolder 2"/>
           <p:cNvSpPr>
             <a:spLocks noGrp="1"/>
           </p:cNvSpPr>
@@ -616,7 +1248,7 @@
         <p:spPr>
           <a:xfrm>
             <a:off x="504000" y="1769040"/>
-            <a:ext cx="9071640" cy="4384440"/>
+            <a:ext cx="9071280" cy="4384080"/>
           </a:xfrm>
           <a:prstGeom prst="rect">
             <a:avLst/>
@@ -640,6 +1272,851 @@
           </a:p>
         </p:txBody>
       </p:sp>
+    </p:spTree>
+  </p:cSld>
+</p:sldLayout>
+</file>
+
+<file path=ppt/slideLayouts/slideLayout20.xml><?xml version="1.0" encoding="utf-8"?>
+<p:sldLayout xmlns:a="http://schemas.openxmlformats.org/drawingml/2006/main" xmlns:p="http://schemas.openxmlformats.org/presentationml/2006/main" xmlns:r="http://schemas.openxmlformats.org/officeDocument/2006/relationships" xmlns:p14="http://schemas.microsoft.com/office/powerpoint/2010/main" xmlns:p15="http://schemas.microsoft.com/office/powerpoint/2012/main" xmlns:mc="http://schemas.openxmlformats.org/markup-compatibility/2006" type="objAndTwoObj" preserve="1">
+  <p:cSld name="Title Content and 2 Content">
+    <p:spTree>
+      <p:nvGrpSpPr>
+        <p:cNvPr id="1" name=""/>
+        <p:cNvGrpSpPr/>
+        <p:nvPr/>
+      </p:nvGrpSpPr>
+      <p:grpSpPr>
+        <a:xfrm>
+          <a:off x="0" y="0"/>
+          <a:ext cx="0" cy="0"/>
+          <a:chOff x="0" y="0"/>
+          <a:chExt cx="0" cy="0"/>
+        </a:xfrm>
+      </p:grpSpPr>
+      <p:sp>
+        <p:nvSpPr>
+          <p:cNvPr id="51" name="PlaceHolder 1"/>
+          <p:cNvSpPr>
+            <a:spLocks noGrp="1"/>
+          </p:cNvSpPr>
+          <p:nvPr>
+            <p:ph type="title"/>
+          </p:nvPr>
+        </p:nvSpPr>
+        <p:spPr>
+          <a:xfrm>
+            <a:off x="504000" y="301320"/>
+            <a:ext cx="9071280" cy="1261800"/>
+          </a:xfrm>
+          <a:prstGeom prst="rect">
+            <a:avLst/>
+          </a:prstGeom>
+        </p:spPr>
+        <p:txBody>
+          <a:bodyPr lIns="0" rIns="0" tIns="0" bIns="0" anchor="ctr"/>
+          <a:p>
+            <a:pPr algn="ctr"/>
+            <a:endParaRPr b="0" lang="en-US" sz="4400" spc="-1" strike="noStrike">
+              <a:solidFill>
+                <a:srgbClr val="000000"/>
+              </a:solidFill>
+              <a:uFill>
+                <a:solidFill>
+                  <a:srgbClr val="ffffff"/>
+                </a:solidFill>
+              </a:uFill>
+              <a:latin typeface="Arial"/>
+            </a:endParaRPr>
+          </a:p>
+        </p:txBody>
+      </p:sp>
+      <p:sp>
+        <p:nvSpPr>
+          <p:cNvPr id="52" name="PlaceHolder 2"/>
+          <p:cNvSpPr>
+            <a:spLocks noGrp="1"/>
+          </p:cNvSpPr>
+          <p:nvPr>
+            <p:ph type="body"/>
+          </p:nvPr>
+        </p:nvSpPr>
+        <p:spPr>
+          <a:xfrm>
+            <a:off x="504000" y="1769040"/>
+            <a:ext cx="4426560" cy="4384080"/>
+          </a:xfrm>
+          <a:prstGeom prst="rect">
+            <a:avLst/>
+          </a:prstGeom>
+        </p:spPr>
+        <p:txBody>
+          <a:bodyPr lIns="0" rIns="0" tIns="0" bIns="0"/>
+          <a:p>
+            <a:endParaRPr b="0" lang="en-US" sz="3200" spc="-1" strike="noStrike">
+              <a:solidFill>
+                <a:srgbClr val="000000"/>
+              </a:solidFill>
+              <a:uFill>
+                <a:solidFill>
+                  <a:srgbClr val="ffffff"/>
+                </a:solidFill>
+              </a:uFill>
+              <a:latin typeface="Arial"/>
+            </a:endParaRPr>
+          </a:p>
+        </p:txBody>
+      </p:sp>
+      <p:sp>
+        <p:nvSpPr>
+          <p:cNvPr id="53" name="PlaceHolder 3"/>
+          <p:cNvSpPr>
+            <a:spLocks noGrp="1"/>
+          </p:cNvSpPr>
+          <p:nvPr>
+            <p:ph type="body"/>
+          </p:nvPr>
+        </p:nvSpPr>
+        <p:spPr>
+          <a:xfrm>
+            <a:off x="5152320" y="1769040"/>
+            <a:ext cx="4426560" cy="2090880"/>
+          </a:xfrm>
+          <a:prstGeom prst="rect">
+            <a:avLst/>
+          </a:prstGeom>
+        </p:spPr>
+        <p:txBody>
+          <a:bodyPr lIns="0" rIns="0" tIns="0" bIns="0"/>
+          <a:p>
+            <a:endParaRPr b="0" lang="en-US" sz="3200" spc="-1" strike="noStrike">
+              <a:solidFill>
+                <a:srgbClr val="000000"/>
+              </a:solidFill>
+              <a:uFill>
+                <a:solidFill>
+                  <a:srgbClr val="ffffff"/>
+                </a:solidFill>
+              </a:uFill>
+              <a:latin typeface="Arial"/>
+            </a:endParaRPr>
+          </a:p>
+        </p:txBody>
+      </p:sp>
+      <p:sp>
+        <p:nvSpPr>
+          <p:cNvPr id="54" name="PlaceHolder 4"/>
+          <p:cNvSpPr>
+            <a:spLocks noGrp="1"/>
+          </p:cNvSpPr>
+          <p:nvPr>
+            <p:ph type="body"/>
+          </p:nvPr>
+        </p:nvSpPr>
+        <p:spPr>
+          <a:xfrm>
+            <a:off x="5152320" y="4059000"/>
+            <a:ext cx="4426560" cy="2090880"/>
+          </a:xfrm>
+          <a:prstGeom prst="rect">
+            <a:avLst/>
+          </a:prstGeom>
+        </p:spPr>
+        <p:txBody>
+          <a:bodyPr lIns="0" rIns="0" tIns="0" bIns="0"/>
+          <a:p>
+            <a:endParaRPr b="0" lang="en-US" sz="3200" spc="-1" strike="noStrike">
+              <a:solidFill>
+                <a:srgbClr val="000000"/>
+              </a:solidFill>
+              <a:uFill>
+                <a:solidFill>
+                  <a:srgbClr val="ffffff"/>
+                </a:solidFill>
+              </a:uFill>
+              <a:latin typeface="Arial"/>
+            </a:endParaRPr>
+          </a:p>
+        </p:txBody>
+      </p:sp>
+    </p:spTree>
+  </p:cSld>
+</p:sldLayout>
+</file>
+
+<file path=ppt/slideLayouts/slideLayout21.xml><?xml version="1.0" encoding="utf-8"?>
+<p:sldLayout xmlns:a="http://schemas.openxmlformats.org/drawingml/2006/main" xmlns:p="http://schemas.openxmlformats.org/presentationml/2006/main" xmlns:r="http://schemas.openxmlformats.org/officeDocument/2006/relationships" xmlns:p14="http://schemas.microsoft.com/office/powerpoint/2010/main" xmlns:p15="http://schemas.microsoft.com/office/powerpoint/2012/main" xmlns:mc="http://schemas.openxmlformats.org/markup-compatibility/2006" type="twoObjOverTx" preserve="1">
+  <p:cSld name="Title, 2 Content over Content">
+    <p:spTree>
+      <p:nvGrpSpPr>
+        <p:cNvPr id="1" name=""/>
+        <p:cNvGrpSpPr/>
+        <p:nvPr/>
+      </p:nvGrpSpPr>
+      <p:grpSpPr>
+        <a:xfrm>
+          <a:off x="0" y="0"/>
+          <a:ext cx="0" cy="0"/>
+          <a:chOff x="0" y="0"/>
+          <a:chExt cx="0" cy="0"/>
+        </a:xfrm>
+      </p:grpSpPr>
+      <p:sp>
+        <p:nvSpPr>
+          <p:cNvPr id="55" name="PlaceHolder 1"/>
+          <p:cNvSpPr>
+            <a:spLocks noGrp="1"/>
+          </p:cNvSpPr>
+          <p:nvPr>
+            <p:ph type="title"/>
+          </p:nvPr>
+        </p:nvSpPr>
+        <p:spPr>
+          <a:xfrm>
+            <a:off x="504000" y="301320"/>
+            <a:ext cx="9071280" cy="1261800"/>
+          </a:xfrm>
+          <a:prstGeom prst="rect">
+            <a:avLst/>
+          </a:prstGeom>
+        </p:spPr>
+        <p:txBody>
+          <a:bodyPr lIns="0" rIns="0" tIns="0" bIns="0" anchor="ctr"/>
+          <a:p>
+            <a:pPr algn="ctr"/>
+            <a:endParaRPr b="0" lang="en-US" sz="4400" spc="-1" strike="noStrike">
+              <a:solidFill>
+                <a:srgbClr val="000000"/>
+              </a:solidFill>
+              <a:uFill>
+                <a:solidFill>
+                  <a:srgbClr val="ffffff"/>
+                </a:solidFill>
+              </a:uFill>
+              <a:latin typeface="Arial"/>
+            </a:endParaRPr>
+          </a:p>
+        </p:txBody>
+      </p:sp>
+      <p:sp>
+        <p:nvSpPr>
+          <p:cNvPr id="56" name="PlaceHolder 2"/>
+          <p:cNvSpPr>
+            <a:spLocks noGrp="1"/>
+          </p:cNvSpPr>
+          <p:nvPr>
+            <p:ph type="body"/>
+          </p:nvPr>
+        </p:nvSpPr>
+        <p:spPr>
+          <a:xfrm>
+            <a:off x="504000" y="1769040"/>
+            <a:ext cx="4426560" cy="2090880"/>
+          </a:xfrm>
+          <a:prstGeom prst="rect">
+            <a:avLst/>
+          </a:prstGeom>
+        </p:spPr>
+        <p:txBody>
+          <a:bodyPr lIns="0" rIns="0" tIns="0" bIns="0"/>
+          <a:p>
+            <a:endParaRPr b="0" lang="en-US" sz="3200" spc="-1" strike="noStrike">
+              <a:solidFill>
+                <a:srgbClr val="000000"/>
+              </a:solidFill>
+              <a:uFill>
+                <a:solidFill>
+                  <a:srgbClr val="ffffff"/>
+                </a:solidFill>
+              </a:uFill>
+              <a:latin typeface="Arial"/>
+            </a:endParaRPr>
+          </a:p>
+        </p:txBody>
+      </p:sp>
+      <p:sp>
+        <p:nvSpPr>
+          <p:cNvPr id="57" name="PlaceHolder 3"/>
+          <p:cNvSpPr>
+            <a:spLocks noGrp="1"/>
+          </p:cNvSpPr>
+          <p:nvPr>
+            <p:ph type="body"/>
+          </p:nvPr>
+        </p:nvSpPr>
+        <p:spPr>
+          <a:xfrm>
+            <a:off x="5152320" y="1769040"/>
+            <a:ext cx="4426560" cy="2090880"/>
+          </a:xfrm>
+          <a:prstGeom prst="rect">
+            <a:avLst/>
+          </a:prstGeom>
+        </p:spPr>
+        <p:txBody>
+          <a:bodyPr lIns="0" rIns="0" tIns="0" bIns="0"/>
+          <a:p>
+            <a:endParaRPr b="0" lang="en-US" sz="3200" spc="-1" strike="noStrike">
+              <a:solidFill>
+                <a:srgbClr val="000000"/>
+              </a:solidFill>
+              <a:uFill>
+                <a:solidFill>
+                  <a:srgbClr val="ffffff"/>
+                </a:solidFill>
+              </a:uFill>
+              <a:latin typeface="Arial"/>
+            </a:endParaRPr>
+          </a:p>
+        </p:txBody>
+      </p:sp>
+      <p:sp>
+        <p:nvSpPr>
+          <p:cNvPr id="58" name="PlaceHolder 4"/>
+          <p:cNvSpPr>
+            <a:spLocks noGrp="1"/>
+          </p:cNvSpPr>
+          <p:nvPr>
+            <p:ph type="body"/>
+          </p:nvPr>
+        </p:nvSpPr>
+        <p:spPr>
+          <a:xfrm>
+            <a:off x="504000" y="4059000"/>
+            <a:ext cx="9071280" cy="2090880"/>
+          </a:xfrm>
+          <a:prstGeom prst="rect">
+            <a:avLst/>
+          </a:prstGeom>
+        </p:spPr>
+        <p:txBody>
+          <a:bodyPr lIns="0" rIns="0" tIns="0" bIns="0"/>
+          <a:p>
+            <a:endParaRPr b="0" lang="en-US" sz="3200" spc="-1" strike="noStrike">
+              <a:solidFill>
+                <a:srgbClr val="000000"/>
+              </a:solidFill>
+              <a:uFill>
+                <a:solidFill>
+                  <a:srgbClr val="ffffff"/>
+                </a:solidFill>
+              </a:uFill>
+              <a:latin typeface="Arial"/>
+            </a:endParaRPr>
+          </a:p>
+        </p:txBody>
+      </p:sp>
+    </p:spTree>
+  </p:cSld>
+</p:sldLayout>
+</file>
+
+<file path=ppt/slideLayouts/slideLayout22.xml><?xml version="1.0" encoding="utf-8"?>
+<p:sldLayout xmlns:a="http://schemas.openxmlformats.org/drawingml/2006/main" xmlns:p="http://schemas.openxmlformats.org/presentationml/2006/main" xmlns:r="http://schemas.openxmlformats.org/officeDocument/2006/relationships" xmlns:p14="http://schemas.microsoft.com/office/powerpoint/2010/main" xmlns:p15="http://schemas.microsoft.com/office/powerpoint/2012/main" xmlns:mc="http://schemas.openxmlformats.org/markup-compatibility/2006" type="objOverTx" preserve="1">
+  <p:cSld name="Title, Content over Content">
+    <p:spTree>
+      <p:nvGrpSpPr>
+        <p:cNvPr id="1" name=""/>
+        <p:cNvGrpSpPr/>
+        <p:nvPr/>
+      </p:nvGrpSpPr>
+      <p:grpSpPr>
+        <a:xfrm>
+          <a:off x="0" y="0"/>
+          <a:ext cx="0" cy="0"/>
+          <a:chOff x="0" y="0"/>
+          <a:chExt cx="0" cy="0"/>
+        </a:xfrm>
+      </p:grpSpPr>
+      <p:sp>
+        <p:nvSpPr>
+          <p:cNvPr id="59" name="PlaceHolder 1"/>
+          <p:cNvSpPr>
+            <a:spLocks noGrp="1"/>
+          </p:cNvSpPr>
+          <p:nvPr>
+            <p:ph type="title"/>
+          </p:nvPr>
+        </p:nvSpPr>
+        <p:spPr>
+          <a:xfrm>
+            <a:off x="504000" y="301320"/>
+            <a:ext cx="9071280" cy="1261800"/>
+          </a:xfrm>
+          <a:prstGeom prst="rect">
+            <a:avLst/>
+          </a:prstGeom>
+        </p:spPr>
+        <p:txBody>
+          <a:bodyPr lIns="0" rIns="0" tIns="0" bIns="0" anchor="ctr"/>
+          <a:p>
+            <a:pPr algn="ctr"/>
+            <a:endParaRPr b="0" lang="en-US" sz="4400" spc="-1" strike="noStrike">
+              <a:solidFill>
+                <a:srgbClr val="000000"/>
+              </a:solidFill>
+              <a:uFill>
+                <a:solidFill>
+                  <a:srgbClr val="ffffff"/>
+                </a:solidFill>
+              </a:uFill>
+              <a:latin typeface="Arial"/>
+            </a:endParaRPr>
+          </a:p>
+        </p:txBody>
+      </p:sp>
+      <p:sp>
+        <p:nvSpPr>
+          <p:cNvPr id="60" name="PlaceHolder 2"/>
+          <p:cNvSpPr>
+            <a:spLocks noGrp="1"/>
+          </p:cNvSpPr>
+          <p:nvPr>
+            <p:ph type="body"/>
+          </p:nvPr>
+        </p:nvSpPr>
+        <p:spPr>
+          <a:xfrm>
+            <a:off x="504000" y="1769040"/>
+            <a:ext cx="9071280" cy="2090880"/>
+          </a:xfrm>
+          <a:prstGeom prst="rect">
+            <a:avLst/>
+          </a:prstGeom>
+        </p:spPr>
+        <p:txBody>
+          <a:bodyPr lIns="0" rIns="0" tIns="0" bIns="0"/>
+          <a:p>
+            <a:endParaRPr b="0" lang="en-US" sz="3200" spc="-1" strike="noStrike">
+              <a:solidFill>
+                <a:srgbClr val="000000"/>
+              </a:solidFill>
+              <a:uFill>
+                <a:solidFill>
+                  <a:srgbClr val="ffffff"/>
+                </a:solidFill>
+              </a:uFill>
+              <a:latin typeface="Arial"/>
+            </a:endParaRPr>
+          </a:p>
+        </p:txBody>
+      </p:sp>
+      <p:sp>
+        <p:nvSpPr>
+          <p:cNvPr id="61" name="PlaceHolder 3"/>
+          <p:cNvSpPr>
+            <a:spLocks noGrp="1"/>
+          </p:cNvSpPr>
+          <p:nvPr>
+            <p:ph type="body"/>
+          </p:nvPr>
+        </p:nvSpPr>
+        <p:spPr>
+          <a:xfrm>
+            <a:off x="504000" y="4059000"/>
+            <a:ext cx="9071280" cy="2090880"/>
+          </a:xfrm>
+          <a:prstGeom prst="rect">
+            <a:avLst/>
+          </a:prstGeom>
+        </p:spPr>
+        <p:txBody>
+          <a:bodyPr lIns="0" rIns="0" tIns="0" bIns="0"/>
+          <a:p>
+            <a:endParaRPr b="0" lang="en-US" sz="3200" spc="-1" strike="noStrike">
+              <a:solidFill>
+                <a:srgbClr val="000000"/>
+              </a:solidFill>
+              <a:uFill>
+                <a:solidFill>
+                  <a:srgbClr val="ffffff"/>
+                </a:solidFill>
+              </a:uFill>
+              <a:latin typeface="Arial"/>
+            </a:endParaRPr>
+          </a:p>
+        </p:txBody>
+      </p:sp>
+    </p:spTree>
+  </p:cSld>
+</p:sldLayout>
+</file>
+
+<file path=ppt/slideLayouts/slideLayout23.xml><?xml version="1.0" encoding="utf-8"?>
+<p:sldLayout xmlns:a="http://schemas.openxmlformats.org/drawingml/2006/main" xmlns:p="http://schemas.openxmlformats.org/presentationml/2006/main" xmlns:r="http://schemas.openxmlformats.org/officeDocument/2006/relationships" xmlns:p14="http://schemas.microsoft.com/office/powerpoint/2010/main" xmlns:p15="http://schemas.microsoft.com/office/powerpoint/2012/main" xmlns:mc="http://schemas.openxmlformats.org/markup-compatibility/2006" type="fourObj" preserve="1">
+  <p:cSld name="Title, 4 Content">
+    <p:spTree>
+      <p:nvGrpSpPr>
+        <p:cNvPr id="1" name=""/>
+        <p:cNvGrpSpPr/>
+        <p:nvPr/>
+      </p:nvGrpSpPr>
+      <p:grpSpPr>
+        <a:xfrm>
+          <a:off x="0" y="0"/>
+          <a:ext cx="0" cy="0"/>
+          <a:chOff x="0" y="0"/>
+          <a:chExt cx="0" cy="0"/>
+        </a:xfrm>
+      </p:grpSpPr>
+      <p:sp>
+        <p:nvSpPr>
+          <p:cNvPr id="62" name="PlaceHolder 1"/>
+          <p:cNvSpPr>
+            <a:spLocks noGrp="1"/>
+          </p:cNvSpPr>
+          <p:nvPr>
+            <p:ph type="title"/>
+          </p:nvPr>
+        </p:nvSpPr>
+        <p:spPr>
+          <a:xfrm>
+            <a:off x="504000" y="301320"/>
+            <a:ext cx="9071280" cy="1261800"/>
+          </a:xfrm>
+          <a:prstGeom prst="rect">
+            <a:avLst/>
+          </a:prstGeom>
+        </p:spPr>
+        <p:txBody>
+          <a:bodyPr lIns="0" rIns="0" tIns="0" bIns="0" anchor="ctr"/>
+          <a:p>
+            <a:pPr algn="ctr"/>
+            <a:endParaRPr b="0" lang="en-US" sz="4400" spc="-1" strike="noStrike">
+              <a:solidFill>
+                <a:srgbClr val="000000"/>
+              </a:solidFill>
+              <a:uFill>
+                <a:solidFill>
+                  <a:srgbClr val="ffffff"/>
+                </a:solidFill>
+              </a:uFill>
+              <a:latin typeface="Arial"/>
+            </a:endParaRPr>
+          </a:p>
+        </p:txBody>
+      </p:sp>
+      <p:sp>
+        <p:nvSpPr>
+          <p:cNvPr id="63" name="PlaceHolder 2"/>
+          <p:cNvSpPr>
+            <a:spLocks noGrp="1"/>
+          </p:cNvSpPr>
+          <p:nvPr>
+            <p:ph type="body"/>
+          </p:nvPr>
+        </p:nvSpPr>
+        <p:spPr>
+          <a:xfrm>
+            <a:off x="504000" y="1769040"/>
+            <a:ext cx="4426560" cy="2090880"/>
+          </a:xfrm>
+          <a:prstGeom prst="rect">
+            <a:avLst/>
+          </a:prstGeom>
+        </p:spPr>
+        <p:txBody>
+          <a:bodyPr lIns="0" rIns="0" tIns="0" bIns="0"/>
+          <a:p>
+            <a:endParaRPr b="0" lang="en-US" sz="3200" spc="-1" strike="noStrike">
+              <a:solidFill>
+                <a:srgbClr val="000000"/>
+              </a:solidFill>
+              <a:uFill>
+                <a:solidFill>
+                  <a:srgbClr val="ffffff"/>
+                </a:solidFill>
+              </a:uFill>
+              <a:latin typeface="Arial"/>
+            </a:endParaRPr>
+          </a:p>
+        </p:txBody>
+      </p:sp>
+      <p:sp>
+        <p:nvSpPr>
+          <p:cNvPr id="64" name="PlaceHolder 3"/>
+          <p:cNvSpPr>
+            <a:spLocks noGrp="1"/>
+          </p:cNvSpPr>
+          <p:nvPr>
+            <p:ph type="body"/>
+          </p:nvPr>
+        </p:nvSpPr>
+        <p:spPr>
+          <a:xfrm>
+            <a:off x="5152320" y="1769040"/>
+            <a:ext cx="4426560" cy="2090880"/>
+          </a:xfrm>
+          <a:prstGeom prst="rect">
+            <a:avLst/>
+          </a:prstGeom>
+        </p:spPr>
+        <p:txBody>
+          <a:bodyPr lIns="0" rIns="0" tIns="0" bIns="0"/>
+          <a:p>
+            <a:endParaRPr b="0" lang="en-US" sz="3200" spc="-1" strike="noStrike">
+              <a:solidFill>
+                <a:srgbClr val="000000"/>
+              </a:solidFill>
+              <a:uFill>
+                <a:solidFill>
+                  <a:srgbClr val="ffffff"/>
+                </a:solidFill>
+              </a:uFill>
+              <a:latin typeface="Arial"/>
+            </a:endParaRPr>
+          </a:p>
+        </p:txBody>
+      </p:sp>
+      <p:sp>
+        <p:nvSpPr>
+          <p:cNvPr id="65" name="PlaceHolder 4"/>
+          <p:cNvSpPr>
+            <a:spLocks noGrp="1"/>
+          </p:cNvSpPr>
+          <p:nvPr>
+            <p:ph type="body"/>
+          </p:nvPr>
+        </p:nvSpPr>
+        <p:spPr>
+          <a:xfrm>
+            <a:off x="5152320" y="4059000"/>
+            <a:ext cx="4426560" cy="2090880"/>
+          </a:xfrm>
+          <a:prstGeom prst="rect">
+            <a:avLst/>
+          </a:prstGeom>
+        </p:spPr>
+        <p:txBody>
+          <a:bodyPr lIns="0" rIns="0" tIns="0" bIns="0"/>
+          <a:p>
+            <a:endParaRPr b="0" lang="en-US" sz="3200" spc="-1" strike="noStrike">
+              <a:solidFill>
+                <a:srgbClr val="000000"/>
+              </a:solidFill>
+              <a:uFill>
+                <a:solidFill>
+                  <a:srgbClr val="ffffff"/>
+                </a:solidFill>
+              </a:uFill>
+              <a:latin typeface="Arial"/>
+            </a:endParaRPr>
+          </a:p>
+        </p:txBody>
+      </p:sp>
+      <p:sp>
+        <p:nvSpPr>
+          <p:cNvPr id="66" name="PlaceHolder 5"/>
+          <p:cNvSpPr>
+            <a:spLocks noGrp="1"/>
+          </p:cNvSpPr>
+          <p:nvPr>
+            <p:ph type="body"/>
+          </p:nvPr>
+        </p:nvSpPr>
+        <p:spPr>
+          <a:xfrm>
+            <a:off x="504000" y="4059000"/>
+            <a:ext cx="4426560" cy="2090880"/>
+          </a:xfrm>
+          <a:prstGeom prst="rect">
+            <a:avLst/>
+          </a:prstGeom>
+        </p:spPr>
+        <p:txBody>
+          <a:bodyPr lIns="0" rIns="0" tIns="0" bIns="0"/>
+          <a:p>
+            <a:endParaRPr b="0" lang="en-US" sz="3200" spc="-1" strike="noStrike">
+              <a:solidFill>
+                <a:srgbClr val="000000"/>
+              </a:solidFill>
+              <a:uFill>
+                <a:solidFill>
+                  <a:srgbClr val="ffffff"/>
+                </a:solidFill>
+              </a:uFill>
+              <a:latin typeface="Arial"/>
+            </a:endParaRPr>
+          </a:p>
+        </p:txBody>
+      </p:sp>
+    </p:spTree>
+  </p:cSld>
+</p:sldLayout>
+</file>
+
+<file path=ppt/slideLayouts/slideLayout24.xml><?xml version="1.0" encoding="utf-8"?>
+<p:sldLayout xmlns:a="http://schemas.openxmlformats.org/drawingml/2006/main" xmlns:p="http://schemas.openxmlformats.org/presentationml/2006/main" xmlns:r="http://schemas.openxmlformats.org/officeDocument/2006/relationships" xmlns:p14="http://schemas.microsoft.com/office/powerpoint/2010/main" xmlns:p15="http://schemas.microsoft.com/office/powerpoint/2012/main" xmlns:mc="http://schemas.openxmlformats.org/markup-compatibility/2006" type="blank" preserve="1">
+  <p:cSld name="Title, 6 Content">
+    <p:spTree>
+      <p:nvGrpSpPr>
+        <p:cNvPr id="1" name=""/>
+        <p:cNvGrpSpPr/>
+        <p:nvPr/>
+      </p:nvGrpSpPr>
+      <p:grpSpPr>
+        <a:xfrm>
+          <a:off x="0" y="0"/>
+          <a:ext cx="0" cy="0"/>
+          <a:chOff x="0" y="0"/>
+          <a:chExt cx="0" cy="0"/>
+        </a:xfrm>
+      </p:grpSpPr>
+      <p:sp>
+        <p:nvSpPr>
+          <p:cNvPr id="67" name="PlaceHolder 1"/>
+          <p:cNvSpPr>
+            <a:spLocks noGrp="1"/>
+          </p:cNvSpPr>
+          <p:nvPr>
+            <p:ph type="title"/>
+          </p:nvPr>
+        </p:nvSpPr>
+        <p:spPr>
+          <a:xfrm>
+            <a:off x="504000" y="301320"/>
+            <a:ext cx="9071280" cy="1261800"/>
+          </a:xfrm>
+          <a:prstGeom prst="rect">
+            <a:avLst/>
+          </a:prstGeom>
+        </p:spPr>
+        <p:txBody>
+          <a:bodyPr lIns="0" rIns="0" tIns="0" bIns="0" anchor="ctr"/>
+          <a:p>
+            <a:pPr algn="ctr"/>
+            <a:endParaRPr b="0" lang="en-US" sz="4400" spc="-1" strike="noStrike">
+              <a:solidFill>
+                <a:srgbClr val="000000"/>
+              </a:solidFill>
+              <a:uFill>
+                <a:solidFill>
+                  <a:srgbClr val="ffffff"/>
+                </a:solidFill>
+              </a:uFill>
+              <a:latin typeface="Arial"/>
+            </a:endParaRPr>
+          </a:p>
+        </p:txBody>
+      </p:sp>
+      <p:sp>
+        <p:nvSpPr>
+          <p:cNvPr id="68" name="PlaceHolder 2"/>
+          <p:cNvSpPr>
+            <a:spLocks noGrp="1"/>
+          </p:cNvSpPr>
+          <p:nvPr>
+            <p:ph type="body"/>
+          </p:nvPr>
+        </p:nvSpPr>
+        <p:spPr>
+          <a:xfrm>
+            <a:off x="504000" y="1769040"/>
+            <a:ext cx="9071280" cy="4384080"/>
+          </a:xfrm>
+          <a:prstGeom prst="rect">
+            <a:avLst/>
+          </a:prstGeom>
+        </p:spPr>
+        <p:txBody>
+          <a:bodyPr lIns="0" rIns="0" tIns="0" bIns="0"/>
+          <a:p>
+            <a:endParaRPr b="0" lang="en-US" sz="3200" spc="-1" strike="noStrike">
+              <a:solidFill>
+                <a:srgbClr val="000000"/>
+              </a:solidFill>
+              <a:uFill>
+                <a:solidFill>
+                  <a:srgbClr val="ffffff"/>
+                </a:solidFill>
+              </a:uFill>
+              <a:latin typeface="Arial"/>
+            </a:endParaRPr>
+          </a:p>
+        </p:txBody>
+      </p:sp>
+      <p:sp>
+        <p:nvSpPr>
+          <p:cNvPr id="69" name="PlaceHolder 3"/>
+          <p:cNvSpPr>
+            <a:spLocks noGrp="1"/>
+          </p:cNvSpPr>
+          <p:nvPr>
+            <p:ph type="body"/>
+          </p:nvPr>
+        </p:nvSpPr>
+        <p:spPr>
+          <a:xfrm>
+            <a:off x="504000" y="1769040"/>
+            <a:ext cx="9071280" cy="4384080"/>
+          </a:xfrm>
+          <a:prstGeom prst="rect">
+            <a:avLst/>
+          </a:prstGeom>
+        </p:spPr>
+        <p:txBody>
+          <a:bodyPr lIns="0" rIns="0" tIns="0" bIns="0"/>
+          <a:p>
+            <a:endParaRPr b="0" lang="en-US" sz="3200" spc="-1" strike="noStrike">
+              <a:solidFill>
+                <a:srgbClr val="000000"/>
+              </a:solidFill>
+              <a:uFill>
+                <a:solidFill>
+                  <a:srgbClr val="ffffff"/>
+                </a:solidFill>
+              </a:uFill>
+              <a:latin typeface="Arial"/>
+            </a:endParaRPr>
+          </a:p>
+        </p:txBody>
+      </p:sp>
+      <p:pic>
+        <p:nvPicPr>
+          <p:cNvPr id="70" name="" descr=""/>
+          <p:cNvPicPr/>
+          <p:nvPr/>
+        </p:nvPicPr>
+        <p:blipFill>
+          <a:blip r:embed="rId2"/>
+          <a:stretch/>
+        </p:blipFill>
+        <p:spPr>
+          <a:xfrm>
+            <a:off x="2292120" y="1769040"/>
+            <a:ext cx="5494680" cy="4384080"/>
+          </a:xfrm>
+          <a:prstGeom prst="rect">
+            <a:avLst/>
+          </a:prstGeom>
+          <a:ln>
+            <a:noFill/>
+          </a:ln>
+        </p:spPr>
+      </p:pic>
+      <p:pic>
+        <p:nvPicPr>
+          <p:cNvPr id="71" name="" descr=""/>
+          <p:cNvPicPr/>
+          <p:nvPr/>
+        </p:nvPicPr>
+        <p:blipFill>
+          <a:blip r:embed="rId3"/>
+          <a:stretch/>
+        </p:blipFill>
+        <p:spPr>
+          <a:xfrm>
+            <a:off x="2292120" y="1769040"/>
+            <a:ext cx="5494680" cy="4384080"/>
+          </a:xfrm>
+          <a:prstGeom prst="rect">
+            <a:avLst/>
+          </a:prstGeom>
+          <a:ln>
+            <a:noFill/>
+          </a:ln>
+        </p:spPr>
+      </p:pic>
     </p:spTree>
   </p:cSld>
 </p:sldLayout>
@@ -664,7 +2141,7 @@
       </p:grpSpPr>
       <p:sp>
         <p:nvSpPr>
-          <p:cNvPr id="7" name="PlaceHolder 1"/>
+          <p:cNvPr id="4" name="PlaceHolder 1"/>
           <p:cNvSpPr>
             <a:spLocks noGrp="1"/>
           </p:cNvSpPr>
@@ -675,7 +2152,7 @@
         <p:spPr>
           <a:xfrm>
             <a:off x="504000" y="301320"/>
-            <a:ext cx="9071640" cy="1262160"/>
+            <a:ext cx="9071280" cy="1261800"/>
           </a:xfrm>
           <a:prstGeom prst="rect">
             <a:avLst/>
@@ -701,7 +2178,7 @@
       </p:sp>
       <p:sp>
         <p:nvSpPr>
-          <p:cNvPr id="8" name="PlaceHolder 2"/>
+          <p:cNvPr id="5" name="PlaceHolder 2"/>
           <p:cNvSpPr>
             <a:spLocks noGrp="1"/>
           </p:cNvSpPr>
@@ -712,7 +2189,7 @@
         <p:spPr>
           <a:xfrm>
             <a:off x="504000" y="1769040"/>
-            <a:ext cx="9071640" cy="4384440"/>
+            <a:ext cx="9071280" cy="4384080"/>
           </a:xfrm>
           <a:prstGeom prst="rect">
             <a:avLst/>
@@ -759,7 +2236,7 @@
       </p:grpSpPr>
       <p:sp>
         <p:nvSpPr>
-          <p:cNvPr id="9" name="PlaceHolder 1"/>
+          <p:cNvPr id="6" name="PlaceHolder 1"/>
           <p:cNvSpPr>
             <a:spLocks noGrp="1"/>
           </p:cNvSpPr>
@@ -770,7 +2247,7 @@
         <p:spPr>
           <a:xfrm>
             <a:off x="504000" y="301320"/>
-            <a:ext cx="9071640" cy="1262160"/>
+            <a:ext cx="9071280" cy="1261800"/>
           </a:xfrm>
           <a:prstGeom prst="rect">
             <a:avLst/>
@@ -796,7 +2273,7 @@
       </p:sp>
       <p:sp>
         <p:nvSpPr>
-          <p:cNvPr id="10" name="PlaceHolder 2"/>
+          <p:cNvPr id="7" name="PlaceHolder 2"/>
           <p:cNvSpPr>
             <a:spLocks noGrp="1"/>
           </p:cNvSpPr>
@@ -807,7 +2284,7 @@
         <p:spPr>
           <a:xfrm>
             <a:off x="504000" y="1769040"/>
-            <a:ext cx="4426920" cy="4384440"/>
+            <a:ext cx="4426560" cy="4384080"/>
           </a:xfrm>
           <a:prstGeom prst="rect">
             <a:avLst/>
@@ -832,7 +2309,7 @@
       </p:sp>
       <p:sp>
         <p:nvSpPr>
-          <p:cNvPr id="11" name="PlaceHolder 3"/>
+          <p:cNvPr id="8" name="PlaceHolder 3"/>
           <p:cNvSpPr>
             <a:spLocks noGrp="1"/>
           </p:cNvSpPr>
@@ -842,8 +2319,8 @@
         </p:nvSpPr>
         <p:spPr>
           <a:xfrm>
-            <a:off x="5152680" y="1769040"/>
-            <a:ext cx="4426920" cy="4384440"/>
+            <a:off x="5152320" y="1769040"/>
+            <a:ext cx="4426560" cy="4384080"/>
           </a:xfrm>
           <a:prstGeom prst="rect">
             <a:avLst/>
@@ -890,7 +2367,7 @@
       </p:grpSpPr>
       <p:sp>
         <p:nvSpPr>
-          <p:cNvPr id="12" name="PlaceHolder 1"/>
+          <p:cNvPr id="9" name="PlaceHolder 1"/>
           <p:cNvSpPr>
             <a:spLocks noGrp="1"/>
           </p:cNvSpPr>
@@ -901,7 +2378,7 @@
         <p:spPr>
           <a:xfrm>
             <a:off x="504000" y="301320"/>
-            <a:ext cx="9071640" cy="1262160"/>
+            <a:ext cx="9071280" cy="1261800"/>
           </a:xfrm>
           <a:prstGeom prst="rect">
             <a:avLst/>
@@ -949,7 +2426,7 @@
       </p:grpSpPr>
       <p:sp>
         <p:nvSpPr>
-          <p:cNvPr id="13" name="PlaceHolder 1"/>
+          <p:cNvPr id="10" name="PlaceHolder 1"/>
           <p:cNvSpPr>
             <a:spLocks noGrp="1"/>
           </p:cNvSpPr>
@@ -960,7 +2437,7 @@
         <p:spPr>
           <a:xfrm>
             <a:off x="504000" y="301320"/>
-            <a:ext cx="9071640" cy="5851800"/>
+            <a:ext cx="9071280" cy="5850360"/>
           </a:xfrm>
           <a:prstGeom prst="rect">
             <a:avLst/>
@@ -1008,7 +2485,7 @@
       </p:grpSpPr>
       <p:sp>
         <p:nvSpPr>
-          <p:cNvPr id="14" name="PlaceHolder 1"/>
+          <p:cNvPr id="11" name="PlaceHolder 1"/>
           <p:cNvSpPr>
             <a:spLocks noGrp="1"/>
           </p:cNvSpPr>
@@ -1019,7 +2496,7 @@
         <p:spPr>
           <a:xfrm>
             <a:off x="504000" y="301320"/>
-            <a:ext cx="9071640" cy="1262160"/>
+            <a:ext cx="9071280" cy="1261800"/>
           </a:xfrm>
           <a:prstGeom prst="rect">
             <a:avLst/>
@@ -1045,7 +2522,7 @@
       </p:sp>
       <p:sp>
         <p:nvSpPr>
-          <p:cNvPr id="15" name="PlaceHolder 2"/>
+          <p:cNvPr id="12" name="PlaceHolder 2"/>
           <p:cNvSpPr>
             <a:spLocks noGrp="1"/>
           </p:cNvSpPr>
@@ -1056,7 +2533,7 @@
         <p:spPr>
           <a:xfrm>
             <a:off x="504000" y="1769040"/>
-            <a:ext cx="4426920" cy="2091240"/>
+            <a:ext cx="4426560" cy="2090880"/>
           </a:xfrm>
           <a:prstGeom prst="rect">
             <a:avLst/>
@@ -1081,7 +2558,7 @@
       </p:sp>
       <p:sp>
         <p:nvSpPr>
-          <p:cNvPr id="16" name="PlaceHolder 3"/>
+          <p:cNvPr id="13" name="PlaceHolder 3"/>
           <p:cNvSpPr>
             <a:spLocks noGrp="1"/>
           </p:cNvSpPr>
@@ -1091,8 +2568,8 @@
         </p:nvSpPr>
         <p:spPr>
           <a:xfrm>
-            <a:off x="504000" y="4059360"/>
-            <a:ext cx="4426920" cy="2091240"/>
+            <a:off x="504000" y="4059000"/>
+            <a:ext cx="4426560" cy="2090880"/>
           </a:xfrm>
           <a:prstGeom prst="rect">
             <a:avLst/>
@@ -1117,7 +2594,7 @@
       </p:sp>
       <p:sp>
         <p:nvSpPr>
-          <p:cNvPr id="17" name="PlaceHolder 4"/>
+          <p:cNvPr id="14" name="PlaceHolder 4"/>
           <p:cNvSpPr>
             <a:spLocks noGrp="1"/>
           </p:cNvSpPr>
@@ -1127,8 +2604,8 @@
         </p:nvSpPr>
         <p:spPr>
           <a:xfrm>
-            <a:off x="5152680" y="1769040"/>
-            <a:ext cx="4426920" cy="4384440"/>
+            <a:off x="5152320" y="1769040"/>
+            <a:ext cx="4426560" cy="4384080"/>
           </a:xfrm>
           <a:prstGeom prst="rect">
             <a:avLst/>
@@ -1175,7 +2652,7 @@
       </p:grpSpPr>
       <p:sp>
         <p:nvSpPr>
-          <p:cNvPr id="18" name="PlaceHolder 1"/>
+          <p:cNvPr id="15" name="PlaceHolder 1"/>
           <p:cNvSpPr>
             <a:spLocks noGrp="1"/>
           </p:cNvSpPr>
@@ -1186,7 +2663,7 @@
         <p:spPr>
           <a:xfrm>
             <a:off x="504000" y="301320"/>
-            <a:ext cx="9071640" cy="1262160"/>
+            <a:ext cx="9071280" cy="1261800"/>
           </a:xfrm>
           <a:prstGeom prst="rect">
             <a:avLst/>
@@ -1212,7 +2689,7 @@
       </p:sp>
       <p:sp>
         <p:nvSpPr>
-          <p:cNvPr id="19" name="PlaceHolder 2"/>
+          <p:cNvPr id="16" name="PlaceHolder 2"/>
           <p:cNvSpPr>
             <a:spLocks noGrp="1"/>
           </p:cNvSpPr>
@@ -1223,7 +2700,7 @@
         <p:spPr>
           <a:xfrm>
             <a:off x="504000" y="1769040"/>
-            <a:ext cx="4426920" cy="4384440"/>
+            <a:ext cx="4426560" cy="4384080"/>
           </a:xfrm>
           <a:prstGeom prst="rect">
             <a:avLst/>
@@ -1248,7 +2725,7 @@
       </p:sp>
       <p:sp>
         <p:nvSpPr>
-          <p:cNvPr id="20" name="PlaceHolder 3"/>
+          <p:cNvPr id="17" name="PlaceHolder 3"/>
           <p:cNvSpPr>
             <a:spLocks noGrp="1"/>
           </p:cNvSpPr>
@@ -1258,8 +2735,8 @@
         </p:nvSpPr>
         <p:spPr>
           <a:xfrm>
-            <a:off x="5152680" y="1769040"/>
-            <a:ext cx="4426920" cy="2091240"/>
+            <a:off x="5152320" y="1769040"/>
+            <a:ext cx="4426560" cy="2090880"/>
           </a:xfrm>
           <a:prstGeom prst="rect">
             <a:avLst/>
@@ -1284,7 +2761,7 @@
       </p:sp>
       <p:sp>
         <p:nvSpPr>
-          <p:cNvPr id="21" name="PlaceHolder 4"/>
+          <p:cNvPr id="18" name="PlaceHolder 4"/>
           <p:cNvSpPr>
             <a:spLocks noGrp="1"/>
           </p:cNvSpPr>
@@ -1294,8 +2771,8 @@
         </p:nvSpPr>
         <p:spPr>
           <a:xfrm>
-            <a:off x="5152680" y="4059360"/>
-            <a:ext cx="4426920" cy="2091240"/>
+            <a:off x="5152320" y="4059000"/>
+            <a:ext cx="4426560" cy="2090880"/>
           </a:xfrm>
           <a:prstGeom prst="rect">
             <a:avLst/>
@@ -1342,7 +2819,7 @@
       </p:grpSpPr>
       <p:sp>
         <p:nvSpPr>
-          <p:cNvPr id="22" name="PlaceHolder 1"/>
+          <p:cNvPr id="19" name="PlaceHolder 1"/>
           <p:cNvSpPr>
             <a:spLocks noGrp="1"/>
           </p:cNvSpPr>
@@ -1353,7 +2830,7 @@
         <p:spPr>
           <a:xfrm>
             <a:off x="504000" y="301320"/>
-            <a:ext cx="9071640" cy="1262160"/>
+            <a:ext cx="9071280" cy="1261800"/>
           </a:xfrm>
           <a:prstGeom prst="rect">
             <a:avLst/>
@@ -1379,7 +2856,7 @@
       </p:sp>
       <p:sp>
         <p:nvSpPr>
-          <p:cNvPr id="23" name="PlaceHolder 2"/>
+          <p:cNvPr id="20" name="PlaceHolder 2"/>
           <p:cNvSpPr>
             <a:spLocks noGrp="1"/>
           </p:cNvSpPr>
@@ -1390,7 +2867,7 @@
         <p:spPr>
           <a:xfrm>
             <a:off x="504000" y="1769040"/>
-            <a:ext cx="4426920" cy="2091240"/>
+            <a:ext cx="4426560" cy="2090880"/>
           </a:xfrm>
           <a:prstGeom prst="rect">
             <a:avLst/>
@@ -1415,7 +2892,7 @@
       </p:sp>
       <p:sp>
         <p:nvSpPr>
-          <p:cNvPr id="24" name="PlaceHolder 3"/>
+          <p:cNvPr id="21" name="PlaceHolder 3"/>
           <p:cNvSpPr>
             <a:spLocks noGrp="1"/>
           </p:cNvSpPr>
@@ -1425,8 +2902,8 @@
         </p:nvSpPr>
         <p:spPr>
           <a:xfrm>
-            <a:off x="5152680" y="1769040"/>
-            <a:ext cx="4426920" cy="2091240"/>
+            <a:off x="5152320" y="1769040"/>
+            <a:ext cx="4426560" cy="2090880"/>
           </a:xfrm>
           <a:prstGeom prst="rect">
             <a:avLst/>
@@ -1451,7 +2928,7 @@
       </p:sp>
       <p:sp>
         <p:nvSpPr>
-          <p:cNvPr id="25" name="PlaceHolder 4"/>
+          <p:cNvPr id="22" name="PlaceHolder 4"/>
           <p:cNvSpPr>
             <a:spLocks noGrp="1"/>
           </p:cNvSpPr>
@@ -1461,8 +2938,8 @@
         </p:nvSpPr>
         <p:spPr>
           <a:xfrm>
-            <a:off x="504000" y="4059360"/>
-            <a:ext cx="9071640" cy="2091240"/>
+            <a:off x="504000" y="4059000"/>
+            <a:ext cx="9071280" cy="2090880"/>
           </a:xfrm>
           <a:prstGeom prst="rect">
             <a:avLst/>
@@ -1520,7 +2997,7 @@
         <p:spPr>
           <a:xfrm>
             <a:off x="504000" y="301320"/>
-            <a:ext cx="9071640" cy="1262160"/>
+            <a:ext cx="9071280" cy="1261800"/>
           </a:xfrm>
           <a:prstGeom prst="rect">
             <a:avLst/>
@@ -1530,20 +3007,6 @@
           <a:bodyPr lIns="0" rIns="0" tIns="0" bIns="0" anchor="ctr"/>
           <a:p>
             <a:pPr algn="ctr"/>
-            <a:r>
-              <a:rPr b="0" lang="en-US" sz="4400" spc="-1" strike="noStrike">
-                <a:solidFill>
-                  <a:srgbClr val="000000"/>
-                </a:solidFill>
-                <a:uFill>
-                  <a:solidFill>
-                    <a:srgbClr val="ffffff"/>
-                  </a:solidFill>
-                </a:uFill>
-                <a:latin typeface="Arial"/>
-              </a:rPr>
-              <a:t>Click to edit the title text format</a:t>
-            </a:r>
             <a:endParaRPr b="0" lang="en-US" sz="4400" spc="-1" strike="noStrike">
               <a:solidFill>
                 <a:srgbClr val="000000"/>
@@ -1570,8 +3033,8 @@
         </p:nvSpPr>
         <p:spPr>
           <a:xfrm>
-            <a:off x="504000" y="1769040"/>
-            <a:ext cx="9071640" cy="4384440"/>
+            <a:off x="504000" y="1768680"/>
+            <a:ext cx="9072000" cy="4384080"/>
           </a:xfrm>
           <a:prstGeom prst="rect">
             <a:avLst/>
@@ -1822,158 +3285,6 @@
                 </a:solidFill>
               </a:uFill>
               <a:latin typeface="Arial"/>
-            </a:endParaRPr>
-          </a:p>
-        </p:txBody>
-      </p:sp>
-      <p:sp>
-        <p:nvSpPr>
-          <p:cNvPr id="2" name="PlaceHolder 3"/>
-          <p:cNvSpPr>
-            <a:spLocks noGrp="1"/>
-          </p:cNvSpPr>
-          <p:nvPr>
-            <p:ph type="dt"/>
-          </p:nvPr>
-        </p:nvSpPr>
-        <p:spPr>
-          <a:xfrm>
-            <a:off x="504000" y="6887160"/>
-            <a:ext cx="2348280" cy="521280"/>
-          </a:xfrm>
-          <a:prstGeom prst="rect">
-            <a:avLst/>
-          </a:prstGeom>
-        </p:spPr>
-        <p:txBody>
-          <a:bodyPr lIns="0" rIns="0" tIns="0" bIns="0"/>
-          <a:p>
-            <a:r>
-              <a:rPr b="0" lang="en-US" sz="1400" spc="-1" strike="noStrike">
-                <a:solidFill>
-                  <a:srgbClr val="000000"/>
-                </a:solidFill>
-                <a:uFill>
-                  <a:solidFill>
-                    <a:srgbClr val="ffffff"/>
-                  </a:solidFill>
-                </a:uFill>
-                <a:latin typeface="Times New Roman"/>
-              </a:rPr>
-              <a:t>&lt;date/time&gt;</a:t>
-            </a:r>
-            <a:endParaRPr b="0" lang="en-US" sz="1400" spc="-1" strike="noStrike">
-              <a:solidFill>
-                <a:srgbClr val="000000"/>
-              </a:solidFill>
-              <a:uFill>
-                <a:solidFill>
-                  <a:srgbClr val="ffffff"/>
-                </a:solidFill>
-              </a:uFill>
-              <a:latin typeface="Times New Roman"/>
-            </a:endParaRPr>
-          </a:p>
-        </p:txBody>
-      </p:sp>
-      <p:sp>
-        <p:nvSpPr>
-          <p:cNvPr id="3" name="PlaceHolder 4"/>
-          <p:cNvSpPr>
-            <a:spLocks noGrp="1"/>
-          </p:cNvSpPr>
-          <p:nvPr>
-            <p:ph type="ftr"/>
-          </p:nvPr>
-        </p:nvSpPr>
-        <p:spPr>
-          <a:xfrm>
-            <a:off x="3447360" y="6887160"/>
-            <a:ext cx="3195000" cy="521280"/>
-          </a:xfrm>
-          <a:prstGeom prst="rect">
-            <a:avLst/>
-          </a:prstGeom>
-        </p:spPr>
-        <p:txBody>
-          <a:bodyPr lIns="0" rIns="0" tIns="0" bIns="0"/>
-          <a:p>
-            <a:pPr algn="ctr"/>
-            <a:r>
-              <a:rPr b="0" lang="en-US" sz="1400" spc="-1" strike="noStrike">
-                <a:solidFill>
-                  <a:srgbClr val="000000"/>
-                </a:solidFill>
-                <a:uFill>
-                  <a:solidFill>
-                    <a:srgbClr val="ffffff"/>
-                  </a:solidFill>
-                </a:uFill>
-                <a:latin typeface="Times New Roman"/>
-              </a:rPr>
-              <a:t>&lt;footer&gt;</a:t>
-            </a:r>
-            <a:endParaRPr b="0" lang="en-US" sz="1400" spc="-1" strike="noStrike">
-              <a:solidFill>
-                <a:srgbClr val="000000"/>
-              </a:solidFill>
-              <a:uFill>
-                <a:solidFill>
-                  <a:srgbClr val="ffffff"/>
-                </a:solidFill>
-              </a:uFill>
-              <a:latin typeface="Times New Roman"/>
-            </a:endParaRPr>
-          </a:p>
-        </p:txBody>
-      </p:sp>
-      <p:sp>
-        <p:nvSpPr>
-          <p:cNvPr id="4" name="PlaceHolder 5"/>
-          <p:cNvSpPr>
-            <a:spLocks noGrp="1"/>
-          </p:cNvSpPr>
-          <p:nvPr>
-            <p:ph type="sldNum"/>
-          </p:nvPr>
-        </p:nvSpPr>
-        <p:spPr>
-          <a:xfrm>
-            <a:off x="7227360" y="6887160"/>
-            <a:ext cx="2348280" cy="521280"/>
-          </a:xfrm>
-          <a:prstGeom prst="rect">
-            <a:avLst/>
-          </a:prstGeom>
-        </p:spPr>
-        <p:txBody>
-          <a:bodyPr lIns="0" rIns="0" tIns="0" bIns="0"/>
-          <a:p>
-            <a:pPr algn="r"/>
-            <a:fld id="{6C0A147D-2C0B-45D1-807F-4405D67CC153}" type="slidenum">
-              <a:rPr b="0" lang="en-US" sz="1400" spc="-1" strike="noStrike">
-                <a:solidFill>
-                  <a:srgbClr val="000000"/>
-                </a:solidFill>
-                <a:uFill>
-                  <a:solidFill>
-                    <a:srgbClr val="ffffff"/>
-                  </a:solidFill>
-                </a:uFill>
-                <a:latin typeface="Times New Roman"/>
-              </a:rPr>
-              <a:t>&lt;number&gt;</a:t>
-            </a:fld>
-            <a:endParaRPr b="0" lang="en-US" sz="1400" spc="-1" strike="noStrike">
-              <a:solidFill>
-                <a:srgbClr val="000000"/>
-              </a:solidFill>
-              <a:uFill>
-                <a:solidFill>
-                  <a:srgbClr val="ffffff"/>
-                </a:solidFill>
-              </a:uFill>
-              <a:latin typeface="Times New Roman"/>
             </a:endParaRPr>
           </a:p>
         </p:txBody>
@@ -1994,6 +3305,348 @@
     <p:sldLayoutId id="2147483658" r:id="rId11"/>
     <p:sldLayoutId id="2147483659" r:id="rId12"/>
     <p:sldLayoutId id="2147483660" r:id="rId13"/>
+  </p:sldLayoutIdLst>
+</p:sldMaster>
+</file>
+
+<file path=ppt/slideMasters/slideMaster2.xml><?xml version="1.0" encoding="utf-8"?>
+<p:sldMaster xmlns:a="http://schemas.openxmlformats.org/drawingml/2006/main" xmlns:p="http://schemas.openxmlformats.org/presentationml/2006/main" xmlns:r="http://schemas.openxmlformats.org/officeDocument/2006/relationships" xmlns:p14="http://schemas.microsoft.com/office/powerpoint/2010/main" xmlns:p15="http://schemas.microsoft.com/office/powerpoint/2012/main" xmlns:mc="http://schemas.openxmlformats.org/markup-compatibility/2006">
+  <p:cSld>
+    <p:spTree>
+      <p:nvGrpSpPr>
+        <p:cNvPr id="1" name=""/>
+        <p:cNvGrpSpPr/>
+        <p:nvPr/>
+      </p:nvGrpSpPr>
+      <p:grpSpPr>
+        <a:xfrm>
+          <a:off x="0" y="0"/>
+          <a:ext cx="0" cy="0"/>
+          <a:chOff x="0" y="0"/>
+          <a:chExt cx="0" cy="0"/>
+        </a:xfrm>
+      </p:grpSpPr>
+      <p:sp>
+        <p:nvSpPr>
+          <p:cNvPr id="36" name="PlaceHolder 1"/>
+          <p:cNvSpPr>
+            <a:spLocks noGrp="1"/>
+          </p:cNvSpPr>
+          <p:nvPr>
+            <p:ph type="title"/>
+          </p:nvPr>
+        </p:nvSpPr>
+        <p:spPr>
+          <a:xfrm>
+            <a:off x="504000" y="301320"/>
+            <a:ext cx="9071280" cy="1261800"/>
+          </a:xfrm>
+          <a:prstGeom prst="rect">
+            <a:avLst/>
+          </a:prstGeom>
+        </p:spPr>
+        <p:txBody>
+          <a:bodyPr lIns="0" rIns="0" tIns="0" bIns="0" anchor="ctr"/>
+          <a:p>
+            <a:pPr algn="ctr"/>
+            <a:endParaRPr b="0" lang="en-US" sz="4400" spc="-1" strike="noStrike">
+              <a:solidFill>
+                <a:srgbClr val="000000"/>
+              </a:solidFill>
+              <a:uFill>
+                <a:solidFill>
+                  <a:srgbClr val="ffffff"/>
+                </a:solidFill>
+              </a:uFill>
+              <a:latin typeface="Arial"/>
+            </a:endParaRPr>
+          </a:p>
+        </p:txBody>
+      </p:sp>
+      <p:sp>
+        <p:nvSpPr>
+          <p:cNvPr id="37" name="PlaceHolder 2"/>
+          <p:cNvSpPr>
+            <a:spLocks noGrp="1"/>
+          </p:cNvSpPr>
+          <p:nvPr>
+            <p:ph type="body"/>
+          </p:nvPr>
+        </p:nvSpPr>
+        <p:spPr>
+          <a:xfrm>
+            <a:off x="504000" y="1769040"/>
+            <a:ext cx="9071280" cy="4384080"/>
+          </a:xfrm>
+          <a:prstGeom prst="rect">
+            <a:avLst/>
+          </a:prstGeom>
+        </p:spPr>
+        <p:txBody>
+          <a:bodyPr lIns="0" rIns="0" tIns="0" bIns="0"/>
+          <a:p>
+            <a:pPr marL="432000" indent="-324000">
+              <a:buClr>
+                <a:srgbClr val="000000"/>
+              </a:buClr>
+              <a:buSzPct val="45000"/>
+              <a:buFont typeface="Wingdings" charset="2"/>
+              <a:buChar char=""/>
+            </a:pPr>
+            <a:r>
+              <a:rPr b="0" lang="en-US" sz="1800" spc="-1" strike="noStrike">
+                <a:solidFill>
+                  <a:srgbClr val="000000"/>
+                </a:solidFill>
+                <a:uFill>
+                  <a:solidFill>
+                    <a:srgbClr val="ffffff"/>
+                  </a:solidFill>
+                </a:uFill>
+                <a:latin typeface="Arial"/>
+              </a:rPr>
+              <a:t>Click to edit the outline text format</a:t>
+            </a:r>
+            <a:endParaRPr b="0" lang="en-US" sz="1800" spc="-1" strike="noStrike">
+              <a:solidFill>
+                <a:srgbClr val="000000"/>
+              </a:solidFill>
+              <a:uFill>
+                <a:solidFill>
+                  <a:srgbClr val="ffffff"/>
+                </a:solidFill>
+              </a:uFill>
+              <a:latin typeface="Arial"/>
+            </a:endParaRPr>
+          </a:p>
+          <a:p>
+            <a:pPr lvl="1" marL="864000" indent="-324000">
+              <a:buClr>
+                <a:srgbClr val="000000"/>
+              </a:buClr>
+              <a:buSzPct val="75000"/>
+              <a:buFont typeface="Symbol" charset="2"/>
+              <a:buChar char=""/>
+            </a:pPr>
+            <a:r>
+              <a:rPr b="0" lang="en-US" sz="1800" spc="-1" strike="noStrike">
+                <a:solidFill>
+                  <a:srgbClr val="000000"/>
+                </a:solidFill>
+                <a:uFill>
+                  <a:solidFill>
+                    <a:srgbClr val="ffffff"/>
+                  </a:solidFill>
+                </a:uFill>
+                <a:latin typeface="Arial"/>
+              </a:rPr>
+              <a:t>Second Outline Level</a:t>
+            </a:r>
+            <a:endParaRPr b="0" lang="en-US" sz="1800" spc="-1" strike="noStrike">
+              <a:solidFill>
+                <a:srgbClr val="000000"/>
+              </a:solidFill>
+              <a:uFill>
+                <a:solidFill>
+                  <a:srgbClr val="ffffff"/>
+                </a:solidFill>
+              </a:uFill>
+              <a:latin typeface="Arial"/>
+            </a:endParaRPr>
+          </a:p>
+          <a:p>
+            <a:pPr lvl="2" marL="1296000" indent="-288000">
+              <a:buClr>
+                <a:srgbClr val="000000"/>
+              </a:buClr>
+              <a:buSzPct val="45000"/>
+              <a:buFont typeface="Wingdings" charset="2"/>
+              <a:buChar char=""/>
+            </a:pPr>
+            <a:r>
+              <a:rPr b="0" lang="en-US" sz="1800" spc="-1" strike="noStrike">
+                <a:solidFill>
+                  <a:srgbClr val="000000"/>
+                </a:solidFill>
+                <a:uFill>
+                  <a:solidFill>
+                    <a:srgbClr val="ffffff"/>
+                  </a:solidFill>
+                </a:uFill>
+                <a:latin typeface="Arial"/>
+              </a:rPr>
+              <a:t>Third Outline Level</a:t>
+            </a:r>
+            <a:endParaRPr b="0" lang="en-US" sz="1800" spc="-1" strike="noStrike">
+              <a:solidFill>
+                <a:srgbClr val="000000"/>
+              </a:solidFill>
+              <a:uFill>
+                <a:solidFill>
+                  <a:srgbClr val="ffffff"/>
+                </a:solidFill>
+              </a:uFill>
+              <a:latin typeface="Arial"/>
+            </a:endParaRPr>
+          </a:p>
+          <a:p>
+            <a:pPr lvl="3" marL="1728000" indent="-216000">
+              <a:buClr>
+                <a:srgbClr val="000000"/>
+              </a:buClr>
+              <a:buSzPct val="75000"/>
+              <a:buFont typeface="Symbol" charset="2"/>
+              <a:buChar char=""/>
+            </a:pPr>
+            <a:r>
+              <a:rPr b="0" lang="en-US" sz="1800" spc="-1" strike="noStrike">
+                <a:solidFill>
+                  <a:srgbClr val="000000"/>
+                </a:solidFill>
+                <a:uFill>
+                  <a:solidFill>
+                    <a:srgbClr val="ffffff"/>
+                  </a:solidFill>
+                </a:uFill>
+                <a:latin typeface="Arial"/>
+              </a:rPr>
+              <a:t>Fourth Outline Level</a:t>
+            </a:r>
+            <a:endParaRPr b="0" lang="en-US" sz="1800" spc="-1" strike="noStrike">
+              <a:solidFill>
+                <a:srgbClr val="000000"/>
+              </a:solidFill>
+              <a:uFill>
+                <a:solidFill>
+                  <a:srgbClr val="ffffff"/>
+                </a:solidFill>
+              </a:uFill>
+              <a:latin typeface="Arial"/>
+            </a:endParaRPr>
+          </a:p>
+          <a:p>
+            <a:pPr lvl="4" marL="2160000" indent="-216000">
+              <a:buClr>
+                <a:srgbClr val="000000"/>
+              </a:buClr>
+              <a:buSzPct val="45000"/>
+              <a:buFont typeface="Wingdings" charset="2"/>
+              <a:buChar char=""/>
+            </a:pPr>
+            <a:r>
+              <a:rPr b="0" lang="en-US" sz="1800" spc="-1" strike="noStrike">
+                <a:solidFill>
+                  <a:srgbClr val="000000"/>
+                </a:solidFill>
+                <a:uFill>
+                  <a:solidFill>
+                    <a:srgbClr val="ffffff"/>
+                  </a:solidFill>
+                </a:uFill>
+                <a:latin typeface="Arial"/>
+              </a:rPr>
+              <a:t>Fifth Outline Level</a:t>
+            </a:r>
+            <a:endParaRPr b="0" lang="en-US" sz="1800" spc="-1" strike="noStrike">
+              <a:solidFill>
+                <a:srgbClr val="000000"/>
+              </a:solidFill>
+              <a:uFill>
+                <a:solidFill>
+                  <a:srgbClr val="ffffff"/>
+                </a:solidFill>
+              </a:uFill>
+              <a:latin typeface="Arial"/>
+            </a:endParaRPr>
+          </a:p>
+          <a:p>
+            <a:pPr lvl="5" marL="2592000" indent="-216000">
+              <a:buClr>
+                <a:srgbClr val="000000"/>
+              </a:buClr>
+              <a:buSzPct val="45000"/>
+              <a:buFont typeface="Wingdings" charset="2"/>
+              <a:buChar char=""/>
+            </a:pPr>
+            <a:r>
+              <a:rPr b="0" lang="en-US" sz="1800" spc="-1" strike="noStrike">
+                <a:solidFill>
+                  <a:srgbClr val="000000"/>
+                </a:solidFill>
+                <a:uFill>
+                  <a:solidFill>
+                    <a:srgbClr val="ffffff"/>
+                  </a:solidFill>
+                </a:uFill>
+                <a:latin typeface="Arial"/>
+              </a:rPr>
+              <a:t>Sixth Outline Level</a:t>
+            </a:r>
+            <a:endParaRPr b="0" lang="en-US" sz="1800" spc="-1" strike="noStrike">
+              <a:solidFill>
+                <a:srgbClr val="000000"/>
+              </a:solidFill>
+              <a:uFill>
+                <a:solidFill>
+                  <a:srgbClr val="ffffff"/>
+                </a:solidFill>
+              </a:uFill>
+              <a:latin typeface="Arial"/>
+            </a:endParaRPr>
+          </a:p>
+          <a:p>
+            <a:pPr lvl="6" marL="3024000" indent="-216000">
+              <a:buClr>
+                <a:srgbClr val="000000"/>
+              </a:buClr>
+              <a:buSzPct val="45000"/>
+              <a:buFont typeface="Wingdings" charset="2"/>
+              <a:buChar char=""/>
+            </a:pPr>
+            <a:r>
+              <a:rPr b="0" lang="en-US" sz="1800" spc="-1" strike="noStrike">
+                <a:solidFill>
+                  <a:srgbClr val="000000"/>
+                </a:solidFill>
+                <a:uFill>
+                  <a:solidFill>
+                    <a:srgbClr val="ffffff"/>
+                  </a:solidFill>
+                </a:uFill>
+                <a:latin typeface="Arial"/>
+              </a:rPr>
+              <a:t>Seventh Outline Level</a:t>
+            </a:r>
+            <a:endParaRPr b="0" lang="en-US" sz="1800" spc="-1" strike="noStrike">
+              <a:solidFill>
+                <a:srgbClr val="000000"/>
+              </a:solidFill>
+              <a:uFill>
+                <a:solidFill>
+                  <a:srgbClr val="ffffff"/>
+                </a:solidFill>
+              </a:uFill>
+              <a:latin typeface="Arial"/>
+            </a:endParaRPr>
+          </a:p>
+        </p:txBody>
+      </p:sp>
+    </p:spTree>
+  </p:cSld>
+  <p:clrMap bg1="lt1" bg2="lt2" tx1="dk1" tx2="dk2" accent1="accent1" accent2="accent2" accent3="accent3" accent4="accent4" accent5="accent5" accent6="accent6" hlink="hlink" folHlink="folHlink"/>
+  <p:sldLayoutIdLst>
+    <p:sldLayoutId id="2147483662" r:id="rId2"/>
+    <p:sldLayoutId id="2147483663" r:id="rId3"/>
+    <p:sldLayoutId id="2147483664" r:id="rId4"/>
+    <p:sldLayoutId id="2147483665" r:id="rId5"/>
+    <p:sldLayoutId id="2147483666" r:id="rId6"/>
+    <p:sldLayoutId id="2147483667" r:id="rId7"/>
+    <p:sldLayoutId id="2147483668" r:id="rId8"/>
+    <p:sldLayoutId id="2147483669" r:id="rId9"/>
+    <p:sldLayoutId id="2147483670" r:id="rId10"/>
+    <p:sldLayoutId id="2147483671" r:id="rId11"/>
+    <p:sldLayoutId id="2147483672" r:id="rId12"/>
+    <p:sldLayoutId id="2147483673" r:id="rId13"/>
   </p:sldLayoutIdLst>
 </p:sldMaster>
 </file>
@@ -2017,14 +3670,14 @@
       </p:grpSpPr>
       <p:sp>
         <p:nvSpPr>
-          <p:cNvPr id="39" name="TextShape 1"/>
-          <p:cNvSpPr txBox="1"/>
+          <p:cNvPr id="72" name="CustomShape 1"/>
+          <p:cNvSpPr/>
           <p:nvPr/>
         </p:nvSpPr>
         <p:spPr>
           <a:xfrm>
             <a:off x="504000" y="301320"/>
-            <a:ext cx="9071640" cy="1262160"/>
+            <a:ext cx="9071280" cy="1261800"/>
           </a:xfrm>
           <a:prstGeom prst="rect">
             <a:avLst/>
@@ -2034,10 +3687,20 @@
             <a:noFill/>
           </a:ln>
         </p:spPr>
+        <p:style>
+          <a:lnRef idx="0"/>
+          <a:fillRef idx="0"/>
+          <a:effectRef idx="0"/>
+          <a:fontRef idx="minor"/>
+        </p:style>
         <p:txBody>
           <a:bodyPr lIns="0" rIns="0" tIns="0" bIns="0" anchor="ctr"/>
           <a:p>
-            <a:pPr algn="ctr"/>
+            <a:pPr algn="ctr">
+              <a:lnSpc>
+                <a:spcPct val="100000"/>
+              </a:lnSpc>
+            </a:pPr>
             <a:r>
               <a:rPr b="0" lang="en-US" sz="4400" spc="-1" strike="noStrike">
                 <a:solidFill>
@@ -2080,30 +3743,30 @@
               </a:rPr>
               <a:t>架构</a:t>
             </a:r>
-            <a:endParaRPr b="0" lang="en-US" sz="4400" spc="-1" strike="noStrike">
-              <a:solidFill>
-                <a:srgbClr val="000000"/>
-              </a:solidFill>
-              <a:uFill>
-                <a:solidFill>
-                  <a:srgbClr val="ffffff"/>
-                </a:solidFill>
-              </a:uFill>
-              <a:latin typeface="Arial"/>
-            </a:endParaRPr>
-          </a:p>
-        </p:txBody>
-      </p:sp>
-      <p:sp>
-        <p:nvSpPr>
-          <p:cNvPr id="40" name="TextShape 2"/>
-          <p:cNvSpPr txBox="1"/>
+            <a:endParaRPr b="0" lang="en-US" sz="1800" spc="-1" strike="noStrike">
+              <a:solidFill>
+                <a:srgbClr val="000000"/>
+              </a:solidFill>
+              <a:uFill>
+                <a:solidFill>
+                  <a:srgbClr val="ffffff"/>
+                </a:solidFill>
+              </a:uFill>
+              <a:latin typeface="Arial"/>
+            </a:endParaRPr>
+          </a:p>
+        </p:txBody>
+      </p:sp>
+      <p:sp>
+        <p:nvSpPr>
+          <p:cNvPr id="73" name="CustomShape 2"/>
+          <p:cNvSpPr/>
           <p:nvPr/>
         </p:nvSpPr>
         <p:spPr>
           <a:xfrm>
             <a:off x="504000" y="1769040"/>
-            <a:ext cx="9071640" cy="4384440"/>
+            <a:ext cx="9071280" cy="4384080"/>
           </a:xfrm>
           <a:prstGeom prst="rect">
             <a:avLst/>
@@ -2113,10 +3776,19 @@
             <a:noFill/>
           </a:ln>
         </p:spPr>
+        <p:style>
+          <a:lnRef idx="0"/>
+          <a:fillRef idx="0"/>
+          <a:effectRef idx="0"/>
+          <a:fontRef idx="minor"/>
+        </p:style>
         <p:txBody>
           <a:bodyPr lIns="0" rIns="0" tIns="0" bIns="0"/>
           <a:p>
-            <a:pPr marL="448200">
+            <a:pPr marL="448200" indent="-216000">
+              <a:lnSpc>
+                <a:spcPct val="100000"/>
+              </a:lnSpc>
               <a:buClr>
                 <a:srgbClr val="000000"/>
               </a:buClr>
@@ -2137,20 +3809,23 @@
               </a:rPr>
               <a:t>服务自注册，弹性伸缩。</a:t>
             </a:r>
-            <a:endParaRPr b="0" lang="en-US" sz="3200" spc="-1" strike="noStrike">
-              <a:solidFill>
-                <a:srgbClr val="000000"/>
-              </a:solidFill>
-              <a:uFill>
-                <a:solidFill>
-                  <a:srgbClr val="ffffff"/>
-                </a:solidFill>
-              </a:uFill>
-              <a:latin typeface="Arial"/>
-            </a:endParaRPr>
-          </a:p>
-          <a:p>
-            <a:pPr marL="448200">
+            <a:endParaRPr b="0" lang="en-US" sz="1800" spc="-1" strike="noStrike">
+              <a:solidFill>
+                <a:srgbClr val="000000"/>
+              </a:solidFill>
+              <a:uFill>
+                <a:solidFill>
+                  <a:srgbClr val="ffffff"/>
+                </a:solidFill>
+              </a:uFill>
+              <a:latin typeface="Arial"/>
+            </a:endParaRPr>
+          </a:p>
+          <a:p>
+            <a:pPr marL="448200" indent="-216000">
+              <a:lnSpc>
+                <a:spcPct val="100000"/>
+              </a:lnSpc>
               <a:buClr>
                 <a:srgbClr val="000000"/>
               </a:buClr>
@@ -2171,20 +3846,23 @@
               </a:rPr>
               <a:t>自动监控，服务自愈。</a:t>
             </a:r>
-            <a:endParaRPr b="0" lang="en-US" sz="3200" spc="-1" strike="noStrike">
-              <a:solidFill>
-                <a:srgbClr val="000000"/>
-              </a:solidFill>
-              <a:uFill>
-                <a:solidFill>
-                  <a:srgbClr val="ffffff"/>
-                </a:solidFill>
-              </a:uFill>
-              <a:latin typeface="Arial"/>
-            </a:endParaRPr>
-          </a:p>
-          <a:p>
-            <a:pPr marL="448200">
+            <a:endParaRPr b="0" lang="en-US" sz="1800" spc="-1" strike="noStrike">
+              <a:solidFill>
+                <a:srgbClr val="000000"/>
+              </a:solidFill>
+              <a:uFill>
+                <a:solidFill>
+                  <a:srgbClr val="ffffff"/>
+                </a:solidFill>
+              </a:uFill>
+              <a:latin typeface="Arial"/>
+            </a:endParaRPr>
+          </a:p>
+          <a:p>
+            <a:pPr marL="448200" indent="-216000">
+              <a:lnSpc>
+                <a:spcPct val="100000"/>
+              </a:lnSpc>
               <a:buClr>
                 <a:srgbClr val="000000"/>
               </a:buClr>
@@ -2205,7 +3883,7 @@
               </a:rPr>
               <a:t>冷数据定时迁移到冷数据节点。</a:t>
             </a:r>
-            <a:endParaRPr b="0" lang="en-US" sz="3200" spc="-1" strike="noStrike">
+            <a:endParaRPr b="0" lang="en-US" sz="1800" spc="-1" strike="noStrike">
               <a:solidFill>
                 <a:srgbClr val="000000"/>
               </a:solidFill>
@@ -2270,14 +3948,14 @@
       </p:grpSpPr>
       <p:sp>
         <p:nvSpPr>
-          <p:cNvPr id="41" name="TextShape 1"/>
-          <p:cNvSpPr txBox="1"/>
+          <p:cNvPr id="74" name="CustomShape 1"/>
+          <p:cNvSpPr/>
           <p:nvPr/>
         </p:nvSpPr>
         <p:spPr>
           <a:xfrm>
             <a:off x="504000" y="301320"/>
-            <a:ext cx="9071640" cy="1262160"/>
+            <a:ext cx="9071280" cy="1261800"/>
           </a:xfrm>
           <a:prstGeom prst="rect">
             <a:avLst/>
@@ -2287,10 +3965,20 @@
             <a:noFill/>
           </a:ln>
         </p:spPr>
+        <p:style>
+          <a:lnRef idx="0"/>
+          <a:fillRef idx="0"/>
+          <a:effectRef idx="0"/>
+          <a:fontRef idx="minor"/>
+        </p:style>
         <p:txBody>
           <a:bodyPr lIns="0" rIns="0" tIns="0" bIns="0" anchor="ctr"/>
           <a:p>
-            <a:pPr algn="ctr"/>
+            <a:pPr algn="ctr">
+              <a:lnSpc>
+                <a:spcPct val="100000"/>
+              </a:lnSpc>
+            </a:pPr>
             <a:r>
               <a:rPr b="0" lang="en-US" sz="4400" spc="-1" strike="noStrike">
                 <a:solidFill>
@@ -2305,30 +3993,30 @@
               </a:rPr>
               <a:t>组件</a:t>
             </a:r>
-            <a:endParaRPr b="0" lang="en-US" sz="4400" spc="-1" strike="noStrike">
-              <a:solidFill>
-                <a:srgbClr val="000000"/>
-              </a:solidFill>
-              <a:uFill>
-                <a:solidFill>
-                  <a:srgbClr val="ffffff"/>
-                </a:solidFill>
-              </a:uFill>
-              <a:latin typeface="Arial"/>
-            </a:endParaRPr>
-          </a:p>
-        </p:txBody>
-      </p:sp>
-      <p:sp>
-        <p:nvSpPr>
-          <p:cNvPr id="42" name="TextShape 2"/>
-          <p:cNvSpPr txBox="1"/>
+            <a:endParaRPr b="0" lang="en-US" sz="1800" spc="-1" strike="noStrike">
+              <a:solidFill>
+                <a:srgbClr val="000000"/>
+              </a:solidFill>
+              <a:uFill>
+                <a:solidFill>
+                  <a:srgbClr val="ffffff"/>
+                </a:solidFill>
+              </a:uFill>
+              <a:latin typeface="Arial"/>
+            </a:endParaRPr>
+          </a:p>
+        </p:txBody>
+      </p:sp>
+      <p:sp>
+        <p:nvSpPr>
+          <p:cNvPr id="75" name="CustomShape 2"/>
+          <p:cNvSpPr/>
           <p:nvPr/>
         </p:nvSpPr>
         <p:spPr>
           <a:xfrm>
             <a:off x="504000" y="1769040"/>
-            <a:ext cx="9071640" cy="4384440"/>
+            <a:ext cx="9071280" cy="4384080"/>
           </a:xfrm>
           <a:prstGeom prst="rect">
             <a:avLst/>
@@ -2338,10 +4026,103 @@
             <a:noFill/>
           </a:ln>
         </p:spPr>
+        <p:style>
+          <a:lnRef idx="0"/>
+          <a:fillRef idx="0"/>
+          <a:effectRef idx="0"/>
+          <a:fontRef idx="minor"/>
+        </p:style>
         <p:txBody>
           <a:bodyPr lIns="0" rIns="0" tIns="0" bIns="0"/>
           <a:p>
-            <a:pPr marL="432000" indent="-324000">
+            <a:r>
+              <a:rPr b="0" lang="en-US" sz="3200" spc="-1" strike="noStrike">
+                <a:solidFill>
+                  <a:srgbClr val="000000"/>
+                </a:solidFill>
+                <a:uFill>
+                  <a:solidFill>
+                    <a:srgbClr val="ffffff"/>
+                  </a:solidFill>
+                </a:uFill>
+                <a:latin typeface="Arial"/>
+              </a:rPr>
+              <a:t>	</a:t>
+            </a:r>
+            <a:r>
+              <a:rPr b="0" lang="en-US" sz="3200" spc="-1" strike="noStrike">
+                <a:solidFill>
+                  <a:srgbClr val="000000"/>
+                </a:solidFill>
+                <a:uFill>
+                  <a:solidFill>
+                    <a:srgbClr val="ffffff"/>
+                  </a:solidFill>
+                </a:uFill>
+                <a:latin typeface="Arial"/>
+              </a:rPr>
+              <a:t>Consul</a:t>
+            </a:r>
+            <a:r>
+              <a:rPr b="0" lang="en-US" sz="3200" spc="-1" strike="noStrike">
+                <a:solidFill>
+                  <a:srgbClr val="000000"/>
+                </a:solidFill>
+                <a:uFill>
+                  <a:solidFill>
+                    <a:srgbClr val="ffffff"/>
+                  </a:solidFill>
+                </a:uFill>
+                <a:latin typeface="Arial"/>
+              </a:rPr>
+              <a:t>（</a:t>
+            </a:r>
+            <a:r>
+              <a:rPr b="0" lang="en-US" sz="3200" spc="-1" strike="noStrike" u="sng">
+                <a:solidFill>
+                  <a:srgbClr val="0000ff"/>
+                </a:solidFill>
+                <a:uFill>
+                  <a:solidFill>
+                    <a:srgbClr val="ffffff"/>
+                  </a:solidFill>
+                </a:uFill>
+                <a:latin typeface="Arial"/>
+                <a:hlinkClick r:id="rId1"/>
+              </a:rPr>
+              <a:t>https://www.consul.io/</a:t>
+            </a:r>
+            <a:r>
+              <a:rPr b="0" lang="en-US" sz="3200" spc="-1" strike="noStrike">
+                <a:solidFill>
+                  <a:srgbClr val="000000"/>
+                </a:solidFill>
+                <a:uFill>
+                  <a:solidFill>
+                    <a:srgbClr val="ffffff"/>
+                  </a:solidFill>
+                </a:uFill>
+                <a:latin typeface="Arial"/>
+              </a:rPr>
+              <a:t>）</a:t>
+            </a:r>
+            <a:endParaRPr b="0" lang="en-US" sz="1800" spc="-1" strike="noStrike">
+              <a:solidFill>
+                <a:srgbClr val="000000"/>
+              </a:solidFill>
+              <a:uFill>
+                <a:solidFill>
+                  <a:srgbClr val="ffffff"/>
+                </a:solidFill>
+              </a:uFill>
+              <a:latin typeface="Arial"/>
+            </a:endParaRPr>
+          </a:p>
+          <a:p>
+            <a:pPr marL="432000" indent="-323640">
+              <a:lnSpc>
+                <a:spcPct val="100000"/>
+              </a:lnSpc>
               <a:buClr>
                 <a:srgbClr val="000000"/>
               </a:buClr>
@@ -2350,78 +4131,6 @@
               <a:buChar char=""/>
             </a:pPr>
             <a:r>
-              <a:rPr b="0" lang="en-US" sz="3200" spc="-1" strike="noStrike">
-                <a:solidFill>
-                  <a:srgbClr val="000000"/>
-                </a:solidFill>
-                <a:uFill>
-                  <a:solidFill>
-                    <a:srgbClr val="ffffff"/>
-                  </a:solidFill>
-                </a:uFill>
-                <a:latin typeface="Arial"/>
-              </a:rPr>
-              <a:t>Consul</a:t>
-            </a:r>
-            <a:r>
-              <a:rPr b="0" lang="en-US" sz="3200" spc="-1" strike="noStrike">
-                <a:solidFill>
-                  <a:srgbClr val="000000"/>
-                </a:solidFill>
-                <a:uFill>
-                  <a:solidFill>
-                    <a:srgbClr val="ffffff"/>
-                  </a:solidFill>
-                </a:uFill>
-                <a:latin typeface="Arial"/>
-              </a:rPr>
-              <a:t>（</a:t>
-            </a:r>
-            <a:r>
-              <a:rPr b="0" lang="en-US" sz="3200" spc="-1" strike="noStrike">
-                <a:solidFill>
-                  <a:srgbClr val="000000"/>
-                </a:solidFill>
-                <a:uFill>
-                  <a:solidFill>
-                    <a:srgbClr val="ffffff"/>
-                  </a:solidFill>
-                </a:uFill>
-                <a:latin typeface="Arial"/>
-                <a:hlinkClick r:id="rId1"/>
-              </a:rPr>
-              <a:t>https://www.consul.io/</a:t>
-            </a:r>
-            <a:r>
-              <a:rPr b="0" lang="en-US" sz="3200" spc="-1" strike="noStrike">
-                <a:solidFill>
-                  <a:srgbClr val="000000"/>
-                </a:solidFill>
-                <a:uFill>
-                  <a:solidFill>
-                    <a:srgbClr val="ffffff"/>
-                  </a:solidFill>
-                </a:uFill>
-                <a:latin typeface="Arial"/>
-              </a:rPr>
-              <a:t>）</a:t>
-            </a:r>
-            <a:r>
-              <a:rPr b="0" lang="en-US" sz="3200" spc="-1" strike="noStrike">
-                <a:solidFill>
-                  <a:srgbClr val="000000"/>
-                </a:solidFill>
-                <a:uFill>
-                  <a:solidFill>
-                    <a:srgbClr val="ffffff"/>
-                  </a:solidFill>
-                </a:uFill>
-                <a:latin typeface="Arial"/>
-              </a:rPr>
-              <a:t>
-</a:t>
-            </a:r>
-            <a:r>
               <a:rPr b="0" lang="en-US" sz="1600" spc="-1" strike="noStrike">
                 <a:solidFill>
                   <a:srgbClr val="000000"/>
@@ -2435,20 +4144,23 @@
               </a:rPr>
               <a:t>Service Discovery and Configuration</a:t>
             </a:r>
-            <a:endParaRPr b="0" lang="en-US" sz="3200" spc="-1" strike="noStrike">
-              <a:solidFill>
-                <a:srgbClr val="000000"/>
-              </a:solidFill>
-              <a:uFill>
-                <a:solidFill>
-                  <a:srgbClr val="ffffff"/>
-                </a:solidFill>
-              </a:uFill>
-              <a:latin typeface="Arial"/>
-            </a:endParaRPr>
-          </a:p>
-          <a:p>
-            <a:pPr marL="432000" indent="-324000">
+            <a:endParaRPr b="0" lang="en-US" sz="1800" spc="-1" strike="noStrike">
+              <a:solidFill>
+                <a:srgbClr val="000000"/>
+              </a:solidFill>
+              <a:uFill>
+                <a:solidFill>
+                  <a:srgbClr val="ffffff"/>
+                </a:solidFill>
+              </a:uFill>
+              <a:latin typeface="Arial"/>
+            </a:endParaRPr>
+          </a:p>
+          <a:p>
+            <a:pPr marL="432000" indent="-323640">
+              <a:lnSpc>
+                <a:spcPct val="100000"/>
+              </a:lnSpc>
               <a:buClr>
                 <a:srgbClr val="000000"/>
               </a:buClr>
@@ -2485,6 +4197,21 @@
               <a:t>（</a:t>
             </a:r>
             <a:r>
+              <a:rPr b="0" lang="en-US" sz="3200" spc="-1" strike="noStrike" u="sng">
+                <a:solidFill>
+                  <a:srgbClr val="0000ff"/>
+                </a:solidFill>
+                <a:uFill>
+                  <a:solidFill>
+                    <a:srgbClr val="ffffff"/>
+                  </a:solidFill>
+                </a:uFill>
+                <a:latin typeface="Arial"/>
+                <a:hlinkClick r:id="rId2"/>
+              </a:rPr>
+              <a:t>https://redis.io/</a:t>
+            </a:r>
+            <a:r>
               <a:rPr b="0" lang="en-US" sz="3200" spc="-1" strike="noStrike">
                 <a:solidFill>
                   <a:srgbClr val="000000"/>
@@ -2495,67 +4222,26 @@
                   </a:solidFill>
                 </a:uFill>
                 <a:latin typeface="Arial"/>
-                <a:hlinkClick r:id="rId2"/>
-              </a:rPr>
-              <a:t>https://redis.io/</a:t>
-            </a:r>
-            <a:r>
-              <a:rPr b="0" lang="en-US" sz="3200" spc="-1" strike="noStrike">
-                <a:solidFill>
-                  <a:srgbClr val="000000"/>
-                </a:solidFill>
-                <a:uFill>
-                  <a:solidFill>
-                    <a:srgbClr val="ffffff"/>
-                  </a:solidFill>
-                </a:uFill>
-                <a:latin typeface="Arial"/>
               </a:rPr>
               <a:t>）</a:t>
             </a:r>
-            <a:r>
-              <a:rPr b="0" lang="en-US" sz="3200" spc="-1" strike="noStrike">
-                <a:solidFill>
-                  <a:srgbClr val="000000"/>
-                </a:solidFill>
-                <a:uFill>
-                  <a:solidFill>
-                    <a:srgbClr val="ffffff"/>
-                  </a:solidFill>
-                </a:uFill>
-                <a:latin typeface="Arial"/>
-              </a:rPr>
-              <a:t>
-</a:t>
-            </a:r>
-            <a:r>
-              <a:rPr b="0" lang="en-US" sz="1600" spc="-1" strike="noStrike">
-                <a:solidFill>
-                  <a:srgbClr val="000000"/>
-                </a:solidFill>
-                <a:uFill>
-                  <a:solidFill>
-                    <a:srgbClr val="ffffff"/>
-                  </a:solidFill>
-                </a:uFill>
-                <a:latin typeface="Arial"/>
-              </a:rPr>
-              <a:t>In-memory data structure store</a:t>
-            </a:r>
-            <a:endParaRPr b="0" lang="en-US" sz="3200" spc="-1" strike="noStrike">
-              <a:solidFill>
-                <a:srgbClr val="000000"/>
-              </a:solidFill>
-              <a:uFill>
-                <a:solidFill>
-                  <a:srgbClr val="ffffff"/>
-                </a:solidFill>
-              </a:uFill>
-              <a:latin typeface="Arial"/>
-            </a:endParaRPr>
-          </a:p>
-          <a:p>
-            <a:pPr marL="432000" indent="-324000">
+            <a:endParaRPr b="0" lang="en-US" sz="1800" spc="-1" strike="noStrike">
+              <a:solidFill>
+                <a:srgbClr val="000000"/>
+              </a:solidFill>
+              <a:uFill>
+                <a:solidFill>
+                  <a:srgbClr val="ffffff"/>
+                </a:solidFill>
+              </a:uFill>
+              <a:latin typeface="Arial"/>
+            </a:endParaRPr>
+          </a:p>
+          <a:p>
+            <a:pPr marL="432000" indent="-323640">
+              <a:lnSpc>
+                <a:spcPct val="100000"/>
+              </a:lnSpc>
               <a:buClr>
                 <a:srgbClr val="000000"/>
               </a:buClr>
@@ -2564,78 +4250,6 @@
               <a:buChar char=""/>
             </a:pPr>
             <a:r>
-              <a:rPr b="0" lang="en-US" sz="3200" spc="-1" strike="noStrike">
-                <a:solidFill>
-                  <a:srgbClr val="000000"/>
-                </a:solidFill>
-                <a:uFill>
-                  <a:solidFill>
-                    <a:srgbClr val="ffffff"/>
-                  </a:solidFill>
-                </a:uFill>
-                <a:latin typeface="Arial"/>
-              </a:rPr>
-              <a:t>Monit</a:t>
-            </a:r>
-            <a:r>
-              <a:rPr b="0" lang="en-US" sz="3200" spc="-1" strike="noStrike">
-                <a:solidFill>
-                  <a:srgbClr val="000000"/>
-                </a:solidFill>
-                <a:uFill>
-                  <a:solidFill>
-                    <a:srgbClr val="ffffff"/>
-                  </a:solidFill>
-                </a:uFill>
-                <a:latin typeface="Arial"/>
-              </a:rPr>
-              <a:t>（</a:t>
-            </a:r>
-            <a:r>
-              <a:rPr b="0" lang="en-US" sz="3200" spc="-1" strike="noStrike">
-                <a:solidFill>
-                  <a:srgbClr val="000000"/>
-                </a:solidFill>
-                <a:uFill>
-                  <a:solidFill>
-                    <a:srgbClr val="ffffff"/>
-                  </a:solidFill>
-                </a:uFill>
-                <a:latin typeface="Arial"/>
-                <a:hlinkClick r:id="rId3"/>
-              </a:rPr>
-              <a:t>https://mmonit.com/monit/</a:t>
-            </a:r>
-            <a:r>
-              <a:rPr b="0" lang="en-US" sz="3200" spc="-1" strike="noStrike">
-                <a:solidFill>
-                  <a:srgbClr val="000000"/>
-                </a:solidFill>
-                <a:uFill>
-                  <a:solidFill>
-                    <a:srgbClr val="ffffff"/>
-                  </a:solidFill>
-                </a:uFill>
-                <a:latin typeface="Arial"/>
-              </a:rPr>
-              <a:t>）</a:t>
-            </a:r>
-            <a:r>
-              <a:rPr b="0" lang="en-US" sz="3200" spc="-1" strike="noStrike">
-                <a:solidFill>
-                  <a:srgbClr val="000000"/>
-                </a:solidFill>
-                <a:uFill>
-                  <a:solidFill>
-                    <a:srgbClr val="ffffff"/>
-                  </a:solidFill>
-                </a:uFill>
-                <a:latin typeface="Arial"/>
-              </a:rPr>
-              <a:t>
-</a:t>
-            </a:r>
-            <a:r>
               <a:rPr b="0" lang="en-US" sz="1600" spc="-1" strike="noStrike">
                 <a:solidFill>
                   <a:srgbClr val="000000"/>
@@ -2647,22 +4261,25 @@
                 </a:uFill>
                 <a:latin typeface="Arial"/>
               </a:rPr>
-              <a:t>System monitoring and error recovery.</a:t>
-            </a:r>
-            <a:endParaRPr b="0" lang="en-US" sz="3200" spc="-1" strike="noStrike">
-              <a:solidFill>
-                <a:srgbClr val="000000"/>
-              </a:solidFill>
-              <a:uFill>
-                <a:solidFill>
-                  <a:srgbClr val="ffffff"/>
-                </a:solidFill>
-              </a:uFill>
-              <a:latin typeface="Arial"/>
-            </a:endParaRPr>
-          </a:p>
-          <a:p>
-            <a:pPr marL="432000" indent="-324000">
+              <a:t>In-memory data structure store</a:t>
+            </a:r>
+            <a:endParaRPr b="0" lang="en-US" sz="1800" spc="-1" strike="noStrike">
+              <a:solidFill>
+                <a:srgbClr val="000000"/>
+              </a:solidFill>
+              <a:uFill>
+                <a:solidFill>
+                  <a:srgbClr val="ffffff"/>
+                </a:solidFill>
+              </a:uFill>
+              <a:latin typeface="Arial"/>
+            </a:endParaRPr>
+          </a:p>
+          <a:p>
+            <a:pPr marL="432000" indent="-323640">
+              <a:lnSpc>
+                <a:spcPct val="100000"/>
+              </a:lnSpc>
               <a:buClr>
                 <a:srgbClr val="000000"/>
               </a:buClr>
@@ -2682,7 +4299,7 @@
                 </a:uFill>
                 <a:latin typeface="Arial"/>
               </a:rPr>
-              <a:t>Chrony</a:t>
+              <a:t>Monit</a:t>
             </a:r>
             <a:r>
               <a:rPr b="0" lang="en-US" sz="3200" spc="-1" strike="noStrike">
@@ -2699,6 +4316,21 @@
               <a:t>（</a:t>
             </a:r>
             <a:r>
+              <a:rPr b="0" lang="en-US" sz="3200" spc="-1" strike="noStrike" u="sng">
+                <a:solidFill>
+                  <a:srgbClr val="0000ff"/>
+                </a:solidFill>
+                <a:uFill>
+                  <a:solidFill>
+                    <a:srgbClr val="ffffff"/>
+                  </a:solidFill>
+                </a:uFill>
+                <a:latin typeface="Arial"/>
+                <a:hlinkClick r:id="rId3"/>
+              </a:rPr>
+              <a:t>https://mmonit.com/monit/</a:t>
+            </a:r>
+            <a:r>
               <a:rPr b="0" lang="en-US" sz="3200" spc="-1" strike="noStrike">
                 <a:solidFill>
                   <a:srgbClr val="000000"/>
@@ -2709,67 +4341,26 @@
                   </a:solidFill>
                 </a:uFill>
                 <a:latin typeface="Arial"/>
-                <a:hlinkClick r:id="rId4"/>
-              </a:rPr>
-              <a:t>https://chrony.tuxfamily.org/</a:t>
-            </a:r>
-            <a:r>
-              <a:rPr b="0" lang="en-US" sz="3200" spc="-1" strike="noStrike">
-                <a:solidFill>
-                  <a:srgbClr val="000000"/>
-                </a:solidFill>
-                <a:uFill>
-                  <a:solidFill>
-                    <a:srgbClr val="ffffff"/>
-                  </a:solidFill>
-                </a:uFill>
-                <a:latin typeface="Arial"/>
               </a:rPr>
               <a:t>）</a:t>
             </a:r>
-            <a:r>
-              <a:rPr b="0" lang="en-US" sz="3200" spc="-1" strike="noStrike">
-                <a:solidFill>
-                  <a:srgbClr val="000000"/>
-                </a:solidFill>
-                <a:uFill>
-                  <a:solidFill>
-                    <a:srgbClr val="ffffff"/>
-                  </a:solidFill>
-                </a:uFill>
-                <a:latin typeface="Arial"/>
-              </a:rPr>
-              <a:t>
-</a:t>
-            </a:r>
-            <a:r>
-              <a:rPr b="0" lang="en-US" sz="1600" spc="-1" strike="noStrike">
-                <a:solidFill>
-                  <a:srgbClr val="000000"/>
-                </a:solidFill>
-                <a:uFill>
-                  <a:solidFill>
-                    <a:srgbClr val="ffffff"/>
-                  </a:solidFill>
-                </a:uFill>
-                <a:latin typeface="Arial"/>
-              </a:rPr>
-              <a:t>A versatile implementation of the Network Time Protocol</a:t>
-            </a:r>
-            <a:endParaRPr b="0" lang="en-US" sz="3200" spc="-1" strike="noStrike">
-              <a:solidFill>
-                <a:srgbClr val="000000"/>
-              </a:solidFill>
-              <a:uFill>
-                <a:solidFill>
-                  <a:srgbClr val="ffffff"/>
-                </a:solidFill>
-              </a:uFill>
-              <a:latin typeface="Arial"/>
-            </a:endParaRPr>
-          </a:p>
-          <a:p>
-            <a:pPr marL="432000" indent="-324000">
+            <a:endParaRPr b="0" lang="en-US" sz="1800" spc="-1" strike="noStrike">
+              <a:solidFill>
+                <a:srgbClr val="000000"/>
+              </a:solidFill>
+              <a:uFill>
+                <a:solidFill>
+                  <a:srgbClr val="ffffff"/>
+                </a:solidFill>
+              </a:uFill>
+              <a:latin typeface="Arial"/>
+            </a:endParaRPr>
+          </a:p>
+          <a:p>
+            <a:pPr marL="432000" indent="-323640">
+              <a:lnSpc>
+                <a:spcPct val="100000"/>
+              </a:lnSpc>
               <a:buClr>
                 <a:srgbClr val="000000"/>
               </a:buClr>
@@ -2778,78 +4369,6 @@
               <a:buChar char=""/>
             </a:pPr>
             <a:r>
-              <a:rPr b="0" lang="en-US" sz="3200" spc="-1" strike="noStrike">
-                <a:solidFill>
-                  <a:srgbClr val="000000"/>
-                </a:solidFill>
-                <a:uFill>
-                  <a:solidFill>
-                    <a:srgbClr val="ffffff"/>
-                  </a:solidFill>
-                </a:uFill>
-                <a:latin typeface="Arial"/>
-              </a:rPr>
-              <a:t>ELK Stack</a:t>
-            </a:r>
-            <a:r>
-              <a:rPr b="0" lang="en-US" sz="3200" spc="-1" strike="noStrike">
-                <a:solidFill>
-                  <a:srgbClr val="000000"/>
-                </a:solidFill>
-                <a:uFill>
-                  <a:solidFill>
-                    <a:srgbClr val="ffffff"/>
-                  </a:solidFill>
-                </a:uFill>
-                <a:latin typeface="Arial"/>
-              </a:rPr>
-              <a:t>（</a:t>
-            </a:r>
-            <a:r>
-              <a:rPr b="0" lang="en-US" sz="3200" spc="-1" strike="noStrike">
-                <a:solidFill>
-                  <a:srgbClr val="000000"/>
-                </a:solidFill>
-                <a:uFill>
-                  <a:solidFill>
-                    <a:srgbClr val="ffffff"/>
-                  </a:solidFill>
-                </a:uFill>
-                <a:latin typeface="Arial"/>
-                <a:hlinkClick r:id="rId5"/>
-              </a:rPr>
-              <a:t>https://www.elastic.co</a:t>
-            </a:r>
-            <a:r>
-              <a:rPr b="0" lang="en-US" sz="3200" spc="-1" strike="noStrike">
-                <a:solidFill>
-                  <a:srgbClr val="000000"/>
-                </a:solidFill>
-                <a:uFill>
-                  <a:solidFill>
-                    <a:srgbClr val="ffffff"/>
-                  </a:solidFill>
-                </a:uFill>
-                <a:latin typeface="Arial"/>
-              </a:rPr>
-              <a:t>）</a:t>
-            </a:r>
-            <a:r>
-              <a:rPr b="0" lang="en-US" sz="3200" spc="-1" strike="noStrike">
-                <a:solidFill>
-                  <a:srgbClr val="000000"/>
-                </a:solidFill>
-                <a:uFill>
-                  <a:solidFill>
-                    <a:srgbClr val="ffffff"/>
-                  </a:solidFill>
-                </a:uFill>
-                <a:latin typeface="Arial"/>
-              </a:rPr>
-              <a:t>
-</a:t>
-            </a:r>
-            <a:r>
               <a:rPr b="0" lang="en-US" sz="1600" spc="-1" strike="noStrike">
                 <a:solidFill>
                   <a:srgbClr val="000000"/>
@@ -2861,22 +4380,25 @@
                 </a:uFill>
                 <a:latin typeface="Arial"/>
               </a:rPr>
-              <a:t>Reliably and securely take data from any source, in any format, and</a:t>
-            </a:r>
-            <a:endParaRPr b="0" lang="en-US" sz="3200" spc="-1" strike="noStrike">
-              <a:solidFill>
-                <a:srgbClr val="000000"/>
-              </a:solidFill>
-              <a:uFill>
-                <a:solidFill>
-                  <a:srgbClr val="ffffff"/>
-                </a:solidFill>
-              </a:uFill>
-              <a:latin typeface="Arial"/>
-            </a:endParaRPr>
-          </a:p>
-          <a:p>
-            <a:pPr marL="432000" indent="-324000">
+              <a:t>System monitoring and error recovery.</a:t>
+            </a:r>
+            <a:endParaRPr b="0" lang="en-US" sz="1800" spc="-1" strike="noStrike">
+              <a:solidFill>
+                <a:srgbClr val="000000"/>
+              </a:solidFill>
+              <a:uFill>
+                <a:solidFill>
+                  <a:srgbClr val="ffffff"/>
+                </a:solidFill>
+              </a:uFill>
+              <a:latin typeface="Arial"/>
+            </a:endParaRPr>
+          </a:p>
+          <a:p>
+            <a:pPr marL="432000" indent="-323640">
+              <a:lnSpc>
+                <a:spcPct val="100000"/>
+              </a:lnSpc>
               <a:buClr>
                 <a:srgbClr val="000000"/>
               </a:buClr>
@@ -2885,33 +4407,79 @@
               <a:buChar char=""/>
             </a:pPr>
             <a:r>
-              <a:rPr b="0" lang="en-US" sz="1600" spc="-1" strike="noStrike">
-                <a:solidFill>
-                  <a:srgbClr val="000000"/>
-                </a:solidFill>
-                <a:uFill>
-                  <a:solidFill>
-                    <a:srgbClr val="ffffff"/>
-                  </a:solidFill>
-                </a:uFill>
-                <a:latin typeface="Arial"/>
-              </a:rPr>
-              <a:t>search, analyze, and visualize it in real time. </a:t>
-            </a:r>
-            <a:endParaRPr b="0" lang="en-US" sz="3200" spc="-1" strike="noStrike">
-              <a:solidFill>
-                <a:srgbClr val="000000"/>
-              </a:solidFill>
-              <a:uFill>
-                <a:solidFill>
-                  <a:srgbClr val="ffffff"/>
-                </a:solidFill>
-              </a:uFill>
-              <a:latin typeface="Arial"/>
-            </a:endParaRPr>
-          </a:p>
-          <a:p>
-            <a:pPr marL="432000" indent="-324000">
+              <a:rPr b="0" lang="en-US" sz="3200" spc="-1" strike="noStrike">
+                <a:solidFill>
+                  <a:srgbClr val="000000"/>
+                </a:solidFill>
+                <a:uFill>
+                  <a:solidFill>
+                    <a:srgbClr val="ffffff"/>
+                  </a:solidFill>
+                </a:uFill>
+                <a:latin typeface="Arial"/>
+              </a:rPr>
+              <a:t>Chrony</a:t>
+            </a:r>
+            <a:r>
+              <a:rPr b="0" lang="en-US" sz="3200" spc="-1" strike="noStrike">
+                <a:solidFill>
+                  <a:srgbClr val="000000"/>
+                </a:solidFill>
+                <a:uFill>
+                  <a:solidFill>
+                    <a:srgbClr val="ffffff"/>
+                  </a:solidFill>
+                </a:uFill>
+                <a:latin typeface="Arial"/>
+              </a:rPr>
+              <a:t>（</a:t>
+            </a:r>
+            <a:r>
+              <a:rPr b="0" lang="en-US" sz="3200" spc="-1" strike="noStrike" u="sng">
+                <a:solidFill>
+                  <a:srgbClr val="0000ff"/>
+                </a:solidFill>
+                <a:uFill>
+                  <a:solidFill>
+                    <a:srgbClr val="ffffff"/>
+                  </a:solidFill>
+                </a:uFill>
+                <a:latin typeface="Arial"/>
+                <a:hlinkClick r:id="rId4"/>
+              </a:rPr>
+              <a:t>https://chrony.tuxfamily.org/</a:t>
+            </a:r>
+            <a:r>
+              <a:rPr b="0" lang="en-US" sz="3200" spc="-1" strike="noStrike">
+                <a:solidFill>
+                  <a:srgbClr val="000000"/>
+                </a:solidFill>
+                <a:uFill>
+                  <a:solidFill>
+                    <a:srgbClr val="ffffff"/>
+                  </a:solidFill>
+                </a:uFill>
+                <a:latin typeface="Arial"/>
+              </a:rPr>
+              <a:t>）</a:t>
+            </a:r>
+            <a:endParaRPr b="0" lang="en-US" sz="1800" spc="-1" strike="noStrike">
+              <a:solidFill>
+                <a:srgbClr val="000000"/>
+              </a:solidFill>
+              <a:uFill>
+                <a:solidFill>
+                  <a:srgbClr val="ffffff"/>
+                </a:solidFill>
+              </a:uFill>
+              <a:latin typeface="Arial"/>
+            </a:endParaRPr>
+          </a:p>
+          <a:p>
+            <a:pPr marL="432000" indent="-323640">
+              <a:lnSpc>
+                <a:spcPct val="100000"/>
+              </a:lnSpc>
               <a:buClr>
                 <a:srgbClr val="000000"/>
               </a:buClr>
@@ -2920,6 +4488,44 @@
               <a:buChar char=""/>
             </a:pPr>
             <a:r>
+              <a:rPr b="0" lang="en-US" sz="1600" spc="-1" strike="noStrike">
+                <a:solidFill>
+                  <a:srgbClr val="000000"/>
+                </a:solidFill>
+                <a:uFill>
+                  <a:solidFill>
+                    <a:srgbClr val="ffffff"/>
+                  </a:solidFill>
+                </a:uFill>
+                <a:latin typeface="Arial"/>
+              </a:rPr>
+              <a:t>A versatile implementation of the Network Time Protocol</a:t>
+            </a:r>
+            <a:endParaRPr b="0" lang="en-US" sz="1800" spc="-1" strike="noStrike">
+              <a:solidFill>
+                <a:srgbClr val="000000"/>
+              </a:solidFill>
+              <a:uFill>
+                <a:solidFill>
+                  <a:srgbClr val="ffffff"/>
+                </a:solidFill>
+              </a:uFill>
+              <a:latin typeface="Arial"/>
+            </a:endParaRPr>
+          </a:p>
+          <a:p>
+            <a:pPr marL="432000" indent="-323640">
+              <a:lnSpc>
+                <a:spcPct val="100000"/>
+              </a:lnSpc>
+              <a:buClr>
+                <a:srgbClr val="000000"/>
+              </a:buClr>
+              <a:buSzPct val="45000"/>
+              <a:buFont typeface="Wingdings" charset="2"/>
+              <a:buChar char=""/>
+            </a:pPr>
+            <a:r>
               <a:rPr b="0" lang="en-US" sz="3200" spc="-1" strike="noStrike">
                 <a:solidFill>
                   <a:srgbClr val="000000"/>
@@ -2931,6 +4537,163 @@
                 </a:uFill>
                 <a:latin typeface="Arial"/>
               </a:rPr>
+              <a:t>ELK Stack</a:t>
+            </a:r>
+            <a:r>
+              <a:rPr b="0" lang="en-US" sz="3200" spc="-1" strike="noStrike">
+                <a:solidFill>
+                  <a:srgbClr val="000000"/>
+                </a:solidFill>
+                <a:uFill>
+                  <a:solidFill>
+                    <a:srgbClr val="ffffff"/>
+                  </a:solidFill>
+                </a:uFill>
+                <a:latin typeface="Arial"/>
+              </a:rPr>
+              <a:t>（</a:t>
+            </a:r>
+            <a:r>
+              <a:rPr b="0" lang="en-US" sz="3200" spc="-1" strike="noStrike" u="sng">
+                <a:solidFill>
+                  <a:srgbClr val="0000ff"/>
+                </a:solidFill>
+                <a:uFill>
+                  <a:solidFill>
+                    <a:srgbClr val="ffffff"/>
+                  </a:solidFill>
+                </a:uFill>
+                <a:latin typeface="Arial"/>
+                <a:hlinkClick r:id="rId5"/>
+              </a:rPr>
+              <a:t>https://www.elastic.co</a:t>
+            </a:r>
+            <a:r>
+              <a:rPr b="0" lang="en-US" sz="3200" spc="-1" strike="noStrike">
+                <a:solidFill>
+                  <a:srgbClr val="000000"/>
+                </a:solidFill>
+                <a:uFill>
+                  <a:solidFill>
+                    <a:srgbClr val="ffffff"/>
+                  </a:solidFill>
+                </a:uFill>
+                <a:latin typeface="Arial"/>
+              </a:rPr>
+              <a:t>）</a:t>
+            </a:r>
+            <a:endParaRPr b="0" lang="en-US" sz="1800" spc="-1" strike="noStrike">
+              <a:solidFill>
+                <a:srgbClr val="000000"/>
+              </a:solidFill>
+              <a:uFill>
+                <a:solidFill>
+                  <a:srgbClr val="ffffff"/>
+                </a:solidFill>
+              </a:uFill>
+              <a:latin typeface="Arial"/>
+            </a:endParaRPr>
+          </a:p>
+          <a:p>
+            <a:pPr marL="432000" indent="-323640">
+              <a:lnSpc>
+                <a:spcPct val="100000"/>
+              </a:lnSpc>
+              <a:buClr>
+                <a:srgbClr val="000000"/>
+              </a:buClr>
+              <a:buSzPct val="45000"/>
+              <a:buFont typeface="Wingdings" charset="2"/>
+              <a:buChar char=""/>
+            </a:pPr>
+            <a:r>
+              <a:rPr b="0" lang="en-US" sz="1600" spc="-1" strike="noStrike">
+                <a:solidFill>
+                  <a:srgbClr val="000000"/>
+                </a:solidFill>
+                <a:uFill>
+                  <a:solidFill>
+                    <a:srgbClr val="ffffff"/>
+                  </a:solidFill>
+                </a:uFill>
+                <a:latin typeface="Arial"/>
+              </a:rPr>
+              <a:t>Reliably and securely take data from any source, in any format, and</a:t>
+            </a:r>
+            <a:endParaRPr b="0" lang="en-US" sz="1800" spc="-1" strike="noStrike">
+              <a:solidFill>
+                <a:srgbClr val="000000"/>
+              </a:solidFill>
+              <a:uFill>
+                <a:solidFill>
+                  <a:srgbClr val="ffffff"/>
+                </a:solidFill>
+              </a:uFill>
+              <a:latin typeface="Arial"/>
+            </a:endParaRPr>
+          </a:p>
+          <a:p>
+            <a:pPr marL="432000" indent="-323640">
+              <a:lnSpc>
+                <a:spcPct val="100000"/>
+              </a:lnSpc>
+              <a:buClr>
+                <a:srgbClr val="000000"/>
+              </a:buClr>
+              <a:buSzPct val="45000"/>
+              <a:buFont typeface="Wingdings" charset="2"/>
+              <a:buChar char=""/>
+            </a:pPr>
+            <a:r>
+              <a:rPr b="0" lang="en-US" sz="1600" spc="-1" strike="noStrike">
+                <a:solidFill>
+                  <a:srgbClr val="000000"/>
+                </a:solidFill>
+                <a:uFill>
+                  <a:solidFill>
+                    <a:srgbClr val="ffffff"/>
+                  </a:solidFill>
+                </a:uFill>
+                <a:latin typeface="Arial"/>
+              </a:rPr>
+              <a:t>search, analyze, and visualize it in real time. </a:t>
+            </a:r>
+            <a:endParaRPr b="0" lang="en-US" sz="1800" spc="-1" strike="noStrike">
+              <a:solidFill>
+                <a:srgbClr val="000000"/>
+              </a:solidFill>
+              <a:uFill>
+                <a:solidFill>
+                  <a:srgbClr val="ffffff"/>
+                </a:solidFill>
+              </a:uFill>
+              <a:latin typeface="Arial"/>
+            </a:endParaRPr>
+          </a:p>
+          <a:p>
+            <a:pPr marL="432000" indent="-323640">
+              <a:lnSpc>
+                <a:spcPct val="100000"/>
+              </a:lnSpc>
+              <a:buClr>
+                <a:srgbClr val="000000"/>
+              </a:buClr>
+              <a:buSzPct val="45000"/>
+              <a:buFont typeface="Wingdings" charset="2"/>
+              <a:buChar char=""/>
+            </a:pPr>
+            <a:r>
+              <a:rPr b="0" lang="en-US" sz="3200" spc="-1" strike="noStrike">
+                <a:solidFill>
+                  <a:srgbClr val="000000"/>
+                </a:solidFill>
+                <a:uFill>
+                  <a:solidFill>
+                    <a:srgbClr val="ffffff"/>
+                  </a:solidFill>
+                </a:uFill>
+                <a:latin typeface="Arial"/>
+              </a:rPr>
               <a:t>Beats</a:t>
             </a:r>
             <a:r>
@@ -2975,7 +4738,7 @@
               </a:rPr>
               <a:t>）</a:t>
             </a:r>
-            <a:endParaRPr b="0" lang="en-US" sz="3200" spc="-1" strike="noStrike">
+            <a:endParaRPr b="0" lang="en-US" sz="1800" spc="-1" strike="noStrike">
               <a:solidFill>
                 <a:srgbClr val="000000"/>
               </a:solidFill>
@@ -3040,14 +4803,14 @@
       </p:grpSpPr>
       <p:sp>
         <p:nvSpPr>
-          <p:cNvPr id="43" name="TextShape 1"/>
-          <p:cNvSpPr txBox="1"/>
+          <p:cNvPr id="76" name="CustomShape 1"/>
+          <p:cNvSpPr/>
           <p:nvPr/>
         </p:nvSpPr>
         <p:spPr>
           <a:xfrm>
             <a:off x="504000" y="301320"/>
-            <a:ext cx="9071640" cy="1262160"/>
+            <a:ext cx="9071280" cy="1261800"/>
           </a:xfrm>
           <a:prstGeom prst="rect">
             <a:avLst/>
@@ -3057,10 +4820,20 @@
             <a:noFill/>
           </a:ln>
         </p:spPr>
+        <p:style>
+          <a:lnRef idx="0"/>
+          <a:fillRef idx="0"/>
+          <a:effectRef idx="0"/>
+          <a:fontRef idx="minor"/>
+        </p:style>
         <p:txBody>
           <a:bodyPr lIns="0" rIns="0" tIns="0" bIns="0" anchor="ctr"/>
           <a:p>
-            <a:pPr algn="ctr"/>
+            <a:pPr algn="ctr">
+              <a:lnSpc>
+                <a:spcPct val="100000"/>
+              </a:lnSpc>
+            </a:pPr>
             <a:r>
               <a:rPr b="0" lang="en-US" sz="4400" spc="-1" strike="noStrike">
                 <a:solidFill>
@@ -3075,30 +4848,30 @@
               </a:rPr>
               <a:t>总体架构图</a:t>
             </a:r>
-            <a:endParaRPr b="0" lang="en-US" sz="4400" spc="-1" strike="noStrike">
-              <a:solidFill>
-                <a:srgbClr val="000000"/>
-              </a:solidFill>
-              <a:uFill>
-                <a:solidFill>
-                  <a:srgbClr val="ffffff"/>
-                </a:solidFill>
-              </a:uFill>
-              <a:latin typeface="Arial"/>
-            </a:endParaRPr>
-          </a:p>
-        </p:txBody>
-      </p:sp>
-      <p:sp>
-        <p:nvSpPr>
-          <p:cNvPr id="44" name="CustomShape 2"/>
+            <a:endParaRPr b="0" lang="en-US" sz="1800" spc="-1" strike="noStrike">
+              <a:solidFill>
+                <a:srgbClr val="000000"/>
+              </a:solidFill>
+              <a:uFill>
+                <a:solidFill>
+                  <a:srgbClr val="ffffff"/>
+                </a:solidFill>
+              </a:uFill>
+              <a:latin typeface="Arial"/>
+            </a:endParaRPr>
+          </a:p>
+        </p:txBody>
+      </p:sp>
+      <p:sp>
+        <p:nvSpPr>
+          <p:cNvPr id="77" name="CustomShape 2"/>
           <p:cNvSpPr/>
           <p:nvPr/>
         </p:nvSpPr>
         <p:spPr>
           <a:xfrm>
             <a:off x="3657600" y="1684800"/>
-            <a:ext cx="2743200" cy="2266560"/>
+            <a:ext cx="2742840" cy="2266200"/>
           </a:xfrm>
           <a:prstGeom prst="rect">
             <a:avLst/>
@@ -3120,14 +4893,14 @@
       </p:sp>
       <p:sp>
         <p:nvSpPr>
-          <p:cNvPr id="45" name="CustomShape 3"/>
+          <p:cNvPr id="78" name="CustomShape 3"/>
           <p:cNvSpPr/>
           <p:nvPr/>
         </p:nvSpPr>
         <p:spPr>
           <a:xfrm>
             <a:off x="3762720" y="1775520"/>
-            <a:ext cx="2560320" cy="774720"/>
+            <a:ext cx="2559960" cy="774360"/>
           </a:xfrm>
           <a:prstGeom prst="rect">
             <a:avLst/>
@@ -3148,7 +4921,11 @@
         <p:txBody>
           <a:bodyPr wrap="none" lIns="90000" rIns="90000" tIns="45000" bIns="45000" anchor="ctr"/>
           <a:p>
-            <a:pPr algn="ctr"/>
+            <a:pPr algn="ctr">
+              <a:lnSpc>
+                <a:spcPct val="100000"/>
+              </a:lnSpc>
+            </a:pPr>
             <a:r>
               <a:rPr b="0" lang="en-US" sz="1800" spc="-1" strike="noStrike">
                 <a:solidFill>
@@ -3160,6 +4937,7 @@
                   </a:solidFill>
                 </a:uFill>
                 <a:latin typeface="Arial"/>
+                <a:ea typeface="DejaVu Sans"/>
               </a:rPr>
               <a:t>Kibana</a:t>
             </a:r>
@@ -3179,14 +4957,14 @@
       </p:sp>
       <p:sp>
         <p:nvSpPr>
-          <p:cNvPr id="46" name="CustomShape 4"/>
+          <p:cNvPr id="79" name="CustomShape 4"/>
           <p:cNvSpPr/>
           <p:nvPr/>
         </p:nvSpPr>
         <p:spPr>
           <a:xfrm>
             <a:off x="3762720" y="3073320"/>
-            <a:ext cx="2560320" cy="774720"/>
+            <a:ext cx="2559960" cy="774360"/>
           </a:xfrm>
           <a:prstGeom prst="rect">
             <a:avLst/>
@@ -3207,7 +4985,11 @@
         <p:txBody>
           <a:bodyPr wrap="none" lIns="90000" rIns="90000" tIns="45000" bIns="45000" anchor="ctr"/>
           <a:p>
-            <a:pPr algn="ctr"/>
+            <a:pPr algn="ctr">
+              <a:lnSpc>
+                <a:spcPct val="100000"/>
+              </a:lnSpc>
+            </a:pPr>
             <a:r>
               <a:rPr b="0" lang="en-US" sz="1800" spc="-1" strike="noStrike">
                 <a:solidFill>
@@ -3219,6 +5001,7 @@
                   </a:solidFill>
                 </a:uFill>
                 <a:latin typeface="Arial"/>
+                <a:ea typeface="DejaVu Sans"/>
               </a:rPr>
               <a:t>Elasticsearch</a:t>
             </a:r>
@@ -3235,7 +5018,11 @@
             </a:endParaRPr>
           </a:p>
           <a:p>
-            <a:pPr algn="ctr"/>
+            <a:pPr algn="ctr">
+              <a:lnSpc>
+                <a:spcPct val="100000"/>
+              </a:lnSpc>
+            </a:pPr>
             <a:r>
               <a:rPr b="0" lang="en-US" sz="1800" spc="-1" strike="noStrike">
                 <a:solidFill>
@@ -3247,6 +5034,7 @@
                   </a:solidFill>
                 </a:uFill>
                 <a:latin typeface="Arial"/>
+                <a:ea typeface="DejaVu Sans"/>
               </a:rPr>
               <a:t>(Cross Search Instance)</a:t>
             </a:r>
@@ -3266,14 +5054,14 @@
       </p:sp>
       <p:sp>
         <p:nvSpPr>
-          <p:cNvPr id="47" name="CustomShape 5"/>
+          <p:cNvPr id="80" name="CustomShape 5"/>
           <p:cNvSpPr/>
           <p:nvPr/>
         </p:nvSpPr>
         <p:spPr>
           <a:xfrm>
             <a:off x="457200" y="1681920"/>
-            <a:ext cx="2834640" cy="5486400"/>
+            <a:ext cx="2834280" cy="5486040"/>
           </a:xfrm>
           <a:prstGeom prst="rect">
             <a:avLst/>
@@ -3295,14 +5083,14 @@
       </p:sp>
       <p:sp>
         <p:nvSpPr>
-          <p:cNvPr id="48" name="CustomShape 6"/>
+          <p:cNvPr id="81" name="CustomShape 6"/>
           <p:cNvSpPr/>
           <p:nvPr/>
         </p:nvSpPr>
         <p:spPr>
           <a:xfrm>
             <a:off x="6752880" y="1681920"/>
-            <a:ext cx="2377440" cy="1701360"/>
+            <a:ext cx="2377080" cy="1701000"/>
           </a:xfrm>
           <a:prstGeom prst="rect">
             <a:avLst/>
@@ -3324,14 +5112,14 @@
       </p:sp>
       <p:sp>
         <p:nvSpPr>
-          <p:cNvPr id="49" name="CustomShape 7"/>
+          <p:cNvPr id="82" name="CustomShape 7"/>
           <p:cNvSpPr/>
           <p:nvPr/>
         </p:nvSpPr>
         <p:spPr>
           <a:xfrm>
             <a:off x="6752880" y="5760720"/>
-            <a:ext cx="2377440" cy="1411920"/>
+            <a:ext cx="2377080" cy="1411560"/>
           </a:xfrm>
           <a:prstGeom prst="rect">
             <a:avLst/>
@@ -3353,14 +5141,14 @@
       </p:sp>
       <p:sp>
         <p:nvSpPr>
-          <p:cNvPr id="50" name="CustomShape 8"/>
+          <p:cNvPr id="83" name="CustomShape 8"/>
           <p:cNvSpPr/>
           <p:nvPr/>
         </p:nvSpPr>
         <p:spPr>
           <a:xfrm>
             <a:off x="3656880" y="5760720"/>
-            <a:ext cx="2743920" cy="1432080"/>
+            <a:ext cx="2743560" cy="1431720"/>
           </a:xfrm>
           <a:prstGeom prst="rect">
             <a:avLst/>
@@ -3382,14 +5170,14 @@
       </p:sp>
       <p:sp>
         <p:nvSpPr>
-          <p:cNvPr id="51" name="CustomShape 9"/>
+          <p:cNvPr id="84" name="CustomShape 9"/>
           <p:cNvSpPr/>
           <p:nvPr/>
         </p:nvSpPr>
         <p:spPr>
           <a:xfrm>
             <a:off x="1097280" y="2191680"/>
-            <a:ext cx="2011680" cy="1097280"/>
+            <a:ext cx="2011320" cy="1096920"/>
           </a:xfrm>
           <a:prstGeom prst="rect">
             <a:avLst/>
@@ -3410,7 +5198,11 @@
         <p:txBody>
           <a:bodyPr wrap="none" lIns="90000" rIns="90000" tIns="45000" bIns="45000" anchor="ctr"/>
           <a:p>
-            <a:pPr algn="ctr"/>
+            <a:pPr algn="ctr">
+              <a:lnSpc>
+                <a:spcPct val="100000"/>
+              </a:lnSpc>
+            </a:pPr>
             <a:r>
               <a:rPr b="0" lang="en-US" sz="1800" spc="-1" strike="noStrike">
                 <a:solidFill>
@@ -3422,6 +5214,7 @@
                   </a:solidFill>
                 </a:uFill>
                 <a:latin typeface="Arial"/>
+                <a:ea typeface="DejaVu Sans"/>
               </a:rPr>
               <a:t>Elasticsearch</a:t>
             </a:r>
@@ -3438,7 +5231,11 @@
             </a:endParaRPr>
           </a:p>
           <a:p>
-            <a:pPr algn="ctr"/>
+            <a:pPr algn="ctr">
+              <a:lnSpc>
+                <a:spcPct val="100000"/>
+              </a:lnSpc>
+            </a:pPr>
             <a:r>
               <a:rPr b="0" lang="en-US" sz="1800" spc="-1" strike="noStrike">
                 <a:solidFill>
@@ -3450,6 +5247,7 @@
                   </a:solidFill>
                 </a:uFill>
                 <a:latin typeface="Arial"/>
+                <a:ea typeface="DejaVu Sans"/>
               </a:rPr>
               <a:t>(master and ingest)</a:t>
             </a:r>
@@ -3469,14 +5267,14 @@
       </p:sp>
       <p:sp>
         <p:nvSpPr>
-          <p:cNvPr id="52" name="CustomShape 10"/>
+          <p:cNvPr id="85" name="CustomShape 10"/>
           <p:cNvSpPr/>
           <p:nvPr/>
         </p:nvSpPr>
         <p:spPr>
           <a:xfrm>
             <a:off x="1097280" y="4020480"/>
-            <a:ext cx="2011680" cy="1065600"/>
+            <a:ext cx="2011320" cy="1065240"/>
           </a:xfrm>
           <a:prstGeom prst="rect">
             <a:avLst/>
@@ -3497,7 +5295,11 @@
         <p:txBody>
           <a:bodyPr wrap="none" lIns="90000" rIns="90000" tIns="45000" bIns="45000" anchor="ctr"/>
           <a:p>
-            <a:pPr algn="ctr"/>
+            <a:pPr algn="ctr">
+              <a:lnSpc>
+                <a:spcPct val="100000"/>
+              </a:lnSpc>
+            </a:pPr>
             <a:r>
               <a:rPr b="0" lang="en-US" sz="1800" spc="-1" strike="noStrike">
                 <a:solidFill>
@@ -3509,6 +5311,7 @@
                   </a:solidFill>
                 </a:uFill>
                 <a:latin typeface="Arial"/>
+                <a:ea typeface="DejaVu Sans"/>
               </a:rPr>
               <a:t>Elasticsearch</a:t>
             </a:r>
@@ -3525,7 +5328,11 @@
             </a:endParaRPr>
           </a:p>
           <a:p>
-            <a:pPr algn="ctr"/>
+            <a:pPr algn="ctr">
+              <a:lnSpc>
+                <a:spcPct val="100000"/>
+              </a:lnSpc>
+            </a:pPr>
             <a:r>
               <a:rPr b="0" lang="en-US" sz="1800" spc="-1" strike="noStrike">
                 <a:solidFill>
@@ -3537,6 +5344,7 @@
                   </a:solidFill>
                 </a:uFill>
                 <a:latin typeface="Arial"/>
+                <a:ea typeface="DejaVu Sans"/>
               </a:rPr>
               <a:t>(hot data nodes)</a:t>
             </a:r>
@@ -3556,14 +5364,14 @@
       </p:sp>
       <p:sp>
         <p:nvSpPr>
-          <p:cNvPr id="53" name="CustomShape 11"/>
+          <p:cNvPr id="86" name="CustomShape 11"/>
           <p:cNvSpPr/>
           <p:nvPr/>
         </p:nvSpPr>
         <p:spPr>
           <a:xfrm>
             <a:off x="1097280" y="5940720"/>
-            <a:ext cx="2011680" cy="914400"/>
+            <a:ext cx="2011320" cy="914040"/>
           </a:xfrm>
           <a:prstGeom prst="rect">
             <a:avLst/>
@@ -3584,7 +5392,11 @@
         <p:txBody>
           <a:bodyPr wrap="none" lIns="90000" rIns="90000" tIns="45000" bIns="45000" anchor="ctr"/>
           <a:p>
-            <a:pPr algn="ctr"/>
+            <a:pPr algn="ctr">
+              <a:lnSpc>
+                <a:spcPct val="100000"/>
+              </a:lnSpc>
+            </a:pPr>
             <a:r>
               <a:rPr b="0" lang="en-US" sz="1800" spc="-1" strike="noStrike">
                 <a:solidFill>
@@ -3596,6 +5408,7 @@
                   </a:solidFill>
                 </a:uFill>
                 <a:latin typeface="Arial"/>
+                <a:ea typeface="DejaVu Sans"/>
               </a:rPr>
               <a:t>Elasticsearch</a:t>
             </a:r>
@@ -3612,7 +5425,11 @@
             </a:endParaRPr>
           </a:p>
           <a:p>
-            <a:pPr algn="ctr"/>
+            <a:pPr algn="ctr">
+              <a:lnSpc>
+                <a:spcPct val="100000"/>
+              </a:lnSpc>
+            </a:pPr>
             <a:r>
               <a:rPr b="0" lang="en-US" sz="1800" spc="-1" strike="noStrike">
                 <a:solidFill>
@@ -3624,6 +5441,7 @@
                   </a:solidFill>
                 </a:uFill>
                 <a:latin typeface="Arial"/>
+                <a:ea typeface="DejaVu Sans"/>
               </a:rPr>
               <a:t>(warm data nodes)</a:t>
             </a:r>
@@ -3641,12 +5459,12 @@
           </a:p>
         </p:txBody>
       </p:sp>
-      <p:cxnSp>
-        <p:nvCxnSpPr>
-          <p:cNvPr id="54" name="Line 12"/>
-          <p:cNvCxnSpPr/>
+      <p:sp>
+        <p:nvSpPr>
+          <p:cNvPr id="87" name="Line 12"/>
+          <p:cNvSpPr/>
           <p:nvPr/>
-        </p:nvCxnSpPr>
+        </p:nvSpPr>
         <p:spPr>
           <a:xfrm>
             <a:off x="0" y="0"/>
@@ -3663,13 +5481,19 @@
             <a:tailEnd len="med" type="triangle" w="med"/>
           </a:ln>
         </p:spPr>
-      </p:cxnSp>
-      <p:cxnSp>
-        <p:nvCxnSpPr>
-          <p:cNvPr id="55" name="Line 13"/>
-          <p:cNvCxnSpPr/>
+        <p:style>
+          <a:lnRef idx="0"/>
+          <a:fillRef idx="0"/>
+          <a:effectRef idx="0"/>
+          <a:fontRef idx="minor"/>
+        </p:style>
+      </p:sp>
+      <p:sp>
+        <p:nvSpPr>
+          <p:cNvPr id="88" name="Line 13"/>
+          <p:cNvSpPr/>
           <p:nvPr/>
-        </p:nvCxnSpPr>
+        </p:nvSpPr>
         <p:spPr>
           <a:xfrm>
             <a:off x="0" y="0"/>
@@ -3686,13 +5510,19 @@
             <a:tailEnd len="med" type="triangle" w="med"/>
           </a:ln>
         </p:spPr>
-      </p:cxnSp>
-      <p:cxnSp>
-        <p:nvCxnSpPr>
-          <p:cNvPr id="56" name="Line 14"/>
-          <p:cNvCxnSpPr/>
+        <p:style>
+          <a:lnRef idx="0"/>
+          <a:fillRef idx="0"/>
+          <a:effectRef idx="0"/>
+          <a:fontRef idx="minor"/>
+        </p:style>
+      </p:sp>
+      <p:sp>
+        <p:nvSpPr>
+          <p:cNvPr id="89" name="Line 14"/>
+          <p:cNvSpPr/>
           <p:nvPr/>
-        </p:nvCxnSpPr>
+        </p:nvSpPr>
         <p:spPr>
           <a:xfrm>
             <a:off x="0" y="0"/>
@@ -3709,17 +5539,23 @@
             <a:tailEnd len="med" type="triangle" w="med"/>
           </a:ln>
         </p:spPr>
-      </p:cxnSp>
-      <p:sp>
-        <p:nvSpPr>
-          <p:cNvPr id="57" name="CustomShape 15"/>
+        <p:style>
+          <a:lnRef idx="0"/>
+          <a:fillRef idx="0"/>
+          <a:effectRef idx="0"/>
+          <a:fontRef idx="minor"/>
+        </p:style>
+      </p:sp>
+      <p:sp>
+        <p:nvSpPr>
+          <p:cNvPr id="90" name="CustomShape 15"/>
           <p:cNvSpPr/>
           <p:nvPr/>
         </p:nvSpPr>
         <p:spPr>
           <a:xfrm>
             <a:off x="7021440" y="2463120"/>
-            <a:ext cx="640080" cy="365760"/>
+            <a:ext cx="639720" cy="365400"/>
           </a:xfrm>
           <a:prstGeom prst="rect">
             <a:avLst/>
@@ -3742,14 +5578,14 @@
       </p:sp>
       <p:sp>
         <p:nvSpPr>
-          <p:cNvPr id="58" name="CustomShape 16"/>
+          <p:cNvPr id="91" name="CustomShape 16"/>
           <p:cNvSpPr/>
           <p:nvPr/>
         </p:nvSpPr>
         <p:spPr>
           <a:xfrm>
             <a:off x="8101440" y="2463120"/>
-            <a:ext cx="640080" cy="365760"/>
+            <a:ext cx="639720" cy="365400"/>
           </a:xfrm>
           <a:prstGeom prst="rect">
             <a:avLst/>
@@ -3772,14 +5608,14 @@
       </p:sp>
       <p:sp>
         <p:nvSpPr>
-          <p:cNvPr id="59" name="CustomShape 17"/>
+          <p:cNvPr id="92" name="CustomShape 17"/>
           <p:cNvSpPr/>
           <p:nvPr/>
         </p:nvSpPr>
         <p:spPr>
           <a:xfrm>
             <a:off x="7129440" y="2679120"/>
-            <a:ext cx="640080" cy="365760"/>
+            <a:ext cx="639720" cy="365400"/>
           </a:xfrm>
           <a:prstGeom prst="rect">
             <a:avLst/>
@@ -3802,14 +5638,14 @@
       </p:sp>
       <p:sp>
         <p:nvSpPr>
-          <p:cNvPr id="60" name="CustomShape 18"/>
+          <p:cNvPr id="93" name="CustomShape 18"/>
           <p:cNvSpPr/>
           <p:nvPr/>
         </p:nvSpPr>
         <p:spPr>
           <a:xfrm>
             <a:off x="8209440" y="2679120"/>
-            <a:ext cx="640080" cy="365760"/>
+            <a:ext cx="639720" cy="365400"/>
           </a:xfrm>
           <a:prstGeom prst="rect">
             <a:avLst/>
@@ -3832,14 +5668,14 @@
       </p:sp>
       <p:sp>
         <p:nvSpPr>
-          <p:cNvPr id="61" name="TextShape 19"/>
-          <p:cNvSpPr txBox="1"/>
+          <p:cNvPr id="94" name="CustomShape 19"/>
+          <p:cNvSpPr/>
           <p:nvPr/>
         </p:nvSpPr>
         <p:spPr>
           <a:xfrm>
             <a:off x="7262640" y="1920240"/>
-            <a:ext cx="1398240" cy="346320"/>
+            <a:ext cx="1397880" cy="345960"/>
           </a:xfrm>
           <a:prstGeom prst="rect">
             <a:avLst/>
@@ -3849,6 +5685,12 @@
             <a:noFill/>
           </a:ln>
         </p:spPr>
+        <p:style>
+          <a:lnRef idx="0"/>
+          <a:fillRef idx="0"/>
+          <a:effectRef idx="0"/>
+          <a:fontRef idx="minor"/>
+        </p:style>
         <p:txBody>
           <a:bodyPr lIns="90000" rIns="90000" tIns="45000" bIns="45000"/>
           <a:p>
@@ -3882,14 +5724,14 @@
       </p:sp>
       <p:sp>
         <p:nvSpPr>
-          <p:cNvPr id="62" name="CustomShape 20"/>
+          <p:cNvPr id="95" name="CustomShape 20"/>
           <p:cNvSpPr/>
           <p:nvPr/>
         </p:nvSpPr>
         <p:spPr>
           <a:xfrm>
             <a:off x="7072920" y="5945040"/>
-            <a:ext cx="1737360" cy="1097280"/>
+            <a:ext cx="1737000" cy="1096920"/>
           </a:xfrm>
           <a:prstGeom prst="rect">
             <a:avLst/>
@@ -3910,7 +5752,11 @@
         <p:txBody>
           <a:bodyPr wrap="none" lIns="90000" rIns="90000" tIns="45000" bIns="45000" anchor="ctr"/>
           <a:p>
-            <a:pPr algn="ctr"/>
+            <a:pPr algn="ctr">
+              <a:lnSpc>
+                <a:spcPct val="100000"/>
+              </a:lnSpc>
+            </a:pPr>
             <a:r>
               <a:rPr b="0" lang="en-US" sz="1800" spc="-1" strike="noStrike">
                 <a:solidFill>
@@ -3922,6 +5768,7 @@
                   </a:solidFill>
                 </a:uFill>
                 <a:latin typeface="Arial"/>
+                <a:ea typeface="DejaVu Sans"/>
               </a:rPr>
               <a:t>Redis Cluster</a:t>
             </a:r>
@@ -3941,14 +5788,14 @@
       </p:sp>
       <p:sp>
         <p:nvSpPr>
-          <p:cNvPr id="63" name="CustomShape 21"/>
+          <p:cNvPr id="96" name="CustomShape 21"/>
           <p:cNvSpPr/>
           <p:nvPr/>
         </p:nvSpPr>
         <p:spPr>
           <a:xfrm>
             <a:off x="4026240" y="5943600"/>
-            <a:ext cx="2005200" cy="1097280"/>
+            <a:ext cx="2004840" cy="1096920"/>
           </a:xfrm>
           <a:prstGeom prst="rect">
             <a:avLst/>
@@ -3969,7 +5816,11 @@
         <p:txBody>
           <a:bodyPr wrap="none" lIns="90000" rIns="90000" tIns="45000" bIns="45000" anchor="ctr"/>
           <a:p>
-            <a:pPr algn="ctr"/>
+            <a:pPr algn="ctr">
+              <a:lnSpc>
+                <a:spcPct val="100000"/>
+              </a:lnSpc>
+            </a:pPr>
             <a:r>
               <a:rPr b="0" lang="en-US" sz="1800" spc="-1" strike="noStrike">
                 <a:solidFill>
@@ -3981,6 +5832,7 @@
                   </a:solidFill>
                 </a:uFill>
                 <a:latin typeface="Arial"/>
+                <a:ea typeface="DejaVu Sans"/>
               </a:rPr>
               <a:t>Logstash</a:t>
             </a:r>
@@ -3998,12 +5850,12 @@
           </a:p>
         </p:txBody>
       </p:sp>
-      <p:cxnSp>
-        <p:nvCxnSpPr>
-          <p:cNvPr id="64" name="Line 22"/>
-          <p:cNvCxnSpPr/>
+      <p:sp>
+        <p:nvSpPr>
+          <p:cNvPr id="97" name="Line 22"/>
+          <p:cNvSpPr/>
           <p:nvPr/>
-        </p:nvCxnSpPr>
+        </p:nvSpPr>
         <p:spPr>
           <a:xfrm>
             <a:off x="0" y="0"/>
@@ -4020,22 +5872,25 @@
             <a:tailEnd len="med" type="triangle" w="med"/>
           </a:ln>
         </p:spPr>
-      </p:cxnSp>
-      <p:cxnSp>
-        <p:nvCxnSpPr>
-          <p:cNvPr id="65" name="Line 23"/>
-          <p:cNvCxnSpPr>
-            <a:stCxn id="62" idx="1"/>
-            <a:endCxn id="63" idx="3"/>
-          </p:cNvCxnSpPr>
+        <p:style>
+          <a:lnRef idx="0"/>
+          <a:fillRef idx="0"/>
+          <a:effectRef idx="0"/>
+          <a:fontRef idx="minor"/>
+        </p:style>
+      </p:sp>
+      <p:sp>
+        <p:nvSpPr>
+          <p:cNvPr id="98" name="Line 23"/>
+          <p:cNvSpPr/>
           <p:nvPr/>
-        </p:nvCxnSpPr>
-        <p:spPr>
-          <a:xfrm flipH="1" flipV="1">
-            <a:off x="6031440" y="6492240"/>
-            <a:ext cx="1041840" cy="1800"/>
-          </a:xfrm>
-          <a:prstGeom prst="straightConnector1">
+        </p:nvSpPr>
+        <p:spPr>
+          <a:xfrm>
+            <a:off x="0" y="0"/>
+            <a:ext cx="360" cy="360"/>
+          </a:xfrm>
+          <a:prstGeom prst="line">
             <a:avLst/>
           </a:prstGeom>
           <a:ln>
@@ -4045,39 +5900,23 @@
             <a:tailEnd len="med" type="triangle" w="med"/>
           </a:ln>
         </p:spPr>
-      </p:cxnSp>
-      <p:cxnSp>
-        <p:nvCxnSpPr>
-          <p:cNvPr id="66" name="Line 24"/>
-          <p:cNvCxnSpPr/>
-          <p:nvPr/>
-        </p:nvCxnSpPr>
-        <p:spPr>
-          <a:xfrm>
-            <a:off x="0" y="0"/>
-            <a:ext cx="360" cy="360"/>
-          </a:xfrm>
-          <a:prstGeom prst="line">
-            <a:avLst/>
-          </a:prstGeom>
-          <a:ln>
-            <a:solidFill>
-              <a:srgbClr val="000000"/>
-            </a:solidFill>
-            <a:tailEnd len="med" type="triangle" w="med"/>
-          </a:ln>
-        </p:spPr>
-      </p:cxnSp>
-      <p:sp>
-        <p:nvSpPr>
-          <p:cNvPr id="67" name="CustomShape 25"/>
+        <p:style>
+          <a:lnRef idx="0"/>
+          <a:fillRef idx="0"/>
+          <a:effectRef idx="0"/>
+          <a:fontRef idx="minor"/>
+        </p:style>
+      </p:sp>
+      <p:sp>
+        <p:nvSpPr>
+          <p:cNvPr id="99" name="CustomShape 24"/>
           <p:cNvSpPr/>
           <p:nvPr/>
         </p:nvSpPr>
         <p:spPr>
           <a:xfrm>
             <a:off x="6752880" y="3888720"/>
-            <a:ext cx="2377440" cy="1411920"/>
+            <a:ext cx="2377080" cy="1411560"/>
           </a:xfrm>
           <a:prstGeom prst="rect">
             <a:avLst/>
@@ -4099,14 +5938,14 @@
       </p:sp>
       <p:sp>
         <p:nvSpPr>
-          <p:cNvPr id="68" name="CustomShape 26"/>
+          <p:cNvPr id="100" name="CustomShape 25"/>
           <p:cNvSpPr/>
           <p:nvPr/>
         </p:nvSpPr>
         <p:spPr>
           <a:xfrm>
             <a:off x="7072920" y="4073040"/>
-            <a:ext cx="1737360" cy="1097280"/>
+            <a:ext cx="1737000" cy="1096920"/>
           </a:xfrm>
           <a:prstGeom prst="rect">
             <a:avLst/>
@@ -4127,7 +5966,11 @@
         <p:txBody>
           <a:bodyPr wrap="none" lIns="90000" rIns="90000" tIns="45000" bIns="45000" anchor="ctr"/>
           <a:p>
-            <a:pPr algn="ctr"/>
+            <a:pPr algn="ctr">
+              <a:lnSpc>
+                <a:spcPct val="100000"/>
+              </a:lnSpc>
+            </a:pPr>
             <a:r>
               <a:rPr b="0" lang="en-US" sz="1800" spc="-1" strike="noStrike">
                 <a:solidFill>
@@ -4139,6 +5982,7 @@
                   </a:solidFill>
                 </a:uFill>
                 <a:latin typeface="Arial"/>
+                <a:ea typeface="DejaVu Sans"/>
               </a:rPr>
               <a:t>Haproxy</a:t>
             </a:r>
@@ -4156,12 +6000,12 @@
           </a:p>
         </p:txBody>
       </p:sp>
-      <p:cxnSp>
-        <p:nvCxnSpPr>
-          <p:cNvPr id="69" name="Line 27"/>
-          <p:cNvCxnSpPr/>
+      <p:sp>
+        <p:nvSpPr>
+          <p:cNvPr id="101" name="Line 26"/>
+          <p:cNvSpPr/>
           <p:nvPr/>
-        </p:nvCxnSpPr>
+        </p:nvSpPr>
         <p:spPr>
           <a:xfrm>
             <a:off x="0" y="0"/>
@@ -4178,13 +6022,19 @@
             <a:tailEnd len="med" type="triangle" w="med"/>
           </a:ln>
         </p:spPr>
-      </p:cxnSp>
-      <p:cxnSp>
-        <p:nvCxnSpPr>
-          <p:cNvPr id="70" name="Line 28"/>
-          <p:cNvCxnSpPr/>
+        <p:style>
+          <a:lnRef idx="0"/>
+          <a:fillRef idx="0"/>
+          <a:effectRef idx="0"/>
+          <a:fontRef idx="minor"/>
+        </p:style>
+      </p:sp>
+      <p:sp>
+        <p:nvSpPr>
+          <p:cNvPr id="102" name="Line 27"/>
+          <p:cNvSpPr/>
           <p:nvPr/>
-        </p:nvCxnSpPr>
+        </p:nvSpPr>
         <p:spPr>
           <a:xfrm>
             <a:off x="0" y="0"/>
@@ -4201,13 +6051,19 @@
             <a:tailEnd len="med" type="triangle" w="med"/>
           </a:ln>
         </p:spPr>
-      </p:cxnSp>
-      <p:cxnSp>
-        <p:nvCxnSpPr>
-          <p:cNvPr id="71" name="Line 29"/>
-          <p:cNvCxnSpPr/>
+        <p:style>
+          <a:lnRef idx="0"/>
+          <a:fillRef idx="0"/>
+          <a:effectRef idx="0"/>
+          <a:fontRef idx="minor"/>
+        </p:style>
+      </p:sp>
+      <p:sp>
+        <p:nvSpPr>
+          <p:cNvPr id="103" name="Line 28"/>
+          <p:cNvSpPr/>
           <p:nvPr/>
-        </p:nvCxnSpPr>
+        </p:nvSpPr>
         <p:spPr>
           <a:xfrm>
             <a:off x="0" y="0"/>
@@ -4221,6 +6077,203 @@
               <a:srgbClr val="000000"/>
             </a:solidFill>
             <a:headEnd len="med" type="triangle" w="med"/>
+            <a:tailEnd len="med" type="triangle" w="med"/>
+          </a:ln>
+        </p:spPr>
+        <p:style>
+          <a:lnRef idx="0"/>
+          <a:fillRef idx="0"/>
+          <a:effectRef idx="0"/>
+          <a:fontRef idx="minor"/>
+        </p:style>
+      </p:sp>
+      <p:cxnSp>
+        <p:nvCxnSpPr>
+          <p:cNvPr id="104" name="Line 29"/>
+          <p:cNvCxnSpPr>
+            <a:stCxn id="81" idx="2"/>
+            <a:endCxn id="100" idx="0"/>
+          </p:cNvCxnSpPr>
+          <p:nvPr/>
+        </p:nvCxnSpPr>
+        <p:spPr>
+          <a:xfrm>
+            <a:off x="7941240" y="3382920"/>
+            <a:ext cx="360" cy="690480"/>
+          </a:xfrm>
+          <a:prstGeom prst="straightConnector1">
+            <a:avLst/>
+          </a:prstGeom>
+          <a:ln>
+            <a:solidFill>
+              <a:srgbClr val="000000"/>
+            </a:solidFill>
+            <a:tailEnd len="med" type="triangle" w="med"/>
+          </a:ln>
+        </p:spPr>
+      </p:cxnSp>
+      <p:cxnSp>
+        <p:nvCxnSpPr>
+          <p:cNvPr id="105" name="Line 30"/>
+          <p:cNvCxnSpPr>
+            <a:stCxn id="100" idx="2"/>
+            <a:endCxn id="95" idx="0"/>
+          </p:cNvCxnSpPr>
+          <p:nvPr/>
+        </p:nvCxnSpPr>
+        <p:spPr>
+          <a:xfrm>
+            <a:off x="7941240" y="5169960"/>
+            <a:ext cx="360" cy="775440"/>
+          </a:xfrm>
+          <a:prstGeom prst="straightConnector1">
+            <a:avLst/>
+          </a:prstGeom>
+          <a:ln>
+            <a:solidFill>
+              <a:srgbClr val="000000"/>
+            </a:solidFill>
+            <a:tailEnd len="med" type="triangle" w="med"/>
+          </a:ln>
+        </p:spPr>
+      </p:cxnSp>
+      <p:cxnSp>
+        <p:nvCxnSpPr>
+          <p:cNvPr id="106" name="Line 31"/>
+          <p:cNvCxnSpPr>
+            <a:stCxn id="95" idx="1"/>
+            <a:endCxn id="96" idx="3"/>
+          </p:cNvCxnSpPr>
+          <p:nvPr/>
+        </p:nvCxnSpPr>
+        <p:spPr>
+          <a:xfrm flipH="1" flipV="1">
+            <a:off x="6031080" y="6491880"/>
+            <a:ext cx="1042200" cy="1800"/>
+          </a:xfrm>
+          <a:prstGeom prst="straightConnector1">
+            <a:avLst/>
+          </a:prstGeom>
+          <a:ln>
+            <a:solidFill>
+              <a:srgbClr val="000000"/>
+            </a:solidFill>
+            <a:tailEnd len="med" type="triangle" w="med"/>
+          </a:ln>
+        </p:spPr>
+      </p:cxnSp>
+      <p:cxnSp>
+        <p:nvCxnSpPr>
+          <p:cNvPr id="107" name="Line 32"/>
+          <p:cNvCxnSpPr>
+            <a:stCxn id="78" idx="2"/>
+            <a:endCxn id="79" idx="0"/>
+          </p:cNvCxnSpPr>
+          <p:nvPr/>
+        </p:nvCxnSpPr>
+        <p:spPr>
+          <a:xfrm>
+            <a:off x="5042520" y="2549880"/>
+            <a:ext cx="360" cy="523800"/>
+          </a:xfrm>
+          <a:prstGeom prst="straightConnector1">
+            <a:avLst/>
+          </a:prstGeom>
+          <a:ln>
+            <a:solidFill>
+              <a:srgbClr val="000000"/>
+            </a:solidFill>
+            <a:tailEnd len="med" type="triangle" w="med"/>
+          </a:ln>
+        </p:spPr>
+      </p:cxnSp>
+      <p:cxnSp>
+        <p:nvCxnSpPr>
+          <p:cNvPr id="108" name="Line 33"/>
+          <p:cNvCxnSpPr>
+            <a:stCxn id="84" idx="2"/>
+            <a:endCxn id="85" idx="0"/>
+          </p:cNvCxnSpPr>
+          <p:nvPr/>
+        </p:nvCxnSpPr>
+        <p:spPr>
+          <a:xfrm>
+            <a:off x="2102760" y="3288600"/>
+            <a:ext cx="360" cy="732240"/>
+          </a:xfrm>
+          <a:prstGeom prst="straightConnector1">
+            <a:avLst/>
+          </a:prstGeom>
+          <a:ln>
+            <a:solidFill>
+              <a:srgbClr val="000000"/>
+            </a:solidFill>
+            <a:tailEnd len="med" type="triangle" w="med"/>
+          </a:ln>
+        </p:spPr>
+      </p:cxnSp>
+      <p:cxnSp>
+        <p:nvCxnSpPr>
+          <p:cNvPr id="109" name="Line 34"/>
+          <p:cNvCxnSpPr/>
+          <p:nvPr/>
+        </p:nvCxnSpPr>
+        <p:spPr>
+          <a:xfrm>
+            <a:off x="0" y="0"/>
+            <a:ext cx="360" cy="360"/>
+          </a:xfrm>
+          <a:prstGeom prst="line">
+            <a:avLst/>
+          </a:prstGeom>
+          <a:ln>
+            <a:solidFill>
+              <a:srgbClr val="000000"/>
+            </a:solidFill>
+            <a:tailEnd len="med" type="triangle" w="med"/>
+          </a:ln>
+        </p:spPr>
+      </p:cxnSp>
+      <p:cxnSp>
+        <p:nvCxnSpPr>
+          <p:cNvPr id="110" name="Line 35"/>
+          <p:cNvCxnSpPr/>
+          <p:nvPr/>
+        </p:nvCxnSpPr>
+        <p:spPr>
+          <a:xfrm>
+            <a:off x="0" y="0"/>
+            <a:ext cx="360" cy="360"/>
+          </a:xfrm>
+          <a:prstGeom prst="line">
+            <a:avLst/>
+          </a:prstGeom>
+          <a:ln>
+            <a:solidFill>
+              <a:srgbClr val="000000"/>
+            </a:solidFill>
+            <a:tailEnd len="med" type="triangle" w="med"/>
+          </a:ln>
+        </p:spPr>
+      </p:cxnSp>
+      <p:cxnSp>
+        <p:nvCxnSpPr>
+          <p:cNvPr id="111" name="Line 36"/>
+          <p:cNvCxnSpPr/>
+          <p:nvPr/>
+        </p:nvCxnSpPr>
+        <p:spPr>
+          <a:xfrm>
+            <a:off x="0" y="0"/>
+            <a:ext cx="360" cy="360"/>
+          </a:xfrm>
+          <a:prstGeom prst="line">
+            <a:avLst/>
+          </a:prstGeom>
+          <a:ln>
+            <a:solidFill>
+              <a:srgbClr val="000000"/>
+            </a:solidFill>
             <a:tailEnd len="med" type="triangle" w="med"/>
           </a:ln>
         </p:spPr>
@@ -4276,14 +6329,14 @@
       </p:grpSpPr>
       <p:sp>
         <p:nvSpPr>
-          <p:cNvPr id="72" name="TextShape 1"/>
-          <p:cNvSpPr txBox="1"/>
+          <p:cNvPr id="112" name="CustomShape 1"/>
+          <p:cNvSpPr/>
           <p:nvPr/>
         </p:nvSpPr>
         <p:spPr>
           <a:xfrm>
             <a:off x="504000" y="301320"/>
-            <a:ext cx="9071640" cy="1262160"/>
+            <a:ext cx="9071280" cy="1261800"/>
           </a:xfrm>
           <a:prstGeom prst="rect">
             <a:avLst/>
@@ -4293,10 +6346,20 @@
             <a:noFill/>
           </a:ln>
         </p:spPr>
+        <p:style>
+          <a:lnRef idx="0"/>
+          <a:fillRef idx="0"/>
+          <a:effectRef idx="0"/>
+          <a:fontRef idx="minor"/>
+        </p:style>
         <p:txBody>
           <a:bodyPr lIns="0" rIns="0" tIns="0" bIns="0" anchor="ctr"/>
           <a:p>
-            <a:pPr algn="ctr"/>
+            <a:pPr algn="ctr">
+              <a:lnSpc>
+                <a:spcPct val="100000"/>
+              </a:lnSpc>
+            </a:pPr>
             <a:r>
               <a:rPr b="0" lang="en-US" sz="4400" spc="-1" strike="noStrike">
                 <a:solidFill>
@@ -4325,30 +6388,30 @@
               </a:rPr>
               <a:t>架构图</a:t>
             </a:r>
-            <a:endParaRPr b="0" lang="en-US" sz="4400" spc="-1" strike="noStrike">
-              <a:solidFill>
-                <a:srgbClr val="000000"/>
-              </a:solidFill>
-              <a:uFill>
-                <a:solidFill>
-                  <a:srgbClr val="ffffff"/>
-                </a:solidFill>
-              </a:uFill>
-              <a:latin typeface="Arial"/>
-            </a:endParaRPr>
-          </a:p>
-        </p:txBody>
-      </p:sp>
-      <p:sp>
-        <p:nvSpPr>
-          <p:cNvPr id="73" name="CustomShape 2"/>
+            <a:endParaRPr b="0" lang="en-US" sz="1800" spc="-1" strike="noStrike">
+              <a:solidFill>
+                <a:srgbClr val="000000"/>
+              </a:solidFill>
+              <a:uFill>
+                <a:solidFill>
+                  <a:srgbClr val="ffffff"/>
+                </a:solidFill>
+              </a:uFill>
+              <a:latin typeface="Arial"/>
+            </a:endParaRPr>
+          </a:p>
+        </p:txBody>
+      </p:sp>
+      <p:sp>
+        <p:nvSpPr>
+          <p:cNvPr id="113" name="CustomShape 2"/>
           <p:cNvSpPr/>
           <p:nvPr/>
         </p:nvSpPr>
         <p:spPr>
           <a:xfrm>
             <a:off x="3360960" y="1563480"/>
-            <a:ext cx="3291840" cy="2094120"/>
+            <a:ext cx="3291480" cy="2093760"/>
           </a:xfrm>
           <a:prstGeom prst="rect">
             <a:avLst/>
@@ -4370,14 +6433,14 @@
       </p:sp>
       <p:sp>
         <p:nvSpPr>
-          <p:cNvPr id="74" name="CustomShape 3"/>
+          <p:cNvPr id="114" name="CustomShape 3"/>
           <p:cNvSpPr/>
           <p:nvPr/>
         </p:nvSpPr>
         <p:spPr>
           <a:xfrm>
             <a:off x="4458240" y="1737360"/>
-            <a:ext cx="1097280" cy="640080"/>
+            <a:ext cx="1096920" cy="639720"/>
           </a:xfrm>
           <a:prstGeom prst="rect">
             <a:avLst/>
@@ -4398,7 +6461,11 @@
         <p:txBody>
           <a:bodyPr wrap="none" lIns="90000" rIns="90000" tIns="45000" bIns="45000" anchor="ctr"/>
           <a:p>
-            <a:pPr algn="ctr"/>
+            <a:pPr algn="ctr">
+              <a:lnSpc>
+                <a:spcPct val="100000"/>
+              </a:lnSpc>
+            </a:pPr>
             <a:r>
               <a:rPr b="0" lang="en-US" sz="1800" spc="-1" strike="noStrike">
                 <a:solidFill>
@@ -4410,6 +6477,7 @@
                   </a:solidFill>
                 </a:uFill>
                 <a:latin typeface="Arial"/>
+                <a:ea typeface="DejaVu Sans"/>
               </a:rPr>
               <a:t>master1</a:t>
             </a:r>
@@ -4429,14 +6497,14 @@
       </p:sp>
       <p:sp>
         <p:nvSpPr>
-          <p:cNvPr id="75" name="CustomShape 4"/>
+          <p:cNvPr id="115" name="CustomShape 4"/>
           <p:cNvSpPr/>
           <p:nvPr/>
         </p:nvSpPr>
         <p:spPr>
           <a:xfrm>
             <a:off x="3558240" y="2673360"/>
-            <a:ext cx="1097280" cy="640080"/>
+            <a:ext cx="1096920" cy="639720"/>
           </a:xfrm>
           <a:prstGeom prst="rect">
             <a:avLst/>
@@ -4457,7 +6525,11 @@
         <p:txBody>
           <a:bodyPr wrap="none" lIns="90000" rIns="90000" tIns="45000" bIns="45000" anchor="ctr"/>
           <a:p>
-            <a:pPr algn="ctr"/>
+            <a:pPr algn="ctr">
+              <a:lnSpc>
+                <a:spcPct val="100000"/>
+              </a:lnSpc>
+            </a:pPr>
             <a:r>
               <a:rPr b="0" lang="en-US" sz="1800" spc="-1" strike="noStrike">
                 <a:solidFill>
@@ -4469,6 +6541,7 @@
                   </a:solidFill>
                 </a:uFill>
                 <a:latin typeface="Arial"/>
+                <a:ea typeface="DejaVu Sans"/>
               </a:rPr>
               <a:t>master2</a:t>
             </a:r>
@@ -4488,14 +6561,14 @@
       </p:sp>
       <p:sp>
         <p:nvSpPr>
-          <p:cNvPr id="76" name="CustomShape 5"/>
+          <p:cNvPr id="116" name="CustomShape 5"/>
           <p:cNvSpPr/>
           <p:nvPr/>
         </p:nvSpPr>
         <p:spPr>
           <a:xfrm>
             <a:off x="5356080" y="2673360"/>
-            <a:ext cx="1097280" cy="640080"/>
+            <a:ext cx="1096920" cy="639720"/>
           </a:xfrm>
           <a:prstGeom prst="rect">
             <a:avLst/>
@@ -4516,7 +6589,11 @@
         <p:txBody>
           <a:bodyPr wrap="none" lIns="90000" rIns="90000" tIns="45000" bIns="45000" anchor="ctr"/>
           <a:p>
-            <a:pPr algn="ctr"/>
+            <a:pPr algn="ctr">
+              <a:lnSpc>
+                <a:spcPct val="100000"/>
+              </a:lnSpc>
+            </a:pPr>
             <a:r>
               <a:rPr b="0" lang="en-US" sz="1800" spc="-1" strike="noStrike">
                 <a:solidFill>
@@ -4528,6 +6605,7 @@
                   </a:solidFill>
                 </a:uFill>
                 <a:latin typeface="Arial"/>
+                <a:ea typeface="DejaVu Sans"/>
               </a:rPr>
               <a:t>master3</a:t>
             </a:r>
@@ -4545,23 +6623,34 @@
           </a:p>
         </p:txBody>
       </p:sp>
-      <p:cxnSp>
-        <p:nvCxnSpPr>
-          <p:cNvPr id="77" name="Line 6"/>
-          <p:cNvCxnSpPr>
-            <a:stCxn id="74" idx="2"/>
-            <a:endCxn id="75" idx="0"/>
-          </p:cNvCxnSpPr>
+      <p:sp>
+        <p:nvSpPr>
+          <p:cNvPr id="117" name="CustomShape 6"/>
+          <p:cNvSpPr/>
           <p:nvPr/>
-        </p:nvCxnSpPr>
+        </p:nvSpPr>
         <p:spPr>
           <a:xfrm flipH="1">
             <a:off x="4106880" y="2377440"/>
-            <a:ext cx="900360" cy="296280"/>
-          </a:xfrm>
-          <a:prstGeom prst="straightConnector1">
-            <a:avLst/>
-          </a:prstGeom>
+            <a:ext cx="900000" cy="295920"/>
+          </a:xfrm>
+          <a:custGeom>
+            <a:avLst/>
+            <a:gdLst/>
+            <a:ahLst/>
+            <a:rect l="l" t="t" r="r" b="b"/>
+            <a:pathLst>
+              <a:path w="21600" h="21600">
+                <a:moveTo>
+                  <a:pt x="0" y="0"/>
+                </a:moveTo>
+                <a:lnTo>
+                  <a:pt x="21600" y="21600"/>
+                </a:lnTo>
+              </a:path>
+            </a:pathLst>
+          </a:custGeom>
+          <a:noFill/>
           <a:ln>
             <a:solidFill>
               <a:srgbClr val="000000"/>
@@ -4570,24 +6659,41 @@
             <a:tailEnd len="med" type="triangle" w="med"/>
           </a:ln>
         </p:spPr>
-      </p:cxnSp>
-      <p:cxnSp>
-        <p:nvCxnSpPr>
-          <p:cNvPr id="78" name="Line 7"/>
-          <p:cNvCxnSpPr>
-            <a:stCxn id="74" idx="2"/>
-            <a:endCxn id="76" idx="0"/>
-          </p:cNvCxnSpPr>
+        <p:style>
+          <a:lnRef idx="0"/>
+          <a:fillRef idx="0"/>
+          <a:effectRef idx="0"/>
+          <a:fontRef idx="minor"/>
+        </p:style>
+      </p:sp>
+      <p:sp>
+        <p:nvSpPr>
+          <p:cNvPr id="118" name="CustomShape 7"/>
+          <p:cNvSpPr/>
           <p:nvPr/>
-        </p:nvCxnSpPr>
+        </p:nvSpPr>
         <p:spPr>
           <a:xfrm>
             <a:off x="5006880" y="2377440"/>
-            <a:ext cx="898200" cy="296280"/>
-          </a:xfrm>
-          <a:prstGeom prst="straightConnector1">
-            <a:avLst/>
-          </a:prstGeom>
+            <a:ext cx="897840" cy="295920"/>
+          </a:xfrm>
+          <a:custGeom>
+            <a:avLst/>
+            <a:gdLst/>
+            <a:ahLst/>
+            <a:rect l="l" t="t" r="r" b="b"/>
+            <a:pathLst>
+              <a:path w="21600" h="21600">
+                <a:moveTo>
+                  <a:pt x="0" y="0"/>
+                </a:moveTo>
+                <a:lnTo>
+                  <a:pt x="21600" y="21600"/>
+                </a:lnTo>
+              </a:path>
+            </a:pathLst>
+          </a:custGeom>
+          <a:noFill/>
           <a:ln>
             <a:solidFill>
               <a:srgbClr val="000000"/>
@@ -4596,24 +6702,41 @@
             <a:tailEnd len="med" type="triangle" w="med"/>
           </a:ln>
         </p:spPr>
-      </p:cxnSp>
-      <p:cxnSp>
-        <p:nvCxnSpPr>
-          <p:cNvPr id="79" name="Line 8"/>
-          <p:cNvCxnSpPr>
-            <a:stCxn id="75" idx="3"/>
-            <a:endCxn id="76" idx="1"/>
-          </p:cNvCxnSpPr>
+        <p:style>
+          <a:lnRef idx="0"/>
+          <a:fillRef idx="0"/>
+          <a:effectRef idx="0"/>
+          <a:fontRef idx="minor"/>
+        </p:style>
+      </p:sp>
+      <p:sp>
+        <p:nvSpPr>
+          <p:cNvPr id="119" name="CustomShape 8"/>
+          <p:cNvSpPr/>
           <p:nvPr/>
-        </p:nvCxnSpPr>
+        </p:nvSpPr>
         <p:spPr>
           <a:xfrm>
             <a:off x="4655520" y="2993400"/>
-            <a:ext cx="700920" cy="360"/>
-          </a:xfrm>
-          <a:prstGeom prst="straightConnector1">
-            <a:avLst/>
-          </a:prstGeom>
+            <a:ext cx="700560" cy="360"/>
+          </a:xfrm>
+          <a:custGeom>
+            <a:avLst/>
+            <a:gdLst/>
+            <a:ahLst/>
+            <a:rect l="l" t="t" r="r" b="b"/>
+            <a:pathLst>
+              <a:path w="21600" h="21600">
+                <a:moveTo>
+                  <a:pt x="0" y="0"/>
+                </a:moveTo>
+                <a:lnTo>
+                  <a:pt x="21600" y="21600"/>
+                </a:lnTo>
+              </a:path>
+            </a:pathLst>
+          </a:custGeom>
+          <a:noFill/>
           <a:ln>
             <a:solidFill>
               <a:srgbClr val="000000"/>
@@ -4622,23 +6745,29 @@
             <a:tailEnd len="med" type="triangle" w="med"/>
           </a:ln>
         </p:spPr>
-      </p:cxnSp>
-      <p:sp>
-        <p:nvSpPr>
-          <p:cNvPr id="80" name="CustomShape 9"/>
+        <p:style>
+          <a:lnRef idx="0"/>
+          <a:fillRef idx="0"/>
+          <a:effectRef idx="0"/>
+          <a:fontRef idx="minor"/>
+        </p:style>
+      </p:sp>
+      <p:sp>
+        <p:nvSpPr>
+          <p:cNvPr id="120" name="CustomShape 9"/>
           <p:cNvSpPr/>
           <p:nvPr/>
         </p:nvSpPr>
         <p:spPr>
           <a:xfrm>
             <a:off x="864720" y="5277600"/>
-            <a:ext cx="1188720" cy="1188720"/>
+            <a:ext cx="1188360" cy="1188360"/>
           </a:xfrm>
           <a:custGeom>
             <a:avLst/>
             <a:gdLst/>
             <a:ahLst/>
-            <a:rect l="0" t="0" r="r" b="b"/>
+            <a:rect l="l" t="t" r="r" b="b"/>
             <a:pathLst>
               <a:path w="3304" h="3304">
                 <a:moveTo>
@@ -4695,20 +6824,20 @@
       </p:sp>
       <p:sp>
         <p:nvSpPr>
-          <p:cNvPr id="81" name="CustomShape 10"/>
+          <p:cNvPr id="121" name="CustomShape 10"/>
           <p:cNvSpPr/>
           <p:nvPr/>
         </p:nvSpPr>
         <p:spPr>
           <a:xfrm>
             <a:off x="973080" y="5385960"/>
-            <a:ext cx="1188720" cy="1188720"/>
+            <a:ext cx="1188360" cy="1188360"/>
           </a:xfrm>
           <a:custGeom>
             <a:avLst/>
             <a:gdLst/>
             <a:ahLst/>
-            <a:rect l="0" t="0" r="r" b="b"/>
+            <a:rect l="l" t="t" r="r" b="b"/>
             <a:pathLst>
               <a:path w="3304" h="3304">
                 <a:moveTo>
@@ -4765,20 +6894,20 @@
       </p:sp>
       <p:sp>
         <p:nvSpPr>
-          <p:cNvPr id="82" name="CustomShape 11"/>
+          <p:cNvPr id="122" name="CustomShape 11"/>
           <p:cNvSpPr/>
           <p:nvPr/>
         </p:nvSpPr>
         <p:spPr>
           <a:xfrm>
             <a:off x="1081440" y="5494320"/>
-            <a:ext cx="1188720" cy="1188720"/>
+            <a:ext cx="1188360" cy="1188360"/>
           </a:xfrm>
           <a:custGeom>
             <a:avLst/>
             <a:gdLst/>
             <a:ahLst/>
-            <a:rect l="0" t="0" r="r" b="b"/>
+            <a:rect l="l" t="t" r="r" b="b"/>
             <a:pathLst>
               <a:path w="3304" h="3304">
                 <a:moveTo>
@@ -4835,14 +6964,14 @@
       </p:sp>
       <p:sp>
         <p:nvSpPr>
-          <p:cNvPr id="83" name="CustomShape 12"/>
+          <p:cNvPr id="123" name="CustomShape 12"/>
           <p:cNvSpPr/>
           <p:nvPr/>
         </p:nvSpPr>
         <p:spPr>
           <a:xfrm>
             <a:off x="648720" y="4737600"/>
-            <a:ext cx="1828800" cy="2011680"/>
+            <a:ext cx="1828440" cy="2011320"/>
           </a:xfrm>
           <a:prstGeom prst="rect">
             <a:avLst/>
@@ -4864,14 +6993,14 @@
       </p:sp>
       <p:sp>
         <p:nvSpPr>
-          <p:cNvPr id="84" name="TextShape 13"/>
-          <p:cNvSpPr txBox="1"/>
+          <p:cNvPr id="124" name="CustomShape 13"/>
+          <p:cNvSpPr/>
           <p:nvPr/>
         </p:nvSpPr>
         <p:spPr>
           <a:xfrm>
             <a:off x="1118520" y="4840560"/>
-            <a:ext cx="889560" cy="346320"/>
+            <a:ext cx="889200" cy="345960"/>
           </a:xfrm>
           <a:prstGeom prst="rect">
             <a:avLst/>
@@ -4881,6 +7010,12 @@
             <a:noFill/>
           </a:ln>
         </p:spPr>
+        <p:style>
+          <a:lnRef idx="0"/>
+          <a:fillRef idx="0"/>
+          <a:effectRef idx="0"/>
+          <a:fontRef idx="minor"/>
+        </p:style>
         <p:txBody>
           <a:bodyPr lIns="90000" rIns="90000" tIns="45000" bIns="45000"/>
           <a:p>
@@ -4912,47 +7047,22 @@
           </a:p>
         </p:txBody>
       </p:sp>
-      <p:cxnSp>
-        <p:nvCxnSpPr>
-          <p:cNvPr id="85" name="Line 14"/>
-          <p:cNvCxnSpPr>
-            <a:stCxn id="83" idx="0"/>
-            <a:endCxn id="73" idx="2"/>
-          </p:cNvCxnSpPr>
-          <p:nvPr/>
-        </p:nvCxnSpPr>
-        <p:spPr>
-          <a:xfrm flipV="1">
-            <a:off x="1563120" y="3657600"/>
-            <a:ext cx="3444120" cy="1080360"/>
-          </a:xfrm>
-          <a:prstGeom prst="straightConnector1">
-            <a:avLst/>
-          </a:prstGeom>
-          <a:ln>
-            <a:solidFill>
-              <a:srgbClr val="000000"/>
-            </a:solidFill>
-            <a:tailEnd len="med" type="triangle" w="med"/>
-          </a:ln>
-        </p:spPr>
-      </p:cxnSp>
-      <p:sp>
-        <p:nvSpPr>
-          <p:cNvPr id="86" name="CustomShape 15"/>
+      <p:sp>
+        <p:nvSpPr>
+          <p:cNvPr id="125" name="CustomShape 14"/>
           <p:cNvSpPr/>
           <p:nvPr/>
         </p:nvSpPr>
         <p:spPr>
           <a:xfrm>
             <a:off x="3096720" y="5277600"/>
-            <a:ext cx="1188720" cy="1188720"/>
+            <a:ext cx="1188360" cy="1188360"/>
           </a:xfrm>
           <a:custGeom>
             <a:avLst/>
             <a:gdLst/>
             <a:ahLst/>
-            <a:rect l="0" t="0" r="r" b="b"/>
+            <a:rect l="l" t="t" r="r" b="b"/>
             <a:pathLst>
               <a:path w="3304" h="3304">
                 <a:moveTo>
@@ -5009,20 +7119,20 @@
       </p:sp>
       <p:sp>
         <p:nvSpPr>
-          <p:cNvPr id="87" name="CustomShape 16"/>
+          <p:cNvPr id="126" name="CustomShape 15"/>
           <p:cNvSpPr/>
           <p:nvPr/>
         </p:nvSpPr>
         <p:spPr>
           <a:xfrm>
             <a:off x="3205080" y="5385960"/>
-            <a:ext cx="1188720" cy="1188720"/>
+            <a:ext cx="1188360" cy="1188360"/>
           </a:xfrm>
           <a:custGeom>
             <a:avLst/>
             <a:gdLst/>
             <a:ahLst/>
-            <a:rect l="0" t="0" r="r" b="b"/>
+            <a:rect l="l" t="t" r="r" b="b"/>
             <a:pathLst>
               <a:path w="3304" h="3304">
                 <a:moveTo>
@@ -5079,20 +7189,20 @@
       </p:sp>
       <p:sp>
         <p:nvSpPr>
-          <p:cNvPr id="88" name="CustomShape 17"/>
+          <p:cNvPr id="127" name="CustomShape 16"/>
           <p:cNvSpPr/>
           <p:nvPr/>
         </p:nvSpPr>
         <p:spPr>
           <a:xfrm>
             <a:off x="3313440" y="5494320"/>
-            <a:ext cx="1188720" cy="1188720"/>
+            <a:ext cx="1188360" cy="1188360"/>
           </a:xfrm>
           <a:custGeom>
             <a:avLst/>
             <a:gdLst/>
             <a:ahLst/>
-            <a:rect l="0" t="0" r="r" b="b"/>
+            <a:rect l="l" t="t" r="r" b="b"/>
             <a:pathLst>
               <a:path w="3304" h="3304">
                 <a:moveTo>
@@ -5149,14 +7259,14 @@
       </p:sp>
       <p:sp>
         <p:nvSpPr>
-          <p:cNvPr id="89" name="CustomShape 18"/>
+          <p:cNvPr id="128" name="CustomShape 17"/>
           <p:cNvSpPr/>
           <p:nvPr/>
         </p:nvSpPr>
         <p:spPr>
           <a:xfrm>
             <a:off x="2880720" y="4737600"/>
-            <a:ext cx="1828800" cy="2011680"/>
+            <a:ext cx="1828440" cy="2011320"/>
           </a:xfrm>
           <a:prstGeom prst="rect">
             <a:avLst/>
@@ -5178,14 +7288,14 @@
       </p:sp>
       <p:sp>
         <p:nvSpPr>
-          <p:cNvPr id="90" name="TextShape 19"/>
-          <p:cNvSpPr txBox="1"/>
+          <p:cNvPr id="129" name="CustomShape 18"/>
+          <p:cNvSpPr/>
           <p:nvPr/>
         </p:nvSpPr>
         <p:spPr>
           <a:xfrm>
             <a:off x="3026520" y="4840560"/>
-            <a:ext cx="1537200" cy="346320"/>
+            <a:ext cx="1536840" cy="345960"/>
           </a:xfrm>
           <a:prstGeom prst="rect">
             <a:avLst/>
@@ -5195,10 +7305,20 @@
             <a:noFill/>
           </a:ln>
         </p:spPr>
+        <p:style>
+          <a:lnRef idx="0"/>
+          <a:fillRef idx="0"/>
+          <a:effectRef idx="0"/>
+          <a:fontRef idx="minor"/>
+        </p:style>
         <p:txBody>
           <a:bodyPr lIns="90000" rIns="90000" tIns="45000" bIns="45000"/>
           <a:p>
-            <a:pPr algn="ctr"/>
+            <a:pPr algn="ctr">
+              <a:lnSpc>
+                <a:spcPct val="100000"/>
+              </a:lnSpc>
+            </a:pPr>
             <a:r>
               <a:rPr b="0" lang="en-US" sz="1800" spc="-1" strike="noStrike">
                 <a:solidFill>
@@ -5229,14 +7349,14 @@
       </p:sp>
       <p:sp>
         <p:nvSpPr>
-          <p:cNvPr id="91" name="TextShape 20"/>
-          <p:cNvSpPr txBox="1"/>
+          <p:cNvPr id="130" name="CustomShape 19"/>
+          <p:cNvSpPr/>
           <p:nvPr/>
         </p:nvSpPr>
         <p:spPr>
           <a:xfrm>
             <a:off x="607680" y="6841440"/>
-            <a:ext cx="1902960" cy="346320"/>
+            <a:ext cx="1902600" cy="345960"/>
           </a:xfrm>
           <a:prstGeom prst="rect">
             <a:avLst/>
@@ -5246,10 +7366,20 @@
             <a:noFill/>
           </a:ln>
         </p:spPr>
+        <p:style>
+          <a:lnRef idx="0"/>
+          <a:fillRef idx="0"/>
+          <a:effectRef idx="0"/>
+          <a:fontRef idx="minor"/>
+        </p:style>
         <p:txBody>
           <a:bodyPr lIns="90000" rIns="90000" tIns="45000" bIns="45000"/>
           <a:p>
-            <a:pPr algn="ctr"/>
+            <a:pPr algn="ctr">
+              <a:lnSpc>
+                <a:spcPct val="100000"/>
+              </a:lnSpc>
+            </a:pPr>
             <a:r>
               <a:rPr b="0" lang="en-US" sz="1400" spc="-1" strike="noStrike">
                 <a:solidFill>
@@ -5264,30 +7394,30 @@
               </a:rPr>
               <a:t>kibana.service.consul</a:t>
             </a:r>
-            <a:endParaRPr b="0" lang="en-US" sz="1400" spc="-1" strike="noStrike">
-              <a:solidFill>
-                <a:srgbClr val="000000"/>
-              </a:solidFill>
-              <a:uFill>
-                <a:solidFill>
-                  <a:srgbClr val="ffffff"/>
-                </a:solidFill>
-              </a:uFill>
-              <a:latin typeface="Arial"/>
-            </a:endParaRPr>
-          </a:p>
-        </p:txBody>
-      </p:sp>
-      <p:sp>
-        <p:nvSpPr>
-          <p:cNvPr id="92" name="TextShape 21"/>
-          <p:cNvSpPr txBox="1"/>
+            <a:endParaRPr b="0" lang="en-US" sz="1800" spc="-1" strike="noStrike">
+              <a:solidFill>
+                <a:srgbClr val="000000"/>
+              </a:solidFill>
+              <a:uFill>
+                <a:solidFill>
+                  <a:srgbClr val="ffffff"/>
+                </a:solidFill>
+              </a:uFill>
+              <a:latin typeface="Arial"/>
+            </a:endParaRPr>
+          </a:p>
+        </p:txBody>
+      </p:sp>
+      <p:sp>
+        <p:nvSpPr>
+          <p:cNvPr id="131" name="CustomShape 20"/>
+          <p:cNvSpPr/>
           <p:nvPr/>
         </p:nvSpPr>
         <p:spPr>
           <a:xfrm>
             <a:off x="2623680" y="6841440"/>
-            <a:ext cx="2486160" cy="365760"/>
+            <a:ext cx="2485800" cy="365400"/>
           </a:xfrm>
           <a:prstGeom prst="rect">
             <a:avLst/>
@@ -5297,10 +7427,20 @@
             <a:noFill/>
           </a:ln>
         </p:spPr>
+        <p:style>
+          <a:lnRef idx="0"/>
+          <a:fillRef idx="0"/>
+          <a:effectRef idx="0"/>
+          <a:fontRef idx="minor"/>
+        </p:style>
         <p:txBody>
           <a:bodyPr lIns="90000" rIns="90000" tIns="45000" bIns="45000"/>
           <a:p>
-            <a:pPr algn="ctr"/>
+            <a:pPr algn="ctr">
+              <a:lnSpc>
+                <a:spcPct val="100000"/>
+              </a:lnSpc>
+            </a:pPr>
             <a:r>
               <a:rPr b="0" lang="en-US" sz="1400" spc="-1" strike="noStrike">
                 <a:solidFill>
@@ -5315,36 +7455,36 @@
               </a:rPr>
               <a:t>elastic-ingest.service.consul</a:t>
             </a:r>
-            <a:endParaRPr b="0" lang="en-US" sz="1400" spc="-1" strike="noStrike">
-              <a:solidFill>
-                <a:srgbClr val="000000"/>
-              </a:solidFill>
-              <a:uFill>
-                <a:solidFill>
-                  <a:srgbClr val="ffffff"/>
-                </a:solidFill>
-              </a:uFill>
-              <a:latin typeface="Arial"/>
-            </a:endParaRPr>
-          </a:p>
-        </p:txBody>
-      </p:sp>
-      <p:sp>
-        <p:nvSpPr>
-          <p:cNvPr id="93" name="CustomShape 22"/>
+            <a:endParaRPr b="0" lang="en-US" sz="1800" spc="-1" strike="noStrike">
+              <a:solidFill>
+                <a:srgbClr val="000000"/>
+              </a:solidFill>
+              <a:uFill>
+                <a:solidFill>
+                  <a:srgbClr val="ffffff"/>
+                </a:solidFill>
+              </a:uFill>
+              <a:latin typeface="Arial"/>
+            </a:endParaRPr>
+          </a:p>
+        </p:txBody>
+      </p:sp>
+      <p:sp>
+        <p:nvSpPr>
+          <p:cNvPr id="132" name="CustomShape 21"/>
           <p:cNvSpPr/>
           <p:nvPr/>
         </p:nvSpPr>
         <p:spPr>
           <a:xfrm>
             <a:off x="5580720" y="5277600"/>
-            <a:ext cx="1188720" cy="1188720"/>
+            <a:ext cx="1188360" cy="1188360"/>
           </a:xfrm>
           <a:custGeom>
             <a:avLst/>
             <a:gdLst/>
             <a:ahLst/>
-            <a:rect l="0" t="0" r="r" b="b"/>
+            <a:rect l="l" t="t" r="r" b="b"/>
             <a:pathLst>
               <a:path w="3304" h="3304">
                 <a:moveTo>
@@ -5401,20 +7541,20 @@
       </p:sp>
       <p:sp>
         <p:nvSpPr>
-          <p:cNvPr id="94" name="CustomShape 23"/>
+          <p:cNvPr id="133" name="CustomShape 22"/>
           <p:cNvSpPr/>
           <p:nvPr/>
         </p:nvSpPr>
         <p:spPr>
           <a:xfrm>
             <a:off x="5689080" y="5385960"/>
-            <a:ext cx="1188720" cy="1188720"/>
+            <a:ext cx="1188360" cy="1188360"/>
           </a:xfrm>
           <a:custGeom>
             <a:avLst/>
             <a:gdLst/>
             <a:ahLst/>
-            <a:rect l="0" t="0" r="r" b="b"/>
+            <a:rect l="l" t="t" r="r" b="b"/>
             <a:pathLst>
               <a:path w="3304" h="3304">
                 <a:moveTo>
@@ -5471,20 +7611,20 @@
       </p:sp>
       <p:sp>
         <p:nvSpPr>
-          <p:cNvPr id="95" name="CustomShape 24"/>
+          <p:cNvPr id="134" name="CustomShape 23"/>
           <p:cNvSpPr/>
           <p:nvPr/>
         </p:nvSpPr>
         <p:spPr>
           <a:xfrm>
             <a:off x="5797440" y="5494320"/>
-            <a:ext cx="1188720" cy="1188720"/>
+            <a:ext cx="1188360" cy="1188360"/>
           </a:xfrm>
           <a:custGeom>
             <a:avLst/>
             <a:gdLst/>
             <a:ahLst/>
-            <a:rect l="0" t="0" r="r" b="b"/>
+            <a:rect l="l" t="t" r="r" b="b"/>
             <a:pathLst>
               <a:path w="3304" h="3304">
                 <a:moveTo>
@@ -5541,14 +7681,14 @@
       </p:sp>
       <p:sp>
         <p:nvSpPr>
-          <p:cNvPr id="96" name="CustomShape 25"/>
+          <p:cNvPr id="135" name="CustomShape 24"/>
           <p:cNvSpPr/>
           <p:nvPr/>
         </p:nvSpPr>
         <p:spPr>
           <a:xfrm>
             <a:off x="5364720" y="4737600"/>
-            <a:ext cx="1828800" cy="2011680"/>
+            <a:ext cx="1828440" cy="2011320"/>
           </a:xfrm>
           <a:prstGeom prst="rect">
             <a:avLst/>
@@ -5570,14 +7710,14 @@
       </p:sp>
       <p:sp>
         <p:nvSpPr>
-          <p:cNvPr id="97" name="TextShape 26"/>
-          <p:cNvSpPr txBox="1"/>
+          <p:cNvPr id="136" name="CustomShape 25"/>
+          <p:cNvSpPr/>
           <p:nvPr/>
         </p:nvSpPr>
         <p:spPr>
           <a:xfrm>
             <a:off x="5762520" y="4840560"/>
-            <a:ext cx="1105920" cy="346320"/>
+            <a:ext cx="1105560" cy="345960"/>
           </a:xfrm>
           <a:prstGeom prst="rect">
             <a:avLst/>
@@ -5587,10 +7727,20 @@
             <a:noFill/>
           </a:ln>
         </p:spPr>
+        <p:style>
+          <a:lnRef idx="0"/>
+          <a:fillRef idx="0"/>
+          <a:effectRef idx="0"/>
+          <a:fontRef idx="minor"/>
+        </p:style>
         <p:txBody>
           <a:bodyPr lIns="90000" rIns="90000" tIns="45000" bIns="45000"/>
           <a:p>
-            <a:pPr algn="ctr"/>
+            <a:pPr algn="ctr">
+              <a:lnSpc>
+                <a:spcPct val="100000"/>
+              </a:lnSpc>
+            </a:pPr>
             <a:r>
               <a:rPr b="0" lang="en-US" sz="1800" spc="-1" strike="noStrike">
                 <a:solidFill>
@@ -5621,20 +7771,20 @@
       </p:sp>
       <p:sp>
         <p:nvSpPr>
-          <p:cNvPr id="98" name="CustomShape 27"/>
+          <p:cNvPr id="137" name="CustomShape 26"/>
           <p:cNvSpPr/>
           <p:nvPr/>
         </p:nvSpPr>
         <p:spPr>
           <a:xfrm>
             <a:off x="7992720" y="5349600"/>
-            <a:ext cx="1188720" cy="1188720"/>
+            <a:ext cx="1188360" cy="1188360"/>
           </a:xfrm>
           <a:custGeom>
             <a:avLst/>
             <a:gdLst/>
             <a:ahLst/>
-            <a:rect l="0" t="0" r="r" b="b"/>
+            <a:rect l="l" t="t" r="r" b="b"/>
             <a:pathLst>
               <a:path w="3304" h="3304">
                 <a:moveTo>
@@ -5691,14 +7841,14 @@
       </p:sp>
       <p:sp>
         <p:nvSpPr>
-          <p:cNvPr id="99" name="CustomShape 28"/>
+          <p:cNvPr id="138" name="CustomShape 27"/>
           <p:cNvSpPr/>
           <p:nvPr/>
         </p:nvSpPr>
         <p:spPr>
           <a:xfrm>
             <a:off x="7668720" y="4737600"/>
-            <a:ext cx="1828800" cy="2011680"/>
+            <a:ext cx="1828440" cy="2011320"/>
           </a:xfrm>
           <a:prstGeom prst="rect">
             <a:avLst/>
@@ -5720,14 +7870,14 @@
       </p:sp>
       <p:sp>
         <p:nvSpPr>
-          <p:cNvPr id="100" name="TextShape 29"/>
-          <p:cNvSpPr txBox="1"/>
+          <p:cNvPr id="139" name="CustomShape 28"/>
+          <p:cNvSpPr/>
           <p:nvPr/>
         </p:nvSpPr>
         <p:spPr>
           <a:xfrm>
             <a:off x="7814520" y="4840560"/>
-            <a:ext cx="1524960" cy="346320"/>
+            <a:ext cx="1524600" cy="345960"/>
           </a:xfrm>
           <a:prstGeom prst="rect">
             <a:avLst/>
@@ -5737,10 +7887,20 @@
             <a:noFill/>
           </a:ln>
         </p:spPr>
+        <p:style>
+          <a:lnRef idx="0"/>
+          <a:fillRef idx="0"/>
+          <a:effectRef idx="0"/>
+          <a:fontRef idx="minor"/>
+        </p:style>
         <p:txBody>
           <a:bodyPr lIns="90000" rIns="90000" tIns="45000" bIns="45000"/>
           <a:p>
-            <a:pPr algn="ctr"/>
+            <a:pPr algn="ctr">
+              <a:lnSpc>
+                <a:spcPct val="100000"/>
+              </a:lnSpc>
+            </a:pPr>
             <a:r>
               <a:rPr b="0" lang="en-US" sz="1800" spc="-1" strike="noStrike">
                 <a:solidFill>
@@ -5771,14 +7931,14 @@
       </p:sp>
       <p:sp>
         <p:nvSpPr>
-          <p:cNvPr id="101" name="TextShape 30"/>
-          <p:cNvSpPr txBox="1"/>
+          <p:cNvPr id="140" name="CustomShape 29"/>
+          <p:cNvSpPr/>
           <p:nvPr/>
         </p:nvSpPr>
         <p:spPr>
           <a:xfrm>
             <a:off x="5253840" y="6841440"/>
-            <a:ext cx="2067120" cy="365760"/>
+            <a:ext cx="2066760" cy="365400"/>
           </a:xfrm>
           <a:prstGeom prst="rect">
             <a:avLst/>
@@ -5788,10 +7948,20 @@
             <a:noFill/>
           </a:ln>
         </p:spPr>
+        <p:style>
+          <a:lnRef idx="0"/>
+          <a:fillRef idx="0"/>
+          <a:effectRef idx="0"/>
+          <a:fontRef idx="minor"/>
+        </p:style>
         <p:txBody>
           <a:bodyPr lIns="90000" rIns="90000" tIns="45000" bIns="45000"/>
           <a:p>
-            <a:pPr algn="ctr"/>
+            <a:pPr algn="ctr">
+              <a:lnSpc>
+                <a:spcPct val="100000"/>
+              </a:lnSpc>
+            </a:pPr>
             <a:r>
               <a:rPr b="0" lang="en-US" sz="1400" spc="-1" strike="noStrike">
                 <a:solidFill>
@@ -5806,30 +7976,30 @@
               </a:rPr>
               <a:t>logstash.service.consul</a:t>
             </a:r>
-            <a:endParaRPr b="0" lang="en-US" sz="1400" spc="-1" strike="noStrike">
-              <a:solidFill>
-                <a:srgbClr val="000000"/>
-              </a:solidFill>
-              <a:uFill>
-                <a:solidFill>
-                  <a:srgbClr val="ffffff"/>
-                </a:solidFill>
-              </a:uFill>
-              <a:latin typeface="Arial"/>
-            </a:endParaRPr>
-          </a:p>
-        </p:txBody>
-      </p:sp>
-      <p:sp>
-        <p:nvSpPr>
-          <p:cNvPr id="102" name="TextShape 31"/>
-          <p:cNvSpPr txBox="1"/>
+            <a:endParaRPr b="0" lang="en-US" sz="1800" spc="-1" strike="noStrike">
+              <a:solidFill>
+                <a:srgbClr val="000000"/>
+              </a:solidFill>
+              <a:uFill>
+                <a:solidFill>
+                  <a:srgbClr val="ffffff"/>
+                </a:solidFill>
+              </a:uFill>
+              <a:latin typeface="Arial"/>
+            </a:endParaRPr>
+          </a:p>
+        </p:txBody>
+      </p:sp>
+      <p:sp>
+        <p:nvSpPr>
+          <p:cNvPr id="141" name="CustomShape 30"/>
+          <p:cNvSpPr/>
           <p:nvPr/>
         </p:nvSpPr>
         <p:spPr>
           <a:xfrm>
             <a:off x="7737840" y="6841440"/>
-            <a:ext cx="1813680" cy="365760"/>
+            <a:ext cx="1813320" cy="365400"/>
           </a:xfrm>
           <a:prstGeom prst="rect">
             <a:avLst/>
@@ -5839,10 +8009,20 @@
             <a:noFill/>
           </a:ln>
         </p:spPr>
+        <p:style>
+          <a:lnRef idx="0"/>
+          <a:fillRef idx="0"/>
+          <a:effectRef idx="0"/>
+          <a:fontRef idx="minor"/>
+        </p:style>
         <p:txBody>
           <a:bodyPr lIns="90000" rIns="90000" tIns="45000" bIns="45000"/>
           <a:p>
-            <a:pPr algn="ctr"/>
+            <a:pPr algn="ctr">
+              <a:lnSpc>
+                <a:spcPct val="100000"/>
+              </a:lnSpc>
+            </a:pPr>
             <a:r>
               <a:rPr b="0" lang="en-US" sz="1400" spc="-1" strike="noStrike">
                 <a:solidFill>
@@ -5857,7 +8037,287 @@
               </a:rPr>
               <a:t>redis.service.consul</a:t>
             </a:r>
-            <a:endParaRPr b="0" lang="en-US" sz="1400" spc="-1" strike="noStrike">
+            <a:endParaRPr b="0" lang="en-US" sz="1800" spc="-1" strike="noStrike">
+              <a:solidFill>
+                <a:srgbClr val="000000"/>
+              </a:solidFill>
+              <a:uFill>
+                <a:solidFill>
+                  <a:srgbClr val="ffffff"/>
+                </a:solidFill>
+              </a:uFill>
+              <a:latin typeface="Arial"/>
+            </a:endParaRPr>
+          </a:p>
+        </p:txBody>
+      </p:sp>
+      <p:sp>
+        <p:nvSpPr>
+          <p:cNvPr id="142" name="CustomShape 31"/>
+          <p:cNvSpPr/>
+          <p:nvPr/>
+        </p:nvSpPr>
+        <p:spPr>
+          <a:xfrm>
+            <a:off x="3402720" y="1233360"/>
+            <a:ext cx="814320" cy="345960"/>
+          </a:xfrm>
+          <a:prstGeom prst="rect">
+            <a:avLst/>
+          </a:prstGeom>
+          <a:noFill/>
+          <a:ln>
+            <a:noFill/>
+          </a:ln>
+        </p:spPr>
+        <p:style>
+          <a:lnRef idx="0"/>
+          <a:fillRef idx="0"/>
+          <a:effectRef idx="0"/>
+          <a:fontRef idx="minor"/>
+        </p:style>
+        <p:txBody>
+          <a:bodyPr lIns="90000" rIns="90000" tIns="45000" bIns="45000"/>
+          <a:p>
+            <a:r>
+              <a:rPr b="0" lang="en-US" sz="1800" spc="-1" strike="noStrike">
+                <a:solidFill>
+                  <a:srgbClr val="000000"/>
+                </a:solidFill>
+                <a:uFill>
+                  <a:solidFill>
+                    <a:srgbClr val="ffffff"/>
+                  </a:solidFill>
+                </a:uFill>
+                <a:latin typeface="Arial"/>
+              </a:rPr>
+              <a:t>server</a:t>
+            </a:r>
+            <a:endParaRPr b="0" lang="en-US" sz="1800" spc="-1" strike="noStrike">
+              <a:solidFill>
+                <a:srgbClr val="000000"/>
+              </a:solidFill>
+              <a:uFill>
+                <a:solidFill>
+                  <a:srgbClr val="ffffff"/>
+                </a:solidFill>
+              </a:uFill>
+              <a:latin typeface="Arial"/>
+            </a:endParaRPr>
+          </a:p>
+        </p:txBody>
+      </p:sp>
+      <p:sp>
+        <p:nvSpPr>
+          <p:cNvPr id="143" name="CustomShape 32"/>
+          <p:cNvSpPr/>
+          <p:nvPr/>
+        </p:nvSpPr>
+        <p:spPr>
+          <a:xfrm>
+            <a:off x="640080" y="4375440"/>
+            <a:ext cx="750240" cy="345960"/>
+          </a:xfrm>
+          <a:prstGeom prst="rect">
+            <a:avLst/>
+          </a:prstGeom>
+          <a:noFill/>
+          <a:ln>
+            <a:noFill/>
+          </a:ln>
+        </p:spPr>
+        <p:style>
+          <a:lnRef idx="0"/>
+          <a:fillRef idx="0"/>
+          <a:effectRef idx="0"/>
+          <a:fontRef idx="minor"/>
+        </p:style>
+        <p:txBody>
+          <a:bodyPr lIns="90000" rIns="90000" tIns="45000" bIns="45000"/>
+          <a:p>
+            <a:r>
+              <a:rPr b="0" lang="en-US" sz="1800" spc="-1" strike="noStrike">
+                <a:solidFill>
+                  <a:srgbClr val="000000"/>
+                </a:solidFill>
+                <a:uFill>
+                  <a:solidFill>
+                    <a:srgbClr val="ffffff"/>
+                  </a:solidFill>
+                </a:uFill>
+                <a:latin typeface="Arial"/>
+              </a:rPr>
+              <a:t>agent</a:t>
+            </a:r>
+            <a:endParaRPr b="0" lang="en-US" sz="1800" spc="-1" strike="noStrike">
+              <a:solidFill>
+                <a:srgbClr val="000000"/>
+              </a:solidFill>
+              <a:uFill>
+                <a:solidFill>
+                  <a:srgbClr val="ffffff"/>
+                </a:solidFill>
+              </a:uFill>
+              <a:latin typeface="Arial"/>
+            </a:endParaRPr>
+          </a:p>
+        </p:txBody>
+      </p:sp>
+      <p:sp>
+        <p:nvSpPr>
+          <p:cNvPr id="144" name="CustomShape 33"/>
+          <p:cNvSpPr/>
+          <p:nvPr/>
+        </p:nvSpPr>
+        <p:spPr>
+          <a:xfrm>
+            <a:off x="2880720" y="4375440"/>
+            <a:ext cx="750240" cy="345960"/>
+          </a:xfrm>
+          <a:prstGeom prst="rect">
+            <a:avLst/>
+          </a:prstGeom>
+          <a:noFill/>
+          <a:ln>
+            <a:noFill/>
+          </a:ln>
+        </p:spPr>
+        <p:style>
+          <a:lnRef idx="0"/>
+          <a:fillRef idx="0"/>
+          <a:effectRef idx="0"/>
+          <a:fontRef idx="minor"/>
+        </p:style>
+        <p:txBody>
+          <a:bodyPr lIns="90000" rIns="90000" tIns="45000" bIns="45000"/>
+          <a:p>
+            <a:r>
+              <a:rPr b="0" lang="en-US" sz="1800" spc="-1" strike="noStrike">
+                <a:solidFill>
+                  <a:srgbClr val="000000"/>
+                </a:solidFill>
+                <a:uFill>
+                  <a:solidFill>
+                    <a:srgbClr val="ffffff"/>
+                  </a:solidFill>
+                </a:uFill>
+                <a:latin typeface="Arial"/>
+              </a:rPr>
+              <a:t>agent</a:t>
+            </a:r>
+            <a:endParaRPr b="0" lang="en-US" sz="1800" spc="-1" strike="noStrike">
+              <a:solidFill>
+                <a:srgbClr val="000000"/>
+              </a:solidFill>
+              <a:uFill>
+                <a:solidFill>
+                  <a:srgbClr val="ffffff"/>
+                </a:solidFill>
+              </a:uFill>
+              <a:latin typeface="Arial"/>
+            </a:endParaRPr>
+          </a:p>
+        </p:txBody>
+      </p:sp>
+      <p:sp>
+        <p:nvSpPr>
+          <p:cNvPr id="145" name="CustomShape 34"/>
+          <p:cNvSpPr/>
+          <p:nvPr/>
+        </p:nvSpPr>
+        <p:spPr>
+          <a:xfrm>
+            <a:off x="6442920" y="4375440"/>
+            <a:ext cx="750240" cy="345960"/>
+          </a:xfrm>
+          <a:prstGeom prst="rect">
+            <a:avLst/>
+          </a:prstGeom>
+          <a:noFill/>
+          <a:ln>
+            <a:noFill/>
+          </a:ln>
+        </p:spPr>
+        <p:style>
+          <a:lnRef idx="0"/>
+          <a:fillRef idx="0"/>
+          <a:effectRef idx="0"/>
+          <a:fontRef idx="minor"/>
+        </p:style>
+        <p:txBody>
+          <a:bodyPr lIns="90000" rIns="90000" tIns="45000" bIns="45000"/>
+          <a:p>
+            <a:r>
+              <a:rPr b="0" lang="en-US" sz="1800" spc="-1" strike="noStrike">
+                <a:solidFill>
+                  <a:srgbClr val="000000"/>
+                </a:solidFill>
+                <a:uFill>
+                  <a:solidFill>
+                    <a:srgbClr val="ffffff"/>
+                  </a:solidFill>
+                </a:uFill>
+                <a:latin typeface="Arial"/>
+              </a:rPr>
+              <a:t>agent</a:t>
+            </a:r>
+            <a:endParaRPr b="0" lang="en-US" sz="1800" spc="-1" strike="noStrike">
+              <a:solidFill>
+                <a:srgbClr val="000000"/>
+              </a:solidFill>
+              <a:uFill>
+                <a:solidFill>
+                  <a:srgbClr val="ffffff"/>
+                </a:solidFill>
+              </a:uFill>
+              <a:latin typeface="Arial"/>
+            </a:endParaRPr>
+          </a:p>
+        </p:txBody>
+      </p:sp>
+      <p:sp>
+        <p:nvSpPr>
+          <p:cNvPr id="146" name="CustomShape 35"/>
+          <p:cNvSpPr/>
+          <p:nvPr/>
+        </p:nvSpPr>
+        <p:spPr>
+          <a:xfrm>
+            <a:off x="8746920" y="4375440"/>
+            <a:ext cx="750240" cy="345960"/>
+          </a:xfrm>
+          <a:prstGeom prst="rect">
+            <a:avLst/>
+          </a:prstGeom>
+          <a:noFill/>
+          <a:ln>
+            <a:noFill/>
+          </a:ln>
+        </p:spPr>
+        <p:style>
+          <a:lnRef idx="0"/>
+          <a:fillRef idx="0"/>
+          <a:effectRef idx="0"/>
+          <a:fontRef idx="minor"/>
+        </p:style>
+        <p:txBody>
+          <a:bodyPr lIns="90000" rIns="90000" tIns="45000" bIns="45000"/>
+          <a:p>
+            <a:r>
+              <a:rPr b="0" lang="en-US" sz="1800" spc="-1" strike="noStrike">
+                <a:solidFill>
+                  <a:srgbClr val="000000"/>
+                </a:solidFill>
+                <a:uFill>
+                  <a:solidFill>
+                    <a:srgbClr val="ffffff"/>
+                  </a:solidFill>
+                </a:uFill>
+                <a:latin typeface="Arial"/>
+              </a:rPr>
+              <a:t>agent</a:t>
+            </a:r>
+            <a:endParaRPr b="0" lang="en-US" sz="1800" spc="-1" strike="noStrike">
               <a:solidFill>
                 <a:srgbClr val="000000"/>
               </a:solidFill>
@@ -5873,16 +8333,17 @@
       </p:sp>
       <p:cxnSp>
         <p:nvCxnSpPr>
-          <p:cNvPr id="103" name="Line 32"/>
+          <p:cNvPr id="147" name="Line 36"/>
           <p:cNvCxnSpPr>
-            <a:endCxn id="73" idx="2"/>
+            <a:stCxn id="123" idx="0"/>
+            <a:endCxn id="113" idx="1"/>
           </p:cNvCxnSpPr>
           <p:nvPr/>
         </p:nvCxnSpPr>
         <p:spPr>
           <a:xfrm flipV="1">
-            <a:off x="3795120" y="3657600"/>
-            <a:ext cx="1212120" cy="1080360"/>
+            <a:off x="1562760" y="2610360"/>
+            <a:ext cx="1798560" cy="2127600"/>
           </a:xfrm>
           <a:prstGeom prst="straightConnector1">
             <a:avLst/>
@@ -5891,23 +8352,24 @@
             <a:solidFill>
               <a:srgbClr val="000000"/>
             </a:solidFill>
+            <a:headEnd len="med" type="triangle" w="med"/>
             <a:tailEnd len="med" type="triangle" w="med"/>
           </a:ln>
         </p:spPr>
       </p:cxnSp>
       <p:cxnSp>
         <p:nvCxnSpPr>
-          <p:cNvPr id="104" name="Line 33"/>
+          <p:cNvPr id="148" name="Line 37"/>
           <p:cNvCxnSpPr>
-            <a:stCxn id="96" idx="0"/>
-            <a:endCxn id="73" idx="2"/>
+            <a:stCxn id="128" idx="0"/>
+            <a:endCxn id="113" idx="2"/>
           </p:cNvCxnSpPr>
           <p:nvPr/>
         </p:nvCxnSpPr>
         <p:spPr>
-          <a:xfrm flipH="1" flipV="1">
-            <a:off x="5006880" y="3657600"/>
-            <a:ext cx="1272600" cy="1080360"/>
+          <a:xfrm flipV="1">
+            <a:off x="3794760" y="3657240"/>
+            <a:ext cx="1212120" cy="1080720"/>
           </a:xfrm>
           <a:prstGeom prst="straightConnector1">
             <a:avLst/>
@@ -5916,23 +8378,24 @@
             <a:solidFill>
               <a:srgbClr val="000000"/>
             </a:solidFill>
+            <a:headEnd len="med" type="triangle" w="med"/>
             <a:tailEnd len="med" type="triangle" w="med"/>
           </a:ln>
         </p:spPr>
       </p:cxnSp>
       <p:cxnSp>
         <p:nvCxnSpPr>
-          <p:cNvPr id="105" name="Line 34"/>
+          <p:cNvPr id="149" name="Line 38"/>
           <p:cNvCxnSpPr>
-            <a:stCxn id="99" idx="0"/>
-            <a:endCxn id="73" idx="2"/>
+            <a:stCxn id="113" idx="2"/>
+            <a:endCxn id="135" idx="0"/>
           </p:cNvCxnSpPr>
           <p:nvPr/>
         </p:nvCxnSpPr>
         <p:spPr>
-          <a:xfrm flipH="1" flipV="1">
-            <a:off x="5006880" y="3657600"/>
-            <a:ext cx="3576600" cy="1080360"/>
+          <a:xfrm>
+            <a:off x="5006520" y="3657240"/>
+            <a:ext cx="1272600" cy="1080720"/>
           </a:xfrm>
           <a:prstGeom prst="straightConnector1">
             <a:avLst/>
@@ -5941,260 +8404,37 @@
             <a:solidFill>
               <a:srgbClr val="000000"/>
             </a:solidFill>
+            <a:headEnd len="med" type="triangle" w="med"/>
             <a:tailEnd len="med" type="triangle" w="med"/>
           </a:ln>
         </p:spPr>
       </p:cxnSp>
-      <p:sp>
-        <p:nvSpPr>
-          <p:cNvPr id="106" name="TextShape 35"/>
-          <p:cNvSpPr txBox="1"/>
+      <p:cxnSp>
+        <p:nvCxnSpPr>
+          <p:cNvPr id="150" name="Line 39"/>
+          <p:cNvCxnSpPr>
+            <a:stCxn id="113" idx="3"/>
+            <a:endCxn id="138" idx="0"/>
+          </p:cNvCxnSpPr>
           <p:nvPr/>
-        </p:nvSpPr>
-        <p:spPr>
-          <a:xfrm>
-            <a:off x="3402720" y="1233360"/>
-            <a:ext cx="814680" cy="346320"/>
-          </a:xfrm>
-          <a:prstGeom prst="rect">
-            <a:avLst/>
-          </a:prstGeom>
-          <a:noFill/>
+        </p:nvCxnSpPr>
+        <p:spPr>
+          <a:xfrm>
+            <a:off x="6652440" y="2610360"/>
+            <a:ext cx="1930680" cy="2127600"/>
+          </a:xfrm>
+          <a:prstGeom prst="straightConnector1">
+            <a:avLst/>
+          </a:prstGeom>
           <a:ln>
-            <a:noFill/>
+            <a:solidFill>
+              <a:srgbClr val="000000"/>
+            </a:solidFill>
+            <a:headEnd len="med" type="triangle" w="med"/>
+            <a:tailEnd len="med" type="triangle" w="med"/>
           </a:ln>
         </p:spPr>
-        <p:txBody>
-          <a:bodyPr lIns="90000" rIns="90000" tIns="45000" bIns="45000"/>
-          <a:p>
-            <a:r>
-              <a:rPr b="0" lang="en-US" sz="1800" spc="-1" strike="noStrike">
-                <a:solidFill>
-                  <a:srgbClr val="000000"/>
-                </a:solidFill>
-                <a:uFill>
-                  <a:solidFill>
-                    <a:srgbClr val="ffffff"/>
-                  </a:solidFill>
-                </a:uFill>
-                <a:latin typeface="Arial"/>
-              </a:rPr>
-              <a:t>server</a:t>
-            </a:r>
-            <a:endParaRPr b="0" lang="en-US" sz="1800" spc="-1" strike="noStrike">
-              <a:solidFill>
-                <a:srgbClr val="000000"/>
-              </a:solidFill>
-              <a:uFill>
-                <a:solidFill>
-                  <a:srgbClr val="ffffff"/>
-                </a:solidFill>
-              </a:uFill>
-              <a:latin typeface="Arial"/>
-            </a:endParaRPr>
-          </a:p>
-        </p:txBody>
-      </p:sp>
-      <p:sp>
-        <p:nvSpPr>
-          <p:cNvPr id="107" name="TextShape 36"/>
-          <p:cNvSpPr txBox="1"/>
-          <p:nvPr/>
-        </p:nvSpPr>
-        <p:spPr>
-          <a:xfrm>
-            <a:off x="640080" y="4375440"/>
-            <a:ext cx="750600" cy="346320"/>
-          </a:xfrm>
-          <a:prstGeom prst="rect">
-            <a:avLst/>
-          </a:prstGeom>
-          <a:noFill/>
-          <a:ln>
-            <a:noFill/>
-          </a:ln>
-        </p:spPr>
-        <p:txBody>
-          <a:bodyPr lIns="90000" rIns="90000" tIns="45000" bIns="45000"/>
-          <a:p>
-            <a:r>
-              <a:rPr b="0" lang="en-US" sz="1800" spc="-1" strike="noStrike">
-                <a:solidFill>
-                  <a:srgbClr val="000000"/>
-                </a:solidFill>
-                <a:uFill>
-                  <a:solidFill>
-                    <a:srgbClr val="ffffff"/>
-                  </a:solidFill>
-                </a:uFill>
-                <a:latin typeface="Arial"/>
-              </a:rPr>
-              <a:t>agent</a:t>
-            </a:r>
-            <a:endParaRPr b="0" lang="en-US" sz="1800" spc="-1" strike="noStrike">
-              <a:solidFill>
-                <a:srgbClr val="000000"/>
-              </a:solidFill>
-              <a:uFill>
-                <a:solidFill>
-                  <a:srgbClr val="ffffff"/>
-                </a:solidFill>
-              </a:uFill>
-              <a:latin typeface="Arial"/>
-            </a:endParaRPr>
-          </a:p>
-        </p:txBody>
-      </p:sp>
-      <p:sp>
-        <p:nvSpPr>
-          <p:cNvPr id="108" name="TextShape 37"/>
-          <p:cNvSpPr txBox="1"/>
-          <p:nvPr/>
-        </p:nvSpPr>
-        <p:spPr>
-          <a:xfrm>
-            <a:off x="2880720" y="4375440"/>
-            <a:ext cx="750600" cy="346320"/>
-          </a:xfrm>
-          <a:prstGeom prst="rect">
-            <a:avLst/>
-          </a:prstGeom>
-          <a:noFill/>
-          <a:ln>
-            <a:noFill/>
-          </a:ln>
-        </p:spPr>
-        <p:txBody>
-          <a:bodyPr lIns="90000" rIns="90000" tIns="45000" bIns="45000"/>
-          <a:p>
-            <a:r>
-              <a:rPr b="0" lang="en-US" sz="1800" spc="-1" strike="noStrike">
-                <a:solidFill>
-                  <a:srgbClr val="000000"/>
-                </a:solidFill>
-                <a:uFill>
-                  <a:solidFill>
-                    <a:srgbClr val="ffffff"/>
-                  </a:solidFill>
-                </a:uFill>
-                <a:latin typeface="Arial"/>
-              </a:rPr>
-              <a:t>agent</a:t>
-            </a:r>
-            <a:endParaRPr b="0" lang="en-US" sz="1800" spc="-1" strike="noStrike">
-              <a:solidFill>
-                <a:srgbClr val="000000"/>
-              </a:solidFill>
-              <a:uFill>
-                <a:solidFill>
-                  <a:srgbClr val="ffffff"/>
-                </a:solidFill>
-              </a:uFill>
-              <a:latin typeface="Arial"/>
-            </a:endParaRPr>
-          </a:p>
-        </p:txBody>
-      </p:sp>
-      <p:sp>
-        <p:nvSpPr>
-          <p:cNvPr id="109" name="TextShape 38"/>
-          <p:cNvSpPr txBox="1"/>
-          <p:nvPr/>
-        </p:nvSpPr>
-        <p:spPr>
-          <a:xfrm>
-            <a:off x="6442920" y="4375440"/>
-            <a:ext cx="750600" cy="346320"/>
-          </a:xfrm>
-          <a:prstGeom prst="rect">
-            <a:avLst/>
-          </a:prstGeom>
-          <a:noFill/>
-          <a:ln>
-            <a:noFill/>
-          </a:ln>
-        </p:spPr>
-        <p:txBody>
-          <a:bodyPr lIns="90000" rIns="90000" tIns="45000" bIns="45000"/>
-          <a:p>
-            <a:r>
-              <a:rPr b="0" lang="en-US" sz="1800" spc="-1" strike="noStrike">
-                <a:solidFill>
-                  <a:srgbClr val="000000"/>
-                </a:solidFill>
-                <a:uFill>
-                  <a:solidFill>
-                    <a:srgbClr val="ffffff"/>
-                  </a:solidFill>
-                </a:uFill>
-                <a:latin typeface="Arial"/>
-              </a:rPr>
-              <a:t>agent</a:t>
-            </a:r>
-            <a:endParaRPr b="0" lang="en-US" sz="1800" spc="-1" strike="noStrike">
-              <a:solidFill>
-                <a:srgbClr val="000000"/>
-              </a:solidFill>
-              <a:uFill>
-                <a:solidFill>
-                  <a:srgbClr val="ffffff"/>
-                </a:solidFill>
-              </a:uFill>
-              <a:latin typeface="Arial"/>
-            </a:endParaRPr>
-          </a:p>
-        </p:txBody>
-      </p:sp>
-      <p:sp>
-        <p:nvSpPr>
-          <p:cNvPr id="110" name="TextShape 39"/>
-          <p:cNvSpPr txBox="1"/>
-          <p:nvPr/>
-        </p:nvSpPr>
-        <p:spPr>
-          <a:xfrm>
-            <a:off x="8746920" y="4375440"/>
-            <a:ext cx="750600" cy="346320"/>
-          </a:xfrm>
-          <a:prstGeom prst="rect">
-            <a:avLst/>
-          </a:prstGeom>
-          <a:noFill/>
-          <a:ln>
-            <a:noFill/>
-          </a:ln>
-        </p:spPr>
-        <p:txBody>
-          <a:bodyPr lIns="90000" rIns="90000" tIns="45000" bIns="45000"/>
-          <a:p>
-            <a:r>
-              <a:rPr b="0" lang="en-US" sz="1800" spc="-1" strike="noStrike">
-                <a:solidFill>
-                  <a:srgbClr val="000000"/>
-                </a:solidFill>
-                <a:uFill>
-                  <a:solidFill>
-                    <a:srgbClr val="ffffff"/>
-                  </a:solidFill>
-                </a:uFill>
-                <a:latin typeface="Arial"/>
-              </a:rPr>
-              <a:t>agent</a:t>
-            </a:r>
-            <a:endParaRPr b="0" lang="en-US" sz="1800" spc="-1" strike="noStrike">
-              <a:solidFill>
-                <a:srgbClr val="000000"/>
-              </a:solidFill>
-              <a:uFill>
-                <a:solidFill>
-                  <a:srgbClr val="ffffff"/>
-                </a:solidFill>
-              </a:uFill>
-              <a:latin typeface="Arial"/>
-            </a:endParaRPr>
-          </a:p>
-        </p:txBody>
-      </p:sp>
+      </p:cxnSp>
     </p:spTree>
   </p:cSld>
   <p:timing>
@@ -6246,14 +8486,14 @@
       </p:grpSpPr>
       <p:sp>
         <p:nvSpPr>
-          <p:cNvPr id="111" name="TextShape 1"/>
-          <p:cNvSpPr txBox="1"/>
+          <p:cNvPr id="151" name="CustomShape 1"/>
+          <p:cNvSpPr/>
           <p:nvPr/>
         </p:nvSpPr>
         <p:spPr>
           <a:xfrm>
             <a:off x="504000" y="301320"/>
-            <a:ext cx="9071640" cy="1262160"/>
+            <a:ext cx="9071280" cy="1261800"/>
           </a:xfrm>
           <a:prstGeom prst="rect">
             <a:avLst/>
@@ -6263,10 +8503,20 @@
             <a:noFill/>
           </a:ln>
         </p:spPr>
+        <p:style>
+          <a:lnRef idx="0"/>
+          <a:fillRef idx="0"/>
+          <a:effectRef idx="0"/>
+          <a:fontRef idx="minor"/>
+        </p:style>
         <p:txBody>
           <a:bodyPr lIns="0" rIns="0" tIns="0" bIns="0" anchor="ctr"/>
           <a:p>
-            <a:pPr algn="ctr"/>
+            <a:pPr algn="ctr">
+              <a:lnSpc>
+                <a:spcPct val="100000"/>
+              </a:lnSpc>
+            </a:pPr>
             <a:r>
               <a:rPr b="0" lang="en-US" sz="4400" spc="-1" strike="noStrike">
                 <a:solidFill>
@@ -6295,30 +8545,76 @@
               </a:rPr>
               <a:t>配置样例</a:t>
             </a:r>
-            <a:endParaRPr b="0" lang="en-US" sz="4400" spc="-1" strike="noStrike">
-              <a:solidFill>
-                <a:srgbClr val="000000"/>
-              </a:solidFill>
-              <a:uFill>
-                <a:solidFill>
-                  <a:srgbClr val="ffffff"/>
-                </a:solidFill>
-              </a:uFill>
-              <a:latin typeface="Arial"/>
-            </a:endParaRPr>
-          </a:p>
-        </p:txBody>
-      </p:sp>
-      <p:sp>
-        <p:nvSpPr>
-          <p:cNvPr id="112" name="TextShape 2"/>
-          <p:cNvSpPr txBox="1"/>
+            <a:endParaRPr b="0" lang="en-US" sz="1800" spc="-1" strike="noStrike">
+              <a:solidFill>
+                <a:srgbClr val="000000"/>
+              </a:solidFill>
+              <a:uFill>
+                <a:solidFill>
+                  <a:srgbClr val="ffffff"/>
+                </a:solidFill>
+              </a:uFill>
+              <a:latin typeface="Arial"/>
+            </a:endParaRPr>
+          </a:p>
+        </p:txBody>
+      </p:sp>
+      <p:pic>
+        <p:nvPicPr>
+          <p:cNvPr id="152" name="" descr=""/>
+          <p:cNvPicPr/>
           <p:nvPr/>
-        </p:nvSpPr>
-        <p:spPr>
-          <a:xfrm>
-            <a:off x="504000" y="1769040"/>
-            <a:ext cx="9071640" cy="4384440"/>
+        </p:nvPicPr>
+        <p:blipFill>
+          <a:blip r:embed="rId1"/>
+          <a:stretch/>
+        </p:blipFill>
+        <p:spPr>
+          <a:xfrm>
+            <a:off x="2198880" y="1391040"/>
+            <a:ext cx="5542920" cy="3990240"/>
+          </a:xfrm>
+          <a:prstGeom prst="rect">
+            <a:avLst/>
+          </a:prstGeom>
+          <a:ln>
+            <a:noFill/>
+          </a:ln>
+        </p:spPr>
+      </p:pic>
+      <p:pic>
+        <p:nvPicPr>
+          <p:cNvPr id="153" name="" descr=""/>
+          <p:cNvPicPr/>
+          <p:nvPr/>
+        </p:nvPicPr>
+        <p:blipFill>
+          <a:blip r:embed="rId2"/>
+          <a:stretch/>
+        </p:blipFill>
+        <p:spPr>
+          <a:xfrm>
+            <a:off x="1927440" y="5464080"/>
+            <a:ext cx="6085800" cy="465840"/>
+          </a:xfrm>
+          <a:prstGeom prst="rect">
+            <a:avLst/>
+          </a:prstGeom>
+          <a:ln>
+            <a:noFill/>
+          </a:ln>
+        </p:spPr>
+      </p:pic>
+      <p:sp>
+        <p:nvSpPr>
+          <p:cNvPr id="154" name="CustomShape 2"/>
+          <p:cNvSpPr/>
+          <p:nvPr/>
+        </p:nvSpPr>
+        <p:spPr>
+          <a:xfrm>
+            <a:off x="1188720" y="6217920"/>
+            <a:ext cx="7532280" cy="1105200"/>
           </a:xfrm>
           <a:prstGeom prst="rect">
             <a:avLst/>
@@ -6328,10 +8624,434 @@
             <a:noFill/>
           </a:ln>
         </p:spPr>
-        <p:txBody>
-          <a:bodyPr lIns="0" rIns="0" tIns="0" bIns="0"/>
-          <a:p>
-            <a:endParaRPr b="0" lang="en-US" sz="3200" spc="-1" strike="noStrike">
+        <p:style>
+          <a:lnRef idx="0"/>
+          <a:fillRef idx="0"/>
+          <a:effectRef idx="0"/>
+          <a:fontRef idx="minor"/>
+        </p:style>
+        <p:txBody>
+          <a:bodyPr lIns="90000" rIns="90000" tIns="45000" bIns="45000"/>
+          <a:p>
+            <a:r>
+              <a:rPr b="0" lang="en-US" sz="1800" spc="-1" strike="noStrike">
+                <a:solidFill>
+                  <a:srgbClr val="000000"/>
+                </a:solidFill>
+                <a:uFill>
+                  <a:solidFill>
+                    <a:srgbClr val="ffffff"/>
+                  </a:solidFill>
+                </a:uFill>
+                <a:latin typeface="Arial"/>
+              </a:rPr>
+              <a:t>通过脚本检测本机</a:t>
+            </a:r>
+            <a:r>
+              <a:rPr b="0" lang="en-US" sz="1800" spc="-1" strike="noStrike">
+                <a:solidFill>
+                  <a:srgbClr val="000000"/>
+                </a:solidFill>
+                <a:uFill>
+                  <a:solidFill>
+                    <a:srgbClr val="ffffff"/>
+                  </a:solidFill>
+                </a:uFill>
+                <a:latin typeface="Arial"/>
+              </a:rPr>
+              <a:t>redis</a:t>
+            </a:r>
+            <a:r>
+              <a:rPr b="0" lang="en-US" sz="1800" spc="-1" strike="noStrike">
+                <a:solidFill>
+                  <a:srgbClr val="000000"/>
+                </a:solidFill>
+                <a:uFill>
+                  <a:solidFill>
+                    <a:srgbClr val="ffffff"/>
+                  </a:solidFill>
+                </a:uFill>
+                <a:latin typeface="Arial"/>
+              </a:rPr>
+              <a:t>的角色，如果是</a:t>
+            </a:r>
+            <a:r>
+              <a:rPr b="0" lang="en-US" sz="1800" spc="-1" strike="noStrike">
+                <a:solidFill>
+                  <a:srgbClr val="000000"/>
+                </a:solidFill>
+                <a:uFill>
+                  <a:solidFill>
+                    <a:srgbClr val="ffffff"/>
+                  </a:solidFill>
+                </a:uFill>
+                <a:latin typeface="Arial"/>
+              </a:rPr>
+              <a:t>master</a:t>
+            </a:r>
+            <a:r>
+              <a:rPr b="0" lang="en-US" sz="1800" spc="-1" strike="noStrike">
+                <a:solidFill>
+                  <a:srgbClr val="000000"/>
+                </a:solidFill>
+                <a:uFill>
+                  <a:solidFill>
+                    <a:srgbClr val="ffffff"/>
+                  </a:solidFill>
+                </a:uFill>
+                <a:latin typeface="Arial"/>
+              </a:rPr>
+              <a:t>，则本机</a:t>
+            </a:r>
+            <a:r>
+              <a:rPr b="0" lang="en-US" sz="1800" spc="-1" strike="noStrike">
+                <a:solidFill>
+                  <a:srgbClr val="000000"/>
+                </a:solidFill>
+                <a:uFill>
+                  <a:solidFill>
+                    <a:srgbClr val="ffffff"/>
+                  </a:solidFill>
+                </a:uFill>
+                <a:latin typeface="Arial"/>
+              </a:rPr>
+              <a:t>IP</a:t>
+            </a:r>
+            <a:r>
+              <a:rPr b="0" lang="en-US" sz="1800" spc="-1" strike="noStrike">
+                <a:solidFill>
+                  <a:srgbClr val="000000"/>
+                </a:solidFill>
+                <a:uFill>
+                  <a:solidFill>
+                    <a:srgbClr val="ffffff"/>
+                  </a:solidFill>
+                </a:uFill>
+                <a:latin typeface="Arial"/>
+              </a:rPr>
+              <a:t>会注册为</a:t>
+            </a:r>
+            <a:endParaRPr b="0" lang="en-US" sz="1800" spc="-1" strike="noStrike">
+              <a:solidFill>
+                <a:srgbClr val="000000"/>
+              </a:solidFill>
+              <a:uFill>
+                <a:solidFill>
+                  <a:srgbClr val="ffffff"/>
+                </a:solidFill>
+              </a:uFill>
+              <a:latin typeface="Arial"/>
+            </a:endParaRPr>
+          </a:p>
+          <a:p>
+            <a:r>
+              <a:rPr b="0" lang="en-US" sz="1800" spc="-1" strike="noStrike">
+                <a:solidFill>
+                  <a:srgbClr val="000000"/>
+                </a:solidFill>
+                <a:uFill>
+                  <a:solidFill>
+                    <a:srgbClr val="ffffff"/>
+                  </a:solidFill>
+                </a:uFill>
+                <a:latin typeface="Arial"/>
+              </a:rPr>
+              <a:t>Redis.service.consul</a:t>
+            </a:r>
+            <a:r>
+              <a:rPr b="0" lang="en-US" sz="1800" spc="-1" strike="noStrike">
+                <a:solidFill>
+                  <a:srgbClr val="000000"/>
+                </a:solidFill>
+                <a:uFill>
+                  <a:solidFill>
+                    <a:srgbClr val="ffffff"/>
+                  </a:solidFill>
+                </a:uFill>
+                <a:latin typeface="Arial"/>
+              </a:rPr>
+              <a:t>的</a:t>
+            </a:r>
+            <a:r>
+              <a:rPr b="0" lang="en-US" sz="1800" spc="-1" strike="noStrike">
+                <a:solidFill>
+                  <a:srgbClr val="000000"/>
+                </a:solidFill>
+                <a:uFill>
+                  <a:solidFill>
+                    <a:srgbClr val="ffffff"/>
+                  </a:solidFill>
+                </a:uFill>
+                <a:latin typeface="Arial"/>
+              </a:rPr>
+              <a:t>IP</a:t>
+            </a:r>
+            <a:r>
+              <a:rPr b="0" lang="en-US" sz="1800" spc="-1" strike="noStrike">
+                <a:solidFill>
+                  <a:srgbClr val="000000"/>
+                </a:solidFill>
+                <a:uFill>
+                  <a:solidFill>
+                    <a:srgbClr val="ffffff"/>
+                  </a:solidFill>
+                </a:uFill>
+                <a:latin typeface="Arial"/>
+              </a:rPr>
+              <a:t>。反之，则必须返回大于</a:t>
+            </a:r>
+            <a:r>
+              <a:rPr b="0" lang="en-US" sz="1800" spc="-1" strike="noStrike">
+                <a:solidFill>
+                  <a:srgbClr val="000000"/>
+                </a:solidFill>
+                <a:uFill>
+                  <a:solidFill>
+                    <a:srgbClr val="ffffff"/>
+                  </a:solidFill>
+                </a:uFill>
+                <a:latin typeface="Arial"/>
+              </a:rPr>
+              <a:t>1</a:t>
+            </a:r>
+            <a:r>
+              <a:rPr b="0" lang="en-US" sz="1800" spc="-1" strike="noStrike">
+                <a:solidFill>
+                  <a:srgbClr val="000000"/>
+                </a:solidFill>
+                <a:uFill>
+                  <a:solidFill>
+                    <a:srgbClr val="ffffff"/>
+                  </a:solidFill>
+                </a:uFill>
+                <a:latin typeface="Arial"/>
+              </a:rPr>
+              <a:t>的</a:t>
+            </a:r>
+            <a:r>
+              <a:rPr b="0" lang="en-US" sz="1800" spc="-1" strike="noStrike">
+                <a:solidFill>
+                  <a:srgbClr val="000000"/>
+                </a:solidFill>
+                <a:uFill>
+                  <a:solidFill>
+                    <a:srgbClr val="ffffff"/>
+                  </a:solidFill>
+                </a:uFill>
+                <a:latin typeface="Arial"/>
+              </a:rPr>
+              <a:t>return code</a:t>
+            </a:r>
+            <a:r>
+              <a:rPr b="0" lang="en-US" sz="1800" spc="-1" strike="noStrike">
+                <a:solidFill>
+                  <a:srgbClr val="000000"/>
+                </a:solidFill>
+                <a:uFill>
+                  <a:solidFill>
+                    <a:srgbClr val="ffffff"/>
+                  </a:solidFill>
+                </a:uFill>
+                <a:latin typeface="Arial"/>
+              </a:rPr>
+              <a:t>。</a:t>
+            </a:r>
+            <a:endParaRPr b="0" lang="en-US" sz="1800" spc="-1" strike="noStrike">
+              <a:solidFill>
+                <a:srgbClr val="000000"/>
+              </a:solidFill>
+              <a:uFill>
+                <a:solidFill>
+                  <a:srgbClr val="ffffff"/>
+                </a:solidFill>
+              </a:uFill>
+              <a:latin typeface="Arial"/>
+            </a:endParaRPr>
+          </a:p>
+          <a:p>
+            <a:r>
+              <a:rPr b="0" lang="en-US" sz="1800" spc="-1" strike="noStrike">
+                <a:solidFill>
+                  <a:srgbClr val="000000"/>
+                </a:solidFill>
+                <a:uFill>
+                  <a:solidFill>
+                    <a:srgbClr val="ffffff"/>
+                  </a:solidFill>
+                </a:uFill>
+                <a:latin typeface="Arial"/>
+              </a:rPr>
+              <a:t>因为</a:t>
+            </a:r>
+            <a:r>
+              <a:rPr b="0" lang="en-US" sz="1800" spc="-1" strike="noStrike">
+                <a:solidFill>
+                  <a:srgbClr val="000000"/>
+                </a:solidFill>
+                <a:uFill>
+                  <a:solidFill>
+                    <a:srgbClr val="ffffff"/>
+                  </a:solidFill>
+                </a:uFill>
+                <a:latin typeface="Arial"/>
+              </a:rPr>
+              <a:t>consul</a:t>
+            </a:r>
+            <a:r>
+              <a:rPr b="0" lang="en-US" sz="1800" spc="-1" strike="noStrike">
+                <a:solidFill>
+                  <a:srgbClr val="000000"/>
+                </a:solidFill>
+                <a:uFill>
+                  <a:solidFill>
+                    <a:srgbClr val="ffffff"/>
+                  </a:solidFill>
+                </a:uFill>
+                <a:latin typeface="Arial"/>
+              </a:rPr>
+              <a:t>把</a:t>
+            </a:r>
+            <a:r>
+              <a:rPr b="0" lang="en-US" sz="1800" spc="-1" strike="noStrike">
+                <a:solidFill>
+                  <a:srgbClr val="000000"/>
+                </a:solidFill>
+                <a:uFill>
+                  <a:solidFill>
+                    <a:srgbClr val="ffffff"/>
+                  </a:solidFill>
+                </a:uFill>
+                <a:latin typeface="Arial"/>
+              </a:rPr>
+              <a:t>rc==0</a:t>
+            </a:r>
+            <a:r>
+              <a:rPr b="0" lang="en-US" sz="1800" spc="-1" strike="noStrike">
+                <a:solidFill>
+                  <a:srgbClr val="000000"/>
+                </a:solidFill>
+                <a:uFill>
+                  <a:solidFill>
+                    <a:srgbClr val="ffffff"/>
+                  </a:solidFill>
+                </a:uFill>
+                <a:latin typeface="Arial"/>
+              </a:rPr>
+              <a:t>认为</a:t>
+            </a:r>
+            <a:r>
+              <a:rPr b="0" lang="en-US" sz="1800" spc="-1" strike="noStrike">
+                <a:solidFill>
+                  <a:srgbClr val="000000"/>
+                </a:solidFill>
+                <a:uFill>
+                  <a:solidFill>
+                    <a:srgbClr val="ffffff"/>
+                  </a:solidFill>
+                </a:uFill>
+                <a:latin typeface="Arial"/>
+              </a:rPr>
+              <a:t>OK</a:t>
+            </a:r>
+            <a:r>
+              <a:rPr b="0" lang="en-US" sz="1800" spc="-1" strike="noStrike">
+                <a:solidFill>
+                  <a:srgbClr val="000000"/>
+                </a:solidFill>
+                <a:uFill>
+                  <a:solidFill>
+                    <a:srgbClr val="ffffff"/>
+                  </a:solidFill>
+                </a:uFill>
+                <a:latin typeface="Arial"/>
+              </a:rPr>
+              <a:t>，</a:t>
+            </a:r>
+            <a:r>
+              <a:rPr b="0" lang="en-US" sz="1800" spc="-1" strike="noStrike">
+                <a:solidFill>
+                  <a:srgbClr val="000000"/>
+                </a:solidFill>
+                <a:uFill>
+                  <a:solidFill>
+                    <a:srgbClr val="ffffff"/>
+                  </a:solidFill>
+                </a:uFill>
+                <a:latin typeface="Arial"/>
+              </a:rPr>
+              <a:t>rc==1</a:t>
+            </a:r>
+            <a:r>
+              <a:rPr b="0" lang="en-US" sz="1800" spc="-1" strike="noStrike">
+                <a:solidFill>
+                  <a:srgbClr val="000000"/>
+                </a:solidFill>
+                <a:uFill>
+                  <a:solidFill>
+                    <a:srgbClr val="ffffff"/>
+                  </a:solidFill>
+                </a:uFill>
+                <a:latin typeface="Arial"/>
+              </a:rPr>
+              <a:t>认为</a:t>
+            </a:r>
+            <a:r>
+              <a:rPr b="0" lang="en-US" sz="1800" spc="-1" strike="noStrike">
+                <a:solidFill>
+                  <a:srgbClr val="000000"/>
+                </a:solidFill>
+                <a:uFill>
+                  <a:solidFill>
+                    <a:srgbClr val="ffffff"/>
+                  </a:solidFill>
+                </a:uFill>
+                <a:latin typeface="Arial"/>
+              </a:rPr>
+              <a:t>warning</a:t>
+            </a:r>
+            <a:r>
+              <a:rPr b="0" lang="en-US" sz="1800" spc="-1" strike="noStrike">
+                <a:solidFill>
+                  <a:srgbClr val="000000"/>
+                </a:solidFill>
+                <a:uFill>
+                  <a:solidFill>
+                    <a:srgbClr val="ffffff"/>
+                  </a:solidFill>
+                </a:uFill>
+                <a:latin typeface="Arial"/>
+              </a:rPr>
+              <a:t>，其余才是</a:t>
+            </a:r>
+            <a:r>
+              <a:rPr b="0" lang="en-US" sz="1800" spc="-1" strike="noStrike">
+                <a:solidFill>
+                  <a:srgbClr val="000000"/>
+                </a:solidFill>
+                <a:uFill>
+                  <a:solidFill>
+                    <a:srgbClr val="ffffff"/>
+                  </a:solidFill>
+                </a:uFill>
+                <a:latin typeface="Arial"/>
+              </a:rPr>
+              <a:t>false</a:t>
+            </a:r>
+            <a:r>
+              <a:rPr b="0" lang="en-US" sz="1800" spc="-1" strike="noStrike">
+                <a:solidFill>
+                  <a:srgbClr val="000000"/>
+                </a:solidFill>
+                <a:uFill>
+                  <a:solidFill>
+                    <a:srgbClr val="ffffff"/>
+                  </a:solidFill>
+                </a:uFill>
+                <a:latin typeface="Arial"/>
+              </a:rPr>
+              <a:t>。</a:t>
+            </a:r>
+            <a:endParaRPr b="0" lang="en-US" sz="1800" spc="-1" strike="noStrike">
               <a:solidFill>
                 <a:srgbClr val="000000"/>
               </a:solidFill>
@@ -6354,6 +9074,408 @@
           <p:childTnLst>
             <p:seq>
               <p:cTn id="10" nodeType="mainSeq"/>
+              <p:prevCondLst>
+                <p:cond delay="0" evt="onPrev">
+                  <p:tgtEl>
+                    <p:sldTgt/>
+                  </p:tgtEl>
+                </p:cond>
+              </p:prevCondLst>
+              <p:nextCondLst>
+                <p:cond delay="0" evt="onNext">
+                  <p:tgtEl>
+                    <p:sldTgt/>
+                  </p:tgtEl>
+                </p:cond>
+              </p:nextCondLst>
+            </p:seq>
+          </p:childTnLst>
+        </p:cTn>
+      </p:par>
+    </p:tnLst>
+  </p:timing>
+</p:sld>
+</file>
+
+<file path=ppt/slides/slide6.xml><?xml version="1.0" encoding="utf-8"?>
+<p:sld xmlns:a="http://schemas.openxmlformats.org/drawingml/2006/main" xmlns:p="http://schemas.openxmlformats.org/presentationml/2006/main" xmlns:r="http://schemas.openxmlformats.org/officeDocument/2006/relationships" xmlns:p14="http://schemas.microsoft.com/office/powerpoint/2010/main" xmlns:p15="http://schemas.microsoft.com/office/powerpoint/2012/main" xmlns:mc="http://schemas.openxmlformats.org/markup-compatibility/2006">
+  <p:cSld>
+    <p:spTree>
+      <p:nvGrpSpPr>
+        <p:cNvPr id="1" name=""/>
+        <p:cNvGrpSpPr/>
+        <p:nvPr/>
+      </p:nvGrpSpPr>
+      <p:grpSpPr>
+        <a:xfrm>
+          <a:off x="0" y="0"/>
+          <a:ext cx="0" cy="0"/>
+          <a:chOff x="0" y="0"/>
+          <a:chExt cx="0" cy="0"/>
+        </a:xfrm>
+      </p:grpSpPr>
+      <p:sp>
+        <p:nvSpPr>
+          <p:cNvPr id="155" name="TextShape 1"/>
+          <p:cNvSpPr txBox="1"/>
+          <p:nvPr/>
+        </p:nvSpPr>
+        <p:spPr>
+          <a:xfrm>
+            <a:off x="504000" y="301320"/>
+            <a:ext cx="9071280" cy="1261800"/>
+          </a:xfrm>
+          <a:prstGeom prst="rect">
+            <a:avLst/>
+          </a:prstGeom>
+          <a:noFill/>
+          <a:ln>
+            <a:noFill/>
+          </a:ln>
+        </p:spPr>
+        <p:txBody>
+          <a:bodyPr lIns="0" rIns="0" tIns="0" bIns="0" anchor="ctr"/>
+          <a:p>
+            <a:pPr algn="ctr"/>
+            <a:r>
+              <a:rPr b="0" lang="en-US" sz="4400" spc="-1" strike="noStrike">
+                <a:solidFill>
+                  <a:srgbClr val="000000"/>
+                </a:solidFill>
+                <a:uFill>
+                  <a:solidFill>
+                    <a:srgbClr val="ffffff"/>
+                  </a:solidFill>
+                </a:uFill>
+                <a:latin typeface="Arial"/>
+              </a:rPr>
+              <a:t>Consul</a:t>
+            </a:r>
+            <a:r>
+              <a:rPr b="0" lang="en-US" sz="4400" spc="-1" strike="noStrike">
+                <a:solidFill>
+                  <a:srgbClr val="000000"/>
+                </a:solidFill>
+                <a:uFill>
+                  <a:solidFill>
+                    <a:srgbClr val="ffffff"/>
+                  </a:solidFill>
+                </a:uFill>
+                <a:latin typeface="Arial"/>
+              </a:rPr>
+              <a:t>节点列表</a:t>
+            </a:r>
+            <a:endParaRPr b="0" lang="en-US" sz="4400" spc="-1" strike="noStrike">
+              <a:solidFill>
+                <a:srgbClr val="000000"/>
+              </a:solidFill>
+              <a:uFill>
+                <a:solidFill>
+                  <a:srgbClr val="ffffff"/>
+                </a:solidFill>
+              </a:uFill>
+              <a:latin typeface="Arial"/>
+            </a:endParaRPr>
+          </a:p>
+        </p:txBody>
+      </p:sp>
+      <p:pic>
+        <p:nvPicPr>
+          <p:cNvPr id="156" name="" descr=""/>
+          <p:cNvPicPr/>
+          <p:nvPr/>
+        </p:nvPicPr>
+        <p:blipFill>
+          <a:blip r:embed="rId1"/>
+          <a:stretch/>
+        </p:blipFill>
+        <p:spPr>
+          <a:xfrm>
+            <a:off x="1188720" y="1392840"/>
+            <a:ext cx="8168040" cy="5007960"/>
+          </a:xfrm>
+          <a:prstGeom prst="rect">
+            <a:avLst/>
+          </a:prstGeom>
+          <a:ln>
+            <a:noFill/>
+          </a:ln>
+        </p:spPr>
+      </p:pic>
+      <p:sp>
+        <p:nvSpPr>
+          <p:cNvPr id="157" name="TextShape 2"/>
+          <p:cNvSpPr txBox="1"/>
+          <p:nvPr/>
+        </p:nvSpPr>
+        <p:spPr>
+          <a:xfrm>
+            <a:off x="1737360" y="6492240"/>
+            <a:ext cx="5303520" cy="457200"/>
+          </a:xfrm>
+          <a:prstGeom prst="rect">
+            <a:avLst/>
+          </a:prstGeom>
+          <a:noFill/>
+          <a:ln>
+            <a:noFill/>
+          </a:ln>
+        </p:spPr>
+        <p:txBody>
+          <a:bodyPr lIns="90000" rIns="90000" tIns="45000" bIns="45000"/>
+          <a:p>
+            <a:r>
+              <a:rPr b="0" lang="en-US" sz="1800" spc="-1" strike="noStrike">
+                <a:solidFill>
+                  <a:srgbClr val="000000"/>
+                </a:solidFill>
+                <a:uFill>
+                  <a:solidFill>
+                    <a:srgbClr val="ffffff"/>
+                  </a:solidFill>
+                </a:uFill>
+                <a:latin typeface="Arial"/>
+              </a:rPr>
+              <a:t>节点访问样例：</a:t>
+            </a:r>
+            <a:r>
+              <a:rPr b="0" lang="en-US" sz="1800" spc="-1" strike="noStrike">
+                <a:solidFill>
+                  <a:srgbClr val="000000"/>
+                </a:solidFill>
+                <a:uFill>
+                  <a:solidFill>
+                    <a:srgbClr val="ffffff"/>
+                  </a:solidFill>
+                </a:uFill>
+                <a:latin typeface="Arial"/>
+              </a:rPr>
+              <a:t>redis-9.node.consul</a:t>
+            </a:r>
+            <a:endParaRPr b="0" lang="en-US" sz="1800" spc="-1" strike="noStrike">
+              <a:solidFill>
+                <a:srgbClr val="000000"/>
+              </a:solidFill>
+              <a:uFill>
+                <a:solidFill>
+                  <a:srgbClr val="ffffff"/>
+                </a:solidFill>
+              </a:uFill>
+              <a:latin typeface="Arial"/>
+            </a:endParaRPr>
+          </a:p>
+        </p:txBody>
+      </p:sp>
+    </p:spTree>
+  </p:cSld>
+  <p:timing>
+    <p:tnLst>
+      <p:par>
+        <p:cTn id="11" dur="indefinite" restart="never" nodeType="tmRoot">
+          <p:childTnLst>
+            <p:seq>
+              <p:cTn id="12" nodeType="mainSeq"/>
+              <p:prevCondLst>
+                <p:cond delay="0" evt="onPrev">
+                  <p:tgtEl>
+                    <p:sldTgt/>
+                  </p:tgtEl>
+                </p:cond>
+              </p:prevCondLst>
+              <p:nextCondLst>
+                <p:cond delay="0" evt="onNext">
+                  <p:tgtEl>
+                    <p:sldTgt/>
+                  </p:tgtEl>
+                </p:cond>
+              </p:nextCondLst>
+            </p:seq>
+          </p:childTnLst>
+        </p:cTn>
+      </p:par>
+    </p:tnLst>
+  </p:timing>
+</p:sld>
+</file>
+
+<file path=ppt/slides/slide7.xml><?xml version="1.0" encoding="utf-8"?>
+<p:sld xmlns:a="http://schemas.openxmlformats.org/drawingml/2006/main" xmlns:p="http://schemas.openxmlformats.org/presentationml/2006/main" xmlns:r="http://schemas.openxmlformats.org/officeDocument/2006/relationships" xmlns:p14="http://schemas.microsoft.com/office/powerpoint/2010/main" xmlns:p15="http://schemas.microsoft.com/office/powerpoint/2012/main" xmlns:mc="http://schemas.openxmlformats.org/markup-compatibility/2006">
+  <p:cSld>
+    <p:spTree>
+      <p:nvGrpSpPr>
+        <p:cNvPr id="1" name=""/>
+        <p:cNvGrpSpPr/>
+        <p:nvPr/>
+      </p:nvGrpSpPr>
+      <p:grpSpPr>
+        <a:xfrm>
+          <a:off x="0" y="0"/>
+          <a:ext cx="0" cy="0"/>
+          <a:chOff x="0" y="0"/>
+          <a:chExt cx="0" cy="0"/>
+        </a:xfrm>
+      </p:grpSpPr>
+      <p:sp>
+        <p:nvSpPr>
+          <p:cNvPr id="158" name="TextShape 1"/>
+          <p:cNvSpPr txBox="1"/>
+          <p:nvPr/>
+        </p:nvSpPr>
+        <p:spPr>
+          <a:xfrm>
+            <a:off x="504000" y="301320"/>
+            <a:ext cx="9071280" cy="1261800"/>
+          </a:xfrm>
+          <a:prstGeom prst="rect">
+            <a:avLst/>
+          </a:prstGeom>
+          <a:noFill/>
+          <a:ln>
+            <a:noFill/>
+          </a:ln>
+        </p:spPr>
+        <p:txBody>
+          <a:bodyPr lIns="0" rIns="0" tIns="0" bIns="0" anchor="ctr"/>
+          <a:p>
+            <a:pPr algn="ctr"/>
+            <a:r>
+              <a:rPr b="0" lang="en-US" sz="4400" spc="-1" strike="noStrike">
+                <a:solidFill>
+                  <a:srgbClr val="000000"/>
+                </a:solidFill>
+                <a:uFill>
+                  <a:solidFill>
+                    <a:srgbClr val="ffffff"/>
+                  </a:solidFill>
+                </a:uFill>
+                <a:latin typeface="Arial"/>
+              </a:rPr>
+              <a:t>Consul</a:t>
+            </a:r>
+            <a:r>
+              <a:rPr b="0" lang="en-US" sz="4400" spc="-1" strike="noStrike">
+                <a:solidFill>
+                  <a:srgbClr val="000000"/>
+                </a:solidFill>
+                <a:uFill>
+                  <a:solidFill>
+                    <a:srgbClr val="ffffff"/>
+                  </a:solidFill>
+                </a:uFill>
+                <a:latin typeface="Arial"/>
+              </a:rPr>
+              <a:t>服务列表</a:t>
+            </a:r>
+            <a:endParaRPr b="0" lang="en-US" sz="4400" spc="-1" strike="noStrike">
+              <a:solidFill>
+                <a:srgbClr val="000000"/>
+              </a:solidFill>
+              <a:uFill>
+                <a:solidFill>
+                  <a:srgbClr val="ffffff"/>
+                </a:solidFill>
+              </a:uFill>
+              <a:latin typeface="Arial"/>
+            </a:endParaRPr>
+          </a:p>
+        </p:txBody>
+      </p:sp>
+      <p:sp>
+        <p:nvSpPr>
+          <p:cNvPr id="159" name="TextShape 2"/>
+          <p:cNvSpPr txBox="1"/>
+          <p:nvPr/>
+        </p:nvSpPr>
+        <p:spPr>
+          <a:xfrm>
+            <a:off x="1280160" y="5029200"/>
+            <a:ext cx="5303520" cy="457200"/>
+          </a:xfrm>
+          <a:prstGeom prst="rect">
+            <a:avLst/>
+          </a:prstGeom>
+          <a:noFill/>
+          <a:ln>
+            <a:noFill/>
+          </a:ln>
+        </p:spPr>
+        <p:txBody>
+          <a:bodyPr lIns="90000" rIns="90000" tIns="45000" bIns="45000"/>
+          <a:p>
+            <a:r>
+              <a:rPr b="0" lang="en-US" sz="1800" spc="-1" strike="noStrike">
+                <a:solidFill>
+                  <a:srgbClr val="000000"/>
+                </a:solidFill>
+                <a:uFill>
+                  <a:solidFill>
+                    <a:srgbClr val="ffffff"/>
+                  </a:solidFill>
+                </a:uFill>
+                <a:latin typeface="Arial"/>
+              </a:rPr>
+              <a:t>节点访问样例：</a:t>
+            </a:r>
+            <a:r>
+              <a:rPr b="0" lang="en-US" sz="1800" spc="-1" strike="noStrike">
+                <a:solidFill>
+                  <a:srgbClr val="000000"/>
+                </a:solidFill>
+                <a:uFill>
+                  <a:solidFill>
+                    <a:srgbClr val="ffffff"/>
+                  </a:solidFill>
+                </a:uFill>
+                <a:latin typeface="Arial"/>
+              </a:rPr>
+              <a:t>redis-9.service.consul</a:t>
+            </a:r>
+            <a:endParaRPr b="0" lang="en-US" sz="1800" spc="-1" strike="noStrike">
+              <a:solidFill>
+                <a:srgbClr val="000000"/>
+              </a:solidFill>
+              <a:uFill>
+                <a:solidFill>
+                  <a:srgbClr val="ffffff"/>
+                </a:solidFill>
+              </a:uFill>
+              <a:latin typeface="Arial"/>
+            </a:endParaRPr>
+          </a:p>
+        </p:txBody>
+      </p:sp>
+      <p:pic>
+        <p:nvPicPr>
+          <p:cNvPr id="160" name="" descr=""/>
+          <p:cNvPicPr/>
+          <p:nvPr/>
+        </p:nvPicPr>
+        <p:blipFill>
+          <a:blip r:embed="rId1"/>
+          <a:stretch/>
+        </p:blipFill>
+        <p:spPr>
+          <a:xfrm>
+            <a:off x="1132920" y="1563120"/>
+            <a:ext cx="7645320" cy="2377440"/>
+          </a:xfrm>
+          <a:prstGeom prst="rect">
+            <a:avLst/>
+          </a:prstGeom>
+          <a:ln>
+            <a:noFill/>
+          </a:ln>
+        </p:spPr>
+      </p:pic>
+    </p:spTree>
+  </p:cSld>
+  <p:timing>
+    <p:tnLst>
+      <p:par>
+        <p:cTn id="13" dur="indefinite" restart="never" nodeType="tmRoot">
+          <p:childTnLst>
+            <p:seq>
+              <p:cTn id="14" nodeType="mainSeq"/>
               <p:prevCondLst>
                 <p:cond delay="0" evt="onPrev">
                   <p:tgtEl>
@@ -6598,4 +9720,227 @@
     </a:fmtScheme>
   </a:themeElements>
 </a:theme>
+</file>
+
+<file path=ppt/theme/theme2.xml><?xml version="1.0" encoding="utf-8"?>
+<a:theme xmlns:a="http://schemas.openxmlformats.org/drawingml/2006/main" name="Office Theme">
+  <a:themeElements>
+    <a:clrScheme name="Office">
+      <a:dk1>
+        <a:sysClr val="windowText" lastClr="000000"/>
+      </a:dk1>
+      <a:lt1>
+        <a:sysClr val="window" lastClr="FFFFFF"/>
+      </a:lt1>
+      <a:dk2>
+        <a:srgbClr val="1F497D"/>
+      </a:dk2>
+      <a:lt2>
+        <a:srgbClr val="EEECE1"/>
+      </a:lt2>
+      <a:accent1>
+        <a:srgbClr val="4F81BD"/>
+      </a:accent1>
+      <a:accent2>
+        <a:srgbClr val="C0504D"/>
+      </a:accent2>
+      <a:accent3>
+        <a:srgbClr val="9BBB59"/>
+      </a:accent3>
+      <a:accent4>
+        <a:srgbClr val="8064A2"/>
+      </a:accent4>
+      <a:accent5>
+        <a:srgbClr val="4BACC6"/>
+      </a:accent5>
+      <a:accent6>
+        <a:srgbClr val="F79646"/>
+      </a:accent6>
+      <a:hlink>
+        <a:srgbClr val="0000FF"/>
+      </a:hlink>
+      <a:folHlink>
+        <a:srgbClr val="800080"/>
+      </a:folHlink>
+    </a:clrScheme>
+    <a:fontScheme name="Office">
+      <a:majorFont>
+        <a:latin typeface="Arial"/>
+        <a:ea typeface="DejaVu Sans"/>
+        <a:cs typeface="DejaVu Sans"/>
+      </a:majorFont>
+      <a:minorFont>
+        <a:latin typeface="Arial"/>
+        <a:ea typeface="DejaVu Sans"/>
+        <a:cs typeface="DejaVu Sans"/>
+      </a:minorFont>
+    </a:fontScheme>
+    <a:fmtScheme name="Office">
+      <a:fillStyleLst>
+        <a:solidFill>
+          <a:schemeClr val="phClr"/>
+        </a:solidFill>
+        <a:gradFill rotWithShape="1">
+          <a:gsLst>
+            <a:gs pos="0">
+              <a:schemeClr val="phClr">
+                <a:tint val="50000"/>
+                <a:satMod val="300000"/>
+              </a:schemeClr>
+            </a:gs>
+            <a:gs pos="35000">
+              <a:schemeClr val="phClr">
+                <a:tint val="37000"/>
+                <a:satMod val="300000"/>
+              </a:schemeClr>
+            </a:gs>
+            <a:gs pos="100000">
+              <a:schemeClr val="phClr">
+                <a:tint val="15000"/>
+                <a:satMod val="350000"/>
+              </a:schemeClr>
+            </a:gs>
+          </a:gsLst>
+          <a:lin ang="16200000" scaled="1"/>
+        </a:gradFill>
+        <a:gradFill rotWithShape="1">
+          <a:gsLst>
+            <a:gs pos="0">
+              <a:schemeClr val="phClr">
+                <a:shade val="51000"/>
+                <a:satMod val="130000"/>
+              </a:schemeClr>
+            </a:gs>
+            <a:gs pos="80000">
+              <a:schemeClr val="phClr">
+                <a:shade val="93000"/>
+                <a:satMod val="130000"/>
+              </a:schemeClr>
+            </a:gs>
+            <a:gs pos="100000">
+              <a:schemeClr val="phClr">
+                <a:shade val="94000"/>
+                <a:satMod val="135000"/>
+              </a:schemeClr>
+            </a:gs>
+          </a:gsLst>
+          <a:lin ang="16200000" scaled="0"/>
+        </a:gradFill>
+      </a:fillStyleLst>
+      <a:lnStyleLst>
+        <a:ln w="9525" cap="flat" cmpd="sng" algn="ctr">
+          <a:solidFill>
+            <a:schemeClr val="phClr">
+              <a:shade val="95000"/>
+              <a:satMod val="105000"/>
+            </a:schemeClr>
+          </a:solidFill>
+          <a:prstDash val="solid"/>
+        </a:ln>
+        <a:ln w="25400" cap="flat" cmpd="sng" algn="ctr">
+          <a:solidFill>
+            <a:schemeClr val="phClr"/>
+          </a:solidFill>
+          <a:prstDash val="solid"/>
+        </a:ln>
+        <a:ln w="38100" cap="flat" cmpd="sng" algn="ctr">
+          <a:solidFill>
+            <a:schemeClr val="phClr"/>
+          </a:solidFill>
+          <a:prstDash val="solid"/>
+        </a:ln>
+      </a:lnStyleLst>
+      <a:effectStyleLst>
+        <a:effectStyle>
+          <a:effectLst>
+            <a:outerShdw blurRad="40000" dist="20000" dir="5400000" rotWithShape="0">
+              <a:srgbClr val="000000">
+                <a:alpha val="38000"/>
+              </a:srgbClr>
+            </a:outerShdw>
+          </a:effectLst>
+        </a:effectStyle>
+        <a:effectStyle>
+          <a:effectLst>
+            <a:outerShdw blurRad="40000" dist="23000" dir="5400000" rotWithShape="0">
+              <a:srgbClr val="000000">
+                <a:alpha val="35000"/>
+              </a:srgbClr>
+            </a:outerShdw>
+          </a:effectLst>
+        </a:effectStyle>
+        <a:effectStyle>
+          <a:effectLst>
+            <a:outerShdw blurRad="40000" dist="23000" dir="5400000" rotWithShape="0">
+              <a:srgbClr val="000000">
+                <a:alpha val="35000"/>
+              </a:srgbClr>
+            </a:outerShdw>
+          </a:effectLst>
+          <a:scene3d>
+            <a:camera prst="orthographicFront">
+              <a:rot lat="0" lon="0" rev="0"/>
+            </a:camera>
+            <a:lightRig rig="threePt" dir="t">
+              <a:rot lat="0" lon="0" rev="1200000"/>
+            </a:lightRig>
+          </a:scene3d>
+          <a:sp3d>
+            <a:bevelT w="63500" h="25400"/>
+          </a:sp3d>
+        </a:effectStyle>
+      </a:effectStyleLst>
+      <a:bgFillStyleLst>
+        <a:solidFill>
+          <a:schemeClr val="phClr"/>
+        </a:solidFill>
+        <a:gradFill rotWithShape="1">
+          <a:gsLst>
+            <a:gs pos="0">
+              <a:schemeClr val="phClr">
+                <a:tint val="40000"/>
+                <a:satMod val="350000"/>
+              </a:schemeClr>
+            </a:gs>
+            <a:gs pos="40000">
+              <a:schemeClr val="phClr">
+                <a:tint val="45000"/>
+                <a:shade val="99000"/>
+                <a:satMod val="350000"/>
+              </a:schemeClr>
+            </a:gs>
+            <a:gs pos="100000">
+              <a:schemeClr val="phClr">
+                <a:shade val="20000"/>
+                <a:satMod val="255000"/>
+              </a:schemeClr>
+            </a:gs>
+          </a:gsLst>
+          <a:path path="circle">
+            <a:fillToRect l="50000" t="-80000" r="50000" b="180000"/>
+          </a:path>
+        </a:gradFill>
+        <a:gradFill rotWithShape="1">
+          <a:gsLst>
+            <a:gs pos="0">
+              <a:schemeClr val="phClr">
+                <a:tint val="80000"/>
+                <a:satMod val="300000"/>
+              </a:schemeClr>
+            </a:gs>
+            <a:gs pos="100000">
+              <a:schemeClr val="phClr">
+                <a:shade val="30000"/>
+                <a:satMod val="200000"/>
+              </a:schemeClr>
+            </a:gs>
+          </a:gsLst>
+          <a:path path="circle">
+            <a:fillToRect l="50000" t="50000" r="50000" b="50000"/>
+          </a:path>
+        </a:gradFill>
+      </a:bgFillStyleLst>
+    </a:fmtScheme>
+  </a:themeElements>
+</a:theme>
 </file>
--- a/docs/架构说明.pptx
+++ b/docs/架构说明.pptx
@@ -12,7 +12,6 @@
     <p:sldId id="259" r:id="rId7"/>
     <p:sldId id="260" r:id="rId8"/>
     <p:sldId id="261" r:id="rId9"/>
-    <p:sldId id="262" r:id="rId10"/>
   </p:sldIdLst>
   <p:sldSz cx="10080625" cy="7559675"/>
   <p:notesSz cx="7559675" cy="10691812"/>
@@ -71,7 +70,7 @@
         <p:spPr>
           <a:xfrm>
             <a:off x="504000" y="301320"/>
-            <a:ext cx="9071280" cy="1261800"/>
+            <a:ext cx="9072000" cy="1261800"/>
           </a:xfrm>
           <a:prstGeom prst="rect">
             <a:avLst/>
@@ -107,8 +106,8 @@
         </p:nvSpPr>
         <p:spPr>
           <a:xfrm>
-            <a:off x="504000" y="1769040"/>
-            <a:ext cx="9071280" cy="2090880"/>
+            <a:off x="504000" y="1768680"/>
+            <a:ext cx="9072000" cy="2090880"/>
           </a:xfrm>
           <a:prstGeom prst="rect">
             <a:avLst/>
@@ -143,8 +142,8 @@
         </p:nvSpPr>
         <p:spPr>
           <a:xfrm>
-            <a:off x="504000" y="4059000"/>
-            <a:ext cx="9071280" cy="2090880"/>
+            <a:off x="504000" y="4058640"/>
+            <a:ext cx="9072000" cy="2090880"/>
           </a:xfrm>
           <a:prstGeom prst="rect">
             <a:avLst/>
@@ -202,7 +201,7 @@
         <p:spPr>
           <a:xfrm>
             <a:off x="504000" y="301320"/>
-            <a:ext cx="9071280" cy="1261800"/>
+            <a:ext cx="9072000" cy="1261800"/>
           </a:xfrm>
           <a:prstGeom prst="rect">
             <a:avLst/>
@@ -238,8 +237,8 @@
         </p:nvSpPr>
         <p:spPr>
           <a:xfrm>
-            <a:off x="504000" y="1769040"/>
-            <a:ext cx="4426560" cy="2090880"/>
+            <a:off x="504000" y="1768680"/>
+            <a:ext cx="4426920" cy="2090880"/>
           </a:xfrm>
           <a:prstGeom prst="rect">
             <a:avLst/>
@@ -274,8 +273,8 @@
         </p:nvSpPr>
         <p:spPr>
           <a:xfrm>
-            <a:off x="5152320" y="1769040"/>
-            <a:ext cx="4426560" cy="2090880"/>
+            <a:off x="5152680" y="1768680"/>
+            <a:ext cx="4426920" cy="2090880"/>
           </a:xfrm>
           <a:prstGeom prst="rect">
             <a:avLst/>
@@ -310,8 +309,8 @@
         </p:nvSpPr>
         <p:spPr>
           <a:xfrm>
-            <a:off x="5152320" y="4059000"/>
-            <a:ext cx="4426560" cy="2090880"/>
+            <a:off x="5152680" y="4058640"/>
+            <a:ext cx="4426920" cy="2090880"/>
           </a:xfrm>
           <a:prstGeom prst="rect">
             <a:avLst/>
@@ -346,8 +345,8 @@
         </p:nvSpPr>
         <p:spPr>
           <a:xfrm>
-            <a:off x="504000" y="4059000"/>
-            <a:ext cx="4426560" cy="2090880"/>
+            <a:off x="504000" y="4058640"/>
+            <a:ext cx="4426920" cy="2090880"/>
           </a:xfrm>
           <a:prstGeom prst="rect">
             <a:avLst/>
@@ -405,7 +404,7 @@
         <p:spPr>
           <a:xfrm>
             <a:off x="504000" y="301320"/>
-            <a:ext cx="9071280" cy="1261800"/>
+            <a:ext cx="9072000" cy="1261800"/>
           </a:xfrm>
           <a:prstGeom prst="rect">
             <a:avLst/>
@@ -441,8 +440,8 @@
         </p:nvSpPr>
         <p:spPr>
           <a:xfrm>
-            <a:off x="504000" y="1769040"/>
-            <a:ext cx="9071280" cy="4384080"/>
+            <a:off x="504000" y="1768680"/>
+            <a:ext cx="9072000" cy="4384080"/>
           </a:xfrm>
           <a:prstGeom prst="rect">
             <a:avLst/>
@@ -477,8 +476,8 @@
         </p:nvSpPr>
         <p:spPr>
           <a:xfrm>
-            <a:off x="504000" y="1769040"/>
-            <a:ext cx="9071280" cy="4384080"/>
+            <a:off x="504000" y="1768680"/>
+            <a:ext cx="9072000" cy="4384080"/>
           </a:xfrm>
           <a:prstGeom prst="rect">
             <a:avLst/>
@@ -513,7 +512,7 @@
         </p:blipFill>
         <p:spPr>
           <a:xfrm>
-            <a:off x="2292120" y="1769040"/>
+            <a:off x="2292480" y="1768680"/>
             <a:ext cx="5494680" cy="4384080"/>
           </a:xfrm>
           <a:prstGeom prst="rect">
@@ -536,7 +535,7 @@
         </p:blipFill>
         <p:spPr>
           <a:xfrm>
-            <a:off x="2292120" y="1769040"/>
+            <a:off x="2292480" y="1768680"/>
             <a:ext cx="5494680" cy="4384080"/>
           </a:xfrm>
           <a:prstGeom prst="rect">
@@ -604,7 +603,7 @@
         <p:spPr>
           <a:xfrm>
             <a:off x="504000" y="301320"/>
-            <a:ext cx="9071280" cy="1261800"/>
+            <a:ext cx="9072000" cy="1261800"/>
           </a:xfrm>
           <a:prstGeom prst="rect">
             <a:avLst/>
@@ -640,8 +639,8 @@
         </p:nvSpPr>
         <p:spPr>
           <a:xfrm>
-            <a:off x="504000" y="1769040"/>
-            <a:ext cx="9071280" cy="4384080"/>
+            <a:off x="504000" y="1768680"/>
+            <a:ext cx="9072000" cy="4384080"/>
           </a:xfrm>
           <a:prstGeom prst="rect">
             <a:avLst/>
@@ -700,7 +699,7 @@
         <p:spPr>
           <a:xfrm>
             <a:off x="504000" y="301320"/>
-            <a:ext cx="9071280" cy="1261800"/>
+            <a:ext cx="9072000" cy="1261800"/>
           </a:xfrm>
           <a:prstGeom prst="rect">
             <a:avLst/>
@@ -736,8 +735,8 @@
         </p:nvSpPr>
         <p:spPr>
           <a:xfrm>
-            <a:off x="504000" y="1769040"/>
-            <a:ext cx="9071280" cy="4384080"/>
+            <a:off x="504000" y="1768680"/>
+            <a:ext cx="9072000" cy="4384080"/>
           </a:xfrm>
           <a:prstGeom prst="rect">
             <a:avLst/>
@@ -795,7 +794,7 @@
         <p:spPr>
           <a:xfrm>
             <a:off x="504000" y="301320"/>
-            <a:ext cx="9071280" cy="1261800"/>
+            <a:ext cx="9072000" cy="1261800"/>
           </a:xfrm>
           <a:prstGeom prst="rect">
             <a:avLst/>
@@ -831,8 +830,8 @@
         </p:nvSpPr>
         <p:spPr>
           <a:xfrm>
-            <a:off x="504000" y="1769040"/>
-            <a:ext cx="4426560" cy="4384080"/>
+            <a:off x="504000" y="1768680"/>
+            <a:ext cx="4426920" cy="4384080"/>
           </a:xfrm>
           <a:prstGeom prst="rect">
             <a:avLst/>
@@ -867,8 +866,8 @@
         </p:nvSpPr>
         <p:spPr>
           <a:xfrm>
-            <a:off x="5152320" y="1769040"/>
-            <a:ext cx="4426560" cy="4384080"/>
+            <a:off x="5152680" y="1768680"/>
+            <a:ext cx="4426920" cy="4384080"/>
           </a:xfrm>
           <a:prstGeom prst="rect">
             <a:avLst/>
@@ -926,7 +925,7 @@
         <p:spPr>
           <a:xfrm>
             <a:off x="504000" y="301320"/>
-            <a:ext cx="9071280" cy="1261800"/>
+            <a:ext cx="9072000" cy="1261800"/>
           </a:xfrm>
           <a:prstGeom prst="rect">
             <a:avLst/>
@@ -985,7 +984,7 @@
         <p:spPr>
           <a:xfrm>
             <a:off x="504000" y="301320"/>
-            <a:ext cx="9071280" cy="5850360"/>
+            <a:ext cx="9072000" cy="5850360"/>
           </a:xfrm>
           <a:prstGeom prst="rect">
             <a:avLst/>
@@ -1044,7 +1043,7 @@
         <p:spPr>
           <a:xfrm>
             <a:off x="504000" y="301320"/>
-            <a:ext cx="9071280" cy="1261800"/>
+            <a:ext cx="9072000" cy="1261800"/>
           </a:xfrm>
           <a:prstGeom prst="rect">
             <a:avLst/>
@@ -1080,8 +1079,8 @@
         </p:nvSpPr>
         <p:spPr>
           <a:xfrm>
-            <a:off x="504000" y="1769040"/>
-            <a:ext cx="4426560" cy="2090880"/>
+            <a:off x="504000" y="1768680"/>
+            <a:ext cx="4426920" cy="2090880"/>
           </a:xfrm>
           <a:prstGeom prst="rect">
             <a:avLst/>
@@ -1116,8 +1115,8 @@
         </p:nvSpPr>
         <p:spPr>
           <a:xfrm>
-            <a:off x="504000" y="4059000"/>
-            <a:ext cx="4426560" cy="2090880"/>
+            <a:off x="504000" y="4058640"/>
+            <a:ext cx="4426920" cy="2090880"/>
           </a:xfrm>
           <a:prstGeom prst="rect">
             <a:avLst/>
@@ -1152,8 +1151,8 @@
         </p:nvSpPr>
         <p:spPr>
           <a:xfrm>
-            <a:off x="5152320" y="1769040"/>
-            <a:ext cx="4426560" cy="4384080"/>
+            <a:off x="5152680" y="1768680"/>
+            <a:ext cx="4426920" cy="4384080"/>
           </a:xfrm>
           <a:prstGeom prst="rect">
             <a:avLst/>
@@ -1211,7 +1210,7 @@
         <p:spPr>
           <a:xfrm>
             <a:off x="504000" y="301320"/>
-            <a:ext cx="9071280" cy="1261800"/>
+            <a:ext cx="9072000" cy="1261800"/>
           </a:xfrm>
           <a:prstGeom prst="rect">
             <a:avLst/>
@@ -1247,8 +1246,8 @@
         </p:nvSpPr>
         <p:spPr>
           <a:xfrm>
-            <a:off x="504000" y="1769040"/>
-            <a:ext cx="9071280" cy="4384080"/>
+            <a:off x="504000" y="1768680"/>
+            <a:ext cx="9072000" cy="4384080"/>
           </a:xfrm>
           <a:prstGeom prst="rect">
             <a:avLst/>
@@ -1307,7 +1306,7 @@
         <p:spPr>
           <a:xfrm>
             <a:off x="504000" y="301320"/>
-            <a:ext cx="9071280" cy="1261800"/>
+            <a:ext cx="9072000" cy="1261800"/>
           </a:xfrm>
           <a:prstGeom prst="rect">
             <a:avLst/>
@@ -1343,8 +1342,8 @@
         </p:nvSpPr>
         <p:spPr>
           <a:xfrm>
-            <a:off x="504000" y="1769040"/>
-            <a:ext cx="4426560" cy="4384080"/>
+            <a:off x="504000" y="1768680"/>
+            <a:ext cx="4426920" cy="4384080"/>
           </a:xfrm>
           <a:prstGeom prst="rect">
             <a:avLst/>
@@ -1379,8 +1378,8 @@
         </p:nvSpPr>
         <p:spPr>
           <a:xfrm>
-            <a:off x="5152320" y="1769040"/>
-            <a:ext cx="4426560" cy="2090880"/>
+            <a:off x="5152680" y="1768680"/>
+            <a:ext cx="4426920" cy="2090880"/>
           </a:xfrm>
           <a:prstGeom prst="rect">
             <a:avLst/>
@@ -1415,8 +1414,8 @@
         </p:nvSpPr>
         <p:spPr>
           <a:xfrm>
-            <a:off x="5152320" y="4059000"/>
-            <a:ext cx="4426560" cy="2090880"/>
+            <a:off x="5152680" y="4058640"/>
+            <a:ext cx="4426920" cy="2090880"/>
           </a:xfrm>
           <a:prstGeom prst="rect">
             <a:avLst/>
@@ -1474,7 +1473,7 @@
         <p:spPr>
           <a:xfrm>
             <a:off x="504000" y="301320"/>
-            <a:ext cx="9071280" cy="1261800"/>
+            <a:ext cx="9072000" cy="1261800"/>
           </a:xfrm>
           <a:prstGeom prst="rect">
             <a:avLst/>
@@ -1510,8 +1509,8 @@
         </p:nvSpPr>
         <p:spPr>
           <a:xfrm>
-            <a:off x="504000" y="1769040"/>
-            <a:ext cx="4426560" cy="2090880"/>
+            <a:off x="504000" y="1768680"/>
+            <a:ext cx="4426920" cy="2090880"/>
           </a:xfrm>
           <a:prstGeom prst="rect">
             <a:avLst/>
@@ -1546,8 +1545,8 @@
         </p:nvSpPr>
         <p:spPr>
           <a:xfrm>
-            <a:off x="5152320" y="1769040"/>
-            <a:ext cx="4426560" cy="2090880"/>
+            <a:off x="5152680" y="1768680"/>
+            <a:ext cx="4426920" cy="2090880"/>
           </a:xfrm>
           <a:prstGeom prst="rect">
             <a:avLst/>
@@ -1582,8 +1581,8 @@
         </p:nvSpPr>
         <p:spPr>
           <a:xfrm>
-            <a:off x="504000" y="4059000"/>
-            <a:ext cx="9071280" cy="2090880"/>
+            <a:off x="504000" y="4058640"/>
+            <a:ext cx="9072000" cy="2090880"/>
           </a:xfrm>
           <a:prstGeom prst="rect">
             <a:avLst/>
@@ -1641,7 +1640,7 @@
         <p:spPr>
           <a:xfrm>
             <a:off x="504000" y="301320"/>
-            <a:ext cx="9071280" cy="1261800"/>
+            <a:ext cx="9072000" cy="1261800"/>
           </a:xfrm>
           <a:prstGeom prst="rect">
             <a:avLst/>
@@ -1677,8 +1676,8 @@
         </p:nvSpPr>
         <p:spPr>
           <a:xfrm>
-            <a:off x="504000" y="1769040"/>
-            <a:ext cx="9071280" cy="2090880"/>
+            <a:off x="504000" y="1768680"/>
+            <a:ext cx="9072000" cy="2090880"/>
           </a:xfrm>
           <a:prstGeom prst="rect">
             <a:avLst/>
@@ -1713,8 +1712,8 @@
         </p:nvSpPr>
         <p:spPr>
           <a:xfrm>
-            <a:off x="504000" y="4059000"/>
-            <a:ext cx="9071280" cy="2090880"/>
+            <a:off x="504000" y="4058640"/>
+            <a:ext cx="9072000" cy="2090880"/>
           </a:xfrm>
           <a:prstGeom prst="rect">
             <a:avLst/>
@@ -1772,7 +1771,7 @@
         <p:spPr>
           <a:xfrm>
             <a:off x="504000" y="301320"/>
-            <a:ext cx="9071280" cy="1261800"/>
+            <a:ext cx="9072000" cy="1261800"/>
           </a:xfrm>
           <a:prstGeom prst="rect">
             <a:avLst/>
@@ -1808,8 +1807,8 @@
         </p:nvSpPr>
         <p:spPr>
           <a:xfrm>
-            <a:off x="504000" y="1769040"/>
-            <a:ext cx="4426560" cy="2090880"/>
+            <a:off x="504000" y="1768680"/>
+            <a:ext cx="4426920" cy="2090880"/>
           </a:xfrm>
           <a:prstGeom prst="rect">
             <a:avLst/>
@@ -1844,8 +1843,8 @@
         </p:nvSpPr>
         <p:spPr>
           <a:xfrm>
-            <a:off x="5152320" y="1769040"/>
-            <a:ext cx="4426560" cy="2090880"/>
+            <a:off x="5152680" y="1768680"/>
+            <a:ext cx="4426920" cy="2090880"/>
           </a:xfrm>
           <a:prstGeom prst="rect">
             <a:avLst/>
@@ -1880,8 +1879,8 @@
         </p:nvSpPr>
         <p:spPr>
           <a:xfrm>
-            <a:off x="5152320" y="4059000"/>
-            <a:ext cx="4426560" cy="2090880"/>
+            <a:off x="5152680" y="4058640"/>
+            <a:ext cx="4426920" cy="2090880"/>
           </a:xfrm>
           <a:prstGeom prst="rect">
             <a:avLst/>
@@ -1916,8 +1915,8 @@
         </p:nvSpPr>
         <p:spPr>
           <a:xfrm>
-            <a:off x="504000" y="4059000"/>
-            <a:ext cx="4426560" cy="2090880"/>
+            <a:off x="504000" y="4058640"/>
+            <a:ext cx="4426920" cy="2090880"/>
           </a:xfrm>
           <a:prstGeom prst="rect">
             <a:avLst/>
@@ -1975,7 +1974,7 @@
         <p:spPr>
           <a:xfrm>
             <a:off x="504000" y="301320"/>
-            <a:ext cx="9071280" cy="1261800"/>
+            <a:ext cx="9072000" cy="1261800"/>
           </a:xfrm>
           <a:prstGeom prst="rect">
             <a:avLst/>
@@ -2011,8 +2010,8 @@
         </p:nvSpPr>
         <p:spPr>
           <a:xfrm>
-            <a:off x="504000" y="1769040"/>
-            <a:ext cx="9071280" cy="4384080"/>
+            <a:off x="504000" y="1768680"/>
+            <a:ext cx="9072000" cy="4384080"/>
           </a:xfrm>
           <a:prstGeom prst="rect">
             <a:avLst/>
@@ -2047,8 +2046,8 @@
         </p:nvSpPr>
         <p:spPr>
           <a:xfrm>
-            <a:off x="504000" y="1769040"/>
-            <a:ext cx="9071280" cy="4384080"/>
+            <a:off x="504000" y="1768680"/>
+            <a:ext cx="9072000" cy="4384080"/>
           </a:xfrm>
           <a:prstGeom prst="rect">
             <a:avLst/>
@@ -2083,7 +2082,7 @@
         </p:blipFill>
         <p:spPr>
           <a:xfrm>
-            <a:off x="2292120" y="1769040"/>
+            <a:off x="2292480" y="1768680"/>
             <a:ext cx="5494680" cy="4384080"/>
           </a:xfrm>
           <a:prstGeom prst="rect">
@@ -2106,7 +2105,7 @@
         </p:blipFill>
         <p:spPr>
           <a:xfrm>
-            <a:off x="2292120" y="1769040"/>
+            <a:off x="2292480" y="1768680"/>
             <a:ext cx="5494680" cy="4384080"/>
           </a:xfrm>
           <a:prstGeom prst="rect">
@@ -2152,7 +2151,7 @@
         <p:spPr>
           <a:xfrm>
             <a:off x="504000" y="301320"/>
-            <a:ext cx="9071280" cy="1261800"/>
+            <a:ext cx="9072000" cy="1261800"/>
           </a:xfrm>
           <a:prstGeom prst="rect">
             <a:avLst/>
@@ -2188,8 +2187,8 @@
         </p:nvSpPr>
         <p:spPr>
           <a:xfrm>
-            <a:off x="504000" y="1769040"/>
-            <a:ext cx="9071280" cy="4384080"/>
+            <a:off x="504000" y="1768680"/>
+            <a:ext cx="9072000" cy="4384080"/>
           </a:xfrm>
           <a:prstGeom prst="rect">
             <a:avLst/>
@@ -2247,7 +2246,7 @@
         <p:spPr>
           <a:xfrm>
             <a:off x="504000" y="301320"/>
-            <a:ext cx="9071280" cy="1261800"/>
+            <a:ext cx="9072000" cy="1261800"/>
           </a:xfrm>
           <a:prstGeom prst="rect">
             <a:avLst/>
@@ -2283,8 +2282,8 @@
         </p:nvSpPr>
         <p:spPr>
           <a:xfrm>
-            <a:off x="504000" y="1769040"/>
-            <a:ext cx="4426560" cy="4384080"/>
+            <a:off x="504000" y="1768680"/>
+            <a:ext cx="4426920" cy="4384080"/>
           </a:xfrm>
           <a:prstGeom prst="rect">
             <a:avLst/>
@@ -2319,8 +2318,8 @@
         </p:nvSpPr>
         <p:spPr>
           <a:xfrm>
-            <a:off x="5152320" y="1769040"/>
-            <a:ext cx="4426560" cy="4384080"/>
+            <a:off x="5152680" y="1768680"/>
+            <a:ext cx="4426920" cy="4384080"/>
           </a:xfrm>
           <a:prstGeom prst="rect">
             <a:avLst/>
@@ -2378,7 +2377,7 @@
         <p:spPr>
           <a:xfrm>
             <a:off x="504000" y="301320"/>
-            <a:ext cx="9071280" cy="1261800"/>
+            <a:ext cx="9072000" cy="1261800"/>
           </a:xfrm>
           <a:prstGeom prst="rect">
             <a:avLst/>
@@ -2437,7 +2436,7 @@
         <p:spPr>
           <a:xfrm>
             <a:off x="504000" y="301320"/>
-            <a:ext cx="9071280" cy="5850360"/>
+            <a:ext cx="9072000" cy="5850360"/>
           </a:xfrm>
           <a:prstGeom prst="rect">
             <a:avLst/>
@@ -2496,7 +2495,7 @@
         <p:spPr>
           <a:xfrm>
             <a:off x="504000" y="301320"/>
-            <a:ext cx="9071280" cy="1261800"/>
+            <a:ext cx="9072000" cy="1261800"/>
           </a:xfrm>
           <a:prstGeom prst="rect">
             <a:avLst/>
@@ -2532,8 +2531,8 @@
         </p:nvSpPr>
         <p:spPr>
           <a:xfrm>
-            <a:off x="504000" y="1769040"/>
-            <a:ext cx="4426560" cy="2090880"/>
+            <a:off x="504000" y="1768680"/>
+            <a:ext cx="4426920" cy="2090880"/>
           </a:xfrm>
           <a:prstGeom prst="rect">
             <a:avLst/>
@@ -2568,8 +2567,8 @@
         </p:nvSpPr>
         <p:spPr>
           <a:xfrm>
-            <a:off x="504000" y="4059000"/>
-            <a:ext cx="4426560" cy="2090880"/>
+            <a:off x="504000" y="4058640"/>
+            <a:ext cx="4426920" cy="2090880"/>
           </a:xfrm>
           <a:prstGeom prst="rect">
             <a:avLst/>
@@ -2604,8 +2603,8 @@
         </p:nvSpPr>
         <p:spPr>
           <a:xfrm>
-            <a:off x="5152320" y="1769040"/>
-            <a:ext cx="4426560" cy="4384080"/>
+            <a:off x="5152680" y="1768680"/>
+            <a:ext cx="4426920" cy="4384080"/>
           </a:xfrm>
           <a:prstGeom prst="rect">
             <a:avLst/>
@@ -2663,7 +2662,7 @@
         <p:spPr>
           <a:xfrm>
             <a:off x="504000" y="301320"/>
-            <a:ext cx="9071280" cy="1261800"/>
+            <a:ext cx="9072000" cy="1261800"/>
           </a:xfrm>
           <a:prstGeom prst="rect">
             <a:avLst/>
@@ -2699,8 +2698,8 @@
         </p:nvSpPr>
         <p:spPr>
           <a:xfrm>
-            <a:off x="504000" y="1769040"/>
-            <a:ext cx="4426560" cy="4384080"/>
+            <a:off x="504000" y="1768680"/>
+            <a:ext cx="4426920" cy="4384080"/>
           </a:xfrm>
           <a:prstGeom prst="rect">
             <a:avLst/>
@@ -2735,8 +2734,8 @@
         </p:nvSpPr>
         <p:spPr>
           <a:xfrm>
-            <a:off x="5152320" y="1769040"/>
-            <a:ext cx="4426560" cy="2090880"/>
+            <a:off x="5152680" y="1768680"/>
+            <a:ext cx="4426920" cy="2090880"/>
           </a:xfrm>
           <a:prstGeom prst="rect">
             <a:avLst/>
@@ -2771,8 +2770,8 @@
         </p:nvSpPr>
         <p:spPr>
           <a:xfrm>
-            <a:off x="5152320" y="4059000"/>
-            <a:ext cx="4426560" cy="2090880"/>
+            <a:off x="5152680" y="4058640"/>
+            <a:ext cx="4426920" cy="2090880"/>
           </a:xfrm>
           <a:prstGeom prst="rect">
             <a:avLst/>
@@ -2830,7 +2829,7 @@
         <p:spPr>
           <a:xfrm>
             <a:off x="504000" y="301320"/>
-            <a:ext cx="9071280" cy="1261800"/>
+            <a:ext cx="9072000" cy="1261800"/>
           </a:xfrm>
           <a:prstGeom prst="rect">
             <a:avLst/>
@@ -2866,8 +2865,8 @@
         </p:nvSpPr>
         <p:spPr>
           <a:xfrm>
-            <a:off x="504000" y="1769040"/>
-            <a:ext cx="4426560" cy="2090880"/>
+            <a:off x="504000" y="1768680"/>
+            <a:ext cx="4426920" cy="2090880"/>
           </a:xfrm>
           <a:prstGeom prst="rect">
             <a:avLst/>
@@ -2902,8 +2901,8 @@
         </p:nvSpPr>
         <p:spPr>
           <a:xfrm>
-            <a:off x="5152320" y="1769040"/>
-            <a:ext cx="4426560" cy="2090880"/>
+            <a:off x="5152680" y="1768680"/>
+            <a:ext cx="4426920" cy="2090880"/>
           </a:xfrm>
           <a:prstGeom prst="rect">
             <a:avLst/>
@@ -2938,8 +2937,8 @@
         </p:nvSpPr>
         <p:spPr>
           <a:xfrm>
-            <a:off x="504000" y="4059000"/>
-            <a:ext cx="9071280" cy="2090880"/>
+            <a:off x="504000" y="4058640"/>
+            <a:ext cx="9072000" cy="2090880"/>
           </a:xfrm>
           <a:prstGeom prst="rect">
             <a:avLst/>
@@ -2997,7 +2996,7 @@
         <p:spPr>
           <a:xfrm>
             <a:off x="504000" y="301320"/>
-            <a:ext cx="9071280" cy="1261800"/>
+            <a:ext cx="9070920" cy="1261440"/>
           </a:xfrm>
           <a:prstGeom prst="rect">
             <a:avLst/>
@@ -3033,8 +3032,8 @@
         </p:nvSpPr>
         <p:spPr>
           <a:xfrm>
-            <a:off x="504000" y="1768680"/>
-            <a:ext cx="9072000" cy="4384080"/>
+            <a:off x="504000" y="1769040"/>
+            <a:ext cx="9070920" cy="4383720"/>
           </a:xfrm>
           <a:prstGeom prst="rect">
             <a:avLst/>
@@ -3052,7 +3051,7 @@
               <a:buChar char=""/>
             </a:pPr>
             <a:r>
-              <a:rPr b="0" lang="en-US" sz="3200" spc="-1" strike="noStrike">
+              <a:rPr b="0" lang="en-US" sz="1800" spc="-1" strike="noStrike">
                 <a:solidFill>
                   <a:srgbClr val="000000"/>
                 </a:solidFill>
@@ -3065,7 +3064,7 @@
               </a:rPr>
               <a:t>Click to edit the outline text format</a:t>
             </a:r>
-            <a:endParaRPr b="0" lang="en-US" sz="3200" spc="-1" strike="noStrike">
+            <a:endParaRPr b="0" lang="en-US" sz="1800" spc="-1" strike="noStrike">
               <a:solidFill>
                 <a:srgbClr val="000000"/>
               </a:solidFill>
@@ -3087,7 +3086,7 @@
               <a:buChar char=""/>
             </a:pPr>
             <a:r>
-              <a:rPr b="0" lang="en-US" sz="2800" spc="-1" strike="noStrike">
+              <a:rPr b="0" lang="en-US" sz="1800" spc="-1" strike="noStrike">
                 <a:solidFill>
                   <a:srgbClr val="000000"/>
                 </a:solidFill>
@@ -3100,7 +3099,7 @@
               </a:rPr>
               <a:t>Second Outline Level</a:t>
             </a:r>
-            <a:endParaRPr b="0" lang="en-US" sz="2800" spc="-1" strike="noStrike">
+            <a:endParaRPr b="0" lang="en-US" sz="1800" spc="-1" strike="noStrike">
               <a:solidFill>
                 <a:srgbClr val="000000"/>
               </a:solidFill>
@@ -3122,7 +3121,7 @@
               <a:buChar char=""/>
             </a:pPr>
             <a:r>
-              <a:rPr b="0" lang="en-US" sz="2400" spc="-1" strike="noStrike">
+              <a:rPr b="0" lang="en-US" sz="1800" spc="-1" strike="noStrike">
                 <a:solidFill>
                   <a:srgbClr val="000000"/>
                 </a:solidFill>
@@ -3135,7 +3134,7 @@
               </a:rPr>
               <a:t>Third Outline Level</a:t>
             </a:r>
-            <a:endParaRPr b="0" lang="en-US" sz="2400" spc="-1" strike="noStrike">
+            <a:endParaRPr b="0" lang="en-US" sz="1800" spc="-1" strike="noStrike">
               <a:solidFill>
                 <a:srgbClr val="000000"/>
               </a:solidFill>
@@ -3157,7 +3156,7 @@
               <a:buChar char=""/>
             </a:pPr>
             <a:r>
-              <a:rPr b="0" lang="en-US" sz="2000" spc="-1" strike="noStrike">
+              <a:rPr b="0" lang="en-US" sz="1800" spc="-1" strike="noStrike">
                 <a:solidFill>
                   <a:srgbClr val="000000"/>
                 </a:solidFill>
@@ -3170,7 +3169,7 @@
               </a:rPr>
               <a:t>Fourth Outline Level</a:t>
             </a:r>
-            <a:endParaRPr b="0" lang="en-US" sz="2000" spc="-1" strike="noStrike">
+            <a:endParaRPr b="0" lang="en-US" sz="1800" spc="-1" strike="noStrike">
               <a:solidFill>
                 <a:srgbClr val="000000"/>
               </a:solidFill>
@@ -3192,7 +3191,7 @@
               <a:buChar char=""/>
             </a:pPr>
             <a:r>
-              <a:rPr b="0" lang="en-US" sz="2000" spc="-1" strike="noStrike">
+              <a:rPr b="0" lang="en-US" sz="1800" spc="-1" strike="noStrike">
                 <a:solidFill>
                   <a:srgbClr val="000000"/>
                 </a:solidFill>
@@ -3205,7 +3204,7 @@
               </a:rPr>
               <a:t>Fifth Outline Level</a:t>
             </a:r>
-            <a:endParaRPr b="0" lang="en-US" sz="2000" spc="-1" strike="noStrike">
+            <a:endParaRPr b="0" lang="en-US" sz="1800" spc="-1" strike="noStrike">
               <a:solidFill>
                 <a:srgbClr val="000000"/>
               </a:solidFill>
@@ -3227,7 +3226,7 @@
               <a:buChar char=""/>
             </a:pPr>
             <a:r>
-              <a:rPr b="0" lang="en-US" sz="2000" spc="-1" strike="noStrike">
+              <a:rPr b="0" lang="en-US" sz="1800" spc="-1" strike="noStrike">
                 <a:solidFill>
                   <a:srgbClr val="000000"/>
                 </a:solidFill>
@@ -3240,7 +3239,7 @@
               </a:rPr>
               <a:t>Sixth Outline Level</a:t>
             </a:r>
-            <a:endParaRPr b="0" lang="en-US" sz="2000" spc="-1" strike="noStrike">
+            <a:endParaRPr b="0" lang="en-US" sz="1800" spc="-1" strike="noStrike">
               <a:solidFill>
                 <a:srgbClr val="000000"/>
               </a:solidFill>
@@ -3262,7 +3261,7 @@
               <a:buChar char=""/>
             </a:pPr>
             <a:r>
-              <a:rPr b="0" lang="en-US" sz="2000" spc="-1" strike="noStrike">
+              <a:rPr b="0" lang="en-US" sz="1800" spc="-1" strike="noStrike">
                 <a:solidFill>
                   <a:srgbClr val="000000"/>
                 </a:solidFill>
@@ -3275,7 +3274,7 @@
               </a:rPr>
               <a:t>Seventh Outline Level</a:t>
             </a:r>
-            <a:endParaRPr b="0" lang="en-US" sz="2000" spc="-1" strike="noStrike">
+            <a:endParaRPr b="0" lang="en-US" sz="1800" spc="-1" strike="noStrike">
               <a:solidFill>
                 <a:srgbClr val="000000"/>
               </a:solidFill>
@@ -3339,7 +3338,7 @@
         <p:spPr>
           <a:xfrm>
             <a:off x="504000" y="301320"/>
-            <a:ext cx="9071280" cy="1261800"/>
+            <a:ext cx="9072000" cy="1261800"/>
           </a:xfrm>
           <a:prstGeom prst="rect">
             <a:avLst/>
@@ -3349,6 +3348,20 @@
           <a:bodyPr lIns="0" rIns="0" tIns="0" bIns="0" anchor="ctr"/>
           <a:p>
             <a:pPr algn="ctr"/>
+            <a:r>
+              <a:rPr b="0" lang="en-US" sz="4400" spc="-1" strike="noStrike">
+                <a:solidFill>
+                  <a:srgbClr val="000000"/>
+                </a:solidFill>
+                <a:uFill>
+                  <a:solidFill>
+                    <a:srgbClr val="ffffff"/>
+                  </a:solidFill>
+                </a:uFill>
+                <a:latin typeface="Arial"/>
+              </a:rPr>
+              <a:t>Click to edit the title text format</a:t>
+            </a:r>
             <a:endParaRPr b="0" lang="en-US" sz="4400" spc="-1" strike="noStrike">
               <a:solidFill>
                 <a:srgbClr val="000000"/>
@@ -3375,8 +3388,8 @@
         </p:nvSpPr>
         <p:spPr>
           <a:xfrm>
-            <a:off x="504000" y="1769040"/>
-            <a:ext cx="9071280" cy="4384080"/>
+            <a:off x="504000" y="1768680"/>
+            <a:ext cx="9072000" cy="4384080"/>
           </a:xfrm>
           <a:prstGeom prst="rect">
             <a:avLst/>
@@ -3394,7 +3407,7 @@
               <a:buChar char=""/>
             </a:pPr>
             <a:r>
-              <a:rPr b="0" lang="en-US" sz="1800" spc="-1" strike="noStrike">
+              <a:rPr b="0" lang="en-US" sz="3200" spc="-1" strike="noStrike">
                 <a:solidFill>
                   <a:srgbClr val="000000"/>
                 </a:solidFill>
@@ -3407,7 +3420,7 @@
               </a:rPr>
               <a:t>Click to edit the outline text format</a:t>
             </a:r>
-            <a:endParaRPr b="0" lang="en-US" sz="1800" spc="-1" strike="noStrike">
+            <a:endParaRPr b="0" lang="en-US" sz="3200" spc="-1" strike="noStrike">
               <a:solidFill>
                 <a:srgbClr val="000000"/>
               </a:solidFill>
@@ -3429,7 +3442,7 @@
               <a:buChar char=""/>
             </a:pPr>
             <a:r>
-              <a:rPr b="0" lang="en-US" sz="1800" spc="-1" strike="noStrike">
+              <a:rPr b="0" lang="en-US" sz="2800" spc="-1" strike="noStrike">
                 <a:solidFill>
                   <a:srgbClr val="000000"/>
                 </a:solidFill>
@@ -3442,7 +3455,7 @@
               </a:rPr>
               <a:t>Second Outline Level</a:t>
             </a:r>
-            <a:endParaRPr b="0" lang="en-US" sz="1800" spc="-1" strike="noStrike">
+            <a:endParaRPr b="0" lang="en-US" sz="2800" spc="-1" strike="noStrike">
               <a:solidFill>
                 <a:srgbClr val="000000"/>
               </a:solidFill>
@@ -3464,7 +3477,7 @@
               <a:buChar char=""/>
             </a:pPr>
             <a:r>
-              <a:rPr b="0" lang="en-US" sz="1800" spc="-1" strike="noStrike">
+              <a:rPr b="0" lang="en-US" sz="2400" spc="-1" strike="noStrike">
                 <a:solidFill>
                   <a:srgbClr val="000000"/>
                 </a:solidFill>
@@ -3477,7 +3490,7 @@
               </a:rPr>
               <a:t>Third Outline Level</a:t>
             </a:r>
-            <a:endParaRPr b="0" lang="en-US" sz="1800" spc="-1" strike="noStrike">
+            <a:endParaRPr b="0" lang="en-US" sz="2400" spc="-1" strike="noStrike">
               <a:solidFill>
                 <a:srgbClr val="000000"/>
               </a:solidFill>
@@ -3499,7 +3512,7 @@
               <a:buChar char=""/>
             </a:pPr>
             <a:r>
-              <a:rPr b="0" lang="en-US" sz="1800" spc="-1" strike="noStrike">
+              <a:rPr b="0" lang="en-US" sz="2000" spc="-1" strike="noStrike">
                 <a:solidFill>
                   <a:srgbClr val="000000"/>
                 </a:solidFill>
@@ -3512,7 +3525,7 @@
               </a:rPr>
               <a:t>Fourth Outline Level</a:t>
             </a:r>
-            <a:endParaRPr b="0" lang="en-US" sz="1800" spc="-1" strike="noStrike">
+            <a:endParaRPr b="0" lang="en-US" sz="2000" spc="-1" strike="noStrike">
               <a:solidFill>
                 <a:srgbClr val="000000"/>
               </a:solidFill>
@@ -3534,7 +3547,7 @@
               <a:buChar char=""/>
             </a:pPr>
             <a:r>
-              <a:rPr b="0" lang="en-US" sz="1800" spc="-1" strike="noStrike">
+              <a:rPr b="0" lang="en-US" sz="2000" spc="-1" strike="noStrike">
                 <a:solidFill>
                   <a:srgbClr val="000000"/>
                 </a:solidFill>
@@ -3547,7 +3560,7 @@
               </a:rPr>
               <a:t>Fifth Outline Level</a:t>
             </a:r>
-            <a:endParaRPr b="0" lang="en-US" sz="1800" spc="-1" strike="noStrike">
+            <a:endParaRPr b="0" lang="en-US" sz="2000" spc="-1" strike="noStrike">
               <a:solidFill>
                 <a:srgbClr val="000000"/>
               </a:solidFill>
@@ -3569,7 +3582,7 @@
               <a:buChar char=""/>
             </a:pPr>
             <a:r>
-              <a:rPr b="0" lang="en-US" sz="1800" spc="-1" strike="noStrike">
+              <a:rPr b="0" lang="en-US" sz="2000" spc="-1" strike="noStrike">
                 <a:solidFill>
                   <a:srgbClr val="000000"/>
                 </a:solidFill>
@@ -3582,7 +3595,7 @@
               </a:rPr>
               <a:t>Sixth Outline Level</a:t>
             </a:r>
-            <a:endParaRPr b="0" lang="en-US" sz="1800" spc="-1" strike="noStrike">
+            <a:endParaRPr b="0" lang="en-US" sz="2000" spc="-1" strike="noStrike">
               <a:solidFill>
                 <a:srgbClr val="000000"/>
               </a:solidFill>
@@ -3604,7 +3617,7 @@
               <a:buChar char=""/>
             </a:pPr>
             <a:r>
-              <a:rPr b="0" lang="en-US" sz="1800" spc="-1" strike="noStrike">
+              <a:rPr b="0" lang="en-US" sz="2000" spc="-1" strike="noStrike">
                 <a:solidFill>
                   <a:srgbClr val="000000"/>
                 </a:solidFill>
@@ -3617,7 +3630,7 @@
               </a:rPr>
               <a:t>Seventh Outline Level</a:t>
             </a:r>
-            <a:endParaRPr b="0" lang="en-US" sz="1800" spc="-1" strike="noStrike">
+            <a:endParaRPr b="0" lang="en-US" sz="2000" spc="-1" strike="noStrike">
               <a:solidFill>
                 <a:srgbClr val="000000"/>
               </a:solidFill>
@@ -3677,7 +3690,7 @@
         <p:spPr>
           <a:xfrm>
             <a:off x="504000" y="301320"/>
-            <a:ext cx="9071280" cy="1261800"/>
+            <a:ext cx="9070920" cy="1261440"/>
           </a:xfrm>
           <a:prstGeom prst="rect">
             <a:avLst/>
@@ -3712,6 +3725,7 @@
                   </a:solidFill>
                 </a:uFill>
                 <a:latin typeface="Arial"/>
+                <a:ea typeface="DejaVu Sans"/>
               </a:rPr>
               <a:t>高可用</a:t>
             </a:r>
@@ -3726,6 +3740,7 @@
                   </a:solidFill>
                 </a:uFill>
                 <a:latin typeface="Arial"/>
+                <a:ea typeface="DejaVu Sans"/>
               </a:rPr>
               <a:t>ELK</a:t>
             </a:r>
@@ -3740,6 +3755,7 @@
                   </a:solidFill>
                 </a:uFill>
                 <a:latin typeface="Arial"/>
+                <a:ea typeface="DejaVu Sans"/>
               </a:rPr>
               <a:t>架构</a:t>
             </a:r>
@@ -3766,7 +3782,7 @@
         <p:spPr>
           <a:xfrm>
             <a:off x="504000" y="1769040"/>
-            <a:ext cx="9071280" cy="4384080"/>
+            <a:ext cx="9070920" cy="4383720"/>
           </a:xfrm>
           <a:prstGeom prst="rect">
             <a:avLst/>
@@ -3785,7 +3801,7 @@
         <p:txBody>
           <a:bodyPr lIns="0" rIns="0" tIns="0" bIns="0"/>
           <a:p>
-            <a:pPr marL="448200" indent="-216000">
+            <a:pPr marL="448200" indent="-215640">
               <a:lnSpc>
                 <a:spcPct val="100000"/>
               </a:lnSpc>
@@ -3806,6 +3822,7 @@
                   </a:solidFill>
                 </a:uFill>
                 <a:latin typeface="Arial"/>
+                <a:ea typeface="DejaVu Sans"/>
               </a:rPr>
               <a:t>服务自注册，弹性伸缩。</a:t>
             </a:r>
@@ -3819,10 +3836,11 @@
                 </a:solidFill>
               </a:uFill>
               <a:latin typeface="Arial"/>
-            </a:endParaRPr>
-          </a:p>
-          <a:p>
-            <a:pPr marL="448200" indent="-216000">
+              <a:ea typeface="Noto Sans CJK SC Regular"/>
+            </a:endParaRPr>
+          </a:p>
+          <a:p>
+            <a:pPr marL="448200" indent="-215640">
               <a:lnSpc>
                 <a:spcPct val="100000"/>
               </a:lnSpc>
@@ -3843,6 +3861,7 @@
                   </a:solidFill>
                 </a:uFill>
                 <a:latin typeface="Arial"/>
+                <a:ea typeface="DejaVu Sans"/>
               </a:rPr>
               <a:t>自动监控，服务自愈。</a:t>
             </a:r>
@@ -3856,10 +3875,11 @@
                 </a:solidFill>
               </a:uFill>
               <a:latin typeface="Arial"/>
-            </a:endParaRPr>
-          </a:p>
-          <a:p>
-            <a:pPr marL="448200" indent="-216000">
+              <a:ea typeface="Noto Sans CJK SC Regular"/>
+            </a:endParaRPr>
+          </a:p>
+          <a:p>
+            <a:pPr marL="448200" indent="-215640">
               <a:lnSpc>
                 <a:spcPct val="100000"/>
               </a:lnSpc>
@@ -3880,6 +3900,7 @@
                   </a:solidFill>
                 </a:uFill>
                 <a:latin typeface="Arial"/>
+                <a:ea typeface="DejaVu Sans"/>
               </a:rPr>
               <a:t>冷数据定时迁移到冷数据节点。</a:t>
             </a:r>
@@ -3893,6 +3914,7 @@
                 </a:solidFill>
               </a:uFill>
               <a:latin typeface="Arial"/>
+              <a:ea typeface="Noto Sans CJK SC Regular"/>
             </a:endParaRPr>
           </a:p>
         </p:txBody>
@@ -3955,7 +3977,7 @@
         <p:spPr>
           <a:xfrm>
             <a:off x="504000" y="301320"/>
-            <a:ext cx="9071280" cy="1261800"/>
+            <a:ext cx="9070920" cy="1261440"/>
           </a:xfrm>
           <a:prstGeom prst="rect">
             <a:avLst/>
@@ -3990,6 +4012,7 @@
                   </a:solidFill>
                 </a:uFill>
                 <a:latin typeface="Arial"/>
+                <a:ea typeface="DejaVu Sans"/>
               </a:rPr>
               <a:t>组件</a:t>
             </a:r>
@@ -4016,7 +4039,7 @@
         <p:spPr>
           <a:xfrm>
             <a:off x="504000" y="1769040"/>
-            <a:ext cx="9071280" cy="4384080"/>
+            <a:ext cx="9070920" cy="4383720"/>
           </a:xfrm>
           <a:prstGeom prst="rect">
             <a:avLst/>
@@ -4035,6 +4058,14 @@
         <p:txBody>
           <a:bodyPr lIns="0" rIns="0" tIns="0" bIns="0"/>
           <a:p>
+            <a:pPr marL="216000" indent="-216000">
+              <a:buClr>
+                <a:srgbClr val="000000"/>
+              </a:buClr>
+              <a:buSzPct val="45000"/>
+              <a:buFont typeface="Wingdings" charset="2"/>
+              <a:buChar char=""/>
+            </a:pPr>
             <a:r>
               <a:rPr b="0" lang="en-US" sz="3200" spc="-1" strike="noStrike">
                 <a:solidFill>
@@ -4046,8 +4077,9 @@
                   </a:solidFill>
                 </a:uFill>
                 <a:latin typeface="Arial"/>
-              </a:rPr>
-              <a:t>	</a:t>
+                <a:ea typeface="DejaVu Sans"/>
+              </a:rPr>
+              <a:t>Consul</a:t>
             </a:r>
             <a:r>
               <a:rPr b="0" lang="en-US" sz="3200" spc="-1" strike="noStrike">
@@ -4060,8 +4092,25 @@
                   </a:solidFill>
                 </a:uFill>
                 <a:latin typeface="Arial"/>
-              </a:rPr>
-              <a:t>Consul</a:t>
+                <a:ea typeface="DejaVu Sans"/>
+              </a:rPr>
+              <a:t>（</a:t>
+            </a:r>
+            <a:r>
+              <a:rPr b="0" lang="en-US" sz="3200" spc="-1" strike="noStrike" u="sng">
+                <a:solidFill>
+                  <a:srgbClr val="0000ff"/>
+                </a:solidFill>
+                <a:uFill>
+                  <a:solidFill>
+                    <a:srgbClr val="ffffff"/>
+                  </a:solidFill>
+                </a:uFill>
+                <a:latin typeface="Arial"/>
+                <a:ea typeface="DejaVu Sans"/>
+                <a:hlinkClick r:id="rId1"/>
+              </a:rPr>
+              <a:t>https://www.consul.io/</a:t>
             </a:r>
             <a:r>
               <a:rPr b="0" lang="en-US" sz="3200" spc="-1" strike="noStrike">
@@ -4074,35 +4123,7 @@
                   </a:solidFill>
                 </a:uFill>
                 <a:latin typeface="Arial"/>
-              </a:rPr>
-              <a:t>（</a:t>
-            </a:r>
-            <a:r>
-              <a:rPr b="0" lang="en-US" sz="3200" spc="-1" strike="noStrike" u="sng">
-                <a:solidFill>
-                  <a:srgbClr val="0000ff"/>
-                </a:solidFill>
-                <a:uFill>
-                  <a:solidFill>
-                    <a:srgbClr val="ffffff"/>
-                  </a:solidFill>
-                </a:uFill>
-                <a:latin typeface="Arial"/>
-                <a:hlinkClick r:id="rId1"/>
-              </a:rPr>
-              <a:t>https://www.consul.io/</a:t>
-            </a:r>
-            <a:r>
-              <a:rPr b="0" lang="en-US" sz="3200" spc="-1" strike="noStrike">
-                <a:solidFill>
-                  <a:srgbClr val="000000"/>
-                </a:solidFill>
-                <a:uFill>
-                  <a:solidFill>
-                    <a:srgbClr val="ffffff"/>
-                  </a:solidFill>
-                </a:uFill>
-                <a:latin typeface="Arial"/>
+                <a:ea typeface="DejaVu Sans"/>
               </a:rPr>
               <a:t>）</a:t>
             </a:r>
@@ -4119,7 +4140,7 @@
             </a:endParaRPr>
           </a:p>
           <a:p>
-            <a:pPr marL="432000" indent="-323640">
+            <a:pPr marL="432000" indent="-323280">
               <a:lnSpc>
                 <a:spcPct val="100000"/>
               </a:lnSpc>
@@ -4128,7 +4149,7 @@
               </a:buClr>
               <a:buSzPct val="45000"/>
               <a:buFont typeface="Wingdings" charset="2"/>
-              <a:buChar char=""/>
+              <a:buChar char=""/>
             </a:pPr>
             <a:r>
               <a:rPr b="0" lang="en-US" sz="1600" spc="-1" strike="noStrike">
@@ -4141,6 +4162,7 @@
                   </a:solidFill>
                 </a:uFill>
                 <a:latin typeface="Arial"/>
+                <a:ea typeface="DejaVu Sans"/>
               </a:rPr>
               <a:t>Service Discovery and Configuration</a:t>
             </a:r>
@@ -4157,7 +4179,7 @@
             </a:endParaRPr>
           </a:p>
           <a:p>
-            <a:pPr marL="432000" indent="-323640">
+            <a:pPr marL="432000" indent="-323280">
               <a:lnSpc>
                 <a:spcPct val="100000"/>
               </a:lnSpc>
@@ -4166,7 +4188,7 @@
               </a:buClr>
               <a:buSzPct val="45000"/>
               <a:buFont typeface="Wingdings" charset="2"/>
-              <a:buChar char=""/>
+              <a:buChar char=""/>
             </a:pPr>
             <a:r>
               <a:rPr b="0" lang="en-US" sz="3200" spc="-1" strike="noStrike">
@@ -4179,6 +4201,7 @@
                   </a:solidFill>
                 </a:uFill>
                 <a:latin typeface="Arial"/>
+                <a:ea typeface="DejaVu Sans"/>
               </a:rPr>
               <a:t>Redis + Sentinel</a:t>
             </a:r>
@@ -4193,6 +4216,7 @@
                   </a:solidFill>
                 </a:uFill>
                 <a:latin typeface="Arial"/>
+                <a:ea typeface="DejaVu Sans"/>
               </a:rPr>
               <a:t>（</a:t>
             </a:r>
@@ -4207,6 +4231,7 @@
                   </a:solidFill>
                 </a:uFill>
                 <a:latin typeface="Arial"/>
+                <a:ea typeface="DejaVu Sans"/>
                 <a:hlinkClick r:id="rId2"/>
               </a:rPr>
               <a:t>https://redis.io/</a:t>
@@ -4222,6 +4247,7 @@
                   </a:solidFill>
                 </a:uFill>
                 <a:latin typeface="Arial"/>
+                <a:ea typeface="DejaVu Sans"/>
               </a:rPr>
               <a:t>）</a:t>
             </a:r>
@@ -4238,7 +4264,7 @@
             </a:endParaRPr>
           </a:p>
           <a:p>
-            <a:pPr marL="432000" indent="-323640">
+            <a:pPr marL="432000" indent="-323280">
               <a:lnSpc>
                 <a:spcPct val="100000"/>
               </a:lnSpc>
@@ -4247,7 +4273,7 @@
               </a:buClr>
               <a:buSzPct val="45000"/>
               <a:buFont typeface="Wingdings" charset="2"/>
-              <a:buChar char=""/>
+              <a:buChar char=""/>
             </a:pPr>
             <a:r>
               <a:rPr b="0" lang="en-US" sz="1600" spc="-1" strike="noStrike">
@@ -4260,6 +4286,7 @@
                   </a:solidFill>
                 </a:uFill>
                 <a:latin typeface="Arial"/>
+                <a:ea typeface="DejaVu Sans"/>
               </a:rPr>
               <a:t>In-memory data structure store</a:t>
             </a:r>
@@ -4276,7 +4303,7 @@
             </a:endParaRPr>
           </a:p>
           <a:p>
-            <a:pPr marL="432000" indent="-323640">
+            <a:pPr marL="432000" indent="-323280">
               <a:lnSpc>
                 <a:spcPct val="100000"/>
               </a:lnSpc>
@@ -4285,7 +4312,7 @@
               </a:buClr>
               <a:buSzPct val="45000"/>
               <a:buFont typeface="Wingdings" charset="2"/>
-              <a:buChar char=""/>
+              <a:buChar char=""/>
             </a:pPr>
             <a:r>
               <a:rPr b="0" lang="en-US" sz="3200" spc="-1" strike="noStrike">
@@ -4298,6 +4325,7 @@
                   </a:solidFill>
                 </a:uFill>
                 <a:latin typeface="Arial"/>
+                <a:ea typeface="DejaVu Sans"/>
               </a:rPr>
               <a:t>Monit</a:t>
             </a:r>
@@ -4312,6 +4340,7 @@
                   </a:solidFill>
                 </a:uFill>
                 <a:latin typeface="Arial"/>
+                <a:ea typeface="DejaVu Sans"/>
               </a:rPr>
               <a:t>（</a:t>
             </a:r>
@@ -4326,6 +4355,7 @@
                   </a:solidFill>
                 </a:uFill>
                 <a:latin typeface="Arial"/>
+                <a:ea typeface="DejaVu Sans"/>
                 <a:hlinkClick r:id="rId3"/>
               </a:rPr>
               <a:t>https://mmonit.com/monit/</a:t>
@@ -4341,6 +4371,7 @@
                   </a:solidFill>
                 </a:uFill>
                 <a:latin typeface="Arial"/>
+                <a:ea typeface="DejaVu Sans"/>
               </a:rPr>
               <a:t>）</a:t>
             </a:r>
@@ -4357,7 +4388,7 @@
             </a:endParaRPr>
           </a:p>
           <a:p>
-            <a:pPr marL="432000" indent="-323640">
+            <a:pPr marL="432000" indent="-323280">
               <a:lnSpc>
                 <a:spcPct val="100000"/>
               </a:lnSpc>
@@ -4366,7 +4397,7 @@
               </a:buClr>
               <a:buSzPct val="45000"/>
               <a:buFont typeface="Wingdings" charset="2"/>
-              <a:buChar char=""/>
+              <a:buChar char=""/>
             </a:pPr>
             <a:r>
               <a:rPr b="0" lang="en-US" sz="1600" spc="-1" strike="noStrike">
@@ -4379,6 +4410,7 @@
                   </a:solidFill>
                 </a:uFill>
                 <a:latin typeface="Arial"/>
+                <a:ea typeface="DejaVu Sans"/>
               </a:rPr>
               <a:t>System monitoring and error recovery.</a:t>
             </a:r>
@@ -4395,7 +4427,7 @@
             </a:endParaRPr>
           </a:p>
           <a:p>
-            <a:pPr marL="432000" indent="-323640">
+            <a:pPr marL="432000" indent="-323280">
               <a:lnSpc>
                 <a:spcPct val="100000"/>
               </a:lnSpc>
@@ -4404,7 +4436,7 @@
               </a:buClr>
               <a:buSzPct val="45000"/>
               <a:buFont typeface="Wingdings" charset="2"/>
-              <a:buChar char=""/>
+              <a:buChar char=""/>
             </a:pPr>
             <a:r>
               <a:rPr b="0" lang="en-US" sz="3200" spc="-1" strike="noStrike">
@@ -4417,6 +4449,7 @@
                   </a:solidFill>
                 </a:uFill>
                 <a:latin typeface="Arial"/>
+                <a:ea typeface="DejaVu Sans"/>
               </a:rPr>
               <a:t>Chrony</a:t>
             </a:r>
@@ -4431,6 +4464,7 @@
                   </a:solidFill>
                 </a:uFill>
                 <a:latin typeface="Arial"/>
+                <a:ea typeface="DejaVu Sans"/>
               </a:rPr>
               <a:t>（</a:t>
             </a:r>
@@ -4445,6 +4479,7 @@
                   </a:solidFill>
                 </a:uFill>
                 <a:latin typeface="Arial"/>
+                <a:ea typeface="DejaVu Sans"/>
                 <a:hlinkClick r:id="rId4"/>
               </a:rPr>
               <a:t>https://chrony.tuxfamily.org/</a:t>
@@ -4460,6 +4495,7 @@
                   </a:solidFill>
                 </a:uFill>
                 <a:latin typeface="Arial"/>
+                <a:ea typeface="DejaVu Sans"/>
               </a:rPr>
               <a:t>）</a:t>
             </a:r>
@@ -4476,7 +4512,7 @@
             </a:endParaRPr>
           </a:p>
           <a:p>
-            <a:pPr marL="432000" indent="-323640">
+            <a:pPr marL="432000" indent="-323280">
               <a:lnSpc>
                 <a:spcPct val="100000"/>
               </a:lnSpc>
@@ -4485,7 +4521,7 @@
               </a:buClr>
               <a:buSzPct val="45000"/>
               <a:buFont typeface="Wingdings" charset="2"/>
-              <a:buChar char=""/>
+              <a:buChar char=""/>
             </a:pPr>
             <a:r>
               <a:rPr b="0" lang="en-US" sz="1600" spc="-1" strike="noStrike">
@@ -4498,6 +4534,7 @@
                   </a:solidFill>
                 </a:uFill>
                 <a:latin typeface="Arial"/>
+                <a:ea typeface="DejaVu Sans"/>
               </a:rPr>
               <a:t>A versatile implementation of the Network Time Protocol</a:t>
             </a:r>
@@ -4514,7 +4551,7 @@
             </a:endParaRPr>
           </a:p>
           <a:p>
-            <a:pPr marL="432000" indent="-323640">
+            <a:pPr marL="432000" indent="-323280">
               <a:lnSpc>
                 <a:spcPct val="100000"/>
               </a:lnSpc>
@@ -4523,7 +4560,7 @@
               </a:buClr>
               <a:buSzPct val="45000"/>
               <a:buFont typeface="Wingdings" charset="2"/>
-              <a:buChar char=""/>
+              <a:buChar char=""/>
             </a:pPr>
             <a:r>
               <a:rPr b="0" lang="en-US" sz="3200" spc="-1" strike="noStrike">
@@ -4536,6 +4573,7 @@
                   </a:solidFill>
                 </a:uFill>
                 <a:latin typeface="Arial"/>
+                <a:ea typeface="DejaVu Sans"/>
               </a:rPr>
               <a:t>ELK Stack</a:t>
             </a:r>
@@ -4550,6 +4588,7 @@
                   </a:solidFill>
                 </a:uFill>
                 <a:latin typeface="Arial"/>
+                <a:ea typeface="DejaVu Sans"/>
               </a:rPr>
               <a:t>（</a:t>
             </a:r>
@@ -4564,6 +4603,7 @@
                   </a:solidFill>
                 </a:uFill>
                 <a:latin typeface="Arial"/>
+                <a:ea typeface="DejaVu Sans"/>
                 <a:hlinkClick r:id="rId5"/>
               </a:rPr>
               <a:t>https://www.elastic.co</a:t>
@@ -4579,6 +4619,7 @@
                   </a:solidFill>
                 </a:uFill>
                 <a:latin typeface="Arial"/>
+                <a:ea typeface="DejaVu Sans"/>
               </a:rPr>
               <a:t>）</a:t>
             </a:r>
@@ -4595,7 +4636,7 @@
             </a:endParaRPr>
           </a:p>
           <a:p>
-            <a:pPr marL="432000" indent="-323640">
+            <a:pPr marL="432000" indent="-323280">
               <a:lnSpc>
                 <a:spcPct val="100000"/>
               </a:lnSpc>
@@ -4604,7 +4645,7 @@
               </a:buClr>
               <a:buSzPct val="45000"/>
               <a:buFont typeface="Wingdings" charset="2"/>
-              <a:buChar char=""/>
+              <a:buChar char=""/>
             </a:pPr>
             <a:r>
               <a:rPr b="0" lang="en-US" sz="1600" spc="-1" strike="noStrike">
@@ -4617,6 +4658,7 @@
                   </a:solidFill>
                 </a:uFill>
                 <a:latin typeface="Arial"/>
+                <a:ea typeface="DejaVu Sans"/>
               </a:rPr>
               <a:t>Reliably and securely take data from any source, in any format, and</a:t>
             </a:r>
@@ -4633,7 +4675,7 @@
             </a:endParaRPr>
           </a:p>
           <a:p>
-            <a:pPr marL="432000" indent="-323640">
+            <a:pPr marL="432000" indent="-323280">
               <a:lnSpc>
                 <a:spcPct val="100000"/>
               </a:lnSpc>
@@ -4642,7 +4684,7 @@
               </a:buClr>
               <a:buSzPct val="45000"/>
               <a:buFont typeface="Wingdings" charset="2"/>
-              <a:buChar char=""/>
+              <a:buChar char=""/>
             </a:pPr>
             <a:r>
               <a:rPr b="0" lang="en-US" sz="1600" spc="-1" strike="noStrike">
@@ -4655,6 +4697,7 @@
                   </a:solidFill>
                 </a:uFill>
                 <a:latin typeface="Arial"/>
+                <a:ea typeface="DejaVu Sans"/>
               </a:rPr>
               <a:t>search, analyze, and visualize it in real time. </a:t>
             </a:r>
@@ -4671,16 +4714,10 @@
             </a:endParaRPr>
           </a:p>
           <a:p>
-            <a:pPr marL="432000" indent="-323640">
+            <a:pPr>
               <a:lnSpc>
                 <a:spcPct val="100000"/>
               </a:lnSpc>
-              <a:buClr>
-                <a:srgbClr val="000000"/>
-              </a:buClr>
-              <a:buSzPct val="45000"/>
-              <a:buFont typeface="Wingdings" charset="2"/>
-              <a:buChar char=""/>
             </a:pPr>
             <a:r>
               <a:rPr b="0" lang="en-US" sz="3200" spc="-1" strike="noStrike">
@@ -4693,6 +4730,7 @@
                   </a:solidFill>
                 </a:uFill>
                 <a:latin typeface="Arial"/>
+                <a:ea typeface="DejaVu Sans"/>
               </a:rPr>
               <a:t>Beats</a:t>
             </a:r>
@@ -4707,6 +4745,7 @@
                   </a:solidFill>
                 </a:uFill>
                 <a:latin typeface="Arial"/>
+                <a:ea typeface="DejaVu Sans"/>
               </a:rPr>
               <a:t>（</a:t>
             </a:r>
@@ -4721,6 +4760,8 @@
                   </a:solidFill>
                 </a:uFill>
                 <a:latin typeface="Arial"/>
+                <a:ea typeface="DejaVu Sans"/>
+                <a:hlinkClick r:id="rId6"/>
               </a:rPr>
               <a:t>https://www.elastic.co/cn/products/beats</a:t>
             </a:r>
@@ -4735,6 +4776,7 @@
                   </a:solidFill>
                 </a:uFill>
                 <a:latin typeface="Arial"/>
+                <a:ea typeface="DejaVu Sans"/>
               </a:rPr>
               <a:t>）</a:t>
             </a:r>
@@ -4810,7 +4852,7 @@
         <p:spPr>
           <a:xfrm>
             <a:off x="504000" y="301320"/>
-            <a:ext cx="9071280" cy="1261800"/>
+            <a:ext cx="9070920" cy="1261440"/>
           </a:xfrm>
           <a:prstGeom prst="rect">
             <a:avLst/>
@@ -4845,8 +4887,9 @@
                   </a:solidFill>
                 </a:uFill>
                 <a:latin typeface="Arial"/>
-              </a:rPr>
-              <a:t>总体架构图</a:t>
+                <a:ea typeface="DejaVu Sans"/>
+              </a:rPr>
+              <a:t>组件</a:t>
             </a:r>
             <a:endParaRPr b="0" lang="en-US" sz="1800" spc="-1" strike="noStrike">
               <a:solidFill>
@@ -4870,18 +4913,15 @@
         </p:nvSpPr>
         <p:spPr>
           <a:xfrm>
-            <a:off x="3657600" y="1684800"/>
-            <a:ext cx="2742840" cy="2266200"/>
+            <a:off x="504000" y="1769040"/>
+            <a:ext cx="9070920" cy="4383720"/>
           </a:xfrm>
           <a:prstGeom prst="rect">
             <a:avLst/>
           </a:prstGeom>
           <a:noFill/>
           <a:ln>
-            <a:solidFill>
-              <a:srgbClr val="3465a4"/>
-            </a:solidFill>
-            <a:custDash/>
+            <a:noFill/>
           </a:ln>
         </p:spPr>
         <p:style>
@@ -4890,56 +4930,616 @@
           <a:effectRef idx="0"/>
           <a:fontRef idx="minor"/>
         </p:style>
-      </p:sp>
-      <p:sp>
-        <p:nvSpPr>
-          <p:cNvPr id="78" name="CustomShape 3"/>
-          <p:cNvSpPr/>
-          <p:nvPr/>
-        </p:nvSpPr>
-        <p:spPr>
-          <a:xfrm>
-            <a:off x="3762720" y="1775520"/>
-            <a:ext cx="2559960" cy="774360"/>
-          </a:xfrm>
-          <a:prstGeom prst="rect">
-            <a:avLst/>
-          </a:prstGeom>
-          <a:noFill/>
-          <a:ln>
-            <a:solidFill>
-              <a:srgbClr val="3465a4"/>
-            </a:solidFill>
-          </a:ln>
-        </p:spPr>
-        <p:style>
-          <a:lnRef idx="0"/>
-          <a:fillRef idx="0"/>
-          <a:effectRef idx="0"/>
-          <a:fontRef idx="minor"/>
-        </p:style>
-        <p:txBody>
-          <a:bodyPr wrap="none" lIns="90000" rIns="90000" tIns="45000" bIns="45000" anchor="ctr"/>
-          <a:p>
-            <a:pPr algn="ctr">
+        <p:txBody>
+          <a:bodyPr lIns="0" rIns="0" tIns="0" bIns="0"/>
+          <a:p>
+            <a:pPr marL="432000" indent="-323280">
+              <a:lnSpc>
+                <a:spcPct val="100000"/>
+              </a:lnSpc>
+              <a:buClr>
+                <a:srgbClr val="000000"/>
+              </a:buClr>
+              <a:buSzPct val="45000"/>
+              <a:buFont typeface="Wingdings" charset="2"/>
+              <a:buChar char=""/>
+            </a:pPr>
+            <a:r>
+              <a:rPr b="0" lang="en-US" sz="3200" spc="-1" strike="noStrike">
+                <a:solidFill>
+                  <a:srgbClr val="000000"/>
+                </a:solidFill>
+                <a:uFill>
+                  <a:solidFill>
+                    <a:srgbClr val="ffffff"/>
+                  </a:solidFill>
+                </a:uFill>
+                <a:latin typeface="Arial"/>
+                <a:ea typeface="DejaVu Sans"/>
+              </a:rPr>
+              <a:t>Consul</a:t>
+            </a:r>
+            <a:r>
+              <a:rPr b="0" lang="en-US" sz="2400" spc="-1" strike="noStrike">
+                <a:solidFill>
+                  <a:srgbClr val="000000"/>
+                </a:solidFill>
+                <a:uFill>
+                  <a:solidFill>
+                    <a:srgbClr val="ffffff"/>
+                  </a:solidFill>
+                </a:uFill>
+                <a:latin typeface="Arial"/>
+                <a:ea typeface="DejaVu Sans"/>
+              </a:rPr>
+              <a:t>（</a:t>
+            </a:r>
+            <a:r>
+              <a:rPr b="0" lang="en-US" sz="2400" spc="-1" strike="noStrike" u="sng">
+                <a:solidFill>
+                  <a:srgbClr val="0000ff"/>
+                </a:solidFill>
+                <a:uFill>
+                  <a:solidFill>
+                    <a:srgbClr val="ffffff"/>
+                  </a:solidFill>
+                </a:uFill>
+                <a:latin typeface="Arial"/>
+                <a:ea typeface="DejaVu Sans"/>
+                <a:hlinkClick r:id="rId1"/>
+              </a:rPr>
+              <a:t>https://www.consul.io/</a:t>
+            </a:r>
+            <a:r>
+              <a:rPr b="0" lang="en-US" sz="2400" spc="-1" strike="noStrike">
+                <a:solidFill>
+                  <a:srgbClr val="000000"/>
+                </a:solidFill>
+                <a:uFill>
+                  <a:solidFill>
+                    <a:srgbClr val="ffffff"/>
+                  </a:solidFill>
+                </a:uFill>
+                <a:latin typeface="Arial"/>
+                <a:ea typeface="DejaVu Sans"/>
+              </a:rPr>
+              <a:t>）</a:t>
+            </a:r>
+            <a:r>
+              <a:rPr b="0" lang="en-US" sz="3200" spc="-1" strike="noStrike">
+                <a:solidFill>
+                  <a:srgbClr val="000000"/>
+                </a:solidFill>
+                <a:uFill>
+                  <a:solidFill>
+                    <a:srgbClr val="ffffff"/>
+                  </a:solidFill>
+                </a:uFill>
+                <a:latin typeface="Arial"/>
+                <a:ea typeface="DejaVu Sans"/>
+              </a:rPr>
+              <a:t>
+</a:t>
+            </a:r>
+            <a:r>
+              <a:rPr b="0" lang="en-US" sz="1600" spc="-1" strike="noStrike">
+                <a:solidFill>
+                  <a:srgbClr val="000000"/>
+                </a:solidFill>
+                <a:uFill>
+                  <a:solidFill>
+                    <a:srgbClr val="ffffff"/>
+                  </a:solidFill>
+                </a:uFill>
+                <a:latin typeface="Arial"/>
+                <a:ea typeface="DejaVu Sans"/>
+              </a:rPr>
+              <a:t>Service Discovery and Configuration</a:t>
+            </a:r>
+            <a:endParaRPr b="0" lang="en-US" sz="1800" spc="-1" strike="noStrike">
+              <a:solidFill>
+                <a:srgbClr val="000000"/>
+              </a:solidFill>
+              <a:uFill>
+                <a:solidFill>
+                  <a:srgbClr val="ffffff"/>
+                </a:solidFill>
+              </a:uFill>
+              <a:latin typeface="Arial"/>
+            </a:endParaRPr>
+          </a:p>
+          <a:p>
+            <a:pPr marL="432000" indent="-323280">
+              <a:lnSpc>
+                <a:spcPct val="100000"/>
+              </a:lnSpc>
+              <a:buClr>
+                <a:srgbClr val="000000"/>
+              </a:buClr>
+              <a:buSzPct val="45000"/>
+              <a:buFont typeface="Wingdings" charset="2"/>
+              <a:buChar char=""/>
+            </a:pPr>
+            <a:r>
+              <a:rPr b="0" lang="en-US" sz="3200" spc="-1" strike="noStrike">
+                <a:solidFill>
+                  <a:srgbClr val="000000"/>
+                </a:solidFill>
+                <a:uFill>
+                  <a:solidFill>
+                    <a:srgbClr val="ffffff"/>
+                  </a:solidFill>
+                </a:uFill>
+                <a:latin typeface="Arial"/>
+                <a:ea typeface="DejaVu Sans"/>
+              </a:rPr>
+              <a:t>Redis + Sentinel</a:t>
+            </a:r>
+            <a:r>
+              <a:rPr b="0" lang="en-US" sz="2400" spc="-1" strike="noStrike">
+                <a:solidFill>
+                  <a:srgbClr val="000000"/>
+                </a:solidFill>
+                <a:uFill>
+                  <a:solidFill>
+                    <a:srgbClr val="ffffff"/>
+                  </a:solidFill>
+                </a:uFill>
+                <a:latin typeface="Arial"/>
+                <a:ea typeface="DejaVu Sans"/>
+              </a:rPr>
+              <a:t>（</a:t>
+            </a:r>
+            <a:r>
+              <a:rPr b="0" lang="en-US" sz="2400" spc="-1" strike="noStrike" u="sng">
+                <a:solidFill>
+                  <a:srgbClr val="0000ff"/>
+                </a:solidFill>
+                <a:uFill>
+                  <a:solidFill>
+                    <a:srgbClr val="ffffff"/>
+                  </a:solidFill>
+                </a:uFill>
+                <a:latin typeface="Arial"/>
+                <a:ea typeface="DejaVu Sans"/>
+                <a:hlinkClick r:id="rId2"/>
+              </a:rPr>
+              <a:t>https://redis.io/</a:t>
+            </a:r>
+            <a:r>
+              <a:rPr b="0" lang="en-US" sz="2400" spc="-1" strike="noStrike">
+                <a:solidFill>
+                  <a:srgbClr val="000000"/>
+                </a:solidFill>
+                <a:uFill>
+                  <a:solidFill>
+                    <a:srgbClr val="ffffff"/>
+                  </a:solidFill>
+                </a:uFill>
+                <a:latin typeface="Arial"/>
+                <a:ea typeface="DejaVu Sans"/>
+              </a:rPr>
+              <a:t>）</a:t>
+            </a:r>
+            <a:endParaRPr b="0" lang="en-US" sz="1800" spc="-1" strike="noStrike">
+              <a:solidFill>
+                <a:srgbClr val="000000"/>
+              </a:solidFill>
+              <a:uFill>
+                <a:solidFill>
+                  <a:srgbClr val="ffffff"/>
+                </a:solidFill>
+              </a:uFill>
+              <a:latin typeface="Arial"/>
+            </a:endParaRPr>
+          </a:p>
+          <a:p>
+            <a:pPr marL="432000" indent="-323280">
+              <a:lnSpc>
+                <a:spcPct val="100000"/>
+              </a:lnSpc>
+              <a:buClr>
+                <a:srgbClr val="000000"/>
+              </a:buClr>
+              <a:buSzPct val="45000"/>
+              <a:buFont typeface="Wingdings" charset="2"/>
+              <a:buChar char=""/>
+            </a:pPr>
+            <a:r>
+              <a:rPr b="0" lang="en-US" sz="1600" spc="-1" strike="noStrike">
+                <a:solidFill>
+                  <a:srgbClr val="000000"/>
+                </a:solidFill>
+                <a:uFill>
+                  <a:solidFill>
+                    <a:srgbClr val="ffffff"/>
+                  </a:solidFill>
+                </a:uFill>
+                <a:latin typeface="Arial"/>
+                <a:ea typeface="DejaVu Sans"/>
+              </a:rPr>
+              <a:t>In-memory data structure store</a:t>
+            </a:r>
+            <a:endParaRPr b="0" lang="en-US" sz="1800" spc="-1" strike="noStrike">
+              <a:solidFill>
+                <a:srgbClr val="000000"/>
+              </a:solidFill>
+              <a:uFill>
+                <a:solidFill>
+                  <a:srgbClr val="ffffff"/>
+                </a:solidFill>
+              </a:uFill>
+              <a:latin typeface="Arial"/>
+            </a:endParaRPr>
+          </a:p>
+          <a:p>
+            <a:pPr marL="432000" indent="-323280">
+              <a:lnSpc>
+                <a:spcPct val="100000"/>
+              </a:lnSpc>
+              <a:buClr>
+                <a:srgbClr val="000000"/>
+              </a:buClr>
+              <a:buSzPct val="45000"/>
+              <a:buFont typeface="Wingdings" charset="2"/>
+              <a:buChar char=""/>
+            </a:pPr>
+            <a:r>
+              <a:rPr b="0" lang="en-US" sz="3200" spc="-1" strike="noStrike">
+                <a:solidFill>
+                  <a:srgbClr val="000000"/>
+                </a:solidFill>
+                <a:uFill>
+                  <a:solidFill>
+                    <a:srgbClr val="ffffff"/>
+                  </a:solidFill>
+                </a:uFill>
+                <a:latin typeface="Arial"/>
+                <a:ea typeface="DejaVu Sans"/>
+              </a:rPr>
+              <a:t>Monit</a:t>
+            </a:r>
+            <a:r>
+              <a:rPr b="0" lang="en-US" sz="2400" spc="-1" strike="noStrike">
+                <a:solidFill>
+                  <a:srgbClr val="000000"/>
+                </a:solidFill>
+                <a:uFill>
+                  <a:solidFill>
+                    <a:srgbClr val="ffffff"/>
+                  </a:solidFill>
+                </a:uFill>
+                <a:latin typeface="Arial"/>
+                <a:ea typeface="DejaVu Sans"/>
+              </a:rPr>
+              <a:t>（</a:t>
+            </a:r>
+            <a:r>
+              <a:rPr b="0" lang="en-US" sz="2400" spc="-1" strike="noStrike" u="sng">
+                <a:solidFill>
+                  <a:srgbClr val="0000ff"/>
+                </a:solidFill>
+                <a:uFill>
+                  <a:solidFill>
+                    <a:srgbClr val="ffffff"/>
+                  </a:solidFill>
+                </a:uFill>
+                <a:latin typeface="Arial"/>
+                <a:ea typeface="DejaVu Sans"/>
+                <a:hlinkClick r:id="rId3"/>
+              </a:rPr>
+              <a:t>https://mmonit.com/monit/</a:t>
+            </a:r>
+            <a:r>
+              <a:rPr b="0" lang="en-US" sz="2400" spc="-1" strike="noStrike">
+                <a:solidFill>
+                  <a:srgbClr val="000000"/>
+                </a:solidFill>
+                <a:uFill>
+                  <a:solidFill>
+                    <a:srgbClr val="ffffff"/>
+                  </a:solidFill>
+                </a:uFill>
+                <a:latin typeface="Arial"/>
+                <a:ea typeface="DejaVu Sans"/>
+              </a:rPr>
+              <a:t>）</a:t>
+            </a:r>
+            <a:endParaRPr b="0" lang="en-US" sz="1800" spc="-1" strike="noStrike">
+              <a:solidFill>
+                <a:srgbClr val="000000"/>
+              </a:solidFill>
+              <a:uFill>
+                <a:solidFill>
+                  <a:srgbClr val="ffffff"/>
+                </a:solidFill>
+              </a:uFill>
+              <a:latin typeface="Arial"/>
+            </a:endParaRPr>
+          </a:p>
+          <a:p>
+            <a:pPr marL="432000" indent="-323280">
+              <a:lnSpc>
+                <a:spcPct val="100000"/>
+              </a:lnSpc>
+              <a:buClr>
+                <a:srgbClr val="000000"/>
+              </a:buClr>
+              <a:buSzPct val="45000"/>
+              <a:buFont typeface="Wingdings" charset="2"/>
+              <a:buChar char=""/>
+            </a:pPr>
+            <a:r>
+              <a:rPr b="0" lang="en-US" sz="1600" spc="-1" strike="noStrike">
+                <a:solidFill>
+                  <a:srgbClr val="000000"/>
+                </a:solidFill>
+                <a:uFill>
+                  <a:solidFill>
+                    <a:srgbClr val="ffffff"/>
+                  </a:solidFill>
+                </a:uFill>
+                <a:latin typeface="Arial"/>
+                <a:ea typeface="DejaVu Sans"/>
+              </a:rPr>
+              <a:t>System monitoring and error recovery.</a:t>
+            </a:r>
+            <a:endParaRPr b="0" lang="en-US" sz="1800" spc="-1" strike="noStrike">
+              <a:solidFill>
+                <a:srgbClr val="000000"/>
+              </a:solidFill>
+              <a:uFill>
+                <a:solidFill>
+                  <a:srgbClr val="ffffff"/>
+                </a:solidFill>
+              </a:uFill>
+              <a:latin typeface="Arial"/>
+            </a:endParaRPr>
+          </a:p>
+          <a:p>
+            <a:pPr marL="432000" indent="-323280">
+              <a:lnSpc>
+                <a:spcPct val="100000"/>
+              </a:lnSpc>
+              <a:buClr>
+                <a:srgbClr val="000000"/>
+              </a:buClr>
+              <a:buSzPct val="45000"/>
+              <a:buFont typeface="Wingdings" charset="2"/>
+              <a:buChar char=""/>
+            </a:pPr>
+            <a:r>
+              <a:rPr b="0" lang="en-US" sz="3200" spc="-1" strike="noStrike">
+                <a:solidFill>
+                  <a:srgbClr val="000000"/>
+                </a:solidFill>
+                <a:uFill>
+                  <a:solidFill>
+                    <a:srgbClr val="ffffff"/>
+                  </a:solidFill>
+                </a:uFill>
+                <a:latin typeface="Arial"/>
+                <a:ea typeface="DejaVu Sans"/>
+              </a:rPr>
+              <a:t>Chrony</a:t>
+            </a:r>
+            <a:r>
+              <a:rPr b="0" lang="en-US" sz="2400" spc="-1" strike="noStrike">
+                <a:solidFill>
+                  <a:srgbClr val="000000"/>
+                </a:solidFill>
+                <a:uFill>
+                  <a:solidFill>
+                    <a:srgbClr val="ffffff"/>
+                  </a:solidFill>
+                </a:uFill>
+                <a:latin typeface="Arial"/>
+                <a:ea typeface="DejaVu Sans"/>
+              </a:rPr>
+              <a:t>（</a:t>
+            </a:r>
+            <a:r>
+              <a:rPr b="0" lang="en-US" sz="2400" spc="-1" strike="noStrike" u="sng">
+                <a:solidFill>
+                  <a:srgbClr val="0000ff"/>
+                </a:solidFill>
+                <a:uFill>
+                  <a:solidFill>
+                    <a:srgbClr val="ffffff"/>
+                  </a:solidFill>
+                </a:uFill>
+                <a:latin typeface="Arial"/>
+                <a:ea typeface="DejaVu Sans"/>
+                <a:hlinkClick r:id="rId4"/>
+              </a:rPr>
+              <a:t>https://chrony.tuxfamily.org/</a:t>
+            </a:r>
+            <a:r>
+              <a:rPr b="0" lang="en-US" sz="2400" spc="-1" strike="noStrike">
+                <a:solidFill>
+                  <a:srgbClr val="000000"/>
+                </a:solidFill>
+                <a:uFill>
+                  <a:solidFill>
+                    <a:srgbClr val="ffffff"/>
+                  </a:solidFill>
+                </a:uFill>
+                <a:latin typeface="Arial"/>
+                <a:ea typeface="DejaVu Sans"/>
+              </a:rPr>
+              <a:t>）</a:t>
+            </a:r>
+            <a:endParaRPr b="0" lang="en-US" sz="1800" spc="-1" strike="noStrike">
+              <a:solidFill>
+                <a:srgbClr val="000000"/>
+              </a:solidFill>
+              <a:uFill>
+                <a:solidFill>
+                  <a:srgbClr val="ffffff"/>
+                </a:solidFill>
+              </a:uFill>
+              <a:latin typeface="Arial"/>
+            </a:endParaRPr>
+          </a:p>
+          <a:p>
+            <a:pPr marL="432000" indent="-323280">
+              <a:lnSpc>
+                <a:spcPct val="100000"/>
+              </a:lnSpc>
+              <a:buClr>
+                <a:srgbClr val="000000"/>
+              </a:buClr>
+              <a:buSzPct val="45000"/>
+              <a:buFont typeface="Wingdings" charset="2"/>
+              <a:buChar char=""/>
+            </a:pPr>
+            <a:r>
+              <a:rPr b="0" lang="en-US" sz="1600" spc="-1" strike="noStrike">
+                <a:solidFill>
+                  <a:srgbClr val="000000"/>
+                </a:solidFill>
+                <a:uFill>
+                  <a:solidFill>
+                    <a:srgbClr val="ffffff"/>
+                  </a:solidFill>
+                </a:uFill>
+                <a:latin typeface="Arial"/>
+                <a:ea typeface="DejaVu Sans"/>
+              </a:rPr>
+              <a:t>A versatile implementation of the Network Time Protocol</a:t>
+            </a:r>
+            <a:endParaRPr b="0" lang="en-US" sz="1800" spc="-1" strike="noStrike">
+              <a:solidFill>
+                <a:srgbClr val="000000"/>
+              </a:solidFill>
+              <a:uFill>
+                <a:solidFill>
+                  <a:srgbClr val="ffffff"/>
+                </a:solidFill>
+              </a:uFill>
+              <a:latin typeface="Arial"/>
+            </a:endParaRPr>
+          </a:p>
+          <a:p>
+            <a:pPr marL="432000" indent="-323280">
+              <a:lnSpc>
+                <a:spcPct val="100000"/>
+              </a:lnSpc>
+              <a:buClr>
+                <a:srgbClr val="000000"/>
+              </a:buClr>
+              <a:buSzPct val="45000"/>
+              <a:buFont typeface="Wingdings" charset="2"/>
+              <a:buChar char=""/>
+            </a:pPr>
+            <a:r>
+              <a:rPr b="0" lang="en-US" sz="3200" spc="-1" strike="noStrike">
+                <a:solidFill>
+                  <a:srgbClr val="000000"/>
+                </a:solidFill>
+                <a:uFill>
+                  <a:solidFill>
+                    <a:srgbClr val="ffffff"/>
+                  </a:solidFill>
+                </a:uFill>
+                <a:latin typeface="Arial"/>
+                <a:ea typeface="DejaVu Sans"/>
+              </a:rPr>
+              <a:t>ELK Stack</a:t>
+            </a:r>
+            <a:r>
+              <a:rPr b="0" lang="en-US" sz="2400" spc="-1" strike="noStrike">
+                <a:solidFill>
+                  <a:srgbClr val="000000"/>
+                </a:solidFill>
+                <a:uFill>
+                  <a:solidFill>
+                    <a:srgbClr val="ffffff"/>
+                  </a:solidFill>
+                </a:uFill>
+                <a:latin typeface="Arial"/>
+                <a:ea typeface="DejaVu Sans"/>
+              </a:rPr>
+              <a:t>（</a:t>
+            </a:r>
+            <a:r>
+              <a:rPr b="0" lang="en-US" sz="2400" spc="-1" strike="noStrike" u="sng">
+                <a:solidFill>
+                  <a:srgbClr val="0000ff"/>
+                </a:solidFill>
+                <a:uFill>
+                  <a:solidFill>
+                    <a:srgbClr val="ffffff"/>
+                  </a:solidFill>
+                </a:uFill>
+                <a:latin typeface="Arial"/>
+                <a:ea typeface="DejaVu Sans"/>
+                <a:hlinkClick r:id="rId5"/>
+              </a:rPr>
+              <a:t>https://www.elastic.co</a:t>
+            </a:r>
+            <a:r>
+              <a:rPr b="0" lang="en-US" sz="2400" spc="-1" strike="noStrike">
+                <a:solidFill>
+                  <a:srgbClr val="000000"/>
+                </a:solidFill>
+                <a:uFill>
+                  <a:solidFill>
+                    <a:srgbClr val="ffffff"/>
+                  </a:solidFill>
+                </a:uFill>
+                <a:latin typeface="Arial"/>
+                <a:ea typeface="DejaVu Sans"/>
+              </a:rPr>
+              <a:t>）</a:t>
+            </a:r>
+            <a:endParaRPr b="0" lang="en-US" sz="1800" spc="-1" strike="noStrike">
+              <a:solidFill>
+                <a:srgbClr val="000000"/>
+              </a:solidFill>
+              <a:uFill>
+                <a:solidFill>
+                  <a:srgbClr val="ffffff"/>
+                </a:solidFill>
+              </a:uFill>
+              <a:latin typeface="Arial"/>
+            </a:endParaRPr>
+          </a:p>
+          <a:p>
+            <a:pPr>
               <a:lnSpc>
                 <a:spcPct val="100000"/>
               </a:lnSpc>
             </a:pPr>
             <a:r>
-              <a:rPr b="0" lang="en-US" sz="1800" spc="-1" strike="noStrike">
-                <a:solidFill>
-                  <a:srgbClr val="000000"/>
-                </a:solidFill>
-                <a:uFill>
-                  <a:solidFill>
-                    <a:srgbClr val="ffffff"/>
-                  </a:solidFill>
-                </a:uFill>
-                <a:latin typeface="Arial"/>
-                <a:ea typeface="DejaVu Sans"/>
-              </a:rPr>
-              <a:t>Kibana</a:t>
+              <a:rPr b="0" lang="en-US" sz="1600" spc="-1" strike="noStrike">
+                <a:solidFill>
+                  <a:srgbClr val="000000"/>
+                </a:solidFill>
+                <a:uFill>
+                  <a:solidFill>
+                    <a:srgbClr val="ffffff"/>
+                  </a:solidFill>
+                </a:uFill>
+                <a:latin typeface="Arial"/>
+                <a:ea typeface="DejaVu Sans"/>
+              </a:rPr>
+              <a:t>	</a:t>
+            </a:r>
+            <a:r>
+              <a:rPr b="0" lang="en-US" sz="1600" spc="-1" strike="noStrike">
+                <a:solidFill>
+                  <a:srgbClr val="000000"/>
+                </a:solidFill>
+                <a:uFill>
+                  <a:solidFill>
+                    <a:srgbClr val="ffffff"/>
+                  </a:solidFill>
+                </a:uFill>
+                <a:latin typeface="Arial"/>
+                <a:ea typeface="DejaVu Sans"/>
+              </a:rPr>
+              <a:t>Reliably and securely take data from any source, in any format, and</a:t>
             </a:r>
             <a:endParaRPr b="0" lang="en-US" sz="1800" spc="-1" strike="noStrike">
               <a:solidFill>
@@ -4953,57 +5553,32 @@
               <a:latin typeface="Arial"/>
             </a:endParaRPr>
           </a:p>
-        </p:txBody>
-      </p:sp>
-      <p:sp>
-        <p:nvSpPr>
-          <p:cNvPr id="79" name="CustomShape 4"/>
-          <p:cNvSpPr/>
-          <p:nvPr/>
-        </p:nvSpPr>
-        <p:spPr>
-          <a:xfrm>
-            <a:off x="3762720" y="3073320"/>
-            <a:ext cx="2559960" cy="774360"/>
-          </a:xfrm>
-          <a:prstGeom prst="rect">
-            <a:avLst/>
-          </a:prstGeom>
-          <a:noFill/>
-          <a:ln>
-            <a:solidFill>
-              <a:srgbClr val="3465a4"/>
-            </a:solidFill>
-          </a:ln>
-        </p:spPr>
-        <p:style>
-          <a:lnRef idx="0"/>
-          <a:fillRef idx="0"/>
-          <a:effectRef idx="0"/>
-          <a:fontRef idx="minor"/>
-        </p:style>
-        <p:txBody>
-          <a:bodyPr wrap="none" lIns="90000" rIns="90000" tIns="45000" bIns="45000" anchor="ctr"/>
-          <a:p>
-            <a:pPr algn="ctr">
+          <a:p>
+            <a:pPr marL="432000" indent="-323280">
               <a:lnSpc>
                 <a:spcPct val="100000"/>
               </a:lnSpc>
+              <a:buClr>
+                <a:srgbClr val="000000"/>
+              </a:buClr>
+              <a:buSzPct val="45000"/>
+              <a:buFont typeface="Wingdings" charset="2"/>
+              <a:buChar char=""/>
             </a:pPr>
             <a:r>
-              <a:rPr b="0" lang="en-US" sz="1800" spc="-1" strike="noStrike">
-                <a:solidFill>
-                  <a:srgbClr val="000000"/>
-                </a:solidFill>
-                <a:uFill>
-                  <a:solidFill>
-                    <a:srgbClr val="ffffff"/>
-                  </a:solidFill>
-                </a:uFill>
-                <a:latin typeface="Arial"/>
-                <a:ea typeface="DejaVu Sans"/>
-              </a:rPr>
-              <a:t>Elasticsearch</a:t>
+              <a:rPr b="0" lang="en-US" sz="1600" spc="-1" strike="noStrike">
+                <a:solidFill>
+                  <a:srgbClr val="000000"/>
+                </a:solidFill>
+                <a:uFill>
+                  <a:solidFill>
+                    <a:srgbClr val="ffffff"/>
+                  </a:solidFill>
+                </a:uFill>
+                <a:latin typeface="Arial"/>
+                <a:ea typeface="DejaVu Sans"/>
+              </a:rPr>
+              <a:t>search, analyze, and visualize it in real time. </a:t>
             </a:r>
             <a:endParaRPr b="0" lang="en-US" sz="1800" spc="-1" strike="noStrike">
               <a:solidFill>
@@ -5018,25 +5593,77 @@
             </a:endParaRPr>
           </a:p>
           <a:p>
-            <a:pPr algn="ctr">
+            <a:pPr marL="432000" indent="-323280">
               <a:lnSpc>
                 <a:spcPct val="100000"/>
               </a:lnSpc>
+              <a:buClr>
+                <a:srgbClr val="000000"/>
+              </a:buClr>
+              <a:buSzPct val="45000"/>
+              <a:buFont typeface="Wingdings" charset="2"/>
+              <a:buChar char=""/>
             </a:pPr>
             <a:r>
-              <a:rPr b="0" lang="en-US" sz="1800" spc="-1" strike="noStrike">
-                <a:solidFill>
-                  <a:srgbClr val="000000"/>
-                </a:solidFill>
-                <a:uFill>
-                  <a:solidFill>
-                    <a:srgbClr val="ffffff"/>
-                  </a:solidFill>
-                </a:uFill>
-                <a:latin typeface="Arial"/>
-                <a:ea typeface="DejaVu Sans"/>
-              </a:rPr>
-              <a:t>(Cross Search Instance)</a:t>
+              <a:rPr b="0" lang="en-US" sz="3200" spc="-1" strike="noStrike">
+                <a:solidFill>
+                  <a:srgbClr val="000000"/>
+                </a:solidFill>
+                <a:uFill>
+                  <a:solidFill>
+                    <a:srgbClr val="ffffff"/>
+                  </a:solidFill>
+                </a:uFill>
+                <a:latin typeface="Arial"/>
+                <a:ea typeface="DejaVu Sans"/>
+              </a:rPr>
+              <a:t>Beats</a:t>
+            </a:r>
+            <a:r>
+              <a:rPr b="0" lang="en-US" sz="2400" spc="-1" strike="noStrike">
+                <a:solidFill>
+                  <a:srgbClr val="000000"/>
+                </a:solidFill>
+                <a:uFill>
+                  <a:solidFill>
+                    <a:srgbClr val="ffffff"/>
+                  </a:solidFill>
+                </a:uFill>
+                <a:latin typeface="Arial"/>
+                <a:ea typeface="DejaVu Sans"/>
+              </a:rPr>
+              <a:t>（</a:t>
+            </a:r>
+            <a:r>
+              <a:rPr b="0" lang="en-US" sz="2400" spc="-1" strike="noStrike">
+                <a:solidFill>
+                  <a:srgbClr val="9900ff"/>
+                </a:solidFill>
+                <a:uFill>
+                  <a:solidFill>
+                    <a:srgbClr val="ffffff"/>
+                  </a:solidFill>
+                </a:uFill>
+                <a:latin typeface="Arial"/>
+                <a:ea typeface="DejaVu Sans"/>
+                <a:hlinkClick r:id="rId6"/>
+              </a:rPr>
+              <a:t>https://www.elastic.co/cn/products/beats</a:t>
+            </a:r>
+            <a:r>
+              <a:rPr b="0" lang="en-US" sz="2400" spc="-1" strike="noStrike">
+                <a:solidFill>
+                  <a:srgbClr val="000000"/>
+                </a:solidFill>
+                <a:uFill>
+                  <a:solidFill>
+                    <a:srgbClr val="ffffff"/>
+                  </a:solidFill>
+                </a:uFill>
+                <a:latin typeface="Arial"/>
+                <a:ea typeface="DejaVu Sans"/>
+              </a:rPr>
+              <a:t>）</a:t>
             </a:r>
             <a:endParaRPr b="0" lang="en-US" sz="1800" spc="-1" strike="noStrike">
               <a:solidFill>
@@ -5052,1232 +5679,6 @@
           </a:p>
         </p:txBody>
       </p:sp>
-      <p:sp>
-        <p:nvSpPr>
-          <p:cNvPr id="80" name="CustomShape 5"/>
-          <p:cNvSpPr/>
-          <p:nvPr/>
-        </p:nvSpPr>
-        <p:spPr>
-          <a:xfrm>
-            <a:off x="457200" y="1681920"/>
-            <a:ext cx="2834280" cy="5486040"/>
-          </a:xfrm>
-          <a:prstGeom prst="rect">
-            <a:avLst/>
-          </a:prstGeom>
-          <a:noFill/>
-          <a:ln>
-            <a:solidFill>
-              <a:srgbClr val="3465a4"/>
-            </a:solidFill>
-            <a:custDash/>
-          </a:ln>
-        </p:spPr>
-        <p:style>
-          <a:lnRef idx="0"/>
-          <a:fillRef idx="0"/>
-          <a:effectRef idx="0"/>
-          <a:fontRef idx="minor"/>
-        </p:style>
-      </p:sp>
-      <p:sp>
-        <p:nvSpPr>
-          <p:cNvPr id="81" name="CustomShape 6"/>
-          <p:cNvSpPr/>
-          <p:nvPr/>
-        </p:nvSpPr>
-        <p:spPr>
-          <a:xfrm>
-            <a:off x="6752880" y="1681920"/>
-            <a:ext cx="2377080" cy="1701000"/>
-          </a:xfrm>
-          <a:prstGeom prst="rect">
-            <a:avLst/>
-          </a:prstGeom>
-          <a:noFill/>
-          <a:ln>
-            <a:solidFill>
-              <a:srgbClr val="3465a4"/>
-            </a:solidFill>
-            <a:custDash/>
-          </a:ln>
-        </p:spPr>
-        <p:style>
-          <a:lnRef idx="0"/>
-          <a:fillRef idx="0"/>
-          <a:effectRef idx="0"/>
-          <a:fontRef idx="minor"/>
-        </p:style>
-      </p:sp>
-      <p:sp>
-        <p:nvSpPr>
-          <p:cNvPr id="82" name="CustomShape 7"/>
-          <p:cNvSpPr/>
-          <p:nvPr/>
-        </p:nvSpPr>
-        <p:spPr>
-          <a:xfrm>
-            <a:off x="6752880" y="5760720"/>
-            <a:ext cx="2377080" cy="1411560"/>
-          </a:xfrm>
-          <a:prstGeom prst="rect">
-            <a:avLst/>
-          </a:prstGeom>
-          <a:noFill/>
-          <a:ln>
-            <a:solidFill>
-              <a:srgbClr val="3465a4"/>
-            </a:solidFill>
-            <a:custDash/>
-          </a:ln>
-        </p:spPr>
-        <p:style>
-          <a:lnRef idx="0"/>
-          <a:fillRef idx="0"/>
-          <a:effectRef idx="0"/>
-          <a:fontRef idx="minor"/>
-        </p:style>
-      </p:sp>
-      <p:sp>
-        <p:nvSpPr>
-          <p:cNvPr id="83" name="CustomShape 8"/>
-          <p:cNvSpPr/>
-          <p:nvPr/>
-        </p:nvSpPr>
-        <p:spPr>
-          <a:xfrm>
-            <a:off x="3656880" y="5760720"/>
-            <a:ext cx="2743560" cy="1431720"/>
-          </a:xfrm>
-          <a:prstGeom prst="rect">
-            <a:avLst/>
-          </a:prstGeom>
-          <a:noFill/>
-          <a:ln>
-            <a:solidFill>
-              <a:srgbClr val="3465a4"/>
-            </a:solidFill>
-            <a:custDash/>
-          </a:ln>
-        </p:spPr>
-        <p:style>
-          <a:lnRef idx="0"/>
-          <a:fillRef idx="0"/>
-          <a:effectRef idx="0"/>
-          <a:fontRef idx="minor"/>
-        </p:style>
-      </p:sp>
-      <p:sp>
-        <p:nvSpPr>
-          <p:cNvPr id="84" name="CustomShape 9"/>
-          <p:cNvSpPr/>
-          <p:nvPr/>
-        </p:nvSpPr>
-        <p:spPr>
-          <a:xfrm>
-            <a:off x="1097280" y="2191680"/>
-            <a:ext cx="2011320" cy="1096920"/>
-          </a:xfrm>
-          <a:prstGeom prst="rect">
-            <a:avLst/>
-          </a:prstGeom>
-          <a:noFill/>
-          <a:ln>
-            <a:solidFill>
-              <a:srgbClr val="3465a4"/>
-            </a:solidFill>
-          </a:ln>
-        </p:spPr>
-        <p:style>
-          <a:lnRef idx="0"/>
-          <a:fillRef idx="0"/>
-          <a:effectRef idx="0"/>
-          <a:fontRef idx="minor"/>
-        </p:style>
-        <p:txBody>
-          <a:bodyPr wrap="none" lIns="90000" rIns="90000" tIns="45000" bIns="45000" anchor="ctr"/>
-          <a:p>
-            <a:pPr algn="ctr">
-              <a:lnSpc>
-                <a:spcPct val="100000"/>
-              </a:lnSpc>
-            </a:pPr>
-            <a:r>
-              <a:rPr b="0" lang="en-US" sz="1800" spc="-1" strike="noStrike">
-                <a:solidFill>
-                  <a:srgbClr val="000000"/>
-                </a:solidFill>
-                <a:uFill>
-                  <a:solidFill>
-                    <a:srgbClr val="ffffff"/>
-                  </a:solidFill>
-                </a:uFill>
-                <a:latin typeface="Arial"/>
-                <a:ea typeface="DejaVu Sans"/>
-              </a:rPr>
-              <a:t>Elasticsearch</a:t>
-            </a:r>
-            <a:endParaRPr b="0" lang="en-US" sz="1800" spc="-1" strike="noStrike">
-              <a:solidFill>
-                <a:srgbClr val="000000"/>
-              </a:solidFill>
-              <a:uFill>
-                <a:solidFill>
-                  <a:srgbClr val="ffffff"/>
-                </a:solidFill>
-              </a:uFill>
-              <a:latin typeface="Arial"/>
-            </a:endParaRPr>
-          </a:p>
-          <a:p>
-            <a:pPr algn="ctr">
-              <a:lnSpc>
-                <a:spcPct val="100000"/>
-              </a:lnSpc>
-            </a:pPr>
-            <a:r>
-              <a:rPr b="0" lang="en-US" sz="1800" spc="-1" strike="noStrike">
-                <a:solidFill>
-                  <a:srgbClr val="000000"/>
-                </a:solidFill>
-                <a:uFill>
-                  <a:solidFill>
-                    <a:srgbClr val="ffffff"/>
-                  </a:solidFill>
-                </a:uFill>
-                <a:latin typeface="Arial"/>
-                <a:ea typeface="DejaVu Sans"/>
-              </a:rPr>
-              <a:t>(master and ingest)</a:t>
-            </a:r>
-            <a:endParaRPr b="0" lang="en-US" sz="1800" spc="-1" strike="noStrike">
-              <a:solidFill>
-                <a:srgbClr val="000000"/>
-              </a:solidFill>
-              <a:uFill>
-                <a:solidFill>
-                  <a:srgbClr val="ffffff"/>
-                </a:solidFill>
-              </a:uFill>
-              <a:latin typeface="Arial"/>
-            </a:endParaRPr>
-          </a:p>
-        </p:txBody>
-      </p:sp>
-      <p:sp>
-        <p:nvSpPr>
-          <p:cNvPr id="85" name="CustomShape 10"/>
-          <p:cNvSpPr/>
-          <p:nvPr/>
-        </p:nvSpPr>
-        <p:spPr>
-          <a:xfrm>
-            <a:off x="1097280" y="4020480"/>
-            <a:ext cx="2011320" cy="1065240"/>
-          </a:xfrm>
-          <a:prstGeom prst="rect">
-            <a:avLst/>
-          </a:prstGeom>
-          <a:noFill/>
-          <a:ln>
-            <a:solidFill>
-              <a:srgbClr val="3465a4"/>
-            </a:solidFill>
-          </a:ln>
-        </p:spPr>
-        <p:style>
-          <a:lnRef idx="0"/>
-          <a:fillRef idx="0"/>
-          <a:effectRef idx="0"/>
-          <a:fontRef idx="minor"/>
-        </p:style>
-        <p:txBody>
-          <a:bodyPr wrap="none" lIns="90000" rIns="90000" tIns="45000" bIns="45000" anchor="ctr"/>
-          <a:p>
-            <a:pPr algn="ctr">
-              <a:lnSpc>
-                <a:spcPct val="100000"/>
-              </a:lnSpc>
-            </a:pPr>
-            <a:r>
-              <a:rPr b="0" lang="en-US" sz="1800" spc="-1" strike="noStrike">
-                <a:solidFill>
-                  <a:srgbClr val="000000"/>
-                </a:solidFill>
-                <a:uFill>
-                  <a:solidFill>
-                    <a:srgbClr val="ffffff"/>
-                  </a:solidFill>
-                </a:uFill>
-                <a:latin typeface="Arial"/>
-                <a:ea typeface="DejaVu Sans"/>
-              </a:rPr>
-              <a:t>Elasticsearch</a:t>
-            </a:r>
-            <a:endParaRPr b="0" lang="en-US" sz="1800" spc="-1" strike="noStrike">
-              <a:solidFill>
-                <a:srgbClr val="000000"/>
-              </a:solidFill>
-              <a:uFill>
-                <a:solidFill>
-                  <a:srgbClr val="ffffff"/>
-                </a:solidFill>
-              </a:uFill>
-              <a:latin typeface="Arial"/>
-            </a:endParaRPr>
-          </a:p>
-          <a:p>
-            <a:pPr algn="ctr">
-              <a:lnSpc>
-                <a:spcPct val="100000"/>
-              </a:lnSpc>
-            </a:pPr>
-            <a:r>
-              <a:rPr b="0" lang="en-US" sz="1800" spc="-1" strike="noStrike">
-                <a:solidFill>
-                  <a:srgbClr val="000000"/>
-                </a:solidFill>
-                <a:uFill>
-                  <a:solidFill>
-                    <a:srgbClr val="ffffff"/>
-                  </a:solidFill>
-                </a:uFill>
-                <a:latin typeface="Arial"/>
-                <a:ea typeface="DejaVu Sans"/>
-              </a:rPr>
-              <a:t>(hot data nodes)</a:t>
-            </a:r>
-            <a:endParaRPr b="0" lang="en-US" sz="1800" spc="-1" strike="noStrike">
-              <a:solidFill>
-                <a:srgbClr val="000000"/>
-              </a:solidFill>
-              <a:uFill>
-                <a:solidFill>
-                  <a:srgbClr val="ffffff"/>
-                </a:solidFill>
-              </a:uFill>
-              <a:latin typeface="Arial"/>
-            </a:endParaRPr>
-          </a:p>
-        </p:txBody>
-      </p:sp>
-      <p:sp>
-        <p:nvSpPr>
-          <p:cNvPr id="86" name="CustomShape 11"/>
-          <p:cNvSpPr/>
-          <p:nvPr/>
-        </p:nvSpPr>
-        <p:spPr>
-          <a:xfrm>
-            <a:off x="1097280" y="5940720"/>
-            <a:ext cx="2011320" cy="914040"/>
-          </a:xfrm>
-          <a:prstGeom prst="rect">
-            <a:avLst/>
-          </a:prstGeom>
-          <a:noFill/>
-          <a:ln>
-            <a:solidFill>
-              <a:srgbClr val="3465a4"/>
-            </a:solidFill>
-          </a:ln>
-        </p:spPr>
-        <p:style>
-          <a:lnRef idx="0"/>
-          <a:fillRef idx="0"/>
-          <a:effectRef idx="0"/>
-          <a:fontRef idx="minor"/>
-        </p:style>
-        <p:txBody>
-          <a:bodyPr wrap="none" lIns="90000" rIns="90000" tIns="45000" bIns="45000" anchor="ctr"/>
-          <a:p>
-            <a:pPr algn="ctr">
-              <a:lnSpc>
-                <a:spcPct val="100000"/>
-              </a:lnSpc>
-            </a:pPr>
-            <a:r>
-              <a:rPr b="0" lang="en-US" sz="1800" spc="-1" strike="noStrike">
-                <a:solidFill>
-                  <a:srgbClr val="000000"/>
-                </a:solidFill>
-                <a:uFill>
-                  <a:solidFill>
-                    <a:srgbClr val="ffffff"/>
-                  </a:solidFill>
-                </a:uFill>
-                <a:latin typeface="Arial"/>
-                <a:ea typeface="DejaVu Sans"/>
-              </a:rPr>
-              <a:t>Elasticsearch</a:t>
-            </a:r>
-            <a:endParaRPr b="0" lang="en-US" sz="1800" spc="-1" strike="noStrike">
-              <a:solidFill>
-                <a:srgbClr val="000000"/>
-              </a:solidFill>
-              <a:uFill>
-                <a:solidFill>
-                  <a:srgbClr val="ffffff"/>
-                </a:solidFill>
-              </a:uFill>
-              <a:latin typeface="Arial"/>
-            </a:endParaRPr>
-          </a:p>
-          <a:p>
-            <a:pPr algn="ctr">
-              <a:lnSpc>
-                <a:spcPct val="100000"/>
-              </a:lnSpc>
-            </a:pPr>
-            <a:r>
-              <a:rPr b="0" lang="en-US" sz="1800" spc="-1" strike="noStrike">
-                <a:solidFill>
-                  <a:srgbClr val="000000"/>
-                </a:solidFill>
-                <a:uFill>
-                  <a:solidFill>
-                    <a:srgbClr val="ffffff"/>
-                  </a:solidFill>
-                </a:uFill>
-                <a:latin typeface="Arial"/>
-                <a:ea typeface="DejaVu Sans"/>
-              </a:rPr>
-              <a:t>(warm data nodes)</a:t>
-            </a:r>
-            <a:endParaRPr b="0" lang="en-US" sz="1800" spc="-1" strike="noStrike">
-              <a:solidFill>
-                <a:srgbClr val="000000"/>
-              </a:solidFill>
-              <a:uFill>
-                <a:solidFill>
-                  <a:srgbClr val="ffffff"/>
-                </a:solidFill>
-              </a:uFill>
-              <a:latin typeface="Arial"/>
-            </a:endParaRPr>
-          </a:p>
-        </p:txBody>
-      </p:sp>
-      <p:sp>
-        <p:nvSpPr>
-          <p:cNvPr id="87" name="Line 12"/>
-          <p:cNvSpPr/>
-          <p:nvPr/>
-        </p:nvSpPr>
-        <p:spPr>
-          <a:xfrm>
-            <a:off x="0" y="0"/>
-            <a:ext cx="360" cy="360"/>
-          </a:xfrm>
-          <a:prstGeom prst="line">
-            <a:avLst/>
-          </a:prstGeom>
-          <a:ln>
-            <a:solidFill>
-              <a:srgbClr val="000000"/>
-            </a:solidFill>
-            <a:headEnd len="med" type="triangle" w="med"/>
-            <a:tailEnd len="med" type="triangle" w="med"/>
-          </a:ln>
-        </p:spPr>
-        <p:style>
-          <a:lnRef idx="0"/>
-          <a:fillRef idx="0"/>
-          <a:effectRef idx="0"/>
-          <a:fontRef idx="minor"/>
-        </p:style>
-      </p:sp>
-      <p:sp>
-        <p:nvSpPr>
-          <p:cNvPr id="88" name="Line 13"/>
-          <p:cNvSpPr/>
-          <p:nvPr/>
-        </p:nvSpPr>
-        <p:spPr>
-          <a:xfrm>
-            <a:off x="0" y="0"/>
-            <a:ext cx="360" cy="360"/>
-          </a:xfrm>
-          <a:prstGeom prst="line">
-            <a:avLst/>
-          </a:prstGeom>
-          <a:ln>
-            <a:solidFill>
-              <a:srgbClr val="000000"/>
-            </a:solidFill>
-            <a:headEnd len="med" type="triangle" w="med"/>
-            <a:tailEnd len="med" type="triangle" w="med"/>
-          </a:ln>
-        </p:spPr>
-        <p:style>
-          <a:lnRef idx="0"/>
-          <a:fillRef idx="0"/>
-          <a:effectRef idx="0"/>
-          <a:fontRef idx="minor"/>
-        </p:style>
-      </p:sp>
-      <p:sp>
-        <p:nvSpPr>
-          <p:cNvPr id="89" name="Line 14"/>
-          <p:cNvSpPr/>
-          <p:nvPr/>
-        </p:nvSpPr>
-        <p:spPr>
-          <a:xfrm>
-            <a:off x="0" y="0"/>
-            <a:ext cx="360" cy="360"/>
-          </a:xfrm>
-          <a:prstGeom prst="line">
-            <a:avLst/>
-          </a:prstGeom>
-          <a:ln>
-            <a:solidFill>
-              <a:srgbClr val="000000"/>
-            </a:solidFill>
-            <a:headEnd len="med" type="triangle" w="med"/>
-            <a:tailEnd len="med" type="triangle" w="med"/>
-          </a:ln>
-        </p:spPr>
-        <p:style>
-          <a:lnRef idx="0"/>
-          <a:fillRef idx="0"/>
-          <a:effectRef idx="0"/>
-          <a:fontRef idx="minor"/>
-        </p:style>
-      </p:sp>
-      <p:sp>
-        <p:nvSpPr>
-          <p:cNvPr id="90" name="CustomShape 15"/>
-          <p:cNvSpPr/>
-          <p:nvPr/>
-        </p:nvSpPr>
-        <p:spPr>
-          <a:xfrm>
-            <a:off x="7021440" y="2463120"/>
-            <a:ext cx="639720" cy="365400"/>
-          </a:xfrm>
-          <a:prstGeom prst="rect">
-            <a:avLst/>
-          </a:prstGeom>
-          <a:solidFill>
-            <a:srgbClr val="729fcf"/>
-          </a:solidFill>
-          <a:ln>
-            <a:solidFill>
-              <a:srgbClr val="3465a4"/>
-            </a:solidFill>
-          </a:ln>
-        </p:spPr>
-        <p:style>
-          <a:lnRef idx="0"/>
-          <a:fillRef idx="0"/>
-          <a:effectRef idx="0"/>
-          <a:fontRef idx="minor"/>
-        </p:style>
-      </p:sp>
-      <p:sp>
-        <p:nvSpPr>
-          <p:cNvPr id="91" name="CustomShape 16"/>
-          <p:cNvSpPr/>
-          <p:nvPr/>
-        </p:nvSpPr>
-        <p:spPr>
-          <a:xfrm>
-            <a:off x="8101440" y="2463120"/>
-            <a:ext cx="639720" cy="365400"/>
-          </a:xfrm>
-          <a:prstGeom prst="rect">
-            <a:avLst/>
-          </a:prstGeom>
-          <a:solidFill>
-            <a:srgbClr val="729fcf"/>
-          </a:solidFill>
-          <a:ln>
-            <a:solidFill>
-              <a:srgbClr val="3465a4"/>
-            </a:solidFill>
-          </a:ln>
-        </p:spPr>
-        <p:style>
-          <a:lnRef idx="0"/>
-          <a:fillRef idx="0"/>
-          <a:effectRef idx="0"/>
-          <a:fontRef idx="minor"/>
-        </p:style>
-      </p:sp>
-      <p:sp>
-        <p:nvSpPr>
-          <p:cNvPr id="92" name="CustomShape 17"/>
-          <p:cNvSpPr/>
-          <p:nvPr/>
-        </p:nvSpPr>
-        <p:spPr>
-          <a:xfrm>
-            <a:off x="7129440" y="2679120"/>
-            <a:ext cx="639720" cy="365400"/>
-          </a:xfrm>
-          <a:prstGeom prst="rect">
-            <a:avLst/>
-          </a:prstGeom>
-          <a:solidFill>
-            <a:srgbClr val="729fcf"/>
-          </a:solidFill>
-          <a:ln>
-            <a:solidFill>
-              <a:srgbClr val="3465a4"/>
-            </a:solidFill>
-          </a:ln>
-        </p:spPr>
-        <p:style>
-          <a:lnRef idx="0"/>
-          <a:fillRef idx="0"/>
-          <a:effectRef idx="0"/>
-          <a:fontRef idx="minor"/>
-        </p:style>
-      </p:sp>
-      <p:sp>
-        <p:nvSpPr>
-          <p:cNvPr id="93" name="CustomShape 18"/>
-          <p:cNvSpPr/>
-          <p:nvPr/>
-        </p:nvSpPr>
-        <p:spPr>
-          <a:xfrm>
-            <a:off x="8209440" y="2679120"/>
-            <a:ext cx="639720" cy="365400"/>
-          </a:xfrm>
-          <a:prstGeom prst="rect">
-            <a:avLst/>
-          </a:prstGeom>
-          <a:solidFill>
-            <a:srgbClr val="729fcf"/>
-          </a:solidFill>
-          <a:ln>
-            <a:solidFill>
-              <a:srgbClr val="3465a4"/>
-            </a:solidFill>
-          </a:ln>
-        </p:spPr>
-        <p:style>
-          <a:lnRef idx="0"/>
-          <a:fillRef idx="0"/>
-          <a:effectRef idx="0"/>
-          <a:fontRef idx="minor"/>
-        </p:style>
-      </p:sp>
-      <p:sp>
-        <p:nvSpPr>
-          <p:cNvPr id="94" name="CustomShape 19"/>
-          <p:cNvSpPr/>
-          <p:nvPr/>
-        </p:nvSpPr>
-        <p:spPr>
-          <a:xfrm>
-            <a:off x="7262640" y="1920240"/>
-            <a:ext cx="1397880" cy="345960"/>
-          </a:xfrm>
-          <a:prstGeom prst="rect">
-            <a:avLst/>
-          </a:prstGeom>
-          <a:noFill/>
-          <a:ln>
-            <a:noFill/>
-          </a:ln>
-        </p:spPr>
-        <p:style>
-          <a:lnRef idx="0"/>
-          <a:fillRef idx="0"/>
-          <a:effectRef idx="0"/>
-          <a:fontRef idx="minor"/>
-        </p:style>
-        <p:txBody>
-          <a:bodyPr lIns="90000" rIns="90000" tIns="45000" bIns="45000"/>
-          <a:p>
-            <a:r>
-              <a:rPr b="0" lang="en-US" sz="1800" spc="-1" strike="noStrike">
-                <a:solidFill>
-                  <a:srgbClr val="000000"/>
-                </a:solidFill>
-                <a:uFill>
-                  <a:solidFill>
-                    <a:srgbClr val="ffffff"/>
-                  </a:solidFill>
-                </a:uFill>
-                <a:latin typeface="Arial"/>
-              </a:rPr>
-              <a:t>Beats agent</a:t>
-            </a:r>
-            <a:endParaRPr b="0" lang="en-US" sz="1800" spc="-1" strike="noStrike">
-              <a:solidFill>
-                <a:srgbClr val="000000"/>
-              </a:solidFill>
-              <a:uFill>
-                <a:solidFill>
-                  <a:srgbClr val="ffffff"/>
-                </a:solidFill>
-              </a:uFill>
-              <a:latin typeface="Arial"/>
-            </a:endParaRPr>
-          </a:p>
-        </p:txBody>
-      </p:sp>
-      <p:sp>
-        <p:nvSpPr>
-          <p:cNvPr id="95" name="CustomShape 20"/>
-          <p:cNvSpPr/>
-          <p:nvPr/>
-        </p:nvSpPr>
-        <p:spPr>
-          <a:xfrm>
-            <a:off x="7072920" y="5945040"/>
-            <a:ext cx="1737000" cy="1096920"/>
-          </a:xfrm>
-          <a:prstGeom prst="rect">
-            <a:avLst/>
-          </a:prstGeom>
-          <a:noFill/>
-          <a:ln>
-            <a:solidFill>
-              <a:srgbClr val="3465a4"/>
-            </a:solidFill>
-          </a:ln>
-        </p:spPr>
-        <p:style>
-          <a:lnRef idx="0"/>
-          <a:fillRef idx="0"/>
-          <a:effectRef idx="0"/>
-          <a:fontRef idx="minor"/>
-        </p:style>
-        <p:txBody>
-          <a:bodyPr wrap="none" lIns="90000" rIns="90000" tIns="45000" bIns="45000" anchor="ctr"/>
-          <a:p>
-            <a:pPr algn="ctr">
-              <a:lnSpc>
-                <a:spcPct val="100000"/>
-              </a:lnSpc>
-            </a:pPr>
-            <a:r>
-              <a:rPr b="0" lang="en-US" sz="1800" spc="-1" strike="noStrike">
-                <a:solidFill>
-                  <a:srgbClr val="000000"/>
-                </a:solidFill>
-                <a:uFill>
-                  <a:solidFill>
-                    <a:srgbClr val="ffffff"/>
-                  </a:solidFill>
-                </a:uFill>
-                <a:latin typeface="Arial"/>
-                <a:ea typeface="DejaVu Sans"/>
-              </a:rPr>
-              <a:t>Redis Cluster</a:t>
-            </a:r>
-            <a:endParaRPr b="0" lang="en-US" sz="1800" spc="-1" strike="noStrike">
-              <a:solidFill>
-                <a:srgbClr val="000000"/>
-              </a:solidFill>
-              <a:uFill>
-                <a:solidFill>
-                  <a:srgbClr val="ffffff"/>
-                </a:solidFill>
-              </a:uFill>
-              <a:latin typeface="Arial"/>
-            </a:endParaRPr>
-          </a:p>
-        </p:txBody>
-      </p:sp>
-      <p:sp>
-        <p:nvSpPr>
-          <p:cNvPr id="96" name="CustomShape 21"/>
-          <p:cNvSpPr/>
-          <p:nvPr/>
-        </p:nvSpPr>
-        <p:spPr>
-          <a:xfrm>
-            <a:off x="4026240" y="5943600"/>
-            <a:ext cx="2004840" cy="1096920"/>
-          </a:xfrm>
-          <a:prstGeom prst="rect">
-            <a:avLst/>
-          </a:prstGeom>
-          <a:noFill/>
-          <a:ln>
-            <a:solidFill>
-              <a:srgbClr val="3465a4"/>
-            </a:solidFill>
-          </a:ln>
-        </p:spPr>
-        <p:style>
-          <a:lnRef idx="0"/>
-          <a:fillRef idx="0"/>
-          <a:effectRef idx="0"/>
-          <a:fontRef idx="minor"/>
-        </p:style>
-        <p:txBody>
-          <a:bodyPr wrap="none" lIns="90000" rIns="90000" tIns="45000" bIns="45000" anchor="ctr"/>
-          <a:p>
-            <a:pPr algn="ctr">
-              <a:lnSpc>
-                <a:spcPct val="100000"/>
-              </a:lnSpc>
-            </a:pPr>
-            <a:r>
-              <a:rPr b="0" lang="en-US" sz="1800" spc="-1" strike="noStrike">
-                <a:solidFill>
-                  <a:srgbClr val="000000"/>
-                </a:solidFill>
-                <a:uFill>
-                  <a:solidFill>
-                    <a:srgbClr val="ffffff"/>
-                  </a:solidFill>
-                </a:uFill>
-                <a:latin typeface="Arial"/>
-                <a:ea typeface="DejaVu Sans"/>
-              </a:rPr>
-              <a:t>Logstash</a:t>
-            </a:r>
-            <a:endParaRPr b="0" lang="en-US" sz="1800" spc="-1" strike="noStrike">
-              <a:solidFill>
-                <a:srgbClr val="000000"/>
-              </a:solidFill>
-              <a:uFill>
-                <a:solidFill>
-                  <a:srgbClr val="ffffff"/>
-                </a:solidFill>
-              </a:uFill>
-              <a:latin typeface="Arial"/>
-            </a:endParaRPr>
-          </a:p>
-        </p:txBody>
-      </p:sp>
-      <p:sp>
-        <p:nvSpPr>
-          <p:cNvPr id="97" name="Line 22"/>
-          <p:cNvSpPr/>
-          <p:nvPr/>
-        </p:nvSpPr>
-        <p:spPr>
-          <a:xfrm>
-            <a:off x="0" y="0"/>
-            <a:ext cx="360" cy="360"/>
-          </a:xfrm>
-          <a:prstGeom prst="line">
-            <a:avLst/>
-          </a:prstGeom>
-          <a:ln>
-            <a:solidFill>
-              <a:srgbClr val="000000"/>
-            </a:solidFill>
-            <a:headEnd len="med" type="triangle" w="med"/>
-            <a:tailEnd len="med" type="triangle" w="med"/>
-          </a:ln>
-        </p:spPr>
-        <p:style>
-          <a:lnRef idx="0"/>
-          <a:fillRef idx="0"/>
-          <a:effectRef idx="0"/>
-          <a:fontRef idx="minor"/>
-        </p:style>
-      </p:sp>
-      <p:sp>
-        <p:nvSpPr>
-          <p:cNvPr id="98" name="Line 23"/>
-          <p:cNvSpPr/>
-          <p:nvPr/>
-        </p:nvSpPr>
-        <p:spPr>
-          <a:xfrm>
-            <a:off x="0" y="0"/>
-            <a:ext cx="360" cy="360"/>
-          </a:xfrm>
-          <a:prstGeom prst="line">
-            <a:avLst/>
-          </a:prstGeom>
-          <a:ln>
-            <a:solidFill>
-              <a:srgbClr val="000000"/>
-            </a:solidFill>
-            <a:tailEnd len="med" type="triangle" w="med"/>
-          </a:ln>
-        </p:spPr>
-        <p:style>
-          <a:lnRef idx="0"/>
-          <a:fillRef idx="0"/>
-          <a:effectRef idx="0"/>
-          <a:fontRef idx="minor"/>
-        </p:style>
-      </p:sp>
-      <p:sp>
-        <p:nvSpPr>
-          <p:cNvPr id="99" name="CustomShape 24"/>
-          <p:cNvSpPr/>
-          <p:nvPr/>
-        </p:nvSpPr>
-        <p:spPr>
-          <a:xfrm>
-            <a:off x="6752880" y="3888720"/>
-            <a:ext cx="2377080" cy="1411560"/>
-          </a:xfrm>
-          <a:prstGeom prst="rect">
-            <a:avLst/>
-          </a:prstGeom>
-          <a:noFill/>
-          <a:ln>
-            <a:solidFill>
-              <a:srgbClr val="3465a4"/>
-            </a:solidFill>
-            <a:custDash/>
-          </a:ln>
-        </p:spPr>
-        <p:style>
-          <a:lnRef idx="0"/>
-          <a:fillRef idx="0"/>
-          <a:effectRef idx="0"/>
-          <a:fontRef idx="minor"/>
-        </p:style>
-      </p:sp>
-      <p:sp>
-        <p:nvSpPr>
-          <p:cNvPr id="100" name="CustomShape 25"/>
-          <p:cNvSpPr/>
-          <p:nvPr/>
-        </p:nvSpPr>
-        <p:spPr>
-          <a:xfrm>
-            <a:off x="7072920" y="4073040"/>
-            <a:ext cx="1737000" cy="1096920"/>
-          </a:xfrm>
-          <a:prstGeom prst="rect">
-            <a:avLst/>
-          </a:prstGeom>
-          <a:noFill/>
-          <a:ln>
-            <a:solidFill>
-              <a:srgbClr val="3465a4"/>
-            </a:solidFill>
-          </a:ln>
-        </p:spPr>
-        <p:style>
-          <a:lnRef idx="0"/>
-          <a:fillRef idx="0"/>
-          <a:effectRef idx="0"/>
-          <a:fontRef idx="minor"/>
-        </p:style>
-        <p:txBody>
-          <a:bodyPr wrap="none" lIns="90000" rIns="90000" tIns="45000" bIns="45000" anchor="ctr"/>
-          <a:p>
-            <a:pPr algn="ctr">
-              <a:lnSpc>
-                <a:spcPct val="100000"/>
-              </a:lnSpc>
-            </a:pPr>
-            <a:r>
-              <a:rPr b="0" lang="en-US" sz="1800" spc="-1" strike="noStrike">
-                <a:solidFill>
-                  <a:srgbClr val="000000"/>
-                </a:solidFill>
-                <a:uFill>
-                  <a:solidFill>
-                    <a:srgbClr val="ffffff"/>
-                  </a:solidFill>
-                </a:uFill>
-                <a:latin typeface="Arial"/>
-                <a:ea typeface="DejaVu Sans"/>
-              </a:rPr>
-              <a:t>Haproxy</a:t>
-            </a:r>
-            <a:endParaRPr b="0" lang="en-US" sz="1800" spc="-1" strike="noStrike">
-              <a:solidFill>
-                <a:srgbClr val="000000"/>
-              </a:solidFill>
-              <a:uFill>
-                <a:solidFill>
-                  <a:srgbClr val="ffffff"/>
-                </a:solidFill>
-              </a:uFill>
-              <a:latin typeface="Arial"/>
-            </a:endParaRPr>
-          </a:p>
-        </p:txBody>
-      </p:sp>
-      <p:sp>
-        <p:nvSpPr>
-          <p:cNvPr id="101" name="Line 26"/>
-          <p:cNvSpPr/>
-          <p:nvPr/>
-        </p:nvSpPr>
-        <p:spPr>
-          <a:xfrm>
-            <a:off x="0" y="0"/>
-            <a:ext cx="360" cy="360"/>
-          </a:xfrm>
-          <a:prstGeom prst="line">
-            <a:avLst/>
-          </a:prstGeom>
-          <a:ln>
-            <a:solidFill>
-              <a:srgbClr val="000000"/>
-            </a:solidFill>
-            <a:headEnd len="med" type="triangle" w="med"/>
-            <a:tailEnd len="med" type="triangle" w="med"/>
-          </a:ln>
-        </p:spPr>
-        <p:style>
-          <a:lnRef idx="0"/>
-          <a:fillRef idx="0"/>
-          <a:effectRef idx="0"/>
-          <a:fontRef idx="minor"/>
-        </p:style>
-      </p:sp>
-      <p:sp>
-        <p:nvSpPr>
-          <p:cNvPr id="102" name="Line 27"/>
-          <p:cNvSpPr/>
-          <p:nvPr/>
-        </p:nvSpPr>
-        <p:spPr>
-          <a:xfrm>
-            <a:off x="0" y="0"/>
-            <a:ext cx="360" cy="360"/>
-          </a:xfrm>
-          <a:prstGeom prst="line">
-            <a:avLst/>
-          </a:prstGeom>
-          <a:ln>
-            <a:solidFill>
-              <a:srgbClr val="000000"/>
-            </a:solidFill>
-            <a:headEnd len="med" type="triangle" w="med"/>
-            <a:tailEnd len="med" type="triangle" w="med"/>
-          </a:ln>
-        </p:spPr>
-        <p:style>
-          <a:lnRef idx="0"/>
-          <a:fillRef idx="0"/>
-          <a:effectRef idx="0"/>
-          <a:fontRef idx="minor"/>
-        </p:style>
-      </p:sp>
-      <p:sp>
-        <p:nvSpPr>
-          <p:cNvPr id="103" name="Line 28"/>
-          <p:cNvSpPr/>
-          <p:nvPr/>
-        </p:nvSpPr>
-        <p:spPr>
-          <a:xfrm>
-            <a:off x="0" y="0"/>
-            <a:ext cx="360" cy="360"/>
-          </a:xfrm>
-          <a:prstGeom prst="line">
-            <a:avLst/>
-          </a:prstGeom>
-          <a:ln>
-            <a:solidFill>
-              <a:srgbClr val="000000"/>
-            </a:solidFill>
-            <a:headEnd len="med" type="triangle" w="med"/>
-            <a:tailEnd len="med" type="triangle" w="med"/>
-          </a:ln>
-        </p:spPr>
-        <p:style>
-          <a:lnRef idx="0"/>
-          <a:fillRef idx="0"/>
-          <a:effectRef idx="0"/>
-          <a:fontRef idx="minor"/>
-        </p:style>
-      </p:sp>
-      <p:cxnSp>
-        <p:nvCxnSpPr>
-          <p:cNvPr id="104" name="Line 29"/>
-          <p:cNvCxnSpPr>
-            <a:stCxn id="81" idx="2"/>
-            <a:endCxn id="100" idx="0"/>
-          </p:cNvCxnSpPr>
-          <p:nvPr/>
-        </p:nvCxnSpPr>
-        <p:spPr>
-          <a:xfrm>
-            <a:off x="7941240" y="3382920"/>
-            <a:ext cx="360" cy="690480"/>
-          </a:xfrm>
-          <a:prstGeom prst="straightConnector1">
-            <a:avLst/>
-          </a:prstGeom>
-          <a:ln>
-            <a:solidFill>
-              <a:srgbClr val="000000"/>
-            </a:solidFill>
-            <a:tailEnd len="med" type="triangle" w="med"/>
-          </a:ln>
-        </p:spPr>
-      </p:cxnSp>
-      <p:cxnSp>
-        <p:nvCxnSpPr>
-          <p:cNvPr id="105" name="Line 30"/>
-          <p:cNvCxnSpPr>
-            <a:stCxn id="100" idx="2"/>
-            <a:endCxn id="95" idx="0"/>
-          </p:cNvCxnSpPr>
-          <p:nvPr/>
-        </p:nvCxnSpPr>
-        <p:spPr>
-          <a:xfrm>
-            <a:off x="7941240" y="5169960"/>
-            <a:ext cx="360" cy="775440"/>
-          </a:xfrm>
-          <a:prstGeom prst="straightConnector1">
-            <a:avLst/>
-          </a:prstGeom>
-          <a:ln>
-            <a:solidFill>
-              <a:srgbClr val="000000"/>
-            </a:solidFill>
-            <a:tailEnd len="med" type="triangle" w="med"/>
-          </a:ln>
-        </p:spPr>
-      </p:cxnSp>
-      <p:cxnSp>
-        <p:nvCxnSpPr>
-          <p:cNvPr id="106" name="Line 31"/>
-          <p:cNvCxnSpPr>
-            <a:stCxn id="95" idx="1"/>
-            <a:endCxn id="96" idx="3"/>
-          </p:cNvCxnSpPr>
-          <p:nvPr/>
-        </p:nvCxnSpPr>
-        <p:spPr>
-          <a:xfrm flipH="1" flipV="1">
-            <a:off x="6031080" y="6491880"/>
-            <a:ext cx="1042200" cy="1800"/>
-          </a:xfrm>
-          <a:prstGeom prst="straightConnector1">
-            <a:avLst/>
-          </a:prstGeom>
-          <a:ln>
-            <a:solidFill>
-              <a:srgbClr val="000000"/>
-            </a:solidFill>
-            <a:tailEnd len="med" type="triangle" w="med"/>
-          </a:ln>
-        </p:spPr>
-      </p:cxnSp>
-      <p:cxnSp>
-        <p:nvCxnSpPr>
-          <p:cNvPr id="107" name="Line 32"/>
-          <p:cNvCxnSpPr>
-            <a:stCxn id="78" idx="2"/>
-            <a:endCxn id="79" idx="0"/>
-          </p:cNvCxnSpPr>
-          <p:nvPr/>
-        </p:nvCxnSpPr>
-        <p:spPr>
-          <a:xfrm>
-            <a:off x="5042520" y="2549880"/>
-            <a:ext cx="360" cy="523800"/>
-          </a:xfrm>
-          <a:prstGeom prst="straightConnector1">
-            <a:avLst/>
-          </a:prstGeom>
-          <a:ln>
-            <a:solidFill>
-              <a:srgbClr val="000000"/>
-            </a:solidFill>
-            <a:tailEnd len="med" type="triangle" w="med"/>
-          </a:ln>
-        </p:spPr>
-      </p:cxnSp>
-      <p:cxnSp>
-        <p:nvCxnSpPr>
-          <p:cNvPr id="108" name="Line 33"/>
-          <p:cNvCxnSpPr>
-            <a:stCxn id="84" idx="2"/>
-            <a:endCxn id="85" idx="0"/>
-          </p:cNvCxnSpPr>
-          <p:nvPr/>
-        </p:nvCxnSpPr>
-        <p:spPr>
-          <a:xfrm>
-            <a:off x="2102760" y="3288600"/>
-            <a:ext cx="360" cy="732240"/>
-          </a:xfrm>
-          <a:prstGeom prst="straightConnector1">
-            <a:avLst/>
-          </a:prstGeom>
-          <a:ln>
-            <a:solidFill>
-              <a:srgbClr val="000000"/>
-            </a:solidFill>
-            <a:tailEnd len="med" type="triangle" w="med"/>
-          </a:ln>
-        </p:spPr>
-      </p:cxnSp>
-      <p:cxnSp>
-        <p:nvCxnSpPr>
-          <p:cNvPr id="109" name="Line 34"/>
-          <p:cNvCxnSpPr/>
-          <p:nvPr/>
-        </p:nvCxnSpPr>
-        <p:spPr>
-          <a:xfrm>
-            <a:off x="0" y="0"/>
-            <a:ext cx="360" cy="360"/>
-          </a:xfrm>
-          <a:prstGeom prst="line">
-            <a:avLst/>
-          </a:prstGeom>
-          <a:ln>
-            <a:solidFill>
-              <a:srgbClr val="000000"/>
-            </a:solidFill>
-            <a:tailEnd len="med" type="triangle" w="med"/>
-          </a:ln>
-        </p:spPr>
-      </p:cxnSp>
-      <p:cxnSp>
-        <p:nvCxnSpPr>
-          <p:cNvPr id="110" name="Line 35"/>
-          <p:cNvCxnSpPr/>
-          <p:nvPr/>
-        </p:nvCxnSpPr>
-        <p:spPr>
-          <a:xfrm>
-            <a:off x="0" y="0"/>
-            <a:ext cx="360" cy="360"/>
-          </a:xfrm>
-          <a:prstGeom prst="line">
-            <a:avLst/>
-          </a:prstGeom>
-          <a:ln>
-            <a:solidFill>
-              <a:srgbClr val="000000"/>
-            </a:solidFill>
-            <a:tailEnd len="med" type="triangle" w="med"/>
-          </a:ln>
-        </p:spPr>
-      </p:cxnSp>
-      <p:cxnSp>
-        <p:nvCxnSpPr>
-          <p:cNvPr id="111" name="Line 36"/>
-          <p:cNvCxnSpPr/>
-          <p:nvPr/>
-        </p:nvCxnSpPr>
-        <p:spPr>
-          <a:xfrm>
-            <a:off x="0" y="0"/>
-            <a:ext cx="360" cy="360"/>
-          </a:xfrm>
-          <a:prstGeom prst="line">
-            <a:avLst/>
-          </a:prstGeom>
-          <a:ln>
-            <a:solidFill>
-              <a:srgbClr val="000000"/>
-            </a:solidFill>
-            <a:tailEnd len="med" type="triangle" w="med"/>
-          </a:ln>
-        </p:spPr>
-      </p:cxnSp>
     </p:spTree>
   </p:cSld>
   <p:timing>
@@ -6329,14 +5730,14 @@
       </p:grpSpPr>
       <p:sp>
         <p:nvSpPr>
-          <p:cNvPr id="112" name="CustomShape 1"/>
+          <p:cNvPr id="78" name="CustomShape 1"/>
           <p:cNvSpPr/>
           <p:nvPr/>
         </p:nvSpPr>
         <p:spPr>
           <a:xfrm>
             <a:off x="504000" y="301320"/>
-            <a:ext cx="9071280" cy="1261800"/>
+            <a:ext cx="9070920" cy="1261440"/>
           </a:xfrm>
           <a:prstGeom prst="rect">
             <a:avLst/>
@@ -6371,22 +5772,9 @@
                   </a:solidFill>
                 </a:uFill>
                 <a:latin typeface="Arial"/>
-              </a:rPr>
-              <a:t>Consul</a:t>
-            </a:r>
-            <a:r>
-              <a:rPr b="0" lang="en-US" sz="4400" spc="-1" strike="noStrike">
-                <a:solidFill>
-                  <a:srgbClr val="000000"/>
-                </a:solidFill>
-                <a:uFill>
-                  <a:solidFill>
-                    <a:srgbClr val="ffffff"/>
-                  </a:solidFill>
-                </a:uFill>
-                <a:latin typeface="Arial"/>
-              </a:rPr>
-              <a:t>架构图</a:t>
+                <a:ea typeface="DejaVu Sans"/>
+              </a:rPr>
+              <a:t>总体架构图</a:t>
             </a:r>
             <a:endParaRPr b="0" lang="en-US" sz="1800" spc="-1" strike="noStrike">
               <a:solidFill>
@@ -6404,14 +5792,14 @@
       </p:sp>
       <p:sp>
         <p:nvSpPr>
-          <p:cNvPr id="113" name="CustomShape 2"/>
+          <p:cNvPr id="79" name="CustomShape 2"/>
           <p:cNvSpPr/>
           <p:nvPr/>
         </p:nvSpPr>
         <p:spPr>
           <a:xfrm>
-            <a:off x="3360960" y="1563480"/>
-            <a:ext cx="3291480" cy="2093760"/>
+            <a:off x="3762720" y="1685520"/>
+            <a:ext cx="2559600" cy="774000"/>
           </a:xfrm>
           <a:prstGeom prst="rect">
             <a:avLst/>
@@ -6421,7 +5809,6 @@
             <a:solidFill>
               <a:srgbClr val="3465a4"/>
             </a:solidFill>
-            <a:custDash/>
           </a:ln>
         </p:spPr>
         <p:style>
@@ -6430,17 +5817,53 @@
           <a:effectRef idx="0"/>
           <a:fontRef idx="minor"/>
         </p:style>
-      </p:sp>
-      <p:sp>
-        <p:nvSpPr>
-          <p:cNvPr id="114" name="CustomShape 3"/>
+        <p:txBody>
+          <a:bodyPr wrap="none" lIns="90000" rIns="90000" tIns="45000" bIns="45000" anchor="ctr"/>
+          <a:p>
+            <a:pPr algn="ctr">
+              <a:lnSpc>
+                <a:spcPct val="100000"/>
+              </a:lnSpc>
+            </a:pPr>
+            <a:r>
+              <a:rPr b="0" lang="en-US" sz="1800" spc="-1" strike="noStrike">
+                <a:solidFill>
+                  <a:srgbClr val="000000"/>
+                </a:solidFill>
+                <a:uFill>
+                  <a:solidFill>
+                    <a:srgbClr val="ffffff"/>
+                  </a:solidFill>
+                </a:uFill>
+                <a:latin typeface="Arial"/>
+                <a:ea typeface="DejaVu Sans"/>
+              </a:rPr>
+              <a:t>Kibana</a:t>
+            </a:r>
+            <a:endParaRPr b="0" lang="en-US" sz="1800" spc="-1" strike="noStrike">
+              <a:solidFill>
+                <a:srgbClr val="000000"/>
+              </a:solidFill>
+              <a:uFill>
+                <a:solidFill>
+                  <a:srgbClr val="ffffff"/>
+                </a:solidFill>
+              </a:uFill>
+              <a:latin typeface="Arial"/>
+            </a:endParaRPr>
+          </a:p>
+        </p:txBody>
+      </p:sp>
+      <p:sp>
+        <p:nvSpPr>
+          <p:cNvPr id="80" name="CustomShape 3"/>
           <p:cNvSpPr/>
           <p:nvPr/>
         </p:nvSpPr>
         <p:spPr>
           <a:xfrm>
-            <a:off x="4458240" y="1737360"/>
-            <a:ext cx="1096920" cy="639720"/>
+            <a:off x="442800" y="1681920"/>
+            <a:ext cx="2862720" cy="5541840"/>
           </a:xfrm>
           <a:prstGeom prst="rect">
             <a:avLst/>
@@ -6458,53 +5881,17 @@
           <a:effectRef idx="0"/>
           <a:fontRef idx="minor"/>
         </p:style>
-        <p:txBody>
-          <a:bodyPr wrap="none" lIns="90000" rIns="90000" tIns="45000" bIns="45000" anchor="ctr"/>
-          <a:p>
-            <a:pPr algn="ctr">
-              <a:lnSpc>
-                <a:spcPct val="100000"/>
-              </a:lnSpc>
-            </a:pPr>
-            <a:r>
-              <a:rPr b="0" lang="en-US" sz="1800" spc="-1" strike="noStrike">
-                <a:solidFill>
-                  <a:srgbClr val="000000"/>
-                </a:solidFill>
-                <a:uFill>
-                  <a:solidFill>
-                    <a:srgbClr val="ffffff"/>
-                  </a:solidFill>
-                </a:uFill>
-                <a:latin typeface="Arial"/>
-                <a:ea typeface="DejaVu Sans"/>
-              </a:rPr>
-              <a:t>master1</a:t>
-            </a:r>
-            <a:endParaRPr b="0" lang="en-US" sz="1800" spc="-1" strike="noStrike">
-              <a:solidFill>
-                <a:srgbClr val="000000"/>
-              </a:solidFill>
-              <a:uFill>
-                <a:solidFill>
-                  <a:srgbClr val="ffffff"/>
-                </a:solidFill>
-              </a:uFill>
-              <a:latin typeface="Arial"/>
-            </a:endParaRPr>
-          </a:p>
-        </p:txBody>
-      </p:sp>
-      <p:sp>
-        <p:nvSpPr>
-          <p:cNvPr id="115" name="CustomShape 4"/>
+      </p:sp>
+      <p:sp>
+        <p:nvSpPr>
+          <p:cNvPr id="81" name="CustomShape 4"/>
           <p:cNvSpPr/>
           <p:nvPr/>
         </p:nvSpPr>
         <p:spPr>
           <a:xfrm>
-            <a:off x="3558240" y="2673360"/>
-            <a:ext cx="1096920" cy="639720"/>
+            <a:off x="6752880" y="1681920"/>
+            <a:ext cx="2376720" cy="1700640"/>
           </a:xfrm>
           <a:prstGeom prst="rect">
             <a:avLst/>
@@ -6522,53 +5909,17 @@
           <a:effectRef idx="0"/>
           <a:fontRef idx="minor"/>
         </p:style>
-        <p:txBody>
-          <a:bodyPr wrap="none" lIns="90000" rIns="90000" tIns="45000" bIns="45000" anchor="ctr"/>
-          <a:p>
-            <a:pPr algn="ctr">
-              <a:lnSpc>
-                <a:spcPct val="100000"/>
-              </a:lnSpc>
-            </a:pPr>
-            <a:r>
-              <a:rPr b="0" lang="en-US" sz="1800" spc="-1" strike="noStrike">
-                <a:solidFill>
-                  <a:srgbClr val="000000"/>
-                </a:solidFill>
-                <a:uFill>
-                  <a:solidFill>
-                    <a:srgbClr val="ffffff"/>
-                  </a:solidFill>
-                </a:uFill>
-                <a:latin typeface="Arial"/>
-                <a:ea typeface="DejaVu Sans"/>
-              </a:rPr>
-              <a:t>master2</a:t>
-            </a:r>
-            <a:endParaRPr b="0" lang="en-US" sz="1800" spc="-1" strike="noStrike">
-              <a:solidFill>
-                <a:srgbClr val="000000"/>
-              </a:solidFill>
-              <a:uFill>
-                <a:solidFill>
-                  <a:srgbClr val="ffffff"/>
-                </a:solidFill>
-              </a:uFill>
-              <a:latin typeface="Arial"/>
-            </a:endParaRPr>
-          </a:p>
-        </p:txBody>
-      </p:sp>
-      <p:sp>
-        <p:nvSpPr>
-          <p:cNvPr id="116" name="CustomShape 5"/>
+      </p:sp>
+      <p:sp>
+        <p:nvSpPr>
+          <p:cNvPr id="82" name="CustomShape 5"/>
           <p:cNvSpPr/>
           <p:nvPr/>
         </p:nvSpPr>
         <p:spPr>
           <a:xfrm>
-            <a:off x="5356080" y="2673360"/>
-            <a:ext cx="1096920" cy="639720"/>
+            <a:off x="6752880" y="5721120"/>
+            <a:ext cx="2376720" cy="1411200"/>
           </a:xfrm>
           <a:prstGeom prst="rect">
             <a:avLst/>
@@ -6586,6 +5937,62 @@
           <a:effectRef idx="0"/>
           <a:fontRef idx="minor"/>
         </p:style>
+      </p:sp>
+      <p:sp>
+        <p:nvSpPr>
+          <p:cNvPr id="83" name="CustomShape 6"/>
+          <p:cNvSpPr/>
+          <p:nvPr/>
+        </p:nvSpPr>
+        <p:spPr>
+          <a:xfrm>
+            <a:off x="3749040" y="3693600"/>
+            <a:ext cx="2743200" cy="1431360"/>
+          </a:xfrm>
+          <a:prstGeom prst="rect">
+            <a:avLst/>
+          </a:prstGeom>
+          <a:noFill/>
+          <a:ln>
+            <a:solidFill>
+              <a:srgbClr val="3465a4"/>
+            </a:solidFill>
+          </a:ln>
+        </p:spPr>
+        <p:style>
+          <a:lnRef idx="0"/>
+          <a:fillRef idx="0"/>
+          <a:effectRef idx="0"/>
+          <a:fontRef idx="minor"/>
+        </p:style>
+      </p:sp>
+      <p:sp>
+        <p:nvSpPr>
+          <p:cNvPr id="84" name="CustomShape 7"/>
+          <p:cNvSpPr/>
+          <p:nvPr/>
+        </p:nvSpPr>
+        <p:spPr>
+          <a:xfrm>
+            <a:off x="881280" y="2191680"/>
+            <a:ext cx="2010960" cy="1096560"/>
+          </a:xfrm>
+          <a:prstGeom prst="rect">
+            <a:avLst/>
+          </a:prstGeom>
+          <a:noFill/>
+          <a:ln>
+            <a:solidFill>
+              <a:srgbClr val="3465a4"/>
+            </a:solidFill>
+          </a:ln>
+        </p:spPr>
+        <p:style>
+          <a:lnRef idx="0"/>
+          <a:fillRef idx="0"/>
+          <a:effectRef idx="0"/>
+          <a:fontRef idx="minor"/>
+        </p:style>
         <p:txBody>
           <a:bodyPr wrap="none" lIns="90000" rIns="90000" tIns="45000" bIns="45000" anchor="ctr"/>
           <a:p>
@@ -6607,7 +6014,7 @@
                 <a:latin typeface="Arial"/>
                 <a:ea typeface="DejaVu Sans"/>
               </a:rPr>
-              <a:t>master3</a:t>
+              <a:t>Elasticsearch</a:t>
             </a:r>
             <a:endParaRPr b="0" lang="en-US" sz="1800" spc="-1" strike="noStrike">
               <a:solidFill>
@@ -6621,18 +6028,781 @@
               <a:latin typeface="Arial"/>
             </a:endParaRPr>
           </a:p>
-        </p:txBody>
-      </p:sp>
-      <p:sp>
-        <p:nvSpPr>
-          <p:cNvPr id="117" name="CustomShape 6"/>
+          <a:p>
+            <a:pPr algn="ctr">
+              <a:lnSpc>
+                <a:spcPct val="100000"/>
+              </a:lnSpc>
+            </a:pPr>
+            <a:r>
+              <a:rPr b="0" lang="en-US" sz="1800" spc="-1" strike="noStrike">
+                <a:solidFill>
+                  <a:srgbClr val="000000"/>
+                </a:solidFill>
+                <a:uFill>
+                  <a:solidFill>
+                    <a:srgbClr val="ffffff"/>
+                  </a:solidFill>
+                </a:uFill>
+                <a:latin typeface="Arial"/>
+                <a:ea typeface="DejaVu Sans"/>
+              </a:rPr>
+              <a:t>(master and ingest)</a:t>
+            </a:r>
+            <a:endParaRPr b="0" lang="en-US" sz="1800" spc="-1" strike="noStrike">
+              <a:solidFill>
+                <a:srgbClr val="000000"/>
+              </a:solidFill>
+              <a:uFill>
+                <a:solidFill>
+                  <a:srgbClr val="ffffff"/>
+                </a:solidFill>
+              </a:uFill>
+              <a:latin typeface="Arial"/>
+            </a:endParaRPr>
+          </a:p>
+        </p:txBody>
+      </p:sp>
+      <p:sp>
+        <p:nvSpPr>
+          <p:cNvPr id="85" name="CustomShape 8"/>
           <p:cNvSpPr/>
           <p:nvPr/>
         </p:nvSpPr>
         <p:spPr>
-          <a:xfrm flipH="1">
-            <a:off x="4106880" y="2377440"/>
-            <a:ext cx="900000" cy="295920"/>
+          <a:xfrm>
+            <a:off x="881280" y="4020480"/>
+            <a:ext cx="2010960" cy="1064880"/>
+          </a:xfrm>
+          <a:prstGeom prst="rect">
+            <a:avLst/>
+          </a:prstGeom>
+          <a:noFill/>
+          <a:ln>
+            <a:solidFill>
+              <a:srgbClr val="3465a4"/>
+            </a:solidFill>
+          </a:ln>
+        </p:spPr>
+        <p:style>
+          <a:lnRef idx="0"/>
+          <a:fillRef idx="0"/>
+          <a:effectRef idx="0"/>
+          <a:fontRef idx="minor"/>
+        </p:style>
+        <p:txBody>
+          <a:bodyPr wrap="none" lIns="90000" rIns="90000" tIns="45000" bIns="45000" anchor="ctr"/>
+          <a:p>
+            <a:pPr algn="ctr">
+              <a:lnSpc>
+                <a:spcPct val="100000"/>
+              </a:lnSpc>
+            </a:pPr>
+            <a:r>
+              <a:rPr b="0" lang="en-US" sz="1800" spc="-1" strike="noStrike">
+                <a:solidFill>
+                  <a:srgbClr val="000000"/>
+                </a:solidFill>
+                <a:uFill>
+                  <a:solidFill>
+                    <a:srgbClr val="ffffff"/>
+                  </a:solidFill>
+                </a:uFill>
+                <a:latin typeface="Arial"/>
+                <a:ea typeface="DejaVu Sans"/>
+              </a:rPr>
+              <a:t>Elasticsearch</a:t>
+            </a:r>
+            <a:endParaRPr b="0" lang="en-US" sz="1800" spc="-1" strike="noStrike">
+              <a:solidFill>
+                <a:srgbClr val="000000"/>
+              </a:solidFill>
+              <a:uFill>
+                <a:solidFill>
+                  <a:srgbClr val="ffffff"/>
+                </a:solidFill>
+              </a:uFill>
+              <a:latin typeface="Arial"/>
+            </a:endParaRPr>
+          </a:p>
+          <a:p>
+            <a:pPr algn="ctr">
+              <a:lnSpc>
+                <a:spcPct val="100000"/>
+              </a:lnSpc>
+            </a:pPr>
+            <a:r>
+              <a:rPr b="0" lang="en-US" sz="1800" spc="-1" strike="noStrike">
+                <a:solidFill>
+                  <a:srgbClr val="000000"/>
+                </a:solidFill>
+                <a:uFill>
+                  <a:solidFill>
+                    <a:srgbClr val="ffffff"/>
+                  </a:solidFill>
+                </a:uFill>
+                <a:latin typeface="Arial"/>
+                <a:ea typeface="DejaVu Sans"/>
+              </a:rPr>
+              <a:t>(hot data nodes)</a:t>
+            </a:r>
+            <a:endParaRPr b="0" lang="en-US" sz="1800" spc="-1" strike="noStrike">
+              <a:solidFill>
+                <a:srgbClr val="000000"/>
+              </a:solidFill>
+              <a:uFill>
+                <a:solidFill>
+                  <a:srgbClr val="ffffff"/>
+                </a:solidFill>
+              </a:uFill>
+              <a:latin typeface="Arial"/>
+            </a:endParaRPr>
+          </a:p>
+        </p:txBody>
+      </p:sp>
+      <p:sp>
+        <p:nvSpPr>
+          <p:cNvPr id="86" name="CustomShape 9"/>
+          <p:cNvSpPr/>
+          <p:nvPr/>
+        </p:nvSpPr>
+        <p:spPr>
+          <a:xfrm>
+            <a:off x="881280" y="5940720"/>
+            <a:ext cx="2010960" cy="913680"/>
+          </a:xfrm>
+          <a:prstGeom prst="rect">
+            <a:avLst/>
+          </a:prstGeom>
+          <a:noFill/>
+          <a:ln>
+            <a:solidFill>
+              <a:srgbClr val="3465a4"/>
+            </a:solidFill>
+          </a:ln>
+        </p:spPr>
+        <p:style>
+          <a:lnRef idx="0"/>
+          <a:fillRef idx="0"/>
+          <a:effectRef idx="0"/>
+          <a:fontRef idx="minor"/>
+        </p:style>
+        <p:txBody>
+          <a:bodyPr wrap="none" lIns="90000" rIns="90000" tIns="45000" bIns="45000" anchor="ctr"/>
+          <a:p>
+            <a:pPr algn="ctr">
+              <a:lnSpc>
+                <a:spcPct val="100000"/>
+              </a:lnSpc>
+            </a:pPr>
+            <a:r>
+              <a:rPr b="0" lang="en-US" sz="1800" spc="-1" strike="noStrike">
+                <a:solidFill>
+                  <a:srgbClr val="000000"/>
+                </a:solidFill>
+                <a:uFill>
+                  <a:solidFill>
+                    <a:srgbClr val="ffffff"/>
+                  </a:solidFill>
+                </a:uFill>
+                <a:latin typeface="Arial"/>
+                <a:ea typeface="DejaVu Sans"/>
+              </a:rPr>
+              <a:t>Elasticsearch</a:t>
+            </a:r>
+            <a:endParaRPr b="0" lang="en-US" sz="1800" spc="-1" strike="noStrike">
+              <a:solidFill>
+                <a:srgbClr val="000000"/>
+              </a:solidFill>
+              <a:uFill>
+                <a:solidFill>
+                  <a:srgbClr val="ffffff"/>
+                </a:solidFill>
+              </a:uFill>
+              <a:latin typeface="Arial"/>
+            </a:endParaRPr>
+          </a:p>
+          <a:p>
+            <a:pPr algn="ctr">
+              <a:lnSpc>
+                <a:spcPct val="100000"/>
+              </a:lnSpc>
+            </a:pPr>
+            <a:r>
+              <a:rPr b="0" lang="en-US" sz="1800" spc="-1" strike="noStrike">
+                <a:solidFill>
+                  <a:srgbClr val="000000"/>
+                </a:solidFill>
+                <a:uFill>
+                  <a:solidFill>
+                    <a:srgbClr val="ffffff"/>
+                  </a:solidFill>
+                </a:uFill>
+                <a:latin typeface="Arial"/>
+                <a:ea typeface="DejaVu Sans"/>
+              </a:rPr>
+              <a:t>(warm data nodes)</a:t>
+            </a:r>
+            <a:endParaRPr b="0" lang="en-US" sz="1800" spc="-1" strike="noStrike">
+              <a:solidFill>
+                <a:srgbClr val="000000"/>
+              </a:solidFill>
+              <a:uFill>
+                <a:solidFill>
+                  <a:srgbClr val="ffffff"/>
+                </a:solidFill>
+              </a:uFill>
+              <a:latin typeface="Arial"/>
+            </a:endParaRPr>
+          </a:p>
+        </p:txBody>
+      </p:sp>
+      <p:sp>
+        <p:nvSpPr>
+          <p:cNvPr id="87" name="Line 10"/>
+          <p:cNvSpPr/>
+          <p:nvPr/>
+        </p:nvSpPr>
+        <p:spPr>
+          <a:xfrm>
+            <a:off x="0" y="0"/>
+            <a:ext cx="360" cy="360"/>
+          </a:xfrm>
+          <a:prstGeom prst="line">
+            <a:avLst/>
+          </a:prstGeom>
+          <a:ln>
+            <a:solidFill>
+              <a:srgbClr val="000000"/>
+            </a:solidFill>
+            <a:headEnd len="med" type="triangle" w="med"/>
+            <a:tailEnd len="med" type="triangle" w="med"/>
+          </a:ln>
+        </p:spPr>
+        <p:style>
+          <a:lnRef idx="0"/>
+          <a:fillRef idx="0"/>
+          <a:effectRef idx="0"/>
+          <a:fontRef idx="minor"/>
+        </p:style>
+      </p:sp>
+      <p:sp>
+        <p:nvSpPr>
+          <p:cNvPr id="88" name="Line 11"/>
+          <p:cNvSpPr/>
+          <p:nvPr/>
+        </p:nvSpPr>
+        <p:spPr>
+          <a:xfrm>
+            <a:off x="0" y="0"/>
+            <a:ext cx="360" cy="360"/>
+          </a:xfrm>
+          <a:prstGeom prst="line">
+            <a:avLst/>
+          </a:prstGeom>
+          <a:ln>
+            <a:solidFill>
+              <a:srgbClr val="000000"/>
+            </a:solidFill>
+            <a:headEnd len="med" type="triangle" w="med"/>
+            <a:tailEnd len="med" type="triangle" w="med"/>
+          </a:ln>
+        </p:spPr>
+        <p:style>
+          <a:lnRef idx="0"/>
+          <a:fillRef idx="0"/>
+          <a:effectRef idx="0"/>
+          <a:fontRef idx="minor"/>
+        </p:style>
+      </p:sp>
+      <p:sp>
+        <p:nvSpPr>
+          <p:cNvPr id="89" name="Line 12"/>
+          <p:cNvSpPr/>
+          <p:nvPr/>
+        </p:nvSpPr>
+        <p:spPr>
+          <a:xfrm>
+            <a:off x="0" y="0"/>
+            <a:ext cx="360" cy="360"/>
+          </a:xfrm>
+          <a:prstGeom prst="line">
+            <a:avLst/>
+          </a:prstGeom>
+          <a:ln>
+            <a:solidFill>
+              <a:srgbClr val="000000"/>
+            </a:solidFill>
+            <a:headEnd len="med" type="triangle" w="med"/>
+            <a:tailEnd len="med" type="triangle" w="med"/>
+          </a:ln>
+        </p:spPr>
+        <p:style>
+          <a:lnRef idx="0"/>
+          <a:fillRef idx="0"/>
+          <a:effectRef idx="0"/>
+          <a:fontRef idx="minor"/>
+        </p:style>
+      </p:sp>
+      <p:sp>
+        <p:nvSpPr>
+          <p:cNvPr id="90" name="CustomShape 13"/>
+          <p:cNvSpPr/>
+          <p:nvPr/>
+        </p:nvSpPr>
+        <p:spPr>
+          <a:xfrm>
+            <a:off x="7021440" y="2463120"/>
+            <a:ext cx="639360" cy="365040"/>
+          </a:xfrm>
+          <a:prstGeom prst="rect">
+            <a:avLst/>
+          </a:prstGeom>
+          <a:solidFill>
+            <a:srgbClr val="729fcf"/>
+          </a:solidFill>
+          <a:ln>
+            <a:solidFill>
+              <a:srgbClr val="3465a4"/>
+            </a:solidFill>
+          </a:ln>
+        </p:spPr>
+        <p:style>
+          <a:lnRef idx="0"/>
+          <a:fillRef idx="0"/>
+          <a:effectRef idx="0"/>
+          <a:fontRef idx="minor"/>
+        </p:style>
+      </p:sp>
+      <p:sp>
+        <p:nvSpPr>
+          <p:cNvPr id="91" name="CustomShape 14"/>
+          <p:cNvSpPr/>
+          <p:nvPr/>
+        </p:nvSpPr>
+        <p:spPr>
+          <a:xfrm>
+            <a:off x="8101440" y="2463120"/>
+            <a:ext cx="639360" cy="365040"/>
+          </a:xfrm>
+          <a:prstGeom prst="rect">
+            <a:avLst/>
+          </a:prstGeom>
+          <a:solidFill>
+            <a:srgbClr val="729fcf"/>
+          </a:solidFill>
+          <a:ln>
+            <a:solidFill>
+              <a:srgbClr val="3465a4"/>
+            </a:solidFill>
+          </a:ln>
+        </p:spPr>
+        <p:style>
+          <a:lnRef idx="0"/>
+          <a:fillRef idx="0"/>
+          <a:effectRef idx="0"/>
+          <a:fontRef idx="minor"/>
+        </p:style>
+      </p:sp>
+      <p:sp>
+        <p:nvSpPr>
+          <p:cNvPr id="92" name="CustomShape 15"/>
+          <p:cNvSpPr/>
+          <p:nvPr/>
+        </p:nvSpPr>
+        <p:spPr>
+          <a:xfrm>
+            <a:off x="7129440" y="2679120"/>
+            <a:ext cx="639360" cy="365040"/>
+          </a:xfrm>
+          <a:prstGeom prst="rect">
+            <a:avLst/>
+          </a:prstGeom>
+          <a:solidFill>
+            <a:srgbClr val="729fcf"/>
+          </a:solidFill>
+          <a:ln>
+            <a:solidFill>
+              <a:srgbClr val="3465a4"/>
+            </a:solidFill>
+          </a:ln>
+        </p:spPr>
+        <p:style>
+          <a:lnRef idx="0"/>
+          <a:fillRef idx="0"/>
+          <a:effectRef idx="0"/>
+          <a:fontRef idx="minor"/>
+        </p:style>
+      </p:sp>
+      <p:sp>
+        <p:nvSpPr>
+          <p:cNvPr id="93" name="CustomShape 16"/>
+          <p:cNvSpPr/>
+          <p:nvPr/>
+        </p:nvSpPr>
+        <p:spPr>
+          <a:xfrm>
+            <a:off x="8209440" y="2679120"/>
+            <a:ext cx="639360" cy="365040"/>
+          </a:xfrm>
+          <a:prstGeom prst="rect">
+            <a:avLst/>
+          </a:prstGeom>
+          <a:solidFill>
+            <a:srgbClr val="729fcf"/>
+          </a:solidFill>
+          <a:ln>
+            <a:solidFill>
+              <a:srgbClr val="3465a4"/>
+            </a:solidFill>
+          </a:ln>
+        </p:spPr>
+        <p:style>
+          <a:lnRef idx="0"/>
+          <a:fillRef idx="0"/>
+          <a:effectRef idx="0"/>
+          <a:fontRef idx="minor"/>
+        </p:style>
+      </p:sp>
+      <p:sp>
+        <p:nvSpPr>
+          <p:cNvPr id="94" name="CustomShape 17"/>
+          <p:cNvSpPr/>
+          <p:nvPr/>
+        </p:nvSpPr>
+        <p:spPr>
+          <a:xfrm>
+            <a:off x="7262640" y="1920240"/>
+            <a:ext cx="1397520" cy="345600"/>
+          </a:xfrm>
+          <a:prstGeom prst="rect">
+            <a:avLst/>
+          </a:prstGeom>
+          <a:noFill/>
+          <a:ln>
+            <a:noFill/>
+          </a:ln>
+        </p:spPr>
+        <p:style>
+          <a:lnRef idx="0"/>
+          <a:fillRef idx="0"/>
+          <a:effectRef idx="0"/>
+          <a:fontRef idx="minor"/>
+        </p:style>
+        <p:txBody>
+          <a:bodyPr lIns="90000" rIns="90000" tIns="45000" bIns="45000"/>
+          <a:p>
+            <a:r>
+              <a:rPr b="0" lang="en-US" sz="1800" spc="-1" strike="noStrike">
+                <a:solidFill>
+                  <a:srgbClr val="000000"/>
+                </a:solidFill>
+                <a:uFill>
+                  <a:solidFill>
+                    <a:srgbClr val="ffffff"/>
+                  </a:solidFill>
+                </a:uFill>
+                <a:latin typeface="Arial"/>
+                <a:ea typeface="DejaVu Sans"/>
+              </a:rPr>
+              <a:t>Beats agent</a:t>
+            </a:r>
+            <a:endParaRPr b="0" lang="en-US" sz="1800" spc="-1" strike="noStrike">
+              <a:solidFill>
+                <a:srgbClr val="000000"/>
+              </a:solidFill>
+              <a:uFill>
+                <a:solidFill>
+                  <a:srgbClr val="ffffff"/>
+                </a:solidFill>
+              </a:uFill>
+              <a:latin typeface="Arial"/>
+            </a:endParaRPr>
+          </a:p>
+        </p:txBody>
+      </p:sp>
+      <p:sp>
+        <p:nvSpPr>
+          <p:cNvPr id="95" name="CustomShape 18"/>
+          <p:cNvSpPr/>
+          <p:nvPr/>
+        </p:nvSpPr>
+        <p:spPr>
+          <a:xfrm>
+            <a:off x="7072920" y="5873040"/>
+            <a:ext cx="1736640" cy="1096560"/>
+          </a:xfrm>
+          <a:prstGeom prst="rect">
+            <a:avLst/>
+          </a:prstGeom>
+          <a:noFill/>
+          <a:ln>
+            <a:solidFill>
+              <a:srgbClr val="3465a4"/>
+            </a:solidFill>
+          </a:ln>
+        </p:spPr>
+        <p:style>
+          <a:lnRef idx="0"/>
+          <a:fillRef idx="0"/>
+          <a:effectRef idx="0"/>
+          <a:fontRef idx="minor"/>
+        </p:style>
+        <p:txBody>
+          <a:bodyPr wrap="none" lIns="90000" rIns="90000" tIns="45000" bIns="45000" anchor="ctr"/>
+          <a:p>
+            <a:pPr algn="ctr">
+              <a:lnSpc>
+                <a:spcPct val="100000"/>
+              </a:lnSpc>
+            </a:pPr>
+            <a:r>
+              <a:rPr b="0" lang="en-US" sz="1800" spc="-1" strike="noStrike">
+                <a:solidFill>
+                  <a:srgbClr val="000000"/>
+                </a:solidFill>
+                <a:uFill>
+                  <a:solidFill>
+                    <a:srgbClr val="ffffff"/>
+                  </a:solidFill>
+                </a:uFill>
+                <a:latin typeface="Arial"/>
+                <a:ea typeface="DejaVu Sans"/>
+              </a:rPr>
+              <a:t>Redis Cluster</a:t>
+            </a:r>
+            <a:endParaRPr b="0" lang="en-US" sz="1800" spc="-1" strike="noStrike">
+              <a:solidFill>
+                <a:srgbClr val="000000"/>
+              </a:solidFill>
+              <a:uFill>
+                <a:solidFill>
+                  <a:srgbClr val="ffffff"/>
+                </a:solidFill>
+              </a:uFill>
+              <a:latin typeface="Arial"/>
+            </a:endParaRPr>
+          </a:p>
+        </p:txBody>
+      </p:sp>
+      <p:sp>
+        <p:nvSpPr>
+          <p:cNvPr id="96" name="CustomShape 19"/>
+          <p:cNvSpPr/>
+          <p:nvPr/>
+        </p:nvSpPr>
+        <p:spPr>
+          <a:xfrm>
+            <a:off x="3916080" y="3894480"/>
+            <a:ext cx="1097280" cy="640080"/>
+          </a:xfrm>
+          <a:prstGeom prst="rect">
+            <a:avLst/>
+          </a:prstGeom>
+          <a:noFill/>
+          <a:ln>
+            <a:solidFill>
+              <a:srgbClr val="3465a4"/>
+            </a:solidFill>
+          </a:ln>
+        </p:spPr>
+        <p:style>
+          <a:lnRef idx="0"/>
+          <a:fillRef idx="0"/>
+          <a:effectRef idx="0"/>
+          <a:fontRef idx="minor"/>
+        </p:style>
+        <p:txBody>
+          <a:bodyPr wrap="none" lIns="90000" rIns="90000" tIns="45000" bIns="45000" anchor="ctr"/>
+          <a:p>
+            <a:pPr algn="ctr">
+              <a:lnSpc>
+                <a:spcPct val="100000"/>
+              </a:lnSpc>
+            </a:pPr>
+            <a:r>
+              <a:rPr b="0" lang="en-US" sz="1800" spc="-1" strike="noStrike">
+                <a:solidFill>
+                  <a:srgbClr val="000000"/>
+                </a:solidFill>
+                <a:uFill>
+                  <a:solidFill>
+                    <a:srgbClr val="ffffff"/>
+                  </a:solidFill>
+                </a:uFill>
+                <a:latin typeface="Arial"/>
+                <a:ea typeface="DejaVu Sans"/>
+              </a:rPr>
+              <a:t>Logstash</a:t>
+            </a:r>
+            <a:endParaRPr b="0" lang="en-US" sz="1800" spc="-1" strike="noStrike">
+              <a:solidFill>
+                <a:srgbClr val="000000"/>
+              </a:solidFill>
+              <a:uFill>
+                <a:solidFill>
+                  <a:srgbClr val="ffffff"/>
+                </a:solidFill>
+              </a:uFill>
+              <a:latin typeface="Arial"/>
+            </a:endParaRPr>
+          </a:p>
+        </p:txBody>
+      </p:sp>
+      <p:sp>
+        <p:nvSpPr>
+          <p:cNvPr id="97" name="Line 20"/>
+          <p:cNvSpPr/>
+          <p:nvPr/>
+        </p:nvSpPr>
+        <p:spPr>
+          <a:xfrm>
+            <a:off x="0" y="0"/>
+            <a:ext cx="360" cy="360"/>
+          </a:xfrm>
+          <a:prstGeom prst="line">
+            <a:avLst/>
+          </a:prstGeom>
+          <a:ln>
+            <a:solidFill>
+              <a:srgbClr val="000000"/>
+            </a:solidFill>
+            <a:headEnd len="med" type="triangle" w="med"/>
+            <a:tailEnd len="med" type="triangle" w="med"/>
+          </a:ln>
+        </p:spPr>
+        <p:style>
+          <a:lnRef idx="0"/>
+          <a:fillRef idx="0"/>
+          <a:effectRef idx="0"/>
+          <a:fontRef idx="minor"/>
+        </p:style>
+      </p:sp>
+      <p:sp>
+        <p:nvSpPr>
+          <p:cNvPr id="98" name="Line 21"/>
+          <p:cNvSpPr/>
+          <p:nvPr/>
+        </p:nvSpPr>
+        <p:spPr>
+          <a:xfrm>
+            <a:off x="0" y="0"/>
+            <a:ext cx="360" cy="360"/>
+          </a:xfrm>
+          <a:prstGeom prst="line">
+            <a:avLst/>
+          </a:prstGeom>
+          <a:ln>
+            <a:solidFill>
+              <a:srgbClr val="000000"/>
+            </a:solidFill>
+            <a:tailEnd len="med" type="triangle" w="med"/>
+          </a:ln>
+        </p:spPr>
+        <p:style>
+          <a:lnRef idx="0"/>
+          <a:fillRef idx="0"/>
+          <a:effectRef idx="0"/>
+          <a:fontRef idx="minor"/>
+        </p:style>
+      </p:sp>
+      <p:sp>
+        <p:nvSpPr>
+          <p:cNvPr id="99" name="Line 22"/>
+          <p:cNvSpPr/>
+          <p:nvPr/>
+        </p:nvSpPr>
+        <p:spPr>
+          <a:xfrm>
+            <a:off x="0" y="0"/>
+            <a:ext cx="360" cy="360"/>
+          </a:xfrm>
+          <a:prstGeom prst="line">
+            <a:avLst/>
+          </a:prstGeom>
+          <a:ln>
+            <a:solidFill>
+              <a:srgbClr val="000000"/>
+            </a:solidFill>
+            <a:headEnd len="med" type="triangle" w="med"/>
+            <a:tailEnd len="med" type="triangle" w="med"/>
+          </a:ln>
+        </p:spPr>
+        <p:style>
+          <a:lnRef idx="0"/>
+          <a:fillRef idx="0"/>
+          <a:effectRef idx="0"/>
+          <a:fontRef idx="minor"/>
+        </p:style>
+      </p:sp>
+      <p:sp>
+        <p:nvSpPr>
+          <p:cNvPr id="100" name="Line 23"/>
+          <p:cNvSpPr/>
+          <p:nvPr/>
+        </p:nvSpPr>
+        <p:spPr>
+          <a:xfrm>
+            <a:off x="0" y="0"/>
+            <a:ext cx="360" cy="360"/>
+          </a:xfrm>
+          <a:prstGeom prst="line">
+            <a:avLst/>
+          </a:prstGeom>
+          <a:ln>
+            <a:solidFill>
+              <a:srgbClr val="000000"/>
+            </a:solidFill>
+            <a:headEnd len="med" type="triangle" w="med"/>
+            <a:tailEnd len="med" type="triangle" w="med"/>
+          </a:ln>
+        </p:spPr>
+        <p:style>
+          <a:lnRef idx="0"/>
+          <a:fillRef idx="0"/>
+          <a:effectRef idx="0"/>
+          <a:fontRef idx="minor"/>
+        </p:style>
+      </p:sp>
+      <p:sp>
+        <p:nvSpPr>
+          <p:cNvPr id="101" name="Line 24"/>
+          <p:cNvSpPr/>
+          <p:nvPr/>
+        </p:nvSpPr>
+        <p:spPr>
+          <a:xfrm>
+            <a:off x="0" y="0"/>
+            <a:ext cx="360" cy="360"/>
+          </a:xfrm>
+          <a:prstGeom prst="line">
+            <a:avLst/>
+          </a:prstGeom>
+          <a:ln>
+            <a:solidFill>
+              <a:srgbClr val="000000"/>
+            </a:solidFill>
+            <a:headEnd len="med" type="triangle" w="med"/>
+            <a:tailEnd len="med" type="triangle" w="med"/>
+          </a:ln>
+        </p:spPr>
+        <p:style>
+          <a:lnRef idx="0"/>
+          <a:fillRef idx="0"/>
+          <a:effectRef idx="0"/>
+          <a:fontRef idx="minor"/>
+        </p:style>
+      </p:sp>
+      <p:sp>
+        <p:nvSpPr>
+          <p:cNvPr id="102" name="CustomShape 25"/>
+          <p:cNvSpPr/>
+          <p:nvPr/>
+        </p:nvSpPr>
+        <p:spPr>
+          <a:xfrm>
+            <a:off x="1886760" y="3288600"/>
+            <a:ext cx="360" cy="731880"/>
           </a:xfrm>
           <a:custGeom>
             <a:avLst/>
@@ -6651,11 +6821,11 @@
             </a:pathLst>
           </a:custGeom>
           <a:noFill/>
-          <a:ln>
+          <a:ln w="29160">
             <a:solidFill>
               <a:srgbClr val="000000"/>
             </a:solidFill>
-            <a:headEnd len="med" type="triangle" w="med"/>
+            <a:round/>
             <a:tailEnd len="med" type="triangle" w="med"/>
           </a:ln>
         </p:spPr>
@@ -6668,37 +6838,22 @@
       </p:sp>
       <p:sp>
         <p:nvSpPr>
-          <p:cNvPr id="118" name="CustomShape 7"/>
+          <p:cNvPr id="103" name="Line 26"/>
           <p:cNvSpPr/>
           <p:nvPr/>
         </p:nvSpPr>
         <p:spPr>
           <a:xfrm>
-            <a:off x="5006880" y="2377440"/>
-            <a:ext cx="897840" cy="295920"/>
-          </a:xfrm>
-          <a:custGeom>
-            <a:avLst/>
-            <a:gdLst/>
-            <a:ahLst/>
-            <a:rect l="l" t="t" r="r" b="b"/>
-            <a:pathLst>
-              <a:path w="21600" h="21600">
-                <a:moveTo>
-                  <a:pt x="0" y="0"/>
-                </a:moveTo>
-                <a:lnTo>
-                  <a:pt x="21600" y="21600"/>
-                </a:lnTo>
-              </a:path>
-            </a:pathLst>
-          </a:custGeom>
-          <a:noFill/>
+            <a:off x="0" y="0"/>
+            <a:ext cx="360" cy="360"/>
+          </a:xfrm>
+          <a:prstGeom prst="line">
+            <a:avLst/>
+          </a:prstGeom>
           <a:ln>
             <a:solidFill>
               <a:srgbClr val="000000"/>
             </a:solidFill>
-            <a:headEnd len="med" type="triangle" w="med"/>
             <a:tailEnd len="med" type="triangle" w="med"/>
           </a:ln>
         </p:spPr>
@@ -6711,37 +6866,22 @@
       </p:sp>
       <p:sp>
         <p:nvSpPr>
-          <p:cNvPr id="119" name="CustomShape 8"/>
+          <p:cNvPr id="104" name="Line 27"/>
           <p:cNvSpPr/>
           <p:nvPr/>
         </p:nvSpPr>
         <p:spPr>
           <a:xfrm>
-            <a:off x="4655520" y="2993400"/>
-            <a:ext cx="700560" cy="360"/>
-          </a:xfrm>
-          <a:custGeom>
-            <a:avLst/>
-            <a:gdLst/>
-            <a:ahLst/>
-            <a:rect l="l" t="t" r="r" b="b"/>
-            <a:pathLst>
-              <a:path w="21600" h="21600">
-                <a:moveTo>
-                  <a:pt x="0" y="0"/>
-                </a:moveTo>
-                <a:lnTo>
-                  <a:pt x="21600" y="21600"/>
-                </a:lnTo>
-              </a:path>
-            </a:pathLst>
-          </a:custGeom>
-          <a:noFill/>
+            <a:off x="0" y="0"/>
+            <a:ext cx="360" cy="360"/>
+          </a:xfrm>
+          <a:prstGeom prst="line">
+            <a:avLst/>
+          </a:prstGeom>
           <a:ln>
             <a:solidFill>
               <a:srgbClr val="000000"/>
             </a:solidFill>
-            <a:headEnd len="med" type="triangle" w="med"/>
             <a:tailEnd len="med" type="triangle" w="med"/>
           </a:ln>
         </p:spPr>
@@ -6754,60 +6894,72 @@
       </p:sp>
       <p:sp>
         <p:nvSpPr>
-          <p:cNvPr id="120" name="CustomShape 9"/>
+          <p:cNvPr id="105" name="Line 28"/>
           <p:cNvSpPr/>
           <p:nvPr/>
         </p:nvSpPr>
         <p:spPr>
           <a:xfrm>
-            <a:off x="864720" y="5277600"/>
-            <a:ext cx="1188360" cy="1188360"/>
-          </a:xfrm>
-          <a:custGeom>
-            <a:avLst/>
-            <a:gdLst/>
-            <a:ahLst/>
-            <a:rect l="l" t="t" r="r" b="b"/>
-            <a:pathLst>
-              <a:path w="3304" h="3304">
-                <a:moveTo>
-                  <a:pt x="550" y="0"/>
-                </a:moveTo>
-                <a:cubicBezTo>
-                  <a:pt x="275" y="0"/>
-                  <a:pt x="0" y="275"/>
-                  <a:pt x="0" y="550"/>
-                </a:cubicBezTo>
-                <a:lnTo>
-                  <a:pt x="0" y="2752"/>
-                </a:lnTo>
-                <a:cubicBezTo>
-                  <a:pt x="0" y="3027"/>
-                  <a:pt x="275" y="3303"/>
-                  <a:pt x="550" y="3303"/>
-                </a:cubicBezTo>
-                <a:lnTo>
-                  <a:pt x="2752" y="3303"/>
-                </a:lnTo>
-                <a:cubicBezTo>
-                  <a:pt x="3027" y="3303"/>
-                  <a:pt x="3303" y="3027"/>
-                  <a:pt x="3303" y="2752"/>
-                </a:cubicBezTo>
-                <a:lnTo>
-                  <a:pt x="3303" y="550"/>
-                </a:lnTo>
-                <a:cubicBezTo>
-                  <a:pt x="3303" y="275"/>
-                  <a:pt x="3027" y="0"/>
-                  <a:pt x="2752" y="0"/>
-                </a:cubicBezTo>
-                <a:lnTo>
-                  <a:pt x="550" y="0"/>
-                </a:lnTo>
-              </a:path>
-            </a:pathLst>
-          </a:custGeom>
+            <a:off x="0" y="0"/>
+            <a:ext cx="360" cy="360"/>
+          </a:xfrm>
+          <a:prstGeom prst="line">
+            <a:avLst/>
+          </a:prstGeom>
+          <a:ln>
+            <a:solidFill>
+              <a:srgbClr val="000000"/>
+            </a:solidFill>
+            <a:tailEnd len="med" type="triangle" w="med"/>
+          </a:ln>
+        </p:spPr>
+        <p:style>
+          <a:lnRef idx="0"/>
+          <a:fillRef idx="0"/>
+          <a:effectRef idx="0"/>
+          <a:fontRef idx="minor"/>
+        </p:style>
+      </p:sp>
+      <p:cxnSp>
+        <p:nvCxnSpPr>
+          <p:cNvPr id="106" name="Line 29"/>
+          <p:cNvCxnSpPr>
+            <a:stCxn id="84" idx="1"/>
+            <a:endCxn id="86" idx="1"/>
+          </p:cNvCxnSpPr>
+          <p:nvPr/>
+        </p:nvCxnSpPr>
+        <p:spPr>
+          <a:xfrm>
+            <a:off x="881280" y="2739960"/>
+            <a:ext cx="360" cy="3657960"/>
+          </a:xfrm>
+          <a:prstGeom prst="curvedConnector3">
+            <a:avLst/>
+          </a:prstGeom>
+          <a:ln w="29160">
+            <a:solidFill>
+              <a:srgbClr val="000000"/>
+            </a:solidFill>
+            <a:round/>
+            <a:tailEnd len="med" type="triangle" w="med"/>
+          </a:ln>
+        </p:spPr>
+      </p:cxnSp>
+      <p:sp>
+        <p:nvSpPr>
+          <p:cNvPr id="107" name="CustomShape 30"/>
+          <p:cNvSpPr/>
+          <p:nvPr/>
+        </p:nvSpPr>
+        <p:spPr>
+          <a:xfrm>
+            <a:off x="5121360" y="4351680"/>
+            <a:ext cx="1097280" cy="640080"/>
+          </a:xfrm>
+          <a:prstGeom prst="rect">
+            <a:avLst/>
+          </a:prstGeom>
           <a:noFill/>
           <a:ln>
             <a:solidFill>
@@ -6821,498 +6973,8 @@
           <a:effectRef idx="0"/>
           <a:fontRef idx="minor"/>
         </p:style>
-      </p:sp>
-      <p:sp>
-        <p:nvSpPr>
-          <p:cNvPr id="121" name="CustomShape 10"/>
-          <p:cNvSpPr/>
-          <p:nvPr/>
-        </p:nvSpPr>
-        <p:spPr>
-          <a:xfrm>
-            <a:off x="973080" y="5385960"/>
-            <a:ext cx="1188360" cy="1188360"/>
-          </a:xfrm>
-          <a:custGeom>
-            <a:avLst/>
-            <a:gdLst/>
-            <a:ahLst/>
-            <a:rect l="l" t="t" r="r" b="b"/>
-            <a:pathLst>
-              <a:path w="3304" h="3304">
-                <a:moveTo>
-                  <a:pt x="550" y="0"/>
-                </a:moveTo>
-                <a:cubicBezTo>
-                  <a:pt x="275" y="0"/>
-                  <a:pt x="0" y="275"/>
-                  <a:pt x="0" y="550"/>
-                </a:cubicBezTo>
-                <a:lnTo>
-                  <a:pt x="0" y="2752"/>
-                </a:lnTo>
-                <a:cubicBezTo>
-                  <a:pt x="0" y="3027"/>
-                  <a:pt x="275" y="3303"/>
-                  <a:pt x="550" y="3303"/>
-                </a:cubicBezTo>
-                <a:lnTo>
-                  <a:pt x="2752" y="3303"/>
-                </a:lnTo>
-                <a:cubicBezTo>
-                  <a:pt x="3027" y="3303"/>
-                  <a:pt x="3303" y="3027"/>
-                  <a:pt x="3303" y="2752"/>
-                </a:cubicBezTo>
-                <a:lnTo>
-                  <a:pt x="3303" y="550"/>
-                </a:lnTo>
-                <a:cubicBezTo>
-                  <a:pt x="3303" y="275"/>
-                  <a:pt x="3027" y="0"/>
-                  <a:pt x="2752" y="0"/>
-                </a:cubicBezTo>
-                <a:lnTo>
-                  <a:pt x="550" y="0"/>
-                </a:lnTo>
-              </a:path>
-            </a:pathLst>
-          </a:custGeom>
-          <a:noFill/>
-          <a:ln>
-            <a:solidFill>
-              <a:srgbClr val="3465a4"/>
-            </a:solidFill>
-          </a:ln>
-        </p:spPr>
-        <p:style>
-          <a:lnRef idx="0"/>
-          <a:fillRef idx="0"/>
-          <a:effectRef idx="0"/>
-          <a:fontRef idx="minor"/>
-        </p:style>
-      </p:sp>
-      <p:sp>
-        <p:nvSpPr>
-          <p:cNvPr id="122" name="CustomShape 11"/>
-          <p:cNvSpPr/>
-          <p:nvPr/>
-        </p:nvSpPr>
-        <p:spPr>
-          <a:xfrm>
-            <a:off x="1081440" y="5494320"/>
-            <a:ext cx="1188360" cy="1188360"/>
-          </a:xfrm>
-          <a:custGeom>
-            <a:avLst/>
-            <a:gdLst/>
-            <a:ahLst/>
-            <a:rect l="l" t="t" r="r" b="b"/>
-            <a:pathLst>
-              <a:path w="3304" h="3304">
-                <a:moveTo>
-                  <a:pt x="550" y="0"/>
-                </a:moveTo>
-                <a:cubicBezTo>
-                  <a:pt x="275" y="0"/>
-                  <a:pt x="0" y="275"/>
-                  <a:pt x="0" y="550"/>
-                </a:cubicBezTo>
-                <a:lnTo>
-                  <a:pt x="0" y="2752"/>
-                </a:lnTo>
-                <a:cubicBezTo>
-                  <a:pt x="0" y="3027"/>
-                  <a:pt x="275" y="3303"/>
-                  <a:pt x="550" y="3303"/>
-                </a:cubicBezTo>
-                <a:lnTo>
-                  <a:pt x="2752" y="3303"/>
-                </a:lnTo>
-                <a:cubicBezTo>
-                  <a:pt x="3027" y="3303"/>
-                  <a:pt x="3303" y="3027"/>
-                  <a:pt x="3303" y="2752"/>
-                </a:cubicBezTo>
-                <a:lnTo>
-                  <a:pt x="3303" y="550"/>
-                </a:lnTo>
-                <a:cubicBezTo>
-                  <a:pt x="3303" y="275"/>
-                  <a:pt x="3027" y="0"/>
-                  <a:pt x="2752" y="0"/>
-                </a:cubicBezTo>
-                <a:lnTo>
-                  <a:pt x="550" y="0"/>
-                </a:lnTo>
-              </a:path>
-            </a:pathLst>
-          </a:custGeom>
-          <a:noFill/>
-          <a:ln>
-            <a:solidFill>
-              <a:srgbClr val="3465a4"/>
-            </a:solidFill>
-          </a:ln>
-        </p:spPr>
-        <p:style>
-          <a:lnRef idx="0"/>
-          <a:fillRef idx="0"/>
-          <a:effectRef idx="0"/>
-          <a:fontRef idx="minor"/>
-        </p:style>
-      </p:sp>
-      <p:sp>
-        <p:nvSpPr>
-          <p:cNvPr id="123" name="CustomShape 12"/>
-          <p:cNvSpPr/>
-          <p:nvPr/>
-        </p:nvSpPr>
-        <p:spPr>
-          <a:xfrm>
-            <a:off x="648720" y="4737600"/>
-            <a:ext cx="1828440" cy="2011320"/>
-          </a:xfrm>
-          <a:prstGeom prst="rect">
-            <a:avLst/>
-          </a:prstGeom>
-          <a:noFill/>
-          <a:ln>
-            <a:solidFill>
-              <a:srgbClr val="3465a4"/>
-            </a:solidFill>
-            <a:custDash/>
-          </a:ln>
-        </p:spPr>
-        <p:style>
-          <a:lnRef idx="0"/>
-          <a:fillRef idx="0"/>
-          <a:effectRef idx="0"/>
-          <a:fontRef idx="minor"/>
-        </p:style>
-      </p:sp>
-      <p:sp>
-        <p:nvSpPr>
-          <p:cNvPr id="124" name="CustomShape 13"/>
-          <p:cNvSpPr/>
-          <p:nvPr/>
-        </p:nvSpPr>
-        <p:spPr>
-          <a:xfrm>
-            <a:off x="1118520" y="4840560"/>
-            <a:ext cx="889200" cy="345960"/>
-          </a:xfrm>
-          <a:prstGeom prst="rect">
-            <a:avLst/>
-          </a:prstGeom>
-          <a:noFill/>
-          <a:ln>
-            <a:noFill/>
-          </a:ln>
-        </p:spPr>
-        <p:style>
-          <a:lnRef idx="0"/>
-          <a:fillRef idx="0"/>
-          <a:effectRef idx="0"/>
-          <a:fontRef idx="minor"/>
-        </p:style>
-        <p:txBody>
-          <a:bodyPr lIns="90000" rIns="90000" tIns="45000" bIns="45000"/>
-          <a:p>
-            <a:r>
-              <a:rPr b="0" lang="en-US" sz="1800" spc="-1" strike="noStrike">
-                <a:solidFill>
-                  <a:srgbClr val="000000"/>
-                </a:solidFill>
-                <a:uFill>
-                  <a:solidFill>
-                    <a:srgbClr val="ffffff"/>
-                  </a:solidFill>
-                </a:uFill>
-                <a:latin typeface="Arial"/>
-              </a:rPr>
-              <a:t>Kibana</a:t>
-            </a:r>
-            <a:endParaRPr b="0" lang="en-US" sz="1800" spc="-1" strike="noStrike">
-              <a:solidFill>
-                <a:srgbClr val="000000"/>
-              </a:solidFill>
-              <a:uFill>
-                <a:solidFill>
-                  <a:srgbClr val="ffffff"/>
-                </a:solidFill>
-              </a:uFill>
-              <a:latin typeface="Arial"/>
-            </a:endParaRPr>
-          </a:p>
-        </p:txBody>
-      </p:sp>
-      <p:sp>
-        <p:nvSpPr>
-          <p:cNvPr id="125" name="CustomShape 14"/>
-          <p:cNvSpPr/>
-          <p:nvPr/>
-        </p:nvSpPr>
-        <p:spPr>
-          <a:xfrm>
-            <a:off x="3096720" y="5277600"/>
-            <a:ext cx="1188360" cy="1188360"/>
-          </a:xfrm>
-          <a:custGeom>
-            <a:avLst/>
-            <a:gdLst/>
-            <a:ahLst/>
-            <a:rect l="l" t="t" r="r" b="b"/>
-            <a:pathLst>
-              <a:path w="3304" h="3304">
-                <a:moveTo>
-                  <a:pt x="550" y="0"/>
-                </a:moveTo>
-                <a:cubicBezTo>
-                  <a:pt x="275" y="0"/>
-                  <a:pt x="0" y="275"/>
-                  <a:pt x="0" y="550"/>
-                </a:cubicBezTo>
-                <a:lnTo>
-                  <a:pt x="0" y="2752"/>
-                </a:lnTo>
-                <a:cubicBezTo>
-                  <a:pt x="0" y="3027"/>
-                  <a:pt x="275" y="3303"/>
-                  <a:pt x="550" y="3303"/>
-                </a:cubicBezTo>
-                <a:lnTo>
-                  <a:pt x="2752" y="3303"/>
-                </a:lnTo>
-                <a:cubicBezTo>
-                  <a:pt x="3027" y="3303"/>
-                  <a:pt x="3303" y="3027"/>
-                  <a:pt x="3303" y="2752"/>
-                </a:cubicBezTo>
-                <a:lnTo>
-                  <a:pt x="3303" y="550"/>
-                </a:lnTo>
-                <a:cubicBezTo>
-                  <a:pt x="3303" y="275"/>
-                  <a:pt x="3027" y="0"/>
-                  <a:pt x="2752" y="0"/>
-                </a:cubicBezTo>
-                <a:lnTo>
-                  <a:pt x="550" y="0"/>
-                </a:lnTo>
-              </a:path>
-            </a:pathLst>
-          </a:custGeom>
-          <a:noFill/>
-          <a:ln>
-            <a:solidFill>
-              <a:srgbClr val="3465a4"/>
-            </a:solidFill>
-          </a:ln>
-        </p:spPr>
-        <p:style>
-          <a:lnRef idx="0"/>
-          <a:fillRef idx="0"/>
-          <a:effectRef idx="0"/>
-          <a:fontRef idx="minor"/>
-        </p:style>
-      </p:sp>
-      <p:sp>
-        <p:nvSpPr>
-          <p:cNvPr id="126" name="CustomShape 15"/>
-          <p:cNvSpPr/>
-          <p:nvPr/>
-        </p:nvSpPr>
-        <p:spPr>
-          <a:xfrm>
-            <a:off x="3205080" y="5385960"/>
-            <a:ext cx="1188360" cy="1188360"/>
-          </a:xfrm>
-          <a:custGeom>
-            <a:avLst/>
-            <a:gdLst/>
-            <a:ahLst/>
-            <a:rect l="l" t="t" r="r" b="b"/>
-            <a:pathLst>
-              <a:path w="3304" h="3304">
-                <a:moveTo>
-                  <a:pt x="550" y="0"/>
-                </a:moveTo>
-                <a:cubicBezTo>
-                  <a:pt x="275" y="0"/>
-                  <a:pt x="0" y="275"/>
-                  <a:pt x="0" y="550"/>
-                </a:cubicBezTo>
-                <a:lnTo>
-                  <a:pt x="0" y="2752"/>
-                </a:lnTo>
-                <a:cubicBezTo>
-                  <a:pt x="0" y="3027"/>
-                  <a:pt x="275" y="3303"/>
-                  <a:pt x="550" y="3303"/>
-                </a:cubicBezTo>
-                <a:lnTo>
-                  <a:pt x="2752" y="3303"/>
-                </a:lnTo>
-                <a:cubicBezTo>
-                  <a:pt x="3027" y="3303"/>
-                  <a:pt x="3303" y="3027"/>
-                  <a:pt x="3303" y="2752"/>
-                </a:cubicBezTo>
-                <a:lnTo>
-                  <a:pt x="3303" y="550"/>
-                </a:lnTo>
-                <a:cubicBezTo>
-                  <a:pt x="3303" y="275"/>
-                  <a:pt x="3027" y="0"/>
-                  <a:pt x="2752" y="0"/>
-                </a:cubicBezTo>
-                <a:lnTo>
-                  <a:pt x="550" y="0"/>
-                </a:lnTo>
-              </a:path>
-            </a:pathLst>
-          </a:custGeom>
-          <a:noFill/>
-          <a:ln>
-            <a:solidFill>
-              <a:srgbClr val="3465a4"/>
-            </a:solidFill>
-          </a:ln>
-        </p:spPr>
-        <p:style>
-          <a:lnRef idx="0"/>
-          <a:fillRef idx="0"/>
-          <a:effectRef idx="0"/>
-          <a:fontRef idx="minor"/>
-        </p:style>
-      </p:sp>
-      <p:sp>
-        <p:nvSpPr>
-          <p:cNvPr id="127" name="CustomShape 16"/>
-          <p:cNvSpPr/>
-          <p:nvPr/>
-        </p:nvSpPr>
-        <p:spPr>
-          <a:xfrm>
-            <a:off x="3313440" y="5494320"/>
-            <a:ext cx="1188360" cy="1188360"/>
-          </a:xfrm>
-          <a:custGeom>
-            <a:avLst/>
-            <a:gdLst/>
-            <a:ahLst/>
-            <a:rect l="l" t="t" r="r" b="b"/>
-            <a:pathLst>
-              <a:path w="3304" h="3304">
-                <a:moveTo>
-                  <a:pt x="550" y="0"/>
-                </a:moveTo>
-                <a:cubicBezTo>
-                  <a:pt x="275" y="0"/>
-                  <a:pt x="0" y="275"/>
-                  <a:pt x="0" y="550"/>
-                </a:cubicBezTo>
-                <a:lnTo>
-                  <a:pt x="0" y="2752"/>
-                </a:lnTo>
-                <a:cubicBezTo>
-                  <a:pt x="0" y="3027"/>
-                  <a:pt x="275" y="3303"/>
-                  <a:pt x="550" y="3303"/>
-                </a:cubicBezTo>
-                <a:lnTo>
-                  <a:pt x="2752" y="3303"/>
-                </a:lnTo>
-                <a:cubicBezTo>
-                  <a:pt x="3027" y="3303"/>
-                  <a:pt x="3303" y="3027"/>
-                  <a:pt x="3303" y="2752"/>
-                </a:cubicBezTo>
-                <a:lnTo>
-                  <a:pt x="3303" y="550"/>
-                </a:lnTo>
-                <a:cubicBezTo>
-                  <a:pt x="3303" y="275"/>
-                  <a:pt x="3027" y="0"/>
-                  <a:pt x="2752" y="0"/>
-                </a:cubicBezTo>
-                <a:lnTo>
-                  <a:pt x="550" y="0"/>
-                </a:lnTo>
-              </a:path>
-            </a:pathLst>
-          </a:custGeom>
-          <a:noFill/>
-          <a:ln>
-            <a:solidFill>
-              <a:srgbClr val="3465a4"/>
-            </a:solidFill>
-          </a:ln>
-        </p:spPr>
-        <p:style>
-          <a:lnRef idx="0"/>
-          <a:fillRef idx="0"/>
-          <a:effectRef idx="0"/>
-          <a:fontRef idx="minor"/>
-        </p:style>
-      </p:sp>
-      <p:sp>
-        <p:nvSpPr>
-          <p:cNvPr id="128" name="CustomShape 17"/>
-          <p:cNvSpPr/>
-          <p:nvPr/>
-        </p:nvSpPr>
-        <p:spPr>
-          <a:xfrm>
-            <a:off x="2880720" y="4737600"/>
-            <a:ext cx="1828440" cy="2011320"/>
-          </a:xfrm>
-          <a:prstGeom prst="rect">
-            <a:avLst/>
-          </a:prstGeom>
-          <a:noFill/>
-          <a:ln>
-            <a:solidFill>
-              <a:srgbClr val="3465a4"/>
-            </a:solidFill>
-            <a:custDash/>
-          </a:ln>
-        </p:spPr>
-        <p:style>
-          <a:lnRef idx="0"/>
-          <a:fillRef idx="0"/>
-          <a:effectRef idx="0"/>
-          <a:fontRef idx="minor"/>
-        </p:style>
-      </p:sp>
-      <p:sp>
-        <p:nvSpPr>
-          <p:cNvPr id="129" name="CustomShape 18"/>
-          <p:cNvSpPr/>
-          <p:nvPr/>
-        </p:nvSpPr>
-        <p:spPr>
-          <a:xfrm>
-            <a:off x="3026520" y="4840560"/>
-            <a:ext cx="1536840" cy="345960"/>
-          </a:xfrm>
-          <a:prstGeom prst="rect">
-            <a:avLst/>
-          </a:prstGeom>
-          <a:noFill/>
-          <a:ln>
-            <a:noFill/>
-          </a:ln>
-        </p:spPr>
-        <p:style>
-          <a:lnRef idx="0"/>
-          <a:fillRef idx="0"/>
-          <a:effectRef idx="0"/>
-          <a:fontRef idx="minor"/>
-        </p:style>
-        <p:txBody>
-          <a:bodyPr lIns="90000" rIns="90000" tIns="45000" bIns="45000"/>
+        <p:txBody>
+          <a:bodyPr wrap="none" lIns="90000" rIns="90000" tIns="45000" bIns="45000" anchor="ctr"/>
           <a:p>
             <a:pPr algn="ctr">
               <a:lnSpc>
@@ -7330,992 +6992,9 @@
                   </a:solidFill>
                 </a:uFill>
                 <a:latin typeface="Arial"/>
-              </a:rPr>
-              <a:t>Elasticsearch</a:t>
-            </a:r>
-            <a:endParaRPr b="0" lang="en-US" sz="1800" spc="-1" strike="noStrike">
-              <a:solidFill>
-                <a:srgbClr val="000000"/>
-              </a:solidFill>
-              <a:uFill>
-                <a:solidFill>
-                  <a:srgbClr val="ffffff"/>
-                </a:solidFill>
-              </a:uFill>
-              <a:latin typeface="Arial"/>
-            </a:endParaRPr>
-          </a:p>
-        </p:txBody>
-      </p:sp>
-      <p:sp>
-        <p:nvSpPr>
-          <p:cNvPr id="130" name="CustomShape 19"/>
-          <p:cNvSpPr/>
-          <p:nvPr/>
-        </p:nvSpPr>
-        <p:spPr>
-          <a:xfrm>
-            <a:off x="607680" y="6841440"/>
-            <a:ext cx="1902600" cy="345960"/>
-          </a:xfrm>
-          <a:prstGeom prst="rect">
-            <a:avLst/>
-          </a:prstGeom>
-          <a:noFill/>
-          <a:ln>
-            <a:noFill/>
-          </a:ln>
-        </p:spPr>
-        <p:style>
-          <a:lnRef idx="0"/>
-          <a:fillRef idx="0"/>
-          <a:effectRef idx="0"/>
-          <a:fontRef idx="minor"/>
-        </p:style>
-        <p:txBody>
-          <a:bodyPr lIns="90000" rIns="90000" tIns="45000" bIns="45000"/>
-          <a:p>
-            <a:pPr algn="ctr">
-              <a:lnSpc>
-                <a:spcPct val="100000"/>
-              </a:lnSpc>
-            </a:pPr>
-            <a:r>
-              <a:rPr b="0" lang="en-US" sz="1400" spc="-1" strike="noStrike">
-                <a:solidFill>
-                  <a:srgbClr val="000000"/>
-                </a:solidFill>
-                <a:uFill>
-                  <a:solidFill>
-                    <a:srgbClr val="ffffff"/>
-                  </a:solidFill>
-                </a:uFill>
-                <a:latin typeface="Arial"/>
-              </a:rPr>
-              <a:t>kibana.service.consul</a:t>
-            </a:r>
-            <a:endParaRPr b="0" lang="en-US" sz="1800" spc="-1" strike="noStrike">
-              <a:solidFill>
-                <a:srgbClr val="000000"/>
-              </a:solidFill>
-              <a:uFill>
-                <a:solidFill>
-                  <a:srgbClr val="ffffff"/>
-                </a:solidFill>
-              </a:uFill>
-              <a:latin typeface="Arial"/>
-            </a:endParaRPr>
-          </a:p>
-        </p:txBody>
-      </p:sp>
-      <p:sp>
-        <p:nvSpPr>
-          <p:cNvPr id="131" name="CustomShape 20"/>
-          <p:cNvSpPr/>
-          <p:nvPr/>
-        </p:nvSpPr>
-        <p:spPr>
-          <a:xfrm>
-            <a:off x="2623680" y="6841440"/>
-            <a:ext cx="2485800" cy="365400"/>
-          </a:xfrm>
-          <a:prstGeom prst="rect">
-            <a:avLst/>
-          </a:prstGeom>
-          <a:noFill/>
-          <a:ln>
-            <a:noFill/>
-          </a:ln>
-        </p:spPr>
-        <p:style>
-          <a:lnRef idx="0"/>
-          <a:fillRef idx="0"/>
-          <a:effectRef idx="0"/>
-          <a:fontRef idx="minor"/>
-        </p:style>
-        <p:txBody>
-          <a:bodyPr lIns="90000" rIns="90000" tIns="45000" bIns="45000"/>
-          <a:p>
-            <a:pPr algn="ctr">
-              <a:lnSpc>
-                <a:spcPct val="100000"/>
-              </a:lnSpc>
-            </a:pPr>
-            <a:r>
-              <a:rPr b="0" lang="en-US" sz="1400" spc="-1" strike="noStrike">
-                <a:solidFill>
-                  <a:srgbClr val="000000"/>
-                </a:solidFill>
-                <a:uFill>
-                  <a:solidFill>
-                    <a:srgbClr val="ffffff"/>
-                  </a:solidFill>
-                </a:uFill>
-                <a:latin typeface="Arial"/>
-              </a:rPr>
-              <a:t>elastic-ingest.service.consul</a:t>
-            </a:r>
-            <a:endParaRPr b="0" lang="en-US" sz="1800" spc="-1" strike="noStrike">
-              <a:solidFill>
-                <a:srgbClr val="000000"/>
-              </a:solidFill>
-              <a:uFill>
-                <a:solidFill>
-                  <a:srgbClr val="ffffff"/>
-                </a:solidFill>
-              </a:uFill>
-              <a:latin typeface="Arial"/>
-            </a:endParaRPr>
-          </a:p>
-        </p:txBody>
-      </p:sp>
-      <p:sp>
-        <p:nvSpPr>
-          <p:cNvPr id="132" name="CustomShape 21"/>
-          <p:cNvSpPr/>
-          <p:nvPr/>
-        </p:nvSpPr>
-        <p:spPr>
-          <a:xfrm>
-            <a:off x="5580720" y="5277600"/>
-            <a:ext cx="1188360" cy="1188360"/>
-          </a:xfrm>
-          <a:custGeom>
-            <a:avLst/>
-            <a:gdLst/>
-            <a:ahLst/>
-            <a:rect l="l" t="t" r="r" b="b"/>
-            <a:pathLst>
-              <a:path w="3304" h="3304">
-                <a:moveTo>
-                  <a:pt x="550" y="0"/>
-                </a:moveTo>
-                <a:cubicBezTo>
-                  <a:pt x="275" y="0"/>
-                  <a:pt x="0" y="275"/>
-                  <a:pt x="0" y="550"/>
-                </a:cubicBezTo>
-                <a:lnTo>
-                  <a:pt x="0" y="2752"/>
-                </a:lnTo>
-                <a:cubicBezTo>
-                  <a:pt x="0" y="3027"/>
-                  <a:pt x="275" y="3303"/>
-                  <a:pt x="550" y="3303"/>
-                </a:cubicBezTo>
-                <a:lnTo>
-                  <a:pt x="2752" y="3303"/>
-                </a:lnTo>
-                <a:cubicBezTo>
-                  <a:pt x="3027" y="3303"/>
-                  <a:pt x="3303" y="3027"/>
-                  <a:pt x="3303" y="2752"/>
-                </a:cubicBezTo>
-                <a:lnTo>
-                  <a:pt x="3303" y="550"/>
-                </a:lnTo>
-                <a:cubicBezTo>
-                  <a:pt x="3303" y="275"/>
-                  <a:pt x="3027" y="0"/>
-                  <a:pt x="2752" y="0"/>
-                </a:cubicBezTo>
-                <a:lnTo>
-                  <a:pt x="550" y="0"/>
-                </a:lnTo>
-              </a:path>
-            </a:pathLst>
-          </a:custGeom>
-          <a:noFill/>
-          <a:ln>
-            <a:solidFill>
-              <a:srgbClr val="3465a4"/>
-            </a:solidFill>
-          </a:ln>
-        </p:spPr>
-        <p:style>
-          <a:lnRef idx="0"/>
-          <a:fillRef idx="0"/>
-          <a:effectRef idx="0"/>
-          <a:fontRef idx="minor"/>
-        </p:style>
-      </p:sp>
-      <p:sp>
-        <p:nvSpPr>
-          <p:cNvPr id="133" name="CustomShape 22"/>
-          <p:cNvSpPr/>
-          <p:nvPr/>
-        </p:nvSpPr>
-        <p:spPr>
-          <a:xfrm>
-            <a:off x="5689080" y="5385960"/>
-            <a:ext cx="1188360" cy="1188360"/>
-          </a:xfrm>
-          <a:custGeom>
-            <a:avLst/>
-            <a:gdLst/>
-            <a:ahLst/>
-            <a:rect l="l" t="t" r="r" b="b"/>
-            <a:pathLst>
-              <a:path w="3304" h="3304">
-                <a:moveTo>
-                  <a:pt x="550" y="0"/>
-                </a:moveTo>
-                <a:cubicBezTo>
-                  <a:pt x="275" y="0"/>
-                  <a:pt x="0" y="275"/>
-                  <a:pt x="0" y="550"/>
-                </a:cubicBezTo>
-                <a:lnTo>
-                  <a:pt x="0" y="2752"/>
-                </a:lnTo>
-                <a:cubicBezTo>
-                  <a:pt x="0" y="3027"/>
-                  <a:pt x="275" y="3303"/>
-                  <a:pt x="550" y="3303"/>
-                </a:cubicBezTo>
-                <a:lnTo>
-                  <a:pt x="2752" y="3303"/>
-                </a:lnTo>
-                <a:cubicBezTo>
-                  <a:pt x="3027" y="3303"/>
-                  <a:pt x="3303" y="3027"/>
-                  <a:pt x="3303" y="2752"/>
-                </a:cubicBezTo>
-                <a:lnTo>
-                  <a:pt x="3303" y="550"/>
-                </a:lnTo>
-                <a:cubicBezTo>
-                  <a:pt x="3303" y="275"/>
-                  <a:pt x="3027" y="0"/>
-                  <a:pt x="2752" y="0"/>
-                </a:cubicBezTo>
-                <a:lnTo>
-                  <a:pt x="550" y="0"/>
-                </a:lnTo>
-              </a:path>
-            </a:pathLst>
-          </a:custGeom>
-          <a:noFill/>
-          <a:ln>
-            <a:solidFill>
-              <a:srgbClr val="3465a4"/>
-            </a:solidFill>
-          </a:ln>
-        </p:spPr>
-        <p:style>
-          <a:lnRef idx="0"/>
-          <a:fillRef idx="0"/>
-          <a:effectRef idx="0"/>
-          <a:fontRef idx="minor"/>
-        </p:style>
-      </p:sp>
-      <p:sp>
-        <p:nvSpPr>
-          <p:cNvPr id="134" name="CustomShape 23"/>
-          <p:cNvSpPr/>
-          <p:nvPr/>
-        </p:nvSpPr>
-        <p:spPr>
-          <a:xfrm>
-            <a:off x="5797440" y="5494320"/>
-            <a:ext cx="1188360" cy="1188360"/>
-          </a:xfrm>
-          <a:custGeom>
-            <a:avLst/>
-            <a:gdLst/>
-            <a:ahLst/>
-            <a:rect l="l" t="t" r="r" b="b"/>
-            <a:pathLst>
-              <a:path w="3304" h="3304">
-                <a:moveTo>
-                  <a:pt x="550" y="0"/>
-                </a:moveTo>
-                <a:cubicBezTo>
-                  <a:pt x="275" y="0"/>
-                  <a:pt x="0" y="275"/>
-                  <a:pt x="0" y="550"/>
-                </a:cubicBezTo>
-                <a:lnTo>
-                  <a:pt x="0" y="2752"/>
-                </a:lnTo>
-                <a:cubicBezTo>
-                  <a:pt x="0" y="3027"/>
-                  <a:pt x="275" y="3303"/>
-                  <a:pt x="550" y="3303"/>
-                </a:cubicBezTo>
-                <a:lnTo>
-                  <a:pt x="2752" y="3303"/>
-                </a:lnTo>
-                <a:cubicBezTo>
-                  <a:pt x="3027" y="3303"/>
-                  <a:pt x="3303" y="3027"/>
-                  <a:pt x="3303" y="2752"/>
-                </a:cubicBezTo>
-                <a:lnTo>
-                  <a:pt x="3303" y="550"/>
-                </a:lnTo>
-                <a:cubicBezTo>
-                  <a:pt x="3303" y="275"/>
-                  <a:pt x="3027" y="0"/>
-                  <a:pt x="2752" y="0"/>
-                </a:cubicBezTo>
-                <a:lnTo>
-                  <a:pt x="550" y="0"/>
-                </a:lnTo>
-              </a:path>
-            </a:pathLst>
-          </a:custGeom>
-          <a:noFill/>
-          <a:ln>
-            <a:solidFill>
-              <a:srgbClr val="3465a4"/>
-            </a:solidFill>
-          </a:ln>
-        </p:spPr>
-        <p:style>
-          <a:lnRef idx="0"/>
-          <a:fillRef idx="0"/>
-          <a:effectRef idx="0"/>
-          <a:fontRef idx="minor"/>
-        </p:style>
-      </p:sp>
-      <p:sp>
-        <p:nvSpPr>
-          <p:cNvPr id="135" name="CustomShape 24"/>
-          <p:cNvSpPr/>
-          <p:nvPr/>
-        </p:nvSpPr>
-        <p:spPr>
-          <a:xfrm>
-            <a:off x="5364720" y="4737600"/>
-            <a:ext cx="1828440" cy="2011320"/>
-          </a:xfrm>
-          <a:prstGeom prst="rect">
-            <a:avLst/>
-          </a:prstGeom>
-          <a:noFill/>
-          <a:ln>
-            <a:solidFill>
-              <a:srgbClr val="3465a4"/>
-            </a:solidFill>
-            <a:custDash/>
-          </a:ln>
-        </p:spPr>
-        <p:style>
-          <a:lnRef idx="0"/>
-          <a:fillRef idx="0"/>
-          <a:effectRef idx="0"/>
-          <a:fontRef idx="minor"/>
-        </p:style>
-      </p:sp>
-      <p:sp>
-        <p:nvSpPr>
-          <p:cNvPr id="136" name="CustomShape 25"/>
-          <p:cNvSpPr/>
-          <p:nvPr/>
-        </p:nvSpPr>
-        <p:spPr>
-          <a:xfrm>
-            <a:off x="5762520" y="4840560"/>
-            <a:ext cx="1105560" cy="345960"/>
-          </a:xfrm>
-          <a:prstGeom prst="rect">
-            <a:avLst/>
-          </a:prstGeom>
-          <a:noFill/>
-          <a:ln>
-            <a:noFill/>
-          </a:ln>
-        </p:spPr>
-        <p:style>
-          <a:lnRef idx="0"/>
-          <a:fillRef idx="0"/>
-          <a:effectRef idx="0"/>
-          <a:fontRef idx="minor"/>
-        </p:style>
-        <p:txBody>
-          <a:bodyPr lIns="90000" rIns="90000" tIns="45000" bIns="45000"/>
-          <a:p>
-            <a:pPr algn="ctr">
-              <a:lnSpc>
-                <a:spcPct val="100000"/>
-              </a:lnSpc>
-            </a:pPr>
-            <a:r>
-              <a:rPr b="0" lang="en-US" sz="1800" spc="-1" strike="noStrike">
-                <a:solidFill>
-                  <a:srgbClr val="000000"/>
-                </a:solidFill>
-                <a:uFill>
-                  <a:solidFill>
-                    <a:srgbClr val="ffffff"/>
-                  </a:solidFill>
-                </a:uFill>
-                <a:latin typeface="Arial"/>
+                <a:ea typeface="DejaVu Sans"/>
               </a:rPr>
               <a:t>Logstash</a:t>
-            </a:r>
-            <a:endParaRPr b="0" lang="en-US" sz="1800" spc="-1" strike="noStrike">
-              <a:solidFill>
-                <a:srgbClr val="000000"/>
-              </a:solidFill>
-              <a:uFill>
-                <a:solidFill>
-                  <a:srgbClr val="ffffff"/>
-                </a:solidFill>
-              </a:uFill>
-              <a:latin typeface="Arial"/>
-            </a:endParaRPr>
-          </a:p>
-        </p:txBody>
-      </p:sp>
-      <p:sp>
-        <p:nvSpPr>
-          <p:cNvPr id="137" name="CustomShape 26"/>
-          <p:cNvSpPr/>
-          <p:nvPr/>
-        </p:nvSpPr>
-        <p:spPr>
-          <a:xfrm>
-            <a:off x="7992720" y="5349600"/>
-            <a:ext cx="1188360" cy="1188360"/>
-          </a:xfrm>
-          <a:custGeom>
-            <a:avLst/>
-            <a:gdLst/>
-            <a:ahLst/>
-            <a:rect l="l" t="t" r="r" b="b"/>
-            <a:pathLst>
-              <a:path w="3304" h="3304">
-                <a:moveTo>
-                  <a:pt x="550" y="0"/>
-                </a:moveTo>
-                <a:cubicBezTo>
-                  <a:pt x="275" y="0"/>
-                  <a:pt x="0" y="275"/>
-                  <a:pt x="0" y="550"/>
-                </a:cubicBezTo>
-                <a:lnTo>
-                  <a:pt x="0" y="2752"/>
-                </a:lnTo>
-                <a:cubicBezTo>
-                  <a:pt x="0" y="3027"/>
-                  <a:pt x="275" y="3303"/>
-                  <a:pt x="550" y="3303"/>
-                </a:cubicBezTo>
-                <a:lnTo>
-                  <a:pt x="2752" y="3303"/>
-                </a:lnTo>
-                <a:cubicBezTo>
-                  <a:pt x="3027" y="3303"/>
-                  <a:pt x="3303" y="3027"/>
-                  <a:pt x="3303" y="2752"/>
-                </a:cubicBezTo>
-                <a:lnTo>
-                  <a:pt x="3303" y="550"/>
-                </a:lnTo>
-                <a:cubicBezTo>
-                  <a:pt x="3303" y="275"/>
-                  <a:pt x="3027" y="0"/>
-                  <a:pt x="2752" y="0"/>
-                </a:cubicBezTo>
-                <a:lnTo>
-                  <a:pt x="550" y="0"/>
-                </a:lnTo>
-              </a:path>
-            </a:pathLst>
-          </a:custGeom>
-          <a:noFill/>
-          <a:ln>
-            <a:solidFill>
-              <a:srgbClr val="3465a4"/>
-            </a:solidFill>
-          </a:ln>
-        </p:spPr>
-        <p:style>
-          <a:lnRef idx="0"/>
-          <a:fillRef idx="0"/>
-          <a:effectRef idx="0"/>
-          <a:fontRef idx="minor"/>
-        </p:style>
-      </p:sp>
-      <p:sp>
-        <p:nvSpPr>
-          <p:cNvPr id="138" name="CustomShape 27"/>
-          <p:cNvSpPr/>
-          <p:nvPr/>
-        </p:nvSpPr>
-        <p:spPr>
-          <a:xfrm>
-            <a:off x="7668720" y="4737600"/>
-            <a:ext cx="1828440" cy="2011320"/>
-          </a:xfrm>
-          <a:prstGeom prst="rect">
-            <a:avLst/>
-          </a:prstGeom>
-          <a:noFill/>
-          <a:ln>
-            <a:solidFill>
-              <a:srgbClr val="3465a4"/>
-            </a:solidFill>
-            <a:custDash/>
-          </a:ln>
-        </p:spPr>
-        <p:style>
-          <a:lnRef idx="0"/>
-          <a:fillRef idx="0"/>
-          <a:effectRef idx="0"/>
-          <a:fontRef idx="minor"/>
-        </p:style>
-      </p:sp>
-      <p:sp>
-        <p:nvSpPr>
-          <p:cNvPr id="139" name="CustomShape 28"/>
-          <p:cNvSpPr/>
-          <p:nvPr/>
-        </p:nvSpPr>
-        <p:spPr>
-          <a:xfrm>
-            <a:off x="7814520" y="4840560"/>
-            <a:ext cx="1524600" cy="345960"/>
-          </a:xfrm>
-          <a:prstGeom prst="rect">
-            <a:avLst/>
-          </a:prstGeom>
-          <a:noFill/>
-          <a:ln>
-            <a:noFill/>
-          </a:ln>
-        </p:spPr>
-        <p:style>
-          <a:lnRef idx="0"/>
-          <a:fillRef idx="0"/>
-          <a:effectRef idx="0"/>
-          <a:fontRef idx="minor"/>
-        </p:style>
-        <p:txBody>
-          <a:bodyPr lIns="90000" rIns="90000" tIns="45000" bIns="45000"/>
-          <a:p>
-            <a:pPr algn="ctr">
-              <a:lnSpc>
-                <a:spcPct val="100000"/>
-              </a:lnSpc>
-            </a:pPr>
-            <a:r>
-              <a:rPr b="0" lang="en-US" sz="1800" spc="-1" strike="noStrike">
-                <a:solidFill>
-                  <a:srgbClr val="000000"/>
-                </a:solidFill>
-                <a:uFill>
-                  <a:solidFill>
-                    <a:srgbClr val="ffffff"/>
-                  </a:solidFill>
-                </a:uFill>
-                <a:latin typeface="Arial"/>
-              </a:rPr>
-              <a:t>Redis master</a:t>
-            </a:r>
-            <a:endParaRPr b="0" lang="en-US" sz="1800" spc="-1" strike="noStrike">
-              <a:solidFill>
-                <a:srgbClr val="000000"/>
-              </a:solidFill>
-              <a:uFill>
-                <a:solidFill>
-                  <a:srgbClr val="ffffff"/>
-                </a:solidFill>
-              </a:uFill>
-              <a:latin typeface="Arial"/>
-            </a:endParaRPr>
-          </a:p>
-        </p:txBody>
-      </p:sp>
-      <p:sp>
-        <p:nvSpPr>
-          <p:cNvPr id="140" name="CustomShape 29"/>
-          <p:cNvSpPr/>
-          <p:nvPr/>
-        </p:nvSpPr>
-        <p:spPr>
-          <a:xfrm>
-            <a:off x="5253840" y="6841440"/>
-            <a:ext cx="2066760" cy="365400"/>
-          </a:xfrm>
-          <a:prstGeom prst="rect">
-            <a:avLst/>
-          </a:prstGeom>
-          <a:noFill/>
-          <a:ln>
-            <a:noFill/>
-          </a:ln>
-        </p:spPr>
-        <p:style>
-          <a:lnRef idx="0"/>
-          <a:fillRef idx="0"/>
-          <a:effectRef idx="0"/>
-          <a:fontRef idx="minor"/>
-        </p:style>
-        <p:txBody>
-          <a:bodyPr lIns="90000" rIns="90000" tIns="45000" bIns="45000"/>
-          <a:p>
-            <a:pPr algn="ctr">
-              <a:lnSpc>
-                <a:spcPct val="100000"/>
-              </a:lnSpc>
-            </a:pPr>
-            <a:r>
-              <a:rPr b="0" lang="en-US" sz="1400" spc="-1" strike="noStrike">
-                <a:solidFill>
-                  <a:srgbClr val="000000"/>
-                </a:solidFill>
-                <a:uFill>
-                  <a:solidFill>
-                    <a:srgbClr val="ffffff"/>
-                  </a:solidFill>
-                </a:uFill>
-                <a:latin typeface="Arial"/>
-              </a:rPr>
-              <a:t>logstash.service.consul</a:t>
-            </a:r>
-            <a:endParaRPr b="0" lang="en-US" sz="1800" spc="-1" strike="noStrike">
-              <a:solidFill>
-                <a:srgbClr val="000000"/>
-              </a:solidFill>
-              <a:uFill>
-                <a:solidFill>
-                  <a:srgbClr val="ffffff"/>
-                </a:solidFill>
-              </a:uFill>
-              <a:latin typeface="Arial"/>
-            </a:endParaRPr>
-          </a:p>
-        </p:txBody>
-      </p:sp>
-      <p:sp>
-        <p:nvSpPr>
-          <p:cNvPr id="141" name="CustomShape 30"/>
-          <p:cNvSpPr/>
-          <p:nvPr/>
-        </p:nvSpPr>
-        <p:spPr>
-          <a:xfrm>
-            <a:off x="7737840" y="6841440"/>
-            <a:ext cx="1813320" cy="365400"/>
-          </a:xfrm>
-          <a:prstGeom prst="rect">
-            <a:avLst/>
-          </a:prstGeom>
-          <a:noFill/>
-          <a:ln>
-            <a:noFill/>
-          </a:ln>
-        </p:spPr>
-        <p:style>
-          <a:lnRef idx="0"/>
-          <a:fillRef idx="0"/>
-          <a:effectRef idx="0"/>
-          <a:fontRef idx="minor"/>
-        </p:style>
-        <p:txBody>
-          <a:bodyPr lIns="90000" rIns="90000" tIns="45000" bIns="45000"/>
-          <a:p>
-            <a:pPr algn="ctr">
-              <a:lnSpc>
-                <a:spcPct val="100000"/>
-              </a:lnSpc>
-            </a:pPr>
-            <a:r>
-              <a:rPr b="0" lang="en-US" sz="1400" spc="-1" strike="noStrike">
-                <a:solidFill>
-                  <a:srgbClr val="000000"/>
-                </a:solidFill>
-                <a:uFill>
-                  <a:solidFill>
-                    <a:srgbClr val="ffffff"/>
-                  </a:solidFill>
-                </a:uFill>
-                <a:latin typeface="Arial"/>
-              </a:rPr>
-              <a:t>redis.service.consul</a:t>
-            </a:r>
-            <a:endParaRPr b="0" lang="en-US" sz="1800" spc="-1" strike="noStrike">
-              <a:solidFill>
-                <a:srgbClr val="000000"/>
-              </a:solidFill>
-              <a:uFill>
-                <a:solidFill>
-                  <a:srgbClr val="ffffff"/>
-                </a:solidFill>
-              </a:uFill>
-              <a:latin typeface="Arial"/>
-            </a:endParaRPr>
-          </a:p>
-        </p:txBody>
-      </p:sp>
-      <p:sp>
-        <p:nvSpPr>
-          <p:cNvPr id="142" name="CustomShape 31"/>
-          <p:cNvSpPr/>
-          <p:nvPr/>
-        </p:nvSpPr>
-        <p:spPr>
-          <a:xfrm>
-            <a:off x="3402720" y="1233360"/>
-            <a:ext cx="814320" cy="345960"/>
-          </a:xfrm>
-          <a:prstGeom prst="rect">
-            <a:avLst/>
-          </a:prstGeom>
-          <a:noFill/>
-          <a:ln>
-            <a:noFill/>
-          </a:ln>
-        </p:spPr>
-        <p:style>
-          <a:lnRef idx="0"/>
-          <a:fillRef idx="0"/>
-          <a:effectRef idx="0"/>
-          <a:fontRef idx="minor"/>
-        </p:style>
-        <p:txBody>
-          <a:bodyPr lIns="90000" rIns="90000" tIns="45000" bIns="45000"/>
-          <a:p>
-            <a:r>
-              <a:rPr b="0" lang="en-US" sz="1800" spc="-1" strike="noStrike">
-                <a:solidFill>
-                  <a:srgbClr val="000000"/>
-                </a:solidFill>
-                <a:uFill>
-                  <a:solidFill>
-                    <a:srgbClr val="ffffff"/>
-                  </a:solidFill>
-                </a:uFill>
-                <a:latin typeface="Arial"/>
-              </a:rPr>
-              <a:t>server</a:t>
-            </a:r>
-            <a:endParaRPr b="0" lang="en-US" sz="1800" spc="-1" strike="noStrike">
-              <a:solidFill>
-                <a:srgbClr val="000000"/>
-              </a:solidFill>
-              <a:uFill>
-                <a:solidFill>
-                  <a:srgbClr val="ffffff"/>
-                </a:solidFill>
-              </a:uFill>
-              <a:latin typeface="Arial"/>
-            </a:endParaRPr>
-          </a:p>
-        </p:txBody>
-      </p:sp>
-      <p:sp>
-        <p:nvSpPr>
-          <p:cNvPr id="143" name="CustomShape 32"/>
-          <p:cNvSpPr/>
-          <p:nvPr/>
-        </p:nvSpPr>
-        <p:spPr>
-          <a:xfrm>
-            <a:off x="640080" y="4375440"/>
-            <a:ext cx="750240" cy="345960"/>
-          </a:xfrm>
-          <a:prstGeom prst="rect">
-            <a:avLst/>
-          </a:prstGeom>
-          <a:noFill/>
-          <a:ln>
-            <a:noFill/>
-          </a:ln>
-        </p:spPr>
-        <p:style>
-          <a:lnRef idx="0"/>
-          <a:fillRef idx="0"/>
-          <a:effectRef idx="0"/>
-          <a:fontRef idx="minor"/>
-        </p:style>
-        <p:txBody>
-          <a:bodyPr lIns="90000" rIns="90000" tIns="45000" bIns="45000"/>
-          <a:p>
-            <a:r>
-              <a:rPr b="0" lang="en-US" sz="1800" spc="-1" strike="noStrike">
-                <a:solidFill>
-                  <a:srgbClr val="000000"/>
-                </a:solidFill>
-                <a:uFill>
-                  <a:solidFill>
-                    <a:srgbClr val="ffffff"/>
-                  </a:solidFill>
-                </a:uFill>
-                <a:latin typeface="Arial"/>
-              </a:rPr>
-              <a:t>agent</a:t>
-            </a:r>
-            <a:endParaRPr b="0" lang="en-US" sz="1800" spc="-1" strike="noStrike">
-              <a:solidFill>
-                <a:srgbClr val="000000"/>
-              </a:solidFill>
-              <a:uFill>
-                <a:solidFill>
-                  <a:srgbClr val="ffffff"/>
-                </a:solidFill>
-              </a:uFill>
-              <a:latin typeface="Arial"/>
-            </a:endParaRPr>
-          </a:p>
-        </p:txBody>
-      </p:sp>
-      <p:sp>
-        <p:nvSpPr>
-          <p:cNvPr id="144" name="CustomShape 33"/>
-          <p:cNvSpPr/>
-          <p:nvPr/>
-        </p:nvSpPr>
-        <p:spPr>
-          <a:xfrm>
-            <a:off x="2880720" y="4375440"/>
-            <a:ext cx="750240" cy="345960"/>
-          </a:xfrm>
-          <a:prstGeom prst="rect">
-            <a:avLst/>
-          </a:prstGeom>
-          <a:noFill/>
-          <a:ln>
-            <a:noFill/>
-          </a:ln>
-        </p:spPr>
-        <p:style>
-          <a:lnRef idx="0"/>
-          <a:fillRef idx="0"/>
-          <a:effectRef idx="0"/>
-          <a:fontRef idx="minor"/>
-        </p:style>
-        <p:txBody>
-          <a:bodyPr lIns="90000" rIns="90000" tIns="45000" bIns="45000"/>
-          <a:p>
-            <a:r>
-              <a:rPr b="0" lang="en-US" sz="1800" spc="-1" strike="noStrike">
-                <a:solidFill>
-                  <a:srgbClr val="000000"/>
-                </a:solidFill>
-                <a:uFill>
-                  <a:solidFill>
-                    <a:srgbClr val="ffffff"/>
-                  </a:solidFill>
-                </a:uFill>
-                <a:latin typeface="Arial"/>
-              </a:rPr>
-              <a:t>agent</a:t>
-            </a:r>
-            <a:endParaRPr b="0" lang="en-US" sz="1800" spc="-1" strike="noStrike">
-              <a:solidFill>
-                <a:srgbClr val="000000"/>
-              </a:solidFill>
-              <a:uFill>
-                <a:solidFill>
-                  <a:srgbClr val="ffffff"/>
-                </a:solidFill>
-              </a:uFill>
-              <a:latin typeface="Arial"/>
-            </a:endParaRPr>
-          </a:p>
-        </p:txBody>
-      </p:sp>
-      <p:sp>
-        <p:nvSpPr>
-          <p:cNvPr id="145" name="CustomShape 34"/>
-          <p:cNvSpPr/>
-          <p:nvPr/>
-        </p:nvSpPr>
-        <p:spPr>
-          <a:xfrm>
-            <a:off x="6442920" y="4375440"/>
-            <a:ext cx="750240" cy="345960"/>
-          </a:xfrm>
-          <a:prstGeom prst="rect">
-            <a:avLst/>
-          </a:prstGeom>
-          <a:noFill/>
-          <a:ln>
-            <a:noFill/>
-          </a:ln>
-        </p:spPr>
-        <p:style>
-          <a:lnRef idx="0"/>
-          <a:fillRef idx="0"/>
-          <a:effectRef idx="0"/>
-          <a:fontRef idx="minor"/>
-        </p:style>
-        <p:txBody>
-          <a:bodyPr lIns="90000" rIns="90000" tIns="45000" bIns="45000"/>
-          <a:p>
-            <a:r>
-              <a:rPr b="0" lang="en-US" sz="1800" spc="-1" strike="noStrike">
-                <a:solidFill>
-                  <a:srgbClr val="000000"/>
-                </a:solidFill>
-                <a:uFill>
-                  <a:solidFill>
-                    <a:srgbClr val="ffffff"/>
-                  </a:solidFill>
-                </a:uFill>
-                <a:latin typeface="Arial"/>
-              </a:rPr>
-              <a:t>agent</a:t>
-            </a:r>
-            <a:endParaRPr b="0" lang="en-US" sz="1800" spc="-1" strike="noStrike">
-              <a:solidFill>
-                <a:srgbClr val="000000"/>
-              </a:solidFill>
-              <a:uFill>
-                <a:solidFill>
-                  <a:srgbClr val="ffffff"/>
-                </a:solidFill>
-              </a:uFill>
-              <a:latin typeface="Arial"/>
-            </a:endParaRPr>
-          </a:p>
-        </p:txBody>
-      </p:sp>
-      <p:sp>
-        <p:nvSpPr>
-          <p:cNvPr id="146" name="CustomShape 35"/>
-          <p:cNvSpPr/>
-          <p:nvPr/>
-        </p:nvSpPr>
-        <p:spPr>
-          <a:xfrm>
-            <a:off x="8746920" y="4375440"/>
-            <a:ext cx="750240" cy="345960"/>
-          </a:xfrm>
-          <a:prstGeom prst="rect">
-            <a:avLst/>
-          </a:prstGeom>
-          <a:noFill/>
-          <a:ln>
-            <a:noFill/>
-          </a:ln>
-        </p:spPr>
-        <p:style>
-          <a:lnRef idx="0"/>
-          <a:fillRef idx="0"/>
-          <a:effectRef idx="0"/>
-          <a:fontRef idx="minor"/>
-        </p:style>
-        <p:txBody>
-          <a:bodyPr lIns="90000" rIns="90000" tIns="45000" bIns="45000"/>
-          <a:p>
-            <a:r>
-              <a:rPr b="0" lang="en-US" sz="1800" spc="-1" strike="noStrike">
-                <a:solidFill>
-                  <a:srgbClr val="000000"/>
-                </a:solidFill>
-                <a:uFill>
-                  <a:solidFill>
-                    <a:srgbClr val="ffffff"/>
-                  </a:solidFill>
-                </a:uFill>
-                <a:latin typeface="Arial"/>
-              </a:rPr>
-              <a:t>agent</a:t>
             </a:r>
             <a:endParaRPr b="0" lang="en-US" sz="1800" spc="-1" strike="noStrike">
               <a:solidFill>
@@ -8333,104 +7012,104 @@
       </p:sp>
       <p:cxnSp>
         <p:nvCxnSpPr>
-          <p:cNvPr id="147" name="Line 36"/>
+          <p:cNvPr id="108" name="Line 31"/>
           <p:cNvCxnSpPr>
-            <a:stCxn id="123" idx="0"/>
-            <a:endCxn id="113" idx="1"/>
+            <a:stCxn id="81" idx="2"/>
+            <a:endCxn id="82" idx="0"/>
           </p:cNvCxnSpPr>
           <p:nvPr/>
         </p:nvCxnSpPr>
         <p:spPr>
-          <a:xfrm flipV="1">
-            <a:off x="1562760" y="2610360"/>
-            <a:ext cx="1798560" cy="2127600"/>
+          <a:xfrm>
+            <a:off x="7941240" y="3382560"/>
+            <a:ext cx="360" cy="2338920"/>
           </a:xfrm>
           <a:prstGeom prst="straightConnector1">
             <a:avLst/>
           </a:prstGeom>
-          <a:ln>
+          <a:ln w="29160">
             <a:solidFill>
               <a:srgbClr val="000000"/>
             </a:solidFill>
-            <a:headEnd len="med" type="triangle" w="med"/>
+            <a:round/>
             <a:tailEnd len="med" type="triangle" w="med"/>
           </a:ln>
         </p:spPr>
       </p:cxnSp>
       <p:cxnSp>
         <p:nvCxnSpPr>
-          <p:cNvPr id="148" name="Line 37"/>
+          <p:cNvPr id="109" name="Line 32"/>
           <p:cNvCxnSpPr>
-            <a:stCxn id="128" idx="0"/>
-            <a:endCxn id="113" idx="2"/>
+            <a:stCxn id="83" idx="1"/>
+            <a:endCxn id="84" idx="3"/>
           </p:cNvCxnSpPr>
           <p:nvPr/>
         </p:nvCxnSpPr>
         <p:spPr>
-          <a:xfrm flipV="1">
-            <a:off x="3794760" y="3657240"/>
-            <a:ext cx="1212120" cy="1080720"/>
-          </a:xfrm>
-          <a:prstGeom prst="straightConnector1">
-            <a:avLst/>
-          </a:prstGeom>
-          <a:ln>
+          <a:xfrm flipH="1" flipV="1">
+            <a:off x="2892240" y="2739960"/>
+            <a:ext cx="857160" cy="1669680"/>
+          </a:xfrm>
+          <a:prstGeom prst="curvedConnector3">
+            <a:avLst/>
+          </a:prstGeom>
+          <a:ln w="29160">
             <a:solidFill>
               <a:srgbClr val="000000"/>
             </a:solidFill>
-            <a:headEnd len="med" type="triangle" w="med"/>
+            <a:round/>
             <a:tailEnd len="med" type="triangle" w="med"/>
           </a:ln>
         </p:spPr>
       </p:cxnSp>
       <p:cxnSp>
         <p:nvCxnSpPr>
-          <p:cNvPr id="149" name="Line 38"/>
+          <p:cNvPr id="110" name="Line 33"/>
           <p:cNvCxnSpPr>
-            <a:stCxn id="113" idx="2"/>
-            <a:endCxn id="135" idx="0"/>
+            <a:stCxn id="79" idx="1"/>
+            <a:endCxn id="84" idx="3"/>
           </p:cNvCxnSpPr>
           <p:nvPr/>
         </p:nvCxnSpPr>
         <p:spPr>
-          <a:xfrm>
-            <a:off x="5006520" y="3657240"/>
-            <a:ext cx="1272600" cy="1080720"/>
-          </a:xfrm>
-          <a:prstGeom prst="straightConnector1">
-            <a:avLst/>
-          </a:prstGeom>
-          <a:ln>
+          <a:xfrm flipH="1">
+            <a:off x="2892240" y="2072520"/>
+            <a:ext cx="870840" cy="667800"/>
+          </a:xfrm>
+          <a:prstGeom prst="curvedConnector3">
+            <a:avLst/>
+          </a:prstGeom>
+          <a:ln w="29160">
             <a:solidFill>
               <a:srgbClr val="000000"/>
             </a:solidFill>
-            <a:headEnd len="med" type="triangle" w="med"/>
+            <a:round/>
             <a:tailEnd len="med" type="triangle" w="med"/>
           </a:ln>
         </p:spPr>
       </p:cxnSp>
       <p:cxnSp>
         <p:nvCxnSpPr>
-          <p:cNvPr id="150" name="Line 39"/>
+          <p:cNvPr id="111" name="Line 34"/>
           <p:cNvCxnSpPr>
-            <a:stCxn id="113" idx="3"/>
-            <a:endCxn id="138" idx="0"/>
+            <a:stCxn id="82" idx="1"/>
+            <a:endCxn id="83" idx="2"/>
           </p:cNvCxnSpPr>
           <p:nvPr/>
         </p:nvCxnSpPr>
         <p:spPr>
-          <a:xfrm>
-            <a:off x="6652440" y="2610360"/>
-            <a:ext cx="1930680" cy="2127600"/>
-          </a:xfrm>
-          <a:prstGeom prst="straightConnector1">
-            <a:avLst/>
-          </a:prstGeom>
-          <a:ln>
+          <a:xfrm flipH="1" flipV="1">
+            <a:off x="5120640" y="5124960"/>
+            <a:ext cx="1632600" cy="1302120"/>
+          </a:xfrm>
+          <a:prstGeom prst="curvedConnector3">
+            <a:avLst/>
+          </a:prstGeom>
+          <a:ln w="29160">
             <a:solidFill>
               <a:srgbClr val="000000"/>
             </a:solidFill>
-            <a:headEnd len="med" type="triangle" w="med"/>
+            <a:round/>
             <a:tailEnd len="med" type="triangle" w="med"/>
           </a:ln>
         </p:spPr>
@@ -8486,14 +7165,14 @@
       </p:grpSpPr>
       <p:sp>
         <p:nvSpPr>
-          <p:cNvPr id="151" name="CustomShape 1"/>
+          <p:cNvPr id="112" name="CustomShape 1"/>
           <p:cNvSpPr/>
           <p:nvPr/>
         </p:nvSpPr>
         <p:spPr>
           <a:xfrm>
             <a:off x="504000" y="301320"/>
-            <a:ext cx="9071280" cy="1261800"/>
+            <a:ext cx="9070920" cy="1261440"/>
           </a:xfrm>
           <a:prstGeom prst="rect">
             <a:avLst/>
@@ -8528,6 +7207,7 @@
                   </a:solidFill>
                 </a:uFill>
                 <a:latin typeface="Arial"/>
+                <a:ea typeface="DejaVu Sans"/>
               </a:rPr>
               <a:t>Consul</a:t>
             </a:r>
@@ -8542,8 +7222,9 @@
                   </a:solidFill>
                 </a:uFill>
                 <a:latin typeface="Arial"/>
-              </a:rPr>
-              <a:t>配置样例</a:t>
+                <a:ea typeface="DejaVu Sans"/>
+              </a:rPr>
+              <a:t>架构图</a:t>
             </a:r>
             <a:endParaRPr b="0" lang="en-US" sz="1800" spc="-1" strike="noStrike">
               <a:solidFill>
@@ -8559,69 +7240,25 @@
           </a:p>
         </p:txBody>
       </p:sp>
-      <p:pic>
-        <p:nvPicPr>
-          <p:cNvPr id="152" name="" descr=""/>
-          <p:cNvPicPr/>
-          <p:nvPr/>
-        </p:nvPicPr>
-        <p:blipFill>
-          <a:blip r:embed="rId1"/>
-          <a:stretch/>
-        </p:blipFill>
-        <p:spPr>
-          <a:xfrm>
-            <a:off x="2198880" y="1391040"/>
-            <a:ext cx="5542920" cy="3990240"/>
-          </a:xfrm>
-          <a:prstGeom prst="rect">
-            <a:avLst/>
-          </a:prstGeom>
-          <a:ln>
-            <a:noFill/>
-          </a:ln>
-        </p:spPr>
-      </p:pic>
-      <p:pic>
-        <p:nvPicPr>
-          <p:cNvPr id="153" name="" descr=""/>
-          <p:cNvPicPr/>
-          <p:nvPr/>
-        </p:nvPicPr>
-        <p:blipFill>
-          <a:blip r:embed="rId2"/>
-          <a:stretch/>
-        </p:blipFill>
-        <p:spPr>
-          <a:xfrm>
-            <a:off x="1927440" y="5464080"/>
-            <a:ext cx="6085800" cy="465840"/>
-          </a:xfrm>
-          <a:prstGeom prst="rect">
-            <a:avLst/>
-          </a:prstGeom>
-          <a:ln>
-            <a:noFill/>
-          </a:ln>
-        </p:spPr>
-      </p:pic>
-      <p:sp>
-        <p:nvSpPr>
-          <p:cNvPr id="154" name="CustomShape 2"/>
+      <p:sp>
+        <p:nvSpPr>
+          <p:cNvPr id="113" name="CustomShape 2"/>
           <p:cNvSpPr/>
           <p:nvPr/>
         </p:nvSpPr>
         <p:spPr>
           <a:xfrm>
-            <a:off x="1188720" y="6217920"/>
-            <a:ext cx="7532280" cy="1105200"/>
+            <a:off x="3360960" y="1563480"/>
+            <a:ext cx="3291120" cy="2093400"/>
           </a:xfrm>
           <a:prstGeom prst="rect">
             <a:avLst/>
           </a:prstGeom>
           <a:noFill/>
           <a:ln>
-            <a:noFill/>
+            <a:solidFill>
+              <a:srgbClr val="3465a4"/>
+            </a:solidFill>
           </a:ln>
         </p:spPr>
         <p:style>
@@ -8630,6 +7267,462 @@
           <a:effectRef idx="0"/>
           <a:fontRef idx="minor"/>
         </p:style>
+      </p:sp>
+      <p:sp>
+        <p:nvSpPr>
+          <p:cNvPr id="114" name="CustomShape 3"/>
+          <p:cNvSpPr/>
+          <p:nvPr/>
+        </p:nvSpPr>
+        <p:spPr>
+          <a:xfrm>
+            <a:off x="4458240" y="1809360"/>
+            <a:ext cx="1096560" cy="639360"/>
+          </a:xfrm>
+          <a:prstGeom prst="rect">
+            <a:avLst/>
+          </a:prstGeom>
+          <a:noFill/>
+          <a:ln>
+            <a:solidFill>
+              <a:srgbClr val="3465a4"/>
+            </a:solidFill>
+          </a:ln>
+        </p:spPr>
+        <p:style>
+          <a:lnRef idx="0"/>
+          <a:fillRef idx="0"/>
+          <a:effectRef idx="0"/>
+          <a:fontRef idx="minor"/>
+        </p:style>
+        <p:txBody>
+          <a:bodyPr wrap="none" lIns="90000" rIns="90000" tIns="45000" bIns="45000" anchor="ctr"/>
+          <a:p>
+            <a:pPr algn="ctr">
+              <a:lnSpc>
+                <a:spcPct val="100000"/>
+              </a:lnSpc>
+            </a:pPr>
+            <a:r>
+              <a:rPr b="0" lang="en-US" sz="1800" spc="-1" strike="noStrike">
+                <a:solidFill>
+                  <a:srgbClr val="000000"/>
+                </a:solidFill>
+                <a:uFill>
+                  <a:solidFill>
+                    <a:srgbClr val="ffffff"/>
+                  </a:solidFill>
+                </a:uFill>
+                <a:latin typeface="Arial"/>
+                <a:ea typeface="DejaVu Sans"/>
+              </a:rPr>
+              <a:t>master1</a:t>
+            </a:r>
+            <a:endParaRPr b="0" lang="en-US" sz="1800" spc="-1" strike="noStrike">
+              <a:solidFill>
+                <a:srgbClr val="000000"/>
+              </a:solidFill>
+              <a:uFill>
+                <a:solidFill>
+                  <a:srgbClr val="ffffff"/>
+                </a:solidFill>
+              </a:uFill>
+              <a:latin typeface="Arial"/>
+            </a:endParaRPr>
+          </a:p>
+        </p:txBody>
+      </p:sp>
+      <p:sp>
+        <p:nvSpPr>
+          <p:cNvPr id="115" name="CustomShape 4"/>
+          <p:cNvSpPr/>
+          <p:nvPr/>
+        </p:nvSpPr>
+        <p:spPr>
+          <a:xfrm>
+            <a:off x="3558240" y="2673360"/>
+            <a:ext cx="1096560" cy="639360"/>
+          </a:xfrm>
+          <a:prstGeom prst="rect">
+            <a:avLst/>
+          </a:prstGeom>
+          <a:noFill/>
+          <a:ln>
+            <a:solidFill>
+              <a:srgbClr val="3465a4"/>
+            </a:solidFill>
+          </a:ln>
+        </p:spPr>
+        <p:style>
+          <a:lnRef idx="0"/>
+          <a:fillRef idx="0"/>
+          <a:effectRef idx="0"/>
+          <a:fontRef idx="minor"/>
+        </p:style>
+        <p:txBody>
+          <a:bodyPr wrap="none" lIns="90000" rIns="90000" tIns="45000" bIns="45000" anchor="ctr"/>
+          <a:p>
+            <a:pPr algn="ctr">
+              <a:lnSpc>
+                <a:spcPct val="100000"/>
+              </a:lnSpc>
+            </a:pPr>
+            <a:r>
+              <a:rPr b="0" lang="en-US" sz="1800" spc="-1" strike="noStrike">
+                <a:solidFill>
+                  <a:srgbClr val="000000"/>
+                </a:solidFill>
+                <a:uFill>
+                  <a:solidFill>
+                    <a:srgbClr val="ffffff"/>
+                  </a:solidFill>
+                </a:uFill>
+                <a:latin typeface="Arial"/>
+                <a:ea typeface="DejaVu Sans"/>
+              </a:rPr>
+              <a:t>master2</a:t>
+            </a:r>
+            <a:endParaRPr b="0" lang="en-US" sz="1800" spc="-1" strike="noStrike">
+              <a:solidFill>
+                <a:srgbClr val="000000"/>
+              </a:solidFill>
+              <a:uFill>
+                <a:solidFill>
+                  <a:srgbClr val="ffffff"/>
+                </a:solidFill>
+              </a:uFill>
+              <a:latin typeface="Arial"/>
+            </a:endParaRPr>
+          </a:p>
+        </p:txBody>
+      </p:sp>
+      <p:sp>
+        <p:nvSpPr>
+          <p:cNvPr id="116" name="CustomShape 5"/>
+          <p:cNvSpPr/>
+          <p:nvPr/>
+        </p:nvSpPr>
+        <p:spPr>
+          <a:xfrm>
+            <a:off x="5356080" y="2673360"/>
+            <a:ext cx="1096560" cy="639360"/>
+          </a:xfrm>
+          <a:prstGeom prst="rect">
+            <a:avLst/>
+          </a:prstGeom>
+          <a:noFill/>
+          <a:ln>
+            <a:solidFill>
+              <a:srgbClr val="3465a4"/>
+            </a:solidFill>
+          </a:ln>
+        </p:spPr>
+        <p:style>
+          <a:lnRef idx="0"/>
+          <a:fillRef idx="0"/>
+          <a:effectRef idx="0"/>
+          <a:fontRef idx="minor"/>
+        </p:style>
+        <p:txBody>
+          <a:bodyPr wrap="none" lIns="90000" rIns="90000" tIns="45000" bIns="45000" anchor="ctr"/>
+          <a:p>
+            <a:pPr algn="ctr">
+              <a:lnSpc>
+                <a:spcPct val="100000"/>
+              </a:lnSpc>
+            </a:pPr>
+            <a:r>
+              <a:rPr b="0" lang="en-US" sz="1800" spc="-1" strike="noStrike">
+                <a:solidFill>
+                  <a:srgbClr val="000000"/>
+                </a:solidFill>
+                <a:uFill>
+                  <a:solidFill>
+                    <a:srgbClr val="ffffff"/>
+                  </a:solidFill>
+                </a:uFill>
+                <a:latin typeface="Arial"/>
+                <a:ea typeface="DejaVu Sans"/>
+              </a:rPr>
+              <a:t>master3</a:t>
+            </a:r>
+            <a:endParaRPr b="0" lang="en-US" sz="1800" spc="-1" strike="noStrike">
+              <a:solidFill>
+                <a:srgbClr val="000000"/>
+              </a:solidFill>
+              <a:uFill>
+                <a:solidFill>
+                  <a:srgbClr val="ffffff"/>
+                </a:solidFill>
+              </a:uFill>
+              <a:latin typeface="Arial"/>
+            </a:endParaRPr>
+          </a:p>
+        </p:txBody>
+      </p:sp>
+      <p:sp>
+        <p:nvSpPr>
+          <p:cNvPr id="117" name="CustomShape 6"/>
+          <p:cNvSpPr/>
+          <p:nvPr/>
+        </p:nvSpPr>
+        <p:spPr>
+          <a:xfrm>
+            <a:off x="864720" y="4989600"/>
+            <a:ext cx="1188000" cy="1188000"/>
+          </a:xfrm>
+          <a:custGeom>
+            <a:avLst/>
+            <a:gdLst/>
+            <a:ahLst/>
+            <a:rect l="l" t="t" r="r" b="b"/>
+            <a:pathLst>
+              <a:path w="3304" h="3304">
+                <a:moveTo>
+                  <a:pt x="550" y="0"/>
+                </a:moveTo>
+                <a:cubicBezTo>
+                  <a:pt x="275" y="0"/>
+                  <a:pt x="0" y="275"/>
+                  <a:pt x="0" y="550"/>
+                </a:cubicBezTo>
+                <a:lnTo>
+                  <a:pt x="0" y="2752"/>
+                </a:lnTo>
+                <a:cubicBezTo>
+                  <a:pt x="0" y="3027"/>
+                  <a:pt x="275" y="3303"/>
+                  <a:pt x="550" y="3303"/>
+                </a:cubicBezTo>
+                <a:lnTo>
+                  <a:pt x="2752" y="3303"/>
+                </a:lnTo>
+                <a:cubicBezTo>
+                  <a:pt x="3027" y="3303"/>
+                  <a:pt x="3303" y="3027"/>
+                  <a:pt x="3303" y="2752"/>
+                </a:cubicBezTo>
+                <a:lnTo>
+                  <a:pt x="3303" y="550"/>
+                </a:lnTo>
+                <a:cubicBezTo>
+                  <a:pt x="3303" y="275"/>
+                  <a:pt x="3027" y="0"/>
+                  <a:pt x="2752" y="0"/>
+                </a:cubicBezTo>
+                <a:lnTo>
+                  <a:pt x="550" y="0"/>
+                </a:lnTo>
+              </a:path>
+            </a:pathLst>
+          </a:custGeom>
+          <a:noFill/>
+          <a:ln>
+            <a:solidFill>
+              <a:srgbClr val="3465a4"/>
+            </a:solidFill>
+          </a:ln>
+        </p:spPr>
+        <p:style>
+          <a:lnRef idx="0"/>
+          <a:fillRef idx="0"/>
+          <a:effectRef idx="0"/>
+          <a:fontRef idx="minor"/>
+        </p:style>
+      </p:sp>
+      <p:sp>
+        <p:nvSpPr>
+          <p:cNvPr id="118" name="CustomShape 7"/>
+          <p:cNvSpPr/>
+          <p:nvPr/>
+        </p:nvSpPr>
+        <p:spPr>
+          <a:xfrm>
+            <a:off x="973080" y="5097960"/>
+            <a:ext cx="1188000" cy="1188000"/>
+          </a:xfrm>
+          <a:custGeom>
+            <a:avLst/>
+            <a:gdLst/>
+            <a:ahLst/>
+            <a:rect l="l" t="t" r="r" b="b"/>
+            <a:pathLst>
+              <a:path w="3304" h="3304">
+                <a:moveTo>
+                  <a:pt x="550" y="0"/>
+                </a:moveTo>
+                <a:cubicBezTo>
+                  <a:pt x="275" y="0"/>
+                  <a:pt x="0" y="275"/>
+                  <a:pt x="0" y="550"/>
+                </a:cubicBezTo>
+                <a:lnTo>
+                  <a:pt x="0" y="2752"/>
+                </a:lnTo>
+                <a:cubicBezTo>
+                  <a:pt x="0" y="3027"/>
+                  <a:pt x="275" y="3303"/>
+                  <a:pt x="550" y="3303"/>
+                </a:cubicBezTo>
+                <a:lnTo>
+                  <a:pt x="2752" y="3303"/>
+                </a:lnTo>
+                <a:cubicBezTo>
+                  <a:pt x="3027" y="3303"/>
+                  <a:pt x="3303" y="3027"/>
+                  <a:pt x="3303" y="2752"/>
+                </a:cubicBezTo>
+                <a:lnTo>
+                  <a:pt x="3303" y="550"/>
+                </a:lnTo>
+                <a:cubicBezTo>
+                  <a:pt x="3303" y="275"/>
+                  <a:pt x="3027" y="0"/>
+                  <a:pt x="2752" y="0"/>
+                </a:cubicBezTo>
+                <a:lnTo>
+                  <a:pt x="550" y="0"/>
+                </a:lnTo>
+              </a:path>
+            </a:pathLst>
+          </a:custGeom>
+          <a:noFill/>
+          <a:ln>
+            <a:solidFill>
+              <a:srgbClr val="3465a4"/>
+            </a:solidFill>
+          </a:ln>
+        </p:spPr>
+        <p:style>
+          <a:lnRef idx="0"/>
+          <a:fillRef idx="0"/>
+          <a:effectRef idx="0"/>
+          <a:fontRef idx="minor"/>
+        </p:style>
+      </p:sp>
+      <p:sp>
+        <p:nvSpPr>
+          <p:cNvPr id="119" name="CustomShape 8"/>
+          <p:cNvSpPr/>
+          <p:nvPr/>
+        </p:nvSpPr>
+        <p:spPr>
+          <a:xfrm>
+            <a:off x="1081440" y="5206320"/>
+            <a:ext cx="1188000" cy="1188000"/>
+          </a:xfrm>
+          <a:custGeom>
+            <a:avLst/>
+            <a:gdLst/>
+            <a:ahLst/>
+            <a:rect l="l" t="t" r="r" b="b"/>
+            <a:pathLst>
+              <a:path w="3304" h="3304">
+                <a:moveTo>
+                  <a:pt x="550" y="0"/>
+                </a:moveTo>
+                <a:cubicBezTo>
+                  <a:pt x="275" y="0"/>
+                  <a:pt x="0" y="275"/>
+                  <a:pt x="0" y="550"/>
+                </a:cubicBezTo>
+                <a:lnTo>
+                  <a:pt x="0" y="2752"/>
+                </a:lnTo>
+                <a:cubicBezTo>
+                  <a:pt x="0" y="3027"/>
+                  <a:pt x="275" y="3303"/>
+                  <a:pt x="550" y="3303"/>
+                </a:cubicBezTo>
+                <a:lnTo>
+                  <a:pt x="2752" y="3303"/>
+                </a:lnTo>
+                <a:cubicBezTo>
+                  <a:pt x="3027" y="3303"/>
+                  <a:pt x="3303" y="3027"/>
+                  <a:pt x="3303" y="2752"/>
+                </a:cubicBezTo>
+                <a:lnTo>
+                  <a:pt x="3303" y="550"/>
+                </a:lnTo>
+                <a:cubicBezTo>
+                  <a:pt x="3303" y="275"/>
+                  <a:pt x="3027" y="0"/>
+                  <a:pt x="2752" y="0"/>
+                </a:cubicBezTo>
+                <a:lnTo>
+                  <a:pt x="550" y="0"/>
+                </a:lnTo>
+              </a:path>
+            </a:pathLst>
+          </a:custGeom>
+          <a:noFill/>
+          <a:ln>
+            <a:solidFill>
+              <a:srgbClr val="3465a4"/>
+            </a:solidFill>
+          </a:ln>
+        </p:spPr>
+        <p:style>
+          <a:lnRef idx="0"/>
+          <a:fillRef idx="0"/>
+          <a:effectRef idx="0"/>
+          <a:fontRef idx="minor"/>
+        </p:style>
+      </p:sp>
+      <p:sp>
+        <p:nvSpPr>
+          <p:cNvPr id="120" name="CustomShape 9"/>
+          <p:cNvSpPr/>
+          <p:nvPr/>
+        </p:nvSpPr>
+        <p:spPr>
+          <a:xfrm>
+            <a:off x="648720" y="4449600"/>
+            <a:ext cx="1828080" cy="2010960"/>
+          </a:xfrm>
+          <a:prstGeom prst="rect">
+            <a:avLst/>
+          </a:prstGeom>
+          <a:noFill/>
+          <a:ln>
+            <a:solidFill>
+              <a:srgbClr val="3465a4"/>
+            </a:solidFill>
+          </a:ln>
+        </p:spPr>
+        <p:style>
+          <a:lnRef idx="0"/>
+          <a:fillRef idx="0"/>
+          <a:effectRef idx="0"/>
+          <a:fontRef idx="minor"/>
+        </p:style>
+      </p:sp>
+      <p:sp>
+        <p:nvSpPr>
+          <p:cNvPr id="121" name="CustomShape 10"/>
+          <p:cNvSpPr/>
+          <p:nvPr/>
+        </p:nvSpPr>
+        <p:spPr>
+          <a:xfrm>
+            <a:off x="1118520" y="4552560"/>
+            <a:ext cx="888840" cy="345600"/>
+          </a:xfrm>
+          <a:prstGeom prst="rect">
+            <a:avLst/>
+          </a:prstGeom>
+          <a:noFill/>
+          <a:ln>
+            <a:noFill/>
+          </a:ln>
+        </p:spPr>
+        <p:style>
+          <a:lnRef idx="0"/>
+          <a:fillRef idx="0"/>
+          <a:effectRef idx="0"/>
+          <a:fontRef idx="minor"/>
+        </p:style>
         <p:txBody>
           <a:bodyPr lIns="90000" rIns="90000" tIns="45000" bIns="45000"/>
           <a:p>
@@ -8644,9 +7737,295 @@
                   </a:solidFill>
                 </a:uFill>
                 <a:latin typeface="Arial"/>
-              </a:rPr>
-              <a:t>通过脚本检测本机</a:t>
-            </a:r>
+                <a:ea typeface="DejaVu Sans"/>
+              </a:rPr>
+              <a:t>Kibana</a:t>
+            </a:r>
+            <a:endParaRPr b="0" lang="en-US" sz="1800" spc="-1" strike="noStrike">
+              <a:solidFill>
+                <a:srgbClr val="000000"/>
+              </a:solidFill>
+              <a:uFill>
+                <a:solidFill>
+                  <a:srgbClr val="ffffff"/>
+                </a:solidFill>
+              </a:uFill>
+              <a:latin typeface="Arial"/>
+            </a:endParaRPr>
+          </a:p>
+        </p:txBody>
+      </p:sp>
+      <p:sp>
+        <p:nvSpPr>
+          <p:cNvPr id="122" name="CustomShape 11"/>
+          <p:cNvSpPr/>
+          <p:nvPr/>
+        </p:nvSpPr>
+        <p:spPr>
+          <a:xfrm>
+            <a:off x="3096720" y="4989600"/>
+            <a:ext cx="1188000" cy="1188000"/>
+          </a:xfrm>
+          <a:custGeom>
+            <a:avLst/>
+            <a:gdLst/>
+            <a:ahLst/>
+            <a:rect l="l" t="t" r="r" b="b"/>
+            <a:pathLst>
+              <a:path w="3304" h="3304">
+                <a:moveTo>
+                  <a:pt x="550" y="0"/>
+                </a:moveTo>
+                <a:cubicBezTo>
+                  <a:pt x="275" y="0"/>
+                  <a:pt x="0" y="275"/>
+                  <a:pt x="0" y="550"/>
+                </a:cubicBezTo>
+                <a:lnTo>
+                  <a:pt x="0" y="2752"/>
+                </a:lnTo>
+                <a:cubicBezTo>
+                  <a:pt x="0" y="3027"/>
+                  <a:pt x="275" y="3303"/>
+                  <a:pt x="550" y="3303"/>
+                </a:cubicBezTo>
+                <a:lnTo>
+                  <a:pt x="2752" y="3303"/>
+                </a:lnTo>
+                <a:cubicBezTo>
+                  <a:pt x="3027" y="3303"/>
+                  <a:pt x="3303" y="3027"/>
+                  <a:pt x="3303" y="2752"/>
+                </a:cubicBezTo>
+                <a:lnTo>
+                  <a:pt x="3303" y="550"/>
+                </a:lnTo>
+                <a:cubicBezTo>
+                  <a:pt x="3303" y="275"/>
+                  <a:pt x="3027" y="0"/>
+                  <a:pt x="2752" y="0"/>
+                </a:cubicBezTo>
+                <a:lnTo>
+                  <a:pt x="550" y="0"/>
+                </a:lnTo>
+              </a:path>
+            </a:pathLst>
+          </a:custGeom>
+          <a:noFill/>
+          <a:ln>
+            <a:solidFill>
+              <a:srgbClr val="3465a4"/>
+            </a:solidFill>
+          </a:ln>
+        </p:spPr>
+        <p:style>
+          <a:lnRef idx="0"/>
+          <a:fillRef idx="0"/>
+          <a:effectRef idx="0"/>
+          <a:fontRef idx="minor"/>
+        </p:style>
+      </p:sp>
+      <p:sp>
+        <p:nvSpPr>
+          <p:cNvPr id="123" name="CustomShape 12"/>
+          <p:cNvSpPr/>
+          <p:nvPr/>
+        </p:nvSpPr>
+        <p:spPr>
+          <a:xfrm>
+            <a:off x="3205080" y="5097960"/>
+            <a:ext cx="1188000" cy="1188000"/>
+          </a:xfrm>
+          <a:custGeom>
+            <a:avLst/>
+            <a:gdLst/>
+            <a:ahLst/>
+            <a:rect l="l" t="t" r="r" b="b"/>
+            <a:pathLst>
+              <a:path w="3304" h="3304">
+                <a:moveTo>
+                  <a:pt x="550" y="0"/>
+                </a:moveTo>
+                <a:cubicBezTo>
+                  <a:pt x="275" y="0"/>
+                  <a:pt x="0" y="275"/>
+                  <a:pt x="0" y="550"/>
+                </a:cubicBezTo>
+                <a:lnTo>
+                  <a:pt x="0" y="2752"/>
+                </a:lnTo>
+                <a:cubicBezTo>
+                  <a:pt x="0" y="3027"/>
+                  <a:pt x="275" y="3303"/>
+                  <a:pt x="550" y="3303"/>
+                </a:cubicBezTo>
+                <a:lnTo>
+                  <a:pt x="2752" y="3303"/>
+                </a:lnTo>
+                <a:cubicBezTo>
+                  <a:pt x="3027" y="3303"/>
+                  <a:pt x="3303" y="3027"/>
+                  <a:pt x="3303" y="2752"/>
+                </a:cubicBezTo>
+                <a:lnTo>
+                  <a:pt x="3303" y="550"/>
+                </a:lnTo>
+                <a:cubicBezTo>
+                  <a:pt x="3303" y="275"/>
+                  <a:pt x="3027" y="0"/>
+                  <a:pt x="2752" y="0"/>
+                </a:cubicBezTo>
+                <a:lnTo>
+                  <a:pt x="550" y="0"/>
+                </a:lnTo>
+              </a:path>
+            </a:pathLst>
+          </a:custGeom>
+          <a:noFill/>
+          <a:ln>
+            <a:solidFill>
+              <a:srgbClr val="3465a4"/>
+            </a:solidFill>
+          </a:ln>
+        </p:spPr>
+        <p:style>
+          <a:lnRef idx="0"/>
+          <a:fillRef idx="0"/>
+          <a:effectRef idx="0"/>
+          <a:fontRef idx="minor"/>
+        </p:style>
+      </p:sp>
+      <p:sp>
+        <p:nvSpPr>
+          <p:cNvPr id="124" name="CustomShape 13"/>
+          <p:cNvSpPr/>
+          <p:nvPr/>
+        </p:nvSpPr>
+        <p:spPr>
+          <a:xfrm>
+            <a:off x="3313440" y="5206320"/>
+            <a:ext cx="1188000" cy="1188000"/>
+          </a:xfrm>
+          <a:custGeom>
+            <a:avLst/>
+            <a:gdLst/>
+            <a:ahLst/>
+            <a:rect l="l" t="t" r="r" b="b"/>
+            <a:pathLst>
+              <a:path w="3304" h="3304">
+                <a:moveTo>
+                  <a:pt x="550" y="0"/>
+                </a:moveTo>
+                <a:cubicBezTo>
+                  <a:pt x="275" y="0"/>
+                  <a:pt x="0" y="275"/>
+                  <a:pt x="0" y="550"/>
+                </a:cubicBezTo>
+                <a:lnTo>
+                  <a:pt x="0" y="2752"/>
+                </a:lnTo>
+                <a:cubicBezTo>
+                  <a:pt x="0" y="3027"/>
+                  <a:pt x="275" y="3303"/>
+                  <a:pt x="550" y="3303"/>
+                </a:cubicBezTo>
+                <a:lnTo>
+                  <a:pt x="2752" y="3303"/>
+                </a:lnTo>
+                <a:cubicBezTo>
+                  <a:pt x="3027" y="3303"/>
+                  <a:pt x="3303" y="3027"/>
+                  <a:pt x="3303" y="2752"/>
+                </a:cubicBezTo>
+                <a:lnTo>
+                  <a:pt x="3303" y="550"/>
+                </a:lnTo>
+                <a:cubicBezTo>
+                  <a:pt x="3303" y="275"/>
+                  <a:pt x="3027" y="0"/>
+                  <a:pt x="2752" y="0"/>
+                </a:cubicBezTo>
+                <a:lnTo>
+                  <a:pt x="550" y="0"/>
+                </a:lnTo>
+              </a:path>
+            </a:pathLst>
+          </a:custGeom>
+          <a:noFill/>
+          <a:ln>
+            <a:solidFill>
+              <a:srgbClr val="3465a4"/>
+            </a:solidFill>
+          </a:ln>
+        </p:spPr>
+        <p:style>
+          <a:lnRef idx="0"/>
+          <a:fillRef idx="0"/>
+          <a:effectRef idx="0"/>
+          <a:fontRef idx="minor"/>
+        </p:style>
+      </p:sp>
+      <p:sp>
+        <p:nvSpPr>
+          <p:cNvPr id="125" name="CustomShape 14"/>
+          <p:cNvSpPr/>
+          <p:nvPr/>
+        </p:nvSpPr>
+        <p:spPr>
+          <a:xfrm>
+            <a:off x="2880720" y="4449600"/>
+            <a:ext cx="1828080" cy="2010960"/>
+          </a:xfrm>
+          <a:prstGeom prst="rect">
+            <a:avLst/>
+          </a:prstGeom>
+          <a:noFill/>
+          <a:ln>
+            <a:solidFill>
+              <a:srgbClr val="3465a4"/>
+            </a:solidFill>
+          </a:ln>
+        </p:spPr>
+        <p:style>
+          <a:lnRef idx="0"/>
+          <a:fillRef idx="0"/>
+          <a:effectRef idx="0"/>
+          <a:fontRef idx="minor"/>
+        </p:style>
+      </p:sp>
+      <p:sp>
+        <p:nvSpPr>
+          <p:cNvPr id="126" name="CustomShape 15"/>
+          <p:cNvSpPr/>
+          <p:nvPr/>
+        </p:nvSpPr>
+        <p:spPr>
+          <a:xfrm>
+            <a:off x="3026520" y="4552560"/>
+            <a:ext cx="1536480" cy="345600"/>
+          </a:xfrm>
+          <a:prstGeom prst="rect">
+            <a:avLst/>
+          </a:prstGeom>
+          <a:noFill/>
+          <a:ln>
+            <a:noFill/>
+          </a:ln>
+        </p:spPr>
+        <p:style>
+          <a:lnRef idx="0"/>
+          <a:fillRef idx="0"/>
+          <a:effectRef idx="0"/>
+          <a:fontRef idx="minor"/>
+        </p:style>
+        <p:txBody>
+          <a:bodyPr lIns="90000" rIns="90000" tIns="45000" bIns="45000"/>
+          <a:p>
+            <a:pPr algn="ctr">
+              <a:lnSpc>
+                <a:spcPct val="100000"/>
+              </a:lnSpc>
+            </a:pPr>
             <a:r>
               <a:rPr b="0" lang="en-US" sz="1800" spc="-1" strike="noStrike">
                 <a:solidFill>
@@ -8658,9 +8037,496 @@
                   </a:solidFill>
                 </a:uFill>
                 <a:latin typeface="Arial"/>
-              </a:rPr>
-              <a:t>redis</a:t>
-            </a:r>
+                <a:ea typeface="DejaVu Sans"/>
+              </a:rPr>
+              <a:t>Elasticsearch</a:t>
+            </a:r>
+            <a:endParaRPr b="0" lang="en-US" sz="1800" spc="-1" strike="noStrike">
+              <a:solidFill>
+                <a:srgbClr val="000000"/>
+              </a:solidFill>
+              <a:uFill>
+                <a:solidFill>
+                  <a:srgbClr val="ffffff"/>
+                </a:solidFill>
+              </a:uFill>
+              <a:latin typeface="Arial"/>
+            </a:endParaRPr>
+          </a:p>
+        </p:txBody>
+      </p:sp>
+      <p:sp>
+        <p:nvSpPr>
+          <p:cNvPr id="127" name="CustomShape 16"/>
+          <p:cNvSpPr/>
+          <p:nvPr/>
+        </p:nvSpPr>
+        <p:spPr>
+          <a:xfrm>
+            <a:off x="607680" y="6553440"/>
+            <a:ext cx="1902240" cy="345600"/>
+          </a:xfrm>
+          <a:prstGeom prst="rect">
+            <a:avLst/>
+          </a:prstGeom>
+          <a:noFill/>
+          <a:ln>
+            <a:noFill/>
+          </a:ln>
+        </p:spPr>
+        <p:style>
+          <a:lnRef idx="0"/>
+          <a:fillRef idx="0"/>
+          <a:effectRef idx="0"/>
+          <a:fontRef idx="minor"/>
+        </p:style>
+        <p:txBody>
+          <a:bodyPr lIns="90000" rIns="90000" tIns="45000" bIns="45000"/>
+          <a:p>
+            <a:pPr algn="ctr">
+              <a:lnSpc>
+                <a:spcPct val="100000"/>
+              </a:lnSpc>
+            </a:pPr>
+            <a:r>
+              <a:rPr b="0" lang="en-US" sz="1400" spc="-1" strike="noStrike">
+                <a:solidFill>
+                  <a:srgbClr val="000000"/>
+                </a:solidFill>
+                <a:uFill>
+                  <a:solidFill>
+                    <a:srgbClr val="ffffff"/>
+                  </a:solidFill>
+                </a:uFill>
+                <a:latin typeface="Arial"/>
+                <a:ea typeface="DejaVu Sans"/>
+              </a:rPr>
+              <a:t>kibana.service.consul</a:t>
+            </a:r>
+            <a:endParaRPr b="0" lang="en-US" sz="1800" spc="-1" strike="noStrike">
+              <a:solidFill>
+                <a:srgbClr val="000000"/>
+              </a:solidFill>
+              <a:uFill>
+                <a:solidFill>
+                  <a:srgbClr val="ffffff"/>
+                </a:solidFill>
+              </a:uFill>
+              <a:latin typeface="Arial"/>
+            </a:endParaRPr>
+          </a:p>
+        </p:txBody>
+      </p:sp>
+      <p:sp>
+        <p:nvSpPr>
+          <p:cNvPr id="128" name="CustomShape 17"/>
+          <p:cNvSpPr/>
+          <p:nvPr/>
+        </p:nvSpPr>
+        <p:spPr>
+          <a:xfrm>
+            <a:off x="2623680" y="6553440"/>
+            <a:ext cx="2485440" cy="365040"/>
+          </a:xfrm>
+          <a:prstGeom prst="rect">
+            <a:avLst/>
+          </a:prstGeom>
+          <a:noFill/>
+          <a:ln>
+            <a:noFill/>
+          </a:ln>
+        </p:spPr>
+        <p:style>
+          <a:lnRef idx="0"/>
+          <a:fillRef idx="0"/>
+          <a:effectRef idx="0"/>
+          <a:fontRef idx="minor"/>
+        </p:style>
+        <p:txBody>
+          <a:bodyPr lIns="90000" rIns="90000" tIns="45000" bIns="45000"/>
+          <a:p>
+            <a:pPr algn="ctr">
+              <a:lnSpc>
+                <a:spcPct val="100000"/>
+              </a:lnSpc>
+            </a:pPr>
+            <a:r>
+              <a:rPr b="0" lang="en-US" sz="1400" spc="-1" strike="noStrike">
+                <a:solidFill>
+                  <a:srgbClr val="000000"/>
+                </a:solidFill>
+                <a:uFill>
+                  <a:solidFill>
+                    <a:srgbClr val="ffffff"/>
+                  </a:solidFill>
+                </a:uFill>
+                <a:latin typeface="Arial"/>
+                <a:ea typeface="DejaVu Sans"/>
+              </a:rPr>
+              <a:t>master.elastic.service.consul</a:t>
+            </a:r>
+            <a:r>
+              <a:rPr b="0" lang="en-US" sz="1400" spc="-1" strike="noStrike">
+                <a:solidFill>
+                  <a:srgbClr val="000000"/>
+                </a:solidFill>
+                <a:uFill>
+                  <a:solidFill>
+                    <a:srgbClr val="ffffff"/>
+                  </a:solidFill>
+                </a:uFill>
+                <a:latin typeface="Arial"/>
+                <a:ea typeface="DejaVu Sans"/>
+              </a:rPr>
+              <a:t>
+</a:t>
+            </a:r>
+            <a:r>
+              <a:rPr b="0" lang="en-US" sz="1400" spc="-1" strike="noStrike">
+                <a:solidFill>
+                  <a:srgbClr val="000000"/>
+                </a:solidFill>
+                <a:uFill>
+                  <a:solidFill>
+                    <a:srgbClr val="ffffff"/>
+                  </a:solidFill>
+                </a:uFill>
+                <a:latin typeface="Arial"/>
+                <a:ea typeface="DejaVu Sans"/>
+              </a:rPr>
+              <a:t>ingest.</a:t>
+            </a:r>
+            <a:r>
+              <a:rPr b="0" lang="en-US" sz="1400" spc="-1" strike="noStrike">
+                <a:solidFill>
+                  <a:srgbClr val="000000"/>
+                </a:solidFill>
+                <a:uFill>
+                  <a:solidFill>
+                    <a:srgbClr val="ffffff"/>
+                  </a:solidFill>
+                </a:uFill>
+                <a:latin typeface="Arial"/>
+                <a:ea typeface="DejaVu Sans"/>
+              </a:rPr>
+              <a:t>elastic.service.consul</a:t>
+            </a:r>
+            <a:r>
+              <a:rPr b="0" lang="en-US" sz="1400" spc="-1" strike="noStrike">
+                <a:solidFill>
+                  <a:srgbClr val="000000"/>
+                </a:solidFill>
+                <a:uFill>
+                  <a:solidFill>
+                    <a:srgbClr val="ffffff"/>
+                  </a:solidFill>
+                </a:uFill>
+                <a:latin typeface="Arial"/>
+                <a:ea typeface="DejaVu Sans"/>
+              </a:rPr>
+              <a:t>
+</a:t>
+            </a:r>
+            <a:r>
+              <a:rPr b="0" lang="en-US" sz="1400" spc="-1" strike="noStrike">
+                <a:solidFill>
+                  <a:srgbClr val="000000"/>
+                </a:solidFill>
+                <a:uFill>
+                  <a:solidFill>
+                    <a:srgbClr val="ffffff"/>
+                  </a:solidFill>
+                </a:uFill>
+                <a:latin typeface="Arial"/>
+                <a:ea typeface="DejaVu Sans"/>
+              </a:rPr>
+              <a:t>data.elastic.service.consul</a:t>
+            </a:r>
+            <a:endParaRPr b="0" lang="en-US" sz="1800" spc="-1" strike="noStrike">
+              <a:solidFill>
+                <a:srgbClr val="000000"/>
+              </a:solidFill>
+              <a:uFill>
+                <a:solidFill>
+                  <a:srgbClr val="ffffff"/>
+                </a:solidFill>
+              </a:uFill>
+              <a:latin typeface="Arial"/>
+            </a:endParaRPr>
+          </a:p>
+        </p:txBody>
+      </p:sp>
+      <p:sp>
+        <p:nvSpPr>
+          <p:cNvPr id="129" name="CustomShape 18"/>
+          <p:cNvSpPr/>
+          <p:nvPr/>
+        </p:nvSpPr>
+        <p:spPr>
+          <a:xfrm>
+            <a:off x="5580720" y="4989600"/>
+            <a:ext cx="1188000" cy="1188000"/>
+          </a:xfrm>
+          <a:custGeom>
+            <a:avLst/>
+            <a:gdLst/>
+            <a:ahLst/>
+            <a:rect l="l" t="t" r="r" b="b"/>
+            <a:pathLst>
+              <a:path w="3304" h="3304">
+                <a:moveTo>
+                  <a:pt x="550" y="0"/>
+                </a:moveTo>
+                <a:cubicBezTo>
+                  <a:pt x="275" y="0"/>
+                  <a:pt x="0" y="275"/>
+                  <a:pt x="0" y="550"/>
+                </a:cubicBezTo>
+                <a:lnTo>
+                  <a:pt x="0" y="2752"/>
+                </a:lnTo>
+                <a:cubicBezTo>
+                  <a:pt x="0" y="3027"/>
+                  <a:pt x="275" y="3303"/>
+                  <a:pt x="550" y="3303"/>
+                </a:cubicBezTo>
+                <a:lnTo>
+                  <a:pt x="2752" y="3303"/>
+                </a:lnTo>
+                <a:cubicBezTo>
+                  <a:pt x="3027" y="3303"/>
+                  <a:pt x="3303" y="3027"/>
+                  <a:pt x="3303" y="2752"/>
+                </a:cubicBezTo>
+                <a:lnTo>
+                  <a:pt x="3303" y="550"/>
+                </a:lnTo>
+                <a:cubicBezTo>
+                  <a:pt x="3303" y="275"/>
+                  <a:pt x="3027" y="0"/>
+                  <a:pt x="2752" y="0"/>
+                </a:cubicBezTo>
+                <a:lnTo>
+                  <a:pt x="550" y="0"/>
+                </a:lnTo>
+              </a:path>
+            </a:pathLst>
+          </a:custGeom>
+          <a:noFill/>
+          <a:ln>
+            <a:solidFill>
+              <a:srgbClr val="3465a4"/>
+            </a:solidFill>
+          </a:ln>
+        </p:spPr>
+        <p:style>
+          <a:lnRef idx="0"/>
+          <a:fillRef idx="0"/>
+          <a:effectRef idx="0"/>
+          <a:fontRef idx="minor"/>
+        </p:style>
+      </p:sp>
+      <p:sp>
+        <p:nvSpPr>
+          <p:cNvPr id="130" name="CustomShape 19"/>
+          <p:cNvSpPr/>
+          <p:nvPr/>
+        </p:nvSpPr>
+        <p:spPr>
+          <a:xfrm>
+            <a:off x="5689080" y="5097960"/>
+            <a:ext cx="1188000" cy="1188000"/>
+          </a:xfrm>
+          <a:custGeom>
+            <a:avLst/>
+            <a:gdLst/>
+            <a:ahLst/>
+            <a:rect l="l" t="t" r="r" b="b"/>
+            <a:pathLst>
+              <a:path w="3304" h="3304">
+                <a:moveTo>
+                  <a:pt x="550" y="0"/>
+                </a:moveTo>
+                <a:cubicBezTo>
+                  <a:pt x="275" y="0"/>
+                  <a:pt x="0" y="275"/>
+                  <a:pt x="0" y="550"/>
+                </a:cubicBezTo>
+                <a:lnTo>
+                  <a:pt x="0" y="2752"/>
+                </a:lnTo>
+                <a:cubicBezTo>
+                  <a:pt x="0" y="3027"/>
+                  <a:pt x="275" y="3303"/>
+                  <a:pt x="550" y="3303"/>
+                </a:cubicBezTo>
+                <a:lnTo>
+                  <a:pt x="2752" y="3303"/>
+                </a:lnTo>
+                <a:cubicBezTo>
+                  <a:pt x="3027" y="3303"/>
+                  <a:pt x="3303" y="3027"/>
+                  <a:pt x="3303" y="2752"/>
+                </a:cubicBezTo>
+                <a:lnTo>
+                  <a:pt x="3303" y="550"/>
+                </a:lnTo>
+                <a:cubicBezTo>
+                  <a:pt x="3303" y="275"/>
+                  <a:pt x="3027" y="0"/>
+                  <a:pt x="2752" y="0"/>
+                </a:cubicBezTo>
+                <a:lnTo>
+                  <a:pt x="550" y="0"/>
+                </a:lnTo>
+              </a:path>
+            </a:pathLst>
+          </a:custGeom>
+          <a:noFill/>
+          <a:ln>
+            <a:solidFill>
+              <a:srgbClr val="3465a4"/>
+            </a:solidFill>
+          </a:ln>
+        </p:spPr>
+        <p:style>
+          <a:lnRef idx="0"/>
+          <a:fillRef idx="0"/>
+          <a:effectRef idx="0"/>
+          <a:fontRef idx="minor"/>
+        </p:style>
+      </p:sp>
+      <p:sp>
+        <p:nvSpPr>
+          <p:cNvPr id="131" name="CustomShape 20"/>
+          <p:cNvSpPr/>
+          <p:nvPr/>
+        </p:nvSpPr>
+        <p:spPr>
+          <a:xfrm>
+            <a:off x="5797440" y="5206320"/>
+            <a:ext cx="1188000" cy="1188000"/>
+          </a:xfrm>
+          <a:custGeom>
+            <a:avLst/>
+            <a:gdLst/>
+            <a:ahLst/>
+            <a:rect l="l" t="t" r="r" b="b"/>
+            <a:pathLst>
+              <a:path w="3304" h="3304">
+                <a:moveTo>
+                  <a:pt x="550" y="0"/>
+                </a:moveTo>
+                <a:cubicBezTo>
+                  <a:pt x="275" y="0"/>
+                  <a:pt x="0" y="275"/>
+                  <a:pt x="0" y="550"/>
+                </a:cubicBezTo>
+                <a:lnTo>
+                  <a:pt x="0" y="2752"/>
+                </a:lnTo>
+                <a:cubicBezTo>
+                  <a:pt x="0" y="3027"/>
+                  <a:pt x="275" y="3303"/>
+                  <a:pt x="550" y="3303"/>
+                </a:cubicBezTo>
+                <a:lnTo>
+                  <a:pt x="2752" y="3303"/>
+                </a:lnTo>
+                <a:cubicBezTo>
+                  <a:pt x="3027" y="3303"/>
+                  <a:pt x="3303" y="3027"/>
+                  <a:pt x="3303" y="2752"/>
+                </a:cubicBezTo>
+                <a:lnTo>
+                  <a:pt x="3303" y="550"/>
+                </a:lnTo>
+                <a:cubicBezTo>
+                  <a:pt x="3303" y="275"/>
+                  <a:pt x="3027" y="0"/>
+                  <a:pt x="2752" y="0"/>
+                </a:cubicBezTo>
+                <a:lnTo>
+                  <a:pt x="550" y="0"/>
+                </a:lnTo>
+              </a:path>
+            </a:pathLst>
+          </a:custGeom>
+          <a:noFill/>
+          <a:ln>
+            <a:solidFill>
+              <a:srgbClr val="3465a4"/>
+            </a:solidFill>
+          </a:ln>
+        </p:spPr>
+        <p:style>
+          <a:lnRef idx="0"/>
+          <a:fillRef idx="0"/>
+          <a:effectRef idx="0"/>
+          <a:fontRef idx="minor"/>
+        </p:style>
+      </p:sp>
+      <p:sp>
+        <p:nvSpPr>
+          <p:cNvPr id="132" name="CustomShape 21"/>
+          <p:cNvSpPr/>
+          <p:nvPr/>
+        </p:nvSpPr>
+        <p:spPr>
+          <a:xfrm>
+            <a:off x="5364720" y="4449600"/>
+            <a:ext cx="1828080" cy="2010960"/>
+          </a:xfrm>
+          <a:prstGeom prst="rect">
+            <a:avLst/>
+          </a:prstGeom>
+          <a:noFill/>
+          <a:ln>
+            <a:solidFill>
+              <a:srgbClr val="3465a4"/>
+            </a:solidFill>
+          </a:ln>
+        </p:spPr>
+        <p:style>
+          <a:lnRef idx="0"/>
+          <a:fillRef idx="0"/>
+          <a:effectRef idx="0"/>
+          <a:fontRef idx="minor"/>
+        </p:style>
+      </p:sp>
+      <p:sp>
+        <p:nvSpPr>
+          <p:cNvPr id="133" name="CustomShape 22"/>
+          <p:cNvSpPr/>
+          <p:nvPr/>
+        </p:nvSpPr>
+        <p:spPr>
+          <a:xfrm>
+            <a:off x="5762520" y="4552560"/>
+            <a:ext cx="1105200" cy="345600"/>
+          </a:xfrm>
+          <a:prstGeom prst="rect">
+            <a:avLst/>
+          </a:prstGeom>
+          <a:noFill/>
+          <a:ln>
+            <a:noFill/>
+          </a:ln>
+        </p:spPr>
+        <p:style>
+          <a:lnRef idx="0"/>
+          <a:fillRef idx="0"/>
+          <a:effectRef idx="0"/>
+          <a:fontRef idx="minor"/>
+        </p:style>
+        <p:txBody>
+          <a:bodyPr lIns="90000" rIns="90000" tIns="45000" bIns="45000"/>
+          <a:p>
+            <a:pPr algn="ctr">
+              <a:lnSpc>
+                <a:spcPct val="100000"/>
+              </a:lnSpc>
+            </a:pPr>
             <a:r>
               <a:rPr b="0" lang="en-US" sz="1800" spc="-1" strike="noStrike">
                 <a:solidFill>
@@ -8672,9 +8538,155 @@
                   </a:solidFill>
                 </a:uFill>
                 <a:latin typeface="Arial"/>
-              </a:rPr>
-              <a:t>的角色，如果是</a:t>
-            </a:r>
+                <a:ea typeface="DejaVu Sans"/>
+              </a:rPr>
+              <a:t>Logstash</a:t>
+            </a:r>
+            <a:endParaRPr b="0" lang="en-US" sz="1800" spc="-1" strike="noStrike">
+              <a:solidFill>
+                <a:srgbClr val="000000"/>
+              </a:solidFill>
+              <a:uFill>
+                <a:solidFill>
+                  <a:srgbClr val="ffffff"/>
+                </a:solidFill>
+              </a:uFill>
+              <a:latin typeface="Arial"/>
+            </a:endParaRPr>
+          </a:p>
+        </p:txBody>
+      </p:sp>
+      <p:sp>
+        <p:nvSpPr>
+          <p:cNvPr id="134" name="CustomShape 23"/>
+          <p:cNvSpPr/>
+          <p:nvPr/>
+        </p:nvSpPr>
+        <p:spPr>
+          <a:xfrm>
+            <a:off x="7992720" y="5061600"/>
+            <a:ext cx="1188000" cy="1188000"/>
+          </a:xfrm>
+          <a:custGeom>
+            <a:avLst/>
+            <a:gdLst/>
+            <a:ahLst/>
+            <a:rect l="l" t="t" r="r" b="b"/>
+            <a:pathLst>
+              <a:path w="3304" h="3304">
+                <a:moveTo>
+                  <a:pt x="550" y="0"/>
+                </a:moveTo>
+                <a:cubicBezTo>
+                  <a:pt x="275" y="0"/>
+                  <a:pt x="0" y="275"/>
+                  <a:pt x="0" y="550"/>
+                </a:cubicBezTo>
+                <a:lnTo>
+                  <a:pt x="0" y="2752"/>
+                </a:lnTo>
+                <a:cubicBezTo>
+                  <a:pt x="0" y="3027"/>
+                  <a:pt x="275" y="3303"/>
+                  <a:pt x="550" y="3303"/>
+                </a:cubicBezTo>
+                <a:lnTo>
+                  <a:pt x="2752" y="3303"/>
+                </a:lnTo>
+                <a:cubicBezTo>
+                  <a:pt x="3027" y="3303"/>
+                  <a:pt x="3303" y="3027"/>
+                  <a:pt x="3303" y="2752"/>
+                </a:cubicBezTo>
+                <a:lnTo>
+                  <a:pt x="3303" y="550"/>
+                </a:lnTo>
+                <a:cubicBezTo>
+                  <a:pt x="3303" y="275"/>
+                  <a:pt x="3027" y="0"/>
+                  <a:pt x="2752" y="0"/>
+                </a:cubicBezTo>
+                <a:lnTo>
+                  <a:pt x="550" y="0"/>
+                </a:lnTo>
+              </a:path>
+            </a:pathLst>
+          </a:custGeom>
+          <a:noFill/>
+          <a:ln>
+            <a:solidFill>
+              <a:srgbClr val="3465a4"/>
+            </a:solidFill>
+          </a:ln>
+        </p:spPr>
+        <p:style>
+          <a:lnRef idx="0"/>
+          <a:fillRef idx="0"/>
+          <a:effectRef idx="0"/>
+          <a:fontRef idx="minor"/>
+        </p:style>
+      </p:sp>
+      <p:sp>
+        <p:nvSpPr>
+          <p:cNvPr id="135" name="CustomShape 24"/>
+          <p:cNvSpPr/>
+          <p:nvPr/>
+        </p:nvSpPr>
+        <p:spPr>
+          <a:xfrm>
+            <a:off x="7668720" y="4449600"/>
+            <a:ext cx="1828080" cy="2010960"/>
+          </a:xfrm>
+          <a:prstGeom prst="rect">
+            <a:avLst/>
+          </a:prstGeom>
+          <a:noFill/>
+          <a:ln>
+            <a:solidFill>
+              <a:srgbClr val="3465a4"/>
+            </a:solidFill>
+          </a:ln>
+        </p:spPr>
+        <p:style>
+          <a:lnRef idx="0"/>
+          <a:fillRef idx="0"/>
+          <a:effectRef idx="0"/>
+          <a:fontRef idx="minor"/>
+        </p:style>
+      </p:sp>
+      <p:sp>
+        <p:nvSpPr>
+          <p:cNvPr id="136" name="CustomShape 25"/>
+          <p:cNvSpPr/>
+          <p:nvPr/>
+        </p:nvSpPr>
+        <p:spPr>
+          <a:xfrm>
+            <a:off x="7814520" y="4552560"/>
+            <a:ext cx="1524240" cy="345600"/>
+          </a:xfrm>
+          <a:prstGeom prst="rect">
+            <a:avLst/>
+          </a:prstGeom>
+          <a:noFill/>
+          <a:ln>
+            <a:noFill/>
+          </a:ln>
+        </p:spPr>
+        <p:style>
+          <a:lnRef idx="0"/>
+          <a:fillRef idx="0"/>
+          <a:effectRef idx="0"/>
+          <a:fontRef idx="minor"/>
+        </p:style>
+        <p:txBody>
+          <a:bodyPr lIns="90000" rIns="90000" tIns="45000" bIns="45000"/>
+          <a:p>
+            <a:pPr algn="ctr">
+              <a:lnSpc>
+                <a:spcPct val="100000"/>
+              </a:lnSpc>
+            </a:pPr>
             <a:r>
               <a:rPr b="0" lang="en-US" sz="1800" spc="-1" strike="noStrike">
                 <a:solidFill>
@@ -8686,9 +8698,176 @@
                   </a:solidFill>
                 </a:uFill>
                 <a:latin typeface="Arial"/>
-              </a:rPr>
-              <a:t>master</a:t>
-            </a:r>
+                <a:ea typeface="DejaVu Sans"/>
+              </a:rPr>
+              <a:t>Redis master</a:t>
+            </a:r>
+            <a:endParaRPr b="0" lang="en-US" sz="1800" spc="-1" strike="noStrike">
+              <a:solidFill>
+                <a:srgbClr val="000000"/>
+              </a:solidFill>
+              <a:uFill>
+                <a:solidFill>
+                  <a:srgbClr val="ffffff"/>
+                </a:solidFill>
+              </a:uFill>
+              <a:latin typeface="Arial"/>
+            </a:endParaRPr>
+          </a:p>
+        </p:txBody>
+      </p:sp>
+      <p:sp>
+        <p:nvSpPr>
+          <p:cNvPr id="137" name="CustomShape 26"/>
+          <p:cNvSpPr/>
+          <p:nvPr/>
+        </p:nvSpPr>
+        <p:spPr>
+          <a:xfrm>
+            <a:off x="5253840" y="6553440"/>
+            <a:ext cx="2066400" cy="365040"/>
+          </a:xfrm>
+          <a:prstGeom prst="rect">
+            <a:avLst/>
+          </a:prstGeom>
+          <a:noFill/>
+          <a:ln>
+            <a:noFill/>
+          </a:ln>
+        </p:spPr>
+        <p:style>
+          <a:lnRef idx="0"/>
+          <a:fillRef idx="0"/>
+          <a:effectRef idx="0"/>
+          <a:fontRef idx="minor"/>
+        </p:style>
+        <p:txBody>
+          <a:bodyPr lIns="90000" rIns="90000" tIns="45000" bIns="45000"/>
+          <a:p>
+            <a:pPr algn="ctr">
+              <a:lnSpc>
+                <a:spcPct val="100000"/>
+              </a:lnSpc>
+            </a:pPr>
+            <a:r>
+              <a:rPr b="0" lang="en-US" sz="1400" spc="-1" strike="noStrike">
+                <a:solidFill>
+                  <a:srgbClr val="000000"/>
+                </a:solidFill>
+                <a:uFill>
+                  <a:solidFill>
+                    <a:srgbClr val="ffffff"/>
+                  </a:solidFill>
+                </a:uFill>
+                <a:latin typeface="Arial"/>
+                <a:ea typeface="DejaVu Sans"/>
+              </a:rPr>
+              <a:t>logstash.service.consul</a:t>
+            </a:r>
+            <a:endParaRPr b="0" lang="en-US" sz="1800" spc="-1" strike="noStrike">
+              <a:solidFill>
+                <a:srgbClr val="000000"/>
+              </a:solidFill>
+              <a:uFill>
+                <a:solidFill>
+                  <a:srgbClr val="ffffff"/>
+                </a:solidFill>
+              </a:uFill>
+              <a:latin typeface="Arial"/>
+            </a:endParaRPr>
+          </a:p>
+        </p:txBody>
+      </p:sp>
+      <p:sp>
+        <p:nvSpPr>
+          <p:cNvPr id="138" name="CustomShape 27"/>
+          <p:cNvSpPr/>
+          <p:nvPr/>
+        </p:nvSpPr>
+        <p:spPr>
+          <a:xfrm>
+            <a:off x="7737840" y="6553440"/>
+            <a:ext cx="1812960" cy="365040"/>
+          </a:xfrm>
+          <a:prstGeom prst="rect">
+            <a:avLst/>
+          </a:prstGeom>
+          <a:noFill/>
+          <a:ln>
+            <a:noFill/>
+          </a:ln>
+        </p:spPr>
+        <p:style>
+          <a:lnRef idx="0"/>
+          <a:fillRef idx="0"/>
+          <a:effectRef idx="0"/>
+          <a:fontRef idx="minor"/>
+        </p:style>
+        <p:txBody>
+          <a:bodyPr lIns="90000" rIns="90000" tIns="45000" bIns="45000"/>
+          <a:p>
+            <a:pPr algn="ctr">
+              <a:lnSpc>
+                <a:spcPct val="100000"/>
+              </a:lnSpc>
+            </a:pPr>
+            <a:r>
+              <a:rPr b="0" lang="en-US" sz="1400" spc="-1" strike="noStrike">
+                <a:solidFill>
+                  <a:srgbClr val="000000"/>
+                </a:solidFill>
+                <a:uFill>
+                  <a:solidFill>
+                    <a:srgbClr val="ffffff"/>
+                  </a:solidFill>
+                </a:uFill>
+                <a:latin typeface="Arial"/>
+                <a:ea typeface="DejaVu Sans"/>
+              </a:rPr>
+              <a:t>redis.service.consul</a:t>
+            </a:r>
+            <a:endParaRPr b="0" lang="en-US" sz="1800" spc="-1" strike="noStrike">
+              <a:solidFill>
+                <a:srgbClr val="000000"/>
+              </a:solidFill>
+              <a:uFill>
+                <a:solidFill>
+                  <a:srgbClr val="ffffff"/>
+                </a:solidFill>
+              </a:uFill>
+              <a:latin typeface="Arial"/>
+            </a:endParaRPr>
+          </a:p>
+        </p:txBody>
+      </p:sp>
+      <p:sp>
+        <p:nvSpPr>
+          <p:cNvPr id="139" name="CustomShape 28"/>
+          <p:cNvSpPr/>
+          <p:nvPr/>
+        </p:nvSpPr>
+        <p:spPr>
+          <a:xfrm>
+            <a:off x="3402720" y="1233360"/>
+            <a:ext cx="813960" cy="345600"/>
+          </a:xfrm>
+          <a:prstGeom prst="rect">
+            <a:avLst/>
+          </a:prstGeom>
+          <a:noFill/>
+          <a:ln>
+            <a:noFill/>
+          </a:ln>
+        </p:spPr>
+        <p:style>
+          <a:lnRef idx="0"/>
+          <a:fillRef idx="0"/>
+          <a:effectRef idx="0"/>
+          <a:fontRef idx="minor"/>
+        </p:style>
+        <p:txBody>
+          <a:bodyPr lIns="90000" rIns="90000" tIns="45000" bIns="45000"/>
+          <a:p>
             <a:r>
               <a:rPr b="0" lang="en-US" sz="1800" spc="-1" strike="noStrike">
                 <a:solidFill>
@@ -8700,9 +8879,52 @@
                   </a:solidFill>
                 </a:uFill>
                 <a:latin typeface="Arial"/>
-              </a:rPr>
-              <a:t>，则本机</a:t>
-            </a:r>
+                <a:ea typeface="DejaVu Sans"/>
+              </a:rPr>
+              <a:t>server</a:t>
+            </a:r>
+            <a:endParaRPr b="0" lang="en-US" sz="1800" spc="-1" strike="noStrike">
+              <a:solidFill>
+                <a:srgbClr val="000000"/>
+              </a:solidFill>
+              <a:uFill>
+                <a:solidFill>
+                  <a:srgbClr val="ffffff"/>
+                </a:solidFill>
+              </a:uFill>
+              <a:latin typeface="Arial"/>
+            </a:endParaRPr>
+          </a:p>
+        </p:txBody>
+      </p:sp>
+      <p:sp>
+        <p:nvSpPr>
+          <p:cNvPr id="140" name="CustomShape 29"/>
+          <p:cNvSpPr/>
+          <p:nvPr/>
+        </p:nvSpPr>
+        <p:spPr>
+          <a:xfrm>
+            <a:off x="640080" y="4087440"/>
+            <a:ext cx="749880" cy="345600"/>
+          </a:xfrm>
+          <a:prstGeom prst="rect">
+            <a:avLst/>
+          </a:prstGeom>
+          <a:noFill/>
+          <a:ln>
+            <a:noFill/>
+          </a:ln>
+        </p:spPr>
+        <p:style>
+          <a:lnRef idx="0"/>
+          <a:fillRef idx="0"/>
+          <a:effectRef idx="0"/>
+          <a:fontRef idx="minor"/>
+        </p:style>
+        <p:txBody>
+          <a:bodyPr lIns="90000" rIns="90000" tIns="45000" bIns="45000"/>
+          <a:p>
             <a:r>
               <a:rPr b="0" lang="en-US" sz="1800" spc="-1" strike="noStrike">
                 <a:solidFill>
@@ -8714,9 +8936,52 @@
                   </a:solidFill>
                 </a:uFill>
                 <a:latin typeface="Arial"/>
-              </a:rPr>
-              <a:t>IP</a:t>
-            </a:r>
+                <a:ea typeface="DejaVu Sans"/>
+              </a:rPr>
+              <a:t>agent</a:t>
+            </a:r>
+            <a:endParaRPr b="0" lang="en-US" sz="1800" spc="-1" strike="noStrike">
+              <a:solidFill>
+                <a:srgbClr val="000000"/>
+              </a:solidFill>
+              <a:uFill>
+                <a:solidFill>
+                  <a:srgbClr val="ffffff"/>
+                </a:solidFill>
+              </a:uFill>
+              <a:latin typeface="Arial"/>
+            </a:endParaRPr>
+          </a:p>
+        </p:txBody>
+      </p:sp>
+      <p:sp>
+        <p:nvSpPr>
+          <p:cNvPr id="141" name="CustomShape 30"/>
+          <p:cNvSpPr/>
+          <p:nvPr/>
+        </p:nvSpPr>
+        <p:spPr>
+          <a:xfrm>
+            <a:off x="2880720" y="4087440"/>
+            <a:ext cx="749880" cy="345600"/>
+          </a:xfrm>
+          <a:prstGeom prst="rect">
+            <a:avLst/>
+          </a:prstGeom>
+          <a:noFill/>
+          <a:ln>
+            <a:noFill/>
+          </a:ln>
+        </p:spPr>
+        <p:style>
+          <a:lnRef idx="0"/>
+          <a:fillRef idx="0"/>
+          <a:effectRef idx="0"/>
+          <a:fontRef idx="minor"/>
+        </p:style>
+        <p:txBody>
+          <a:bodyPr lIns="90000" rIns="90000" tIns="45000" bIns="45000"/>
+          <a:p>
             <a:r>
               <a:rPr b="0" lang="en-US" sz="1800" spc="-1" strike="noStrike">
                 <a:solidFill>
@@ -8728,8 +8993,9 @@
                   </a:solidFill>
                 </a:uFill>
                 <a:latin typeface="Arial"/>
-              </a:rPr>
-              <a:t>会注册为</a:t>
+                <a:ea typeface="DejaVu Sans"/>
+              </a:rPr>
+              <a:t>agent</a:t>
             </a:r>
             <a:endParaRPr b="0" lang="en-US" sz="1800" spc="-1" strike="noStrike">
               <a:solidFill>
@@ -8743,6 +9009,35 @@
               <a:latin typeface="Arial"/>
             </a:endParaRPr>
           </a:p>
+        </p:txBody>
+      </p:sp>
+      <p:sp>
+        <p:nvSpPr>
+          <p:cNvPr id="142" name="CustomShape 31"/>
+          <p:cNvSpPr/>
+          <p:nvPr/>
+        </p:nvSpPr>
+        <p:spPr>
+          <a:xfrm>
+            <a:off x="6442920" y="4087440"/>
+            <a:ext cx="749880" cy="345600"/>
+          </a:xfrm>
+          <a:prstGeom prst="rect">
+            <a:avLst/>
+          </a:prstGeom>
+          <a:noFill/>
+          <a:ln>
+            <a:noFill/>
+          </a:ln>
+        </p:spPr>
+        <p:style>
+          <a:lnRef idx="0"/>
+          <a:fillRef idx="0"/>
+          <a:effectRef idx="0"/>
+          <a:fontRef idx="minor"/>
+        </p:style>
+        <p:txBody>
+          <a:bodyPr lIns="90000" rIns="90000" tIns="45000" bIns="45000"/>
           <a:p>
             <a:r>
               <a:rPr b="0" lang="en-US" sz="1800" spc="-1" strike="noStrike">
@@ -8755,9 +9050,52 @@
                   </a:solidFill>
                 </a:uFill>
                 <a:latin typeface="Arial"/>
-              </a:rPr>
-              <a:t>Redis.service.consul</a:t>
-            </a:r>
+                <a:ea typeface="DejaVu Sans"/>
+              </a:rPr>
+              <a:t>agent</a:t>
+            </a:r>
+            <a:endParaRPr b="0" lang="en-US" sz="1800" spc="-1" strike="noStrike">
+              <a:solidFill>
+                <a:srgbClr val="000000"/>
+              </a:solidFill>
+              <a:uFill>
+                <a:solidFill>
+                  <a:srgbClr val="ffffff"/>
+                </a:solidFill>
+              </a:uFill>
+              <a:latin typeface="Arial"/>
+            </a:endParaRPr>
+          </a:p>
+        </p:txBody>
+      </p:sp>
+      <p:sp>
+        <p:nvSpPr>
+          <p:cNvPr id="143" name="CustomShape 32"/>
+          <p:cNvSpPr/>
+          <p:nvPr/>
+        </p:nvSpPr>
+        <p:spPr>
+          <a:xfrm>
+            <a:off x="8746920" y="4087440"/>
+            <a:ext cx="749880" cy="345600"/>
+          </a:xfrm>
+          <a:prstGeom prst="rect">
+            <a:avLst/>
+          </a:prstGeom>
+          <a:noFill/>
+          <a:ln>
+            <a:noFill/>
+          </a:ln>
+        </p:spPr>
+        <p:style>
+          <a:lnRef idx="0"/>
+          <a:fillRef idx="0"/>
+          <a:effectRef idx="0"/>
+          <a:fontRef idx="minor"/>
+        </p:style>
+        <p:txBody>
+          <a:bodyPr lIns="90000" rIns="90000" tIns="45000" bIns="45000"/>
+          <a:p>
             <a:r>
               <a:rPr b="0" lang="en-US" sz="1800" spc="-1" strike="noStrike">
                 <a:solidFill>
@@ -8769,92 +9107,9 @@
                   </a:solidFill>
                 </a:uFill>
                 <a:latin typeface="Arial"/>
-              </a:rPr>
-              <a:t>的</a:t>
-            </a:r>
-            <a:r>
-              <a:rPr b="0" lang="en-US" sz="1800" spc="-1" strike="noStrike">
-                <a:solidFill>
-                  <a:srgbClr val="000000"/>
-                </a:solidFill>
-                <a:uFill>
-                  <a:solidFill>
-                    <a:srgbClr val="ffffff"/>
-                  </a:solidFill>
-                </a:uFill>
-                <a:latin typeface="Arial"/>
-              </a:rPr>
-              <a:t>IP</a:t>
-            </a:r>
-            <a:r>
-              <a:rPr b="0" lang="en-US" sz="1800" spc="-1" strike="noStrike">
-                <a:solidFill>
-                  <a:srgbClr val="000000"/>
-                </a:solidFill>
-                <a:uFill>
-                  <a:solidFill>
-                    <a:srgbClr val="ffffff"/>
-                  </a:solidFill>
-                </a:uFill>
-                <a:latin typeface="Arial"/>
-              </a:rPr>
-              <a:t>。反之，则必须返回大于</a:t>
-            </a:r>
-            <a:r>
-              <a:rPr b="0" lang="en-US" sz="1800" spc="-1" strike="noStrike">
-                <a:solidFill>
-                  <a:srgbClr val="000000"/>
-                </a:solidFill>
-                <a:uFill>
-                  <a:solidFill>
-                    <a:srgbClr val="ffffff"/>
-                  </a:solidFill>
-                </a:uFill>
-                <a:latin typeface="Arial"/>
-              </a:rPr>
-              <a:t>1</a:t>
-            </a:r>
-            <a:r>
-              <a:rPr b="0" lang="en-US" sz="1800" spc="-1" strike="noStrike">
-                <a:solidFill>
-                  <a:srgbClr val="000000"/>
-                </a:solidFill>
-                <a:uFill>
-                  <a:solidFill>
-                    <a:srgbClr val="ffffff"/>
-                  </a:solidFill>
-                </a:uFill>
-                <a:latin typeface="Arial"/>
-              </a:rPr>
-              <a:t>的</a:t>
-            </a:r>
-            <a:r>
-              <a:rPr b="0" lang="en-US" sz="1800" spc="-1" strike="noStrike">
-                <a:solidFill>
-                  <a:srgbClr val="000000"/>
-                </a:solidFill>
-                <a:uFill>
-                  <a:solidFill>
-                    <a:srgbClr val="ffffff"/>
-                  </a:solidFill>
-                </a:uFill>
-                <a:latin typeface="Arial"/>
-              </a:rPr>
-              <a:t>return code</a:t>
-            </a:r>
-            <a:r>
-              <a:rPr b="0" lang="en-US" sz="1800" spc="-1" strike="noStrike">
-                <a:solidFill>
-                  <a:srgbClr val="000000"/>
-                </a:solidFill>
-                <a:uFill>
-                  <a:solidFill>
-                    <a:srgbClr val="ffffff"/>
-                  </a:solidFill>
-                </a:uFill>
-                <a:latin typeface="Arial"/>
-              </a:rPr>
-              <a:t>。</a:t>
+                <a:ea typeface="DejaVu Sans"/>
+              </a:rPr>
+              <a:t>agent</a:t>
             </a:r>
             <a:endParaRPr b="0" lang="en-US" sz="1800" spc="-1" strike="noStrike">
               <a:solidFill>
@@ -8868,203 +9123,190 @@
               <a:latin typeface="Arial"/>
             </a:endParaRPr>
           </a:p>
-          <a:p>
-            <a:r>
-              <a:rPr b="0" lang="en-US" sz="1800" spc="-1" strike="noStrike">
-                <a:solidFill>
-                  <a:srgbClr val="000000"/>
-                </a:solidFill>
-                <a:uFill>
-                  <a:solidFill>
-                    <a:srgbClr val="ffffff"/>
-                  </a:solidFill>
-                </a:uFill>
-                <a:latin typeface="Arial"/>
-              </a:rPr>
-              <a:t>因为</a:t>
-            </a:r>
-            <a:r>
-              <a:rPr b="0" lang="en-US" sz="1800" spc="-1" strike="noStrike">
-                <a:solidFill>
-                  <a:srgbClr val="000000"/>
-                </a:solidFill>
-                <a:uFill>
-                  <a:solidFill>
-                    <a:srgbClr val="ffffff"/>
-                  </a:solidFill>
-                </a:uFill>
-                <a:latin typeface="Arial"/>
-              </a:rPr>
-              <a:t>consul</a:t>
-            </a:r>
-            <a:r>
-              <a:rPr b="0" lang="en-US" sz="1800" spc="-1" strike="noStrike">
-                <a:solidFill>
-                  <a:srgbClr val="000000"/>
-                </a:solidFill>
-                <a:uFill>
-                  <a:solidFill>
-                    <a:srgbClr val="ffffff"/>
-                  </a:solidFill>
-                </a:uFill>
-                <a:latin typeface="Arial"/>
-              </a:rPr>
-              <a:t>把</a:t>
-            </a:r>
-            <a:r>
-              <a:rPr b="0" lang="en-US" sz="1800" spc="-1" strike="noStrike">
-                <a:solidFill>
-                  <a:srgbClr val="000000"/>
-                </a:solidFill>
-                <a:uFill>
-                  <a:solidFill>
-                    <a:srgbClr val="ffffff"/>
-                  </a:solidFill>
-                </a:uFill>
-                <a:latin typeface="Arial"/>
-              </a:rPr>
-              <a:t>rc==0</a:t>
-            </a:r>
-            <a:r>
-              <a:rPr b="0" lang="en-US" sz="1800" spc="-1" strike="noStrike">
-                <a:solidFill>
-                  <a:srgbClr val="000000"/>
-                </a:solidFill>
-                <a:uFill>
-                  <a:solidFill>
-                    <a:srgbClr val="ffffff"/>
-                  </a:solidFill>
-                </a:uFill>
-                <a:latin typeface="Arial"/>
-              </a:rPr>
-              <a:t>认为</a:t>
-            </a:r>
-            <a:r>
-              <a:rPr b="0" lang="en-US" sz="1800" spc="-1" strike="noStrike">
-                <a:solidFill>
-                  <a:srgbClr val="000000"/>
-                </a:solidFill>
-                <a:uFill>
-                  <a:solidFill>
-                    <a:srgbClr val="ffffff"/>
-                  </a:solidFill>
-                </a:uFill>
-                <a:latin typeface="Arial"/>
-              </a:rPr>
-              <a:t>OK</a:t>
-            </a:r>
-            <a:r>
-              <a:rPr b="0" lang="en-US" sz="1800" spc="-1" strike="noStrike">
-                <a:solidFill>
-                  <a:srgbClr val="000000"/>
-                </a:solidFill>
-                <a:uFill>
-                  <a:solidFill>
-                    <a:srgbClr val="ffffff"/>
-                  </a:solidFill>
-                </a:uFill>
-                <a:latin typeface="Arial"/>
-              </a:rPr>
-              <a:t>，</a:t>
-            </a:r>
-            <a:r>
-              <a:rPr b="0" lang="en-US" sz="1800" spc="-1" strike="noStrike">
-                <a:solidFill>
-                  <a:srgbClr val="000000"/>
-                </a:solidFill>
-                <a:uFill>
-                  <a:solidFill>
-                    <a:srgbClr val="ffffff"/>
-                  </a:solidFill>
-                </a:uFill>
-                <a:latin typeface="Arial"/>
-              </a:rPr>
-              <a:t>rc==1</a:t>
-            </a:r>
-            <a:r>
-              <a:rPr b="0" lang="en-US" sz="1800" spc="-1" strike="noStrike">
-                <a:solidFill>
-                  <a:srgbClr val="000000"/>
-                </a:solidFill>
-                <a:uFill>
-                  <a:solidFill>
-                    <a:srgbClr val="ffffff"/>
-                  </a:solidFill>
-                </a:uFill>
-                <a:latin typeface="Arial"/>
-              </a:rPr>
-              <a:t>认为</a:t>
-            </a:r>
-            <a:r>
-              <a:rPr b="0" lang="en-US" sz="1800" spc="-1" strike="noStrike">
-                <a:solidFill>
-                  <a:srgbClr val="000000"/>
-                </a:solidFill>
-                <a:uFill>
-                  <a:solidFill>
-                    <a:srgbClr val="ffffff"/>
-                  </a:solidFill>
-                </a:uFill>
-                <a:latin typeface="Arial"/>
-              </a:rPr>
-              <a:t>warning</a:t>
-            </a:r>
-            <a:r>
-              <a:rPr b="0" lang="en-US" sz="1800" spc="-1" strike="noStrike">
-                <a:solidFill>
-                  <a:srgbClr val="000000"/>
-                </a:solidFill>
-                <a:uFill>
-                  <a:solidFill>
-                    <a:srgbClr val="ffffff"/>
-                  </a:solidFill>
-                </a:uFill>
-                <a:latin typeface="Arial"/>
-              </a:rPr>
-              <a:t>，其余才是</a:t>
-            </a:r>
-            <a:r>
-              <a:rPr b="0" lang="en-US" sz="1800" spc="-1" strike="noStrike">
-                <a:solidFill>
-                  <a:srgbClr val="000000"/>
-                </a:solidFill>
-                <a:uFill>
-                  <a:solidFill>
-                    <a:srgbClr val="ffffff"/>
-                  </a:solidFill>
-                </a:uFill>
-                <a:latin typeface="Arial"/>
-              </a:rPr>
-              <a:t>false</a:t>
-            </a:r>
-            <a:r>
-              <a:rPr b="0" lang="en-US" sz="1800" spc="-1" strike="noStrike">
-                <a:solidFill>
-                  <a:srgbClr val="000000"/>
-                </a:solidFill>
-                <a:uFill>
-                  <a:solidFill>
-                    <a:srgbClr val="ffffff"/>
-                  </a:solidFill>
-                </a:uFill>
-                <a:latin typeface="Arial"/>
-              </a:rPr>
-              <a:t>。</a:t>
-            </a:r>
-            <a:endParaRPr b="0" lang="en-US" sz="1800" spc="-1" strike="noStrike">
-              <a:solidFill>
-                <a:srgbClr val="000000"/>
-              </a:solidFill>
-              <a:uFill>
-                <a:solidFill>
-                  <a:srgbClr val="ffffff"/>
-                </a:solidFill>
-              </a:uFill>
-              <a:latin typeface="Arial"/>
-            </a:endParaRPr>
-          </a:p>
-        </p:txBody>
-      </p:sp>
+        </p:txBody>
+      </p:sp>
+      <p:cxnSp>
+        <p:nvCxnSpPr>
+          <p:cNvPr id="144" name="Line 33"/>
+          <p:cNvCxnSpPr>
+            <a:stCxn id="135" idx="0"/>
+            <a:endCxn id="113" idx="3"/>
+          </p:cNvCxnSpPr>
+          <p:nvPr/>
+        </p:nvCxnSpPr>
+        <p:spPr>
+          <a:xfrm flipH="1" flipV="1">
+            <a:off x="6652080" y="2610000"/>
+            <a:ext cx="1931040" cy="1839960"/>
+          </a:xfrm>
+          <a:prstGeom prst="curvedConnector3">
+            <a:avLst/>
+          </a:prstGeom>
+          <a:ln>
+            <a:solidFill>
+              <a:srgbClr val="000000"/>
+            </a:solidFill>
+            <a:headEnd len="med" type="triangle" w="med"/>
+            <a:tailEnd len="med" type="triangle" w="med"/>
+          </a:ln>
+        </p:spPr>
+      </p:cxnSp>
+      <p:cxnSp>
+        <p:nvCxnSpPr>
+          <p:cNvPr id="145" name="Line 34"/>
+          <p:cNvCxnSpPr>
+            <a:stCxn id="120" idx="0"/>
+            <a:endCxn id="113" idx="1"/>
+          </p:cNvCxnSpPr>
+          <p:nvPr/>
+        </p:nvCxnSpPr>
+        <p:spPr>
+          <a:xfrm flipV="1">
+            <a:off x="1562760" y="2610000"/>
+            <a:ext cx="1798560" cy="1839960"/>
+          </a:xfrm>
+          <a:prstGeom prst="curvedConnector3">
+            <a:avLst/>
+          </a:prstGeom>
+          <a:ln>
+            <a:solidFill>
+              <a:srgbClr val="000000"/>
+            </a:solidFill>
+            <a:headEnd len="med" type="triangle" w="med"/>
+            <a:tailEnd len="med" type="triangle" w="med"/>
+          </a:ln>
+        </p:spPr>
+      </p:cxnSp>
+      <p:cxnSp>
+        <p:nvCxnSpPr>
+          <p:cNvPr id="146" name="Line 35"/>
+          <p:cNvCxnSpPr>
+            <a:stCxn id="125" idx="0"/>
+            <a:endCxn id="113" idx="2"/>
+          </p:cNvCxnSpPr>
+          <p:nvPr/>
+        </p:nvCxnSpPr>
+        <p:spPr>
+          <a:xfrm flipV="1">
+            <a:off x="3794760" y="3656880"/>
+            <a:ext cx="1212120" cy="793080"/>
+          </a:xfrm>
+          <a:prstGeom prst="curvedConnector3">
+            <a:avLst/>
+          </a:prstGeom>
+          <a:ln>
+            <a:solidFill>
+              <a:srgbClr val="000000"/>
+            </a:solidFill>
+            <a:headEnd len="med" type="triangle" w="med"/>
+            <a:tailEnd len="med" type="triangle" w="med"/>
+          </a:ln>
+        </p:spPr>
+      </p:cxnSp>
+      <p:cxnSp>
+        <p:nvCxnSpPr>
+          <p:cNvPr id="147" name="Line 36"/>
+          <p:cNvCxnSpPr>
+            <a:stCxn id="132" idx="0"/>
+            <a:endCxn id="113" idx="2"/>
+          </p:cNvCxnSpPr>
+          <p:nvPr/>
+        </p:nvCxnSpPr>
+        <p:spPr>
+          <a:xfrm flipH="1" flipV="1">
+            <a:off x="5006520" y="3656880"/>
+            <a:ext cx="1272600" cy="793080"/>
+          </a:xfrm>
+          <a:prstGeom prst="curvedConnector3">
+            <a:avLst/>
+          </a:prstGeom>
+          <a:ln>
+            <a:solidFill>
+              <a:srgbClr val="000000"/>
+            </a:solidFill>
+            <a:headEnd len="med" type="triangle" w="med"/>
+            <a:tailEnd len="med" type="triangle" w="med"/>
+          </a:ln>
+        </p:spPr>
+      </p:cxnSp>
+      <p:cxnSp>
+        <p:nvCxnSpPr>
+          <p:cNvPr id="148" name="Line 37"/>
+          <p:cNvCxnSpPr>
+            <a:stCxn id="114" idx="3"/>
+            <a:endCxn id="116" idx="0"/>
+          </p:cNvCxnSpPr>
+          <p:nvPr/>
+        </p:nvCxnSpPr>
+        <p:spPr>
+          <a:xfrm>
+            <a:off x="5554800" y="2129040"/>
+            <a:ext cx="349920" cy="544680"/>
+          </a:xfrm>
+          <a:prstGeom prst="curvedConnector3">
+            <a:avLst/>
+          </a:prstGeom>
+          <a:ln>
+            <a:solidFill>
+              <a:srgbClr val="000000"/>
+            </a:solidFill>
+            <a:headEnd len="med" type="triangle" w="med"/>
+            <a:tailEnd len="med" type="triangle" w="med"/>
+          </a:ln>
+        </p:spPr>
+      </p:cxnSp>
+      <p:cxnSp>
+        <p:nvCxnSpPr>
+          <p:cNvPr id="149" name="Line 38"/>
+          <p:cNvCxnSpPr>
+            <a:stCxn id="114" idx="1"/>
+            <a:endCxn id="115" idx="0"/>
+          </p:cNvCxnSpPr>
+          <p:nvPr/>
+        </p:nvCxnSpPr>
+        <p:spPr>
+          <a:xfrm flipH="1">
+            <a:off x="4106520" y="2129040"/>
+            <a:ext cx="352080" cy="544680"/>
+          </a:xfrm>
+          <a:prstGeom prst="curvedConnector3">
+            <a:avLst/>
+          </a:prstGeom>
+          <a:ln>
+            <a:solidFill>
+              <a:srgbClr val="000000"/>
+            </a:solidFill>
+            <a:headEnd len="med" type="triangle" w="med"/>
+            <a:tailEnd len="med" type="triangle" w="med"/>
+          </a:ln>
+        </p:spPr>
+      </p:cxnSp>
+      <p:cxnSp>
+        <p:nvCxnSpPr>
+          <p:cNvPr id="150" name="Line 39"/>
+          <p:cNvCxnSpPr>
+            <a:stCxn id="115" idx="2"/>
+            <a:endCxn id="116" idx="2"/>
+          </p:cNvCxnSpPr>
+          <p:nvPr/>
+        </p:nvCxnSpPr>
+        <p:spPr>
+          <a:xfrm>
+            <a:off x="4106520" y="3312720"/>
+            <a:ext cx="1798200" cy="360"/>
+          </a:xfrm>
+          <a:prstGeom prst="curvedConnector3">
+            <a:avLst/>
+          </a:prstGeom>
+          <a:ln>
+            <a:solidFill>
+              <a:srgbClr val="000000"/>
+            </a:solidFill>
+            <a:headEnd len="med" type="triangle" w="med"/>
+            <a:tailEnd len="med" type="triangle" w="med"/>
+          </a:ln>
+        </p:spPr>
+      </p:cxnSp>
     </p:spTree>
   </p:cSld>
   <p:timing>
@@ -9116,14 +9358,14 @@
       </p:grpSpPr>
       <p:sp>
         <p:nvSpPr>
-          <p:cNvPr id="155" name="TextShape 1"/>
+          <p:cNvPr id="151" name="TextShape 1"/>
           <p:cNvSpPr txBox="1"/>
           <p:nvPr/>
         </p:nvSpPr>
         <p:spPr>
           <a:xfrm>
             <a:off x="504000" y="301320"/>
-            <a:ext cx="9071280" cy="1261800"/>
+            <a:ext cx="9072000" cy="1261800"/>
           </a:xfrm>
           <a:prstGeom prst="rect">
             <a:avLst/>
@@ -9149,21 +9391,7 @@
                 </a:uFill>
                 <a:latin typeface="Arial"/>
               </a:rPr>
-              <a:t>Consul</a:t>
-            </a:r>
-            <a:r>
-              <a:rPr b="0" lang="en-US" sz="4400" spc="-1" strike="noStrike">
-                <a:solidFill>
-                  <a:srgbClr val="000000"/>
-                </a:solidFill>
-                <a:uFill>
-                  <a:solidFill>
-                    <a:srgbClr val="ffffff"/>
-                  </a:solidFill>
-                </a:uFill>
-                <a:latin typeface="Arial"/>
-              </a:rPr>
-              <a:t>节点列表</a:t>
+              <a:t>部署前的准备</a:t>
             </a:r>
             <a:endParaRPr b="0" lang="en-US" sz="4400" spc="-1" strike="noStrike">
               <a:solidFill>
@@ -9179,39 +9407,16 @@
           </a:p>
         </p:txBody>
       </p:sp>
-      <p:pic>
-        <p:nvPicPr>
-          <p:cNvPr id="156" name="" descr=""/>
-          <p:cNvPicPr/>
-          <p:nvPr/>
-        </p:nvPicPr>
-        <p:blipFill>
-          <a:blip r:embed="rId1"/>
-          <a:stretch/>
-        </p:blipFill>
-        <p:spPr>
-          <a:xfrm>
-            <a:off x="1188720" y="1392840"/>
-            <a:ext cx="8168040" cy="5007960"/>
-          </a:xfrm>
-          <a:prstGeom prst="rect">
-            <a:avLst/>
-          </a:prstGeom>
-          <a:ln>
-            <a:noFill/>
-          </a:ln>
-        </p:spPr>
-      </p:pic>
-      <p:sp>
-        <p:nvSpPr>
-          <p:cNvPr id="157" name="TextShape 2"/>
+      <p:sp>
+        <p:nvSpPr>
+          <p:cNvPr id="152" name="TextShape 2"/>
           <p:cNvSpPr txBox="1"/>
           <p:nvPr/>
         </p:nvSpPr>
         <p:spPr>
           <a:xfrm>
-            <a:off x="1737360" y="6492240"/>
-            <a:ext cx="5303520" cy="457200"/>
+            <a:off x="504000" y="1768680"/>
+            <a:ext cx="9072000" cy="4384080"/>
           </a:xfrm>
           <a:prstGeom prst="rect">
             <a:avLst/>
@@ -9222,37 +9427,121 @@
           </a:ln>
         </p:spPr>
         <p:txBody>
-          <a:bodyPr lIns="90000" rIns="90000" tIns="45000" bIns="45000"/>
-          <a:p>
-            <a:r>
-              <a:rPr b="0" lang="en-US" sz="1800" spc="-1" strike="noStrike">
-                <a:solidFill>
-                  <a:srgbClr val="000000"/>
-                </a:solidFill>
-                <a:uFill>
-                  <a:solidFill>
-                    <a:srgbClr val="ffffff"/>
-                  </a:solidFill>
-                </a:uFill>
-                <a:latin typeface="Arial"/>
-              </a:rPr>
-              <a:t>节点访问样例：</a:t>
-            </a:r>
-            <a:r>
-              <a:rPr b="0" lang="en-US" sz="1800" spc="-1" strike="noStrike">
-                <a:solidFill>
-                  <a:srgbClr val="000000"/>
-                </a:solidFill>
-                <a:uFill>
-                  <a:solidFill>
-                    <a:srgbClr val="ffffff"/>
-                  </a:solidFill>
-                </a:uFill>
-                <a:latin typeface="Arial"/>
-              </a:rPr>
-              <a:t>redis-9.node.consul</a:t>
-            </a:r>
-            <a:endParaRPr b="0" lang="en-US" sz="1800" spc="-1" strike="noStrike">
+          <a:bodyPr lIns="0" rIns="0" tIns="0" bIns="0" anchor="ctr"/>
+          <a:p>
+            <a:r>
+              <a:rPr b="0" lang="en-US" sz="3200" spc="-1" strike="noStrike">
+                <a:solidFill>
+                  <a:srgbClr val="000000"/>
+                </a:solidFill>
+                <a:uFill>
+                  <a:solidFill>
+                    <a:srgbClr val="ffffff"/>
+                  </a:solidFill>
+                </a:uFill>
+                <a:latin typeface="Arial"/>
+              </a:rPr>
+              <a:t>更新系统</a:t>
+            </a:r>
+            <a:endParaRPr b="0" lang="en-US" sz="3200" spc="-1" strike="noStrike">
+              <a:solidFill>
+                <a:srgbClr val="000000"/>
+              </a:solidFill>
+              <a:uFill>
+                <a:solidFill>
+                  <a:srgbClr val="ffffff"/>
+                </a:solidFill>
+              </a:uFill>
+              <a:latin typeface="Arial"/>
+            </a:endParaRPr>
+          </a:p>
+          <a:p>
+            <a:pPr marL="216000" indent="-216000">
+              <a:buClr>
+                <a:srgbClr val="000000"/>
+              </a:buClr>
+              <a:buSzPct val="45000"/>
+              <a:buFont typeface="Wingdings" charset="2"/>
+              <a:buChar char=""/>
+            </a:pPr>
+            <a:r>
+              <a:rPr b="0" lang="en-US" sz="3200" spc="-1" strike="noStrike">
+                <a:solidFill>
+                  <a:srgbClr val="000000"/>
+                </a:solidFill>
+                <a:uFill>
+                  <a:solidFill>
+                    <a:srgbClr val="ffffff"/>
+                  </a:solidFill>
+                </a:uFill>
+                <a:latin typeface="Arial"/>
+              </a:rPr>
+              <a:t>如果有条件的，应该把系统软件更新到最新版本，并重启一次。</a:t>
+            </a:r>
+            <a:endParaRPr b="0" lang="en-US" sz="3200" spc="-1" strike="noStrike">
+              <a:solidFill>
+                <a:srgbClr val="000000"/>
+              </a:solidFill>
+              <a:uFill>
+                <a:solidFill>
+                  <a:srgbClr val="ffffff"/>
+                </a:solidFill>
+              </a:uFill>
+              <a:latin typeface="Arial"/>
+            </a:endParaRPr>
+          </a:p>
+          <a:p>
+            <a:pPr marL="216000" indent="-216000">
+              <a:buClr>
+                <a:srgbClr val="000000"/>
+              </a:buClr>
+              <a:buSzPct val="45000"/>
+              <a:buFont typeface="Wingdings" charset="2"/>
+              <a:buChar char=""/>
+            </a:pPr>
+            <a:r>
+              <a:rPr b="0" lang="en-US" sz="3200" spc="-1" strike="noStrike">
+                <a:solidFill>
+                  <a:srgbClr val="000000"/>
+                </a:solidFill>
+                <a:uFill>
+                  <a:solidFill>
+                    <a:srgbClr val="ffffff"/>
+                  </a:solidFill>
+                </a:uFill>
+                <a:latin typeface="Arial"/>
+              </a:rPr>
+              <a:t>部署过程中，由于系统差别，可能会遇到某些依赖包缺失。请自行修复。本项目使用 </a:t>
+            </a:r>
+            <a:r>
+              <a:rPr b="0" lang="en-US" sz="3200" spc="-1" strike="noStrike">
+                <a:solidFill>
+                  <a:srgbClr val="000000"/>
+                </a:solidFill>
+                <a:uFill>
+                  <a:solidFill>
+                    <a:srgbClr val="ffffff"/>
+                  </a:solidFill>
+                </a:uFill>
+                <a:latin typeface="Arial"/>
+              </a:rPr>
+              <a:t>vagrant </a:t>
+            </a:r>
+            <a:r>
+              <a:rPr b="0" lang="en-US" sz="3200" spc="-1" strike="noStrike">
+                <a:solidFill>
+                  <a:srgbClr val="000000"/>
+                </a:solidFill>
+                <a:uFill>
+                  <a:solidFill>
+                    <a:srgbClr val="ffffff"/>
+                  </a:solidFill>
+                </a:uFill>
+                <a:latin typeface="Arial"/>
+              </a:rPr>
+              <a:t>测试通过。</a:t>
+            </a:r>
+            <a:endParaRPr b="0" lang="en-US" sz="3200" spc="-1" strike="noStrike">
               <a:solidFill>
                 <a:srgbClr val="000000"/>
               </a:solidFill>
@@ -9268,234 +9557,6 @@
       </p:sp>
     </p:spTree>
   </p:cSld>
-  <p:timing>
-    <p:tnLst>
-      <p:par>
-        <p:cTn id="11" dur="indefinite" restart="never" nodeType="tmRoot">
-          <p:childTnLst>
-            <p:seq>
-              <p:cTn id="12" nodeType="mainSeq"/>
-              <p:prevCondLst>
-                <p:cond delay="0" evt="onPrev">
-                  <p:tgtEl>
-                    <p:sldTgt/>
-                  </p:tgtEl>
-                </p:cond>
-              </p:prevCondLst>
-              <p:nextCondLst>
-                <p:cond delay="0" evt="onNext">
-                  <p:tgtEl>
-                    <p:sldTgt/>
-                  </p:tgtEl>
-                </p:cond>
-              </p:nextCondLst>
-            </p:seq>
-          </p:childTnLst>
-        </p:cTn>
-      </p:par>
-    </p:tnLst>
-  </p:timing>
-</p:sld>
-</file>
-
-<file path=ppt/slides/slide7.xml><?xml version="1.0" encoding="utf-8"?>
-<p:sld xmlns:a="http://schemas.openxmlformats.org/drawingml/2006/main" xmlns:p="http://schemas.openxmlformats.org/presentationml/2006/main" xmlns:r="http://schemas.openxmlformats.org/officeDocument/2006/relationships" xmlns:p14="http://schemas.microsoft.com/office/powerpoint/2010/main" xmlns:p15="http://schemas.microsoft.com/office/powerpoint/2012/main" xmlns:mc="http://schemas.openxmlformats.org/markup-compatibility/2006">
-  <p:cSld>
-    <p:spTree>
-      <p:nvGrpSpPr>
-        <p:cNvPr id="1" name=""/>
-        <p:cNvGrpSpPr/>
-        <p:nvPr/>
-      </p:nvGrpSpPr>
-      <p:grpSpPr>
-        <a:xfrm>
-          <a:off x="0" y="0"/>
-          <a:ext cx="0" cy="0"/>
-          <a:chOff x="0" y="0"/>
-          <a:chExt cx="0" cy="0"/>
-        </a:xfrm>
-      </p:grpSpPr>
-      <p:sp>
-        <p:nvSpPr>
-          <p:cNvPr id="158" name="TextShape 1"/>
-          <p:cNvSpPr txBox="1"/>
-          <p:nvPr/>
-        </p:nvSpPr>
-        <p:spPr>
-          <a:xfrm>
-            <a:off x="504000" y="301320"/>
-            <a:ext cx="9071280" cy="1261800"/>
-          </a:xfrm>
-          <a:prstGeom prst="rect">
-            <a:avLst/>
-          </a:prstGeom>
-          <a:noFill/>
-          <a:ln>
-            <a:noFill/>
-          </a:ln>
-        </p:spPr>
-        <p:txBody>
-          <a:bodyPr lIns="0" rIns="0" tIns="0" bIns="0" anchor="ctr"/>
-          <a:p>
-            <a:pPr algn="ctr"/>
-            <a:r>
-              <a:rPr b="0" lang="en-US" sz="4400" spc="-1" strike="noStrike">
-                <a:solidFill>
-                  <a:srgbClr val="000000"/>
-                </a:solidFill>
-                <a:uFill>
-                  <a:solidFill>
-                    <a:srgbClr val="ffffff"/>
-                  </a:solidFill>
-                </a:uFill>
-                <a:latin typeface="Arial"/>
-              </a:rPr>
-              <a:t>Consul</a:t>
-            </a:r>
-            <a:r>
-              <a:rPr b="0" lang="en-US" sz="4400" spc="-1" strike="noStrike">
-                <a:solidFill>
-                  <a:srgbClr val="000000"/>
-                </a:solidFill>
-                <a:uFill>
-                  <a:solidFill>
-                    <a:srgbClr val="ffffff"/>
-                  </a:solidFill>
-                </a:uFill>
-                <a:latin typeface="Arial"/>
-              </a:rPr>
-              <a:t>服务列表</a:t>
-            </a:r>
-            <a:endParaRPr b="0" lang="en-US" sz="4400" spc="-1" strike="noStrike">
-              <a:solidFill>
-                <a:srgbClr val="000000"/>
-              </a:solidFill>
-              <a:uFill>
-                <a:solidFill>
-                  <a:srgbClr val="ffffff"/>
-                </a:solidFill>
-              </a:uFill>
-              <a:latin typeface="Arial"/>
-            </a:endParaRPr>
-          </a:p>
-        </p:txBody>
-      </p:sp>
-      <p:sp>
-        <p:nvSpPr>
-          <p:cNvPr id="159" name="TextShape 2"/>
-          <p:cNvSpPr txBox="1"/>
-          <p:nvPr/>
-        </p:nvSpPr>
-        <p:spPr>
-          <a:xfrm>
-            <a:off x="1280160" y="5029200"/>
-            <a:ext cx="5303520" cy="457200"/>
-          </a:xfrm>
-          <a:prstGeom prst="rect">
-            <a:avLst/>
-          </a:prstGeom>
-          <a:noFill/>
-          <a:ln>
-            <a:noFill/>
-          </a:ln>
-        </p:spPr>
-        <p:txBody>
-          <a:bodyPr lIns="90000" rIns="90000" tIns="45000" bIns="45000"/>
-          <a:p>
-            <a:r>
-              <a:rPr b="0" lang="en-US" sz="1800" spc="-1" strike="noStrike">
-                <a:solidFill>
-                  <a:srgbClr val="000000"/>
-                </a:solidFill>
-                <a:uFill>
-                  <a:solidFill>
-                    <a:srgbClr val="ffffff"/>
-                  </a:solidFill>
-                </a:uFill>
-                <a:latin typeface="Arial"/>
-              </a:rPr>
-              <a:t>节点访问样例：</a:t>
-            </a:r>
-            <a:r>
-              <a:rPr b="0" lang="en-US" sz="1800" spc="-1" strike="noStrike">
-                <a:solidFill>
-                  <a:srgbClr val="000000"/>
-                </a:solidFill>
-                <a:uFill>
-                  <a:solidFill>
-                    <a:srgbClr val="ffffff"/>
-                  </a:solidFill>
-                </a:uFill>
-                <a:latin typeface="Arial"/>
-              </a:rPr>
-              <a:t>redis-9.service.consul</a:t>
-            </a:r>
-            <a:endParaRPr b="0" lang="en-US" sz="1800" spc="-1" strike="noStrike">
-              <a:solidFill>
-                <a:srgbClr val="000000"/>
-              </a:solidFill>
-              <a:uFill>
-                <a:solidFill>
-                  <a:srgbClr val="ffffff"/>
-                </a:solidFill>
-              </a:uFill>
-              <a:latin typeface="Arial"/>
-            </a:endParaRPr>
-          </a:p>
-        </p:txBody>
-      </p:sp>
-      <p:pic>
-        <p:nvPicPr>
-          <p:cNvPr id="160" name="" descr=""/>
-          <p:cNvPicPr/>
-          <p:nvPr/>
-        </p:nvPicPr>
-        <p:blipFill>
-          <a:blip r:embed="rId1"/>
-          <a:stretch/>
-        </p:blipFill>
-        <p:spPr>
-          <a:xfrm>
-            <a:off x="1132920" y="1563120"/>
-            <a:ext cx="7645320" cy="2377440"/>
-          </a:xfrm>
-          <a:prstGeom prst="rect">
-            <a:avLst/>
-          </a:prstGeom>
-          <a:ln>
-            <a:noFill/>
-          </a:ln>
-        </p:spPr>
-      </p:pic>
-    </p:spTree>
-  </p:cSld>
-  <p:timing>
-    <p:tnLst>
-      <p:par>
-        <p:cTn id="13" dur="indefinite" restart="never" nodeType="tmRoot">
-          <p:childTnLst>
-            <p:seq>
-              <p:cTn id="14" nodeType="mainSeq"/>
-              <p:prevCondLst>
-                <p:cond delay="0" evt="onPrev">
-                  <p:tgtEl>
-                    <p:sldTgt/>
-                  </p:tgtEl>
-                </p:cond>
-              </p:prevCondLst>
-              <p:nextCondLst>
-                <p:cond delay="0" evt="onNext">
-                  <p:tgtEl>
-                    <p:sldTgt/>
-                  </p:tgtEl>
-                </p:cond>
-              </p:nextCondLst>
-            </p:seq>
-          </p:childTnLst>
-        </p:cTn>
-      </p:par>
-    </p:tnLst>
-  </p:timing>
 </p:sld>
 </file>
 
